--- a/1004-Tubitak/Presentation/2021.04.28.pptx
+++ b/1004-Tubitak/Presentation/2021.04.28.pptx
@@ -1,29 +1,30 @@
 
 <file path=ppt/presentation.xml><?xml version="1.0" encoding="utf-8"?>
-<p:presentation xmlns:a="http://schemas.openxmlformats.org/drawingml/2006/main" xmlns:r="http://schemas.openxmlformats.org/officeDocument/2006/relationships" xmlns:mc="http://schemas.openxmlformats.org/markup-compatibility/2006" xmlns:mv="urn:schemas-microsoft-com:mac:vml" xmlns:p="http://schemas.openxmlformats.org/presentationml/2006/main" xmlns:c="http://schemas.openxmlformats.org/drawingml/2006/chart" xmlns:dgm="http://schemas.openxmlformats.org/drawingml/2006/diagram" xmlns:o="urn:schemas-microsoft-com:office:office" xmlns:v="urn:schemas-microsoft-com:vml" xmlns:pvml="urn:schemas-microsoft-com:office:powerpoint" xmlns:com="http://schemas.openxmlformats.org/drawingml/2006/compatibility" xmlns:p14="http://schemas.microsoft.com/office/powerpoint/2010/main" xmlns:p15="http://schemas.microsoft.com/office/powerpoint/2012/main" xmlns:ahyp="http://schemas.microsoft.com/office/drawing/2018/hyperlinkcolor" autoCompressPictures="0" strictFirstAndLastChars="0" saveSubsetFonts="1">
+<p:presentation xmlns:a="http://schemas.openxmlformats.org/drawingml/2006/main" xmlns:r="http://schemas.openxmlformats.org/officeDocument/2006/relationships" xmlns:p="http://schemas.openxmlformats.org/presentationml/2006/main" strictFirstAndLastChars="0" saveSubsetFonts="1" autoCompressPictures="0">
   <p:sldMasterIdLst>
-    <p:sldMasterId id="2147483659" r:id="rId5"/>
+    <p:sldMasterId id="2147483659" r:id="rId1"/>
   </p:sldMasterIdLst>
   <p:notesMasterIdLst>
-    <p:notesMasterId r:id="rId6"/>
+    <p:notesMasterId r:id="rId14"/>
   </p:notesMasterIdLst>
   <p:sldIdLst>
-    <p:sldId id="256" r:id="rId7"/>
-    <p:sldId id="257" r:id="rId8"/>
-    <p:sldId id="258" r:id="rId9"/>
-    <p:sldId id="259" r:id="rId10"/>
-    <p:sldId id="260" r:id="rId11"/>
-    <p:sldId id="261" r:id="rId12"/>
-    <p:sldId id="262" r:id="rId13"/>
-    <p:sldId id="263" r:id="rId14"/>
-    <p:sldId id="264" r:id="rId15"/>
-    <p:sldId id="265" r:id="rId16"/>
-    <p:sldId id="266" r:id="rId17"/>
+    <p:sldId id="256" r:id="rId2"/>
+    <p:sldId id="257" r:id="rId3"/>
+    <p:sldId id="258" r:id="rId4"/>
+    <p:sldId id="259" r:id="rId5"/>
+    <p:sldId id="260" r:id="rId6"/>
+    <p:sldId id="261" r:id="rId7"/>
+    <p:sldId id="262" r:id="rId8"/>
+    <p:sldId id="263" r:id="rId9"/>
+    <p:sldId id="264" r:id="rId10"/>
+    <p:sldId id="265" r:id="rId11"/>
+    <p:sldId id="266" r:id="rId12"/>
+    <p:sldId id="267" r:id="rId13"/>
   </p:sldIdLst>
-  <p:sldSz cy="5143500" cx="9144000"/>
+  <p:sldSz cx="9144000" cy="5143500" type="screen16x9"/>
   <p:notesSz cx="6858000" cy="9144000"/>
   <p:defaultTextStyle>
-    <a:defPPr lvl="0" marR="0" rtl="0" algn="l">
+    <a:defPPr marR="0" lvl="0" algn="l" rtl="0">
       <a:lnSpc>
         <a:spcPct val="100000"/>
       </a:lnSpc>
@@ -34,7 +35,7 @@
         <a:spcPts val="0"/>
       </a:spcAft>
     </a:defPPr>
-    <a:lvl1pPr lvl="0" marR="0" rtl="0" algn="l">
+    <a:lvl1pPr marR="0" lvl="0" algn="l" rtl="0">
       <a:lnSpc>
         <a:spcPct val="100000"/>
       </a:lnSpc>
@@ -48,7 +49,7 @@
         <a:srgbClr val="000000"/>
       </a:buClr>
       <a:buFont typeface="Arial"/>
-      <a:defRPr b="0" i="0" sz="1400" u="none" cap="none" strike="noStrike">
+      <a:defRPr sz="1400" b="0" i="0" u="none" strike="noStrike" cap="none">
         <a:solidFill>
           <a:srgbClr val="000000"/>
         </a:solidFill>
@@ -58,7 +59,7 @@
         <a:sym typeface="Arial"/>
       </a:defRPr>
     </a:lvl1pPr>
-    <a:lvl2pPr lvl="1" marR="0" rtl="0" algn="l">
+    <a:lvl2pPr marR="0" lvl="1" algn="l" rtl="0">
       <a:lnSpc>
         <a:spcPct val="100000"/>
       </a:lnSpc>
@@ -72,7 +73,7 @@
         <a:srgbClr val="000000"/>
       </a:buClr>
       <a:buFont typeface="Arial"/>
-      <a:defRPr b="0" i="0" sz="1400" u="none" cap="none" strike="noStrike">
+      <a:defRPr sz="1400" b="0" i="0" u="none" strike="noStrike" cap="none">
         <a:solidFill>
           <a:srgbClr val="000000"/>
         </a:solidFill>
@@ -82,7 +83,7 @@
         <a:sym typeface="Arial"/>
       </a:defRPr>
     </a:lvl2pPr>
-    <a:lvl3pPr lvl="2" marR="0" rtl="0" algn="l">
+    <a:lvl3pPr marR="0" lvl="2" algn="l" rtl="0">
       <a:lnSpc>
         <a:spcPct val="100000"/>
       </a:lnSpc>
@@ -96,7 +97,7 @@
         <a:srgbClr val="000000"/>
       </a:buClr>
       <a:buFont typeface="Arial"/>
-      <a:defRPr b="0" i="0" sz="1400" u="none" cap="none" strike="noStrike">
+      <a:defRPr sz="1400" b="0" i="0" u="none" strike="noStrike" cap="none">
         <a:solidFill>
           <a:srgbClr val="000000"/>
         </a:solidFill>
@@ -106,7 +107,7 @@
         <a:sym typeface="Arial"/>
       </a:defRPr>
     </a:lvl3pPr>
-    <a:lvl4pPr lvl="3" marR="0" rtl="0" algn="l">
+    <a:lvl4pPr marR="0" lvl="3" algn="l" rtl="0">
       <a:lnSpc>
         <a:spcPct val="100000"/>
       </a:lnSpc>
@@ -120,7 +121,7 @@
         <a:srgbClr val="000000"/>
       </a:buClr>
       <a:buFont typeface="Arial"/>
-      <a:defRPr b="0" i="0" sz="1400" u="none" cap="none" strike="noStrike">
+      <a:defRPr sz="1400" b="0" i="0" u="none" strike="noStrike" cap="none">
         <a:solidFill>
           <a:srgbClr val="000000"/>
         </a:solidFill>
@@ -130,7 +131,7 @@
         <a:sym typeface="Arial"/>
       </a:defRPr>
     </a:lvl4pPr>
-    <a:lvl5pPr lvl="4" marR="0" rtl="0" algn="l">
+    <a:lvl5pPr marR="0" lvl="4" algn="l" rtl="0">
       <a:lnSpc>
         <a:spcPct val="100000"/>
       </a:lnSpc>
@@ -144,7 +145,7 @@
         <a:srgbClr val="000000"/>
       </a:buClr>
       <a:buFont typeface="Arial"/>
-      <a:defRPr b="0" i="0" sz="1400" u="none" cap="none" strike="noStrike">
+      <a:defRPr sz="1400" b="0" i="0" u="none" strike="noStrike" cap="none">
         <a:solidFill>
           <a:srgbClr val="000000"/>
         </a:solidFill>
@@ -154,7 +155,7 @@
         <a:sym typeface="Arial"/>
       </a:defRPr>
     </a:lvl5pPr>
-    <a:lvl6pPr lvl="5" marR="0" rtl="0" algn="l">
+    <a:lvl6pPr marR="0" lvl="5" algn="l" rtl="0">
       <a:lnSpc>
         <a:spcPct val="100000"/>
       </a:lnSpc>
@@ -168,7 +169,7 @@
         <a:srgbClr val="000000"/>
       </a:buClr>
       <a:buFont typeface="Arial"/>
-      <a:defRPr b="0" i="0" sz="1400" u="none" cap="none" strike="noStrike">
+      <a:defRPr sz="1400" b="0" i="0" u="none" strike="noStrike" cap="none">
         <a:solidFill>
           <a:srgbClr val="000000"/>
         </a:solidFill>
@@ -178,7 +179,7 @@
         <a:sym typeface="Arial"/>
       </a:defRPr>
     </a:lvl6pPr>
-    <a:lvl7pPr lvl="6" marR="0" rtl="0" algn="l">
+    <a:lvl7pPr marR="0" lvl="6" algn="l" rtl="0">
       <a:lnSpc>
         <a:spcPct val="100000"/>
       </a:lnSpc>
@@ -192,7 +193,7 @@
         <a:srgbClr val="000000"/>
       </a:buClr>
       <a:buFont typeface="Arial"/>
-      <a:defRPr b="0" i="0" sz="1400" u="none" cap="none" strike="noStrike">
+      <a:defRPr sz="1400" b="0" i="0" u="none" strike="noStrike" cap="none">
         <a:solidFill>
           <a:srgbClr val="000000"/>
         </a:solidFill>
@@ -202,7 +203,7 @@
         <a:sym typeface="Arial"/>
       </a:defRPr>
     </a:lvl7pPr>
-    <a:lvl8pPr lvl="7" marR="0" rtl="0" algn="l">
+    <a:lvl8pPr marR="0" lvl="7" algn="l" rtl="0">
       <a:lnSpc>
         <a:spcPct val="100000"/>
       </a:lnSpc>
@@ -216,7 +217,7 @@
         <a:srgbClr val="000000"/>
       </a:buClr>
       <a:buFont typeface="Arial"/>
-      <a:defRPr b="0" i="0" sz="1400" u="none" cap="none" strike="noStrike">
+      <a:defRPr sz="1400" b="0" i="0" u="none" strike="noStrike" cap="none">
         <a:solidFill>
           <a:srgbClr val="000000"/>
         </a:solidFill>
@@ -226,7 +227,7 @@
         <a:sym typeface="Arial"/>
       </a:defRPr>
     </a:lvl8pPr>
-    <a:lvl9pPr lvl="8" marR="0" rtl="0" algn="l">
+    <a:lvl9pPr marR="0" lvl="8" algn="l" rtl="0">
       <a:lnSpc>
         <a:spcPct val="100000"/>
       </a:lnSpc>
@@ -240,7 +241,7 @@
         <a:srgbClr val="000000"/>
       </a:buClr>
       <a:buFont typeface="Arial"/>
-      <a:defRPr b="0" i="0" sz="1400" u="none" cap="none" strike="noStrike">
+      <a:defRPr sz="1400" b="0" i="0" u="none" strike="noStrike" cap="none">
         <a:solidFill>
           <a:srgbClr val="000000"/>
         </a:solidFill>
@@ -253,7 +254,7 @@
   </p:defaultTextStyle>
   <p:extLst>
     <p:ext uri="{EFAFB233-063F-42B5-8137-9DF3F51BA10A}">
-      <p15:sldGuideLst>
+      <p15:sldGuideLst xmlns:p15="http://schemas.microsoft.com/office/powerpoint/2012/main">
         <p15:guide id="1" orient="horz" pos="1620">
           <p15:clr>
             <a:srgbClr val="A4A3A4"/>
@@ -271,11 +272,16 @@
 </file>
 
 <file path=ppt/notesMasters/notesMaster1.xml><?xml version="1.0" encoding="utf-8"?>
-<p:notesMaster xmlns:a="http://schemas.openxmlformats.org/drawingml/2006/main" xmlns:r="http://schemas.openxmlformats.org/officeDocument/2006/relationships" xmlns:mc="http://schemas.openxmlformats.org/markup-compatibility/2006" xmlns:mv="urn:schemas-microsoft-com:mac:vml" xmlns:p="http://schemas.openxmlformats.org/presentationml/2006/main" xmlns:c="http://schemas.openxmlformats.org/drawingml/2006/chart" xmlns:dgm="http://schemas.openxmlformats.org/drawingml/2006/diagram" xmlns:o="urn:schemas-microsoft-com:office:office" xmlns:v="urn:schemas-microsoft-com:vml" xmlns:pvml="urn:schemas-microsoft-com:office:powerpoint" xmlns:com="http://schemas.openxmlformats.org/drawingml/2006/compatibility" xmlns:p14="http://schemas.microsoft.com/office/powerpoint/2010/main" xmlns:p15="http://schemas.microsoft.com/office/powerpoint/2012/main" xmlns:ahyp="http://schemas.microsoft.com/office/drawing/2018/hyperlinkcolor">
+<p:notesMaster xmlns:a="http://schemas.openxmlformats.org/drawingml/2006/main" xmlns:r="http://schemas.openxmlformats.org/officeDocument/2006/relationships" xmlns:p="http://schemas.openxmlformats.org/presentationml/2006/main">
   <p:cSld>
+    <p:bg>
+      <p:bgRef idx="1001">
+        <a:schemeClr val="bg1"/>
+      </p:bgRef>
+    </p:bg>
     <p:spTree>
       <p:nvGrpSpPr>
-        <p:cNvPr id="2" name="Shape 2"/>
+        <p:cNvPr id="1" name="Shape 2"/>
         <p:cNvGrpSpPr/>
         <p:nvPr/>
       </p:nvGrpSpPr>
@@ -290,9 +296,11 @@
       <p:sp>
         <p:nvSpPr>
           <p:cNvPr id="3" name="Google Shape;3;n"/>
-          <p:cNvSpPr/>
+          <p:cNvSpPr>
+            <a:spLocks noGrp="1" noRot="1" noChangeAspect="1"/>
+          </p:cNvSpPr>
           <p:nvPr>
-            <p:ph idx="2" type="sldImg"/>
+            <p:ph type="sldImg" idx="2"/>
           </p:nvPr>
         </p:nvSpPr>
         <p:spPr>
@@ -301,9 +309,13 @@
             <a:ext cx="6096075" cy="3429000"/>
           </a:xfrm>
           <a:custGeom>
-            <a:rect b="b" l="l" r="r" t="t"/>
+            <a:avLst/>
+            <a:gdLst/>
+            <a:ahLst/>
+            <a:cxnLst/>
+            <a:rect l="l" t="t" r="r" b="b"/>
             <a:pathLst>
-              <a:path extrusionOk="0" h="120000" w="120000">
+              <a:path w="120000" h="120000" extrusionOk="0">
                 <a:moveTo>
                   <a:pt x="0" y="0"/>
                 </a:moveTo>
@@ -321,23 +333,25 @@
             </a:pathLst>
           </a:custGeom>
           <a:noFill/>
-          <a:ln cap="flat" cmpd="sng" w="9525">
+          <a:ln w="9525" cap="flat" cmpd="sng">
             <a:solidFill>
               <a:srgbClr val="000000"/>
             </a:solidFill>
             <a:prstDash val="solid"/>
             <a:round/>
-            <a:headEnd len="sm" w="sm" type="none"/>
-            <a:tailEnd len="sm" w="sm" type="none"/>
+            <a:headEnd type="none" w="sm" len="sm"/>
+            <a:tailEnd type="none" w="sm" len="sm"/>
           </a:ln>
         </p:spPr>
       </p:sp>
       <p:sp>
         <p:nvSpPr>
           <p:cNvPr id="4" name="Google Shape;4;n"/>
-          <p:cNvSpPr txBox="1"/>
+          <p:cNvSpPr txBox="1">
+            <a:spLocks noGrp="1"/>
+          </p:cNvSpPr>
           <p:nvPr>
-            <p:ph idx="1" type="body"/>
+            <p:ph type="body" idx="1"/>
           </p:nvPr>
         </p:nvSpPr>
         <p:spPr>
@@ -354,11 +368,11 @@
           </a:ln>
         </p:spPr>
         <p:txBody>
-          <a:bodyPr anchorCtr="0" anchor="t" bIns="91425" lIns="91425" spcFirstLastPara="1" rIns="91425" wrap="square" tIns="91425">
+          <a:bodyPr spcFirstLastPara="1" wrap="square" lIns="91425" tIns="91425" rIns="91425" bIns="91425" anchor="t" anchorCtr="0">
             <a:noAutofit/>
           </a:bodyPr>
           <a:lstStyle>
-            <a:lvl1pPr indent="-298450" lvl="0" marL="457200">
+            <a:lvl1pPr marL="457200" lvl="0" indent="-298450">
               <a:spcBef>
                 <a:spcPts val="0"/>
               </a:spcBef>
@@ -369,7 +383,7 @@
               <a:buChar char="●"/>
               <a:defRPr sz="1100"/>
             </a:lvl1pPr>
-            <a:lvl2pPr indent="-298450" lvl="1" marL="914400">
+            <a:lvl2pPr marL="914400" lvl="1" indent="-298450">
               <a:spcBef>
                 <a:spcPts val="0"/>
               </a:spcBef>
@@ -380,7 +394,7 @@
               <a:buChar char="○"/>
               <a:defRPr sz="1100"/>
             </a:lvl2pPr>
-            <a:lvl3pPr indent="-298450" lvl="2" marL="1371600">
+            <a:lvl3pPr marL="1371600" lvl="2" indent="-298450">
               <a:spcBef>
                 <a:spcPts val="0"/>
               </a:spcBef>
@@ -391,7 +405,7 @@
               <a:buChar char="■"/>
               <a:defRPr sz="1100"/>
             </a:lvl3pPr>
-            <a:lvl4pPr indent="-298450" lvl="3" marL="1828800">
+            <a:lvl4pPr marL="1828800" lvl="3" indent="-298450">
               <a:spcBef>
                 <a:spcPts val="0"/>
               </a:spcBef>
@@ -402,7 +416,7 @@
               <a:buChar char="●"/>
               <a:defRPr sz="1100"/>
             </a:lvl4pPr>
-            <a:lvl5pPr indent="-298450" lvl="4" marL="2286000">
+            <a:lvl5pPr marL="2286000" lvl="4" indent="-298450">
               <a:spcBef>
                 <a:spcPts val="0"/>
               </a:spcBef>
@@ -413,7 +427,7 @@
               <a:buChar char="○"/>
               <a:defRPr sz="1100"/>
             </a:lvl5pPr>
-            <a:lvl6pPr indent="-298450" lvl="5" marL="2743200">
+            <a:lvl6pPr marL="2743200" lvl="5" indent="-298450">
               <a:spcBef>
                 <a:spcPts val="0"/>
               </a:spcBef>
@@ -424,7 +438,7 @@
               <a:buChar char="■"/>
               <a:defRPr sz="1100"/>
             </a:lvl6pPr>
-            <a:lvl7pPr indent="-298450" lvl="6" marL="3200400">
+            <a:lvl7pPr marL="3200400" lvl="6" indent="-298450">
               <a:spcBef>
                 <a:spcPts val="0"/>
               </a:spcBef>
@@ -435,7 +449,7 @@
               <a:buChar char="●"/>
               <a:defRPr sz="1100"/>
             </a:lvl7pPr>
-            <a:lvl8pPr indent="-298450" lvl="7" marL="3657600">
+            <a:lvl8pPr marL="3657600" lvl="7" indent="-298450">
               <a:spcBef>
                 <a:spcPts val="0"/>
               </a:spcBef>
@@ -446,7 +460,7 @@
               <a:buChar char="○"/>
               <a:defRPr sz="1100"/>
             </a:lvl8pPr>
-            <a:lvl9pPr indent="-298450" lvl="8" marL="4114800">
+            <a:lvl9pPr marL="4114800" lvl="8" indent="-298450">
               <a:spcBef>
                 <a:spcPts val="0"/>
               </a:spcBef>
@@ -458,14 +472,16 @@
               <a:defRPr sz="1100"/>
             </a:lvl9pPr>
           </a:lstStyle>
-          <a:p/>
+          <a:p>
+            <a:endParaRPr/>
+          </a:p>
         </p:txBody>
       </p:sp>
     </p:spTree>
   </p:cSld>
-  <p:clrMap accent1="accent1" accent2="accent2" accent3="accent3" accent4="accent4" accent5="accent5" accent6="accent6" bg1="lt1" bg2="dk2" tx1="dk1" tx2="lt2" folHlink="folHlink" hlink="hlink"/>
+  <p:clrMap bg1="lt1" tx1="dk1" bg2="dk2" tx2="lt2" accent1="accent1" accent2="accent2" accent3="accent3" accent4="accent4" accent5="accent5" accent6="accent6" hlink="hlink" folHlink="folHlink"/>
   <p:notesStyle>
-    <a:defPPr lvl="0" marR="0" rtl="0" algn="l">
+    <a:defPPr marR="0" lvl="0" algn="l" rtl="0">
       <a:lnSpc>
         <a:spcPct val="100000"/>
       </a:lnSpc>
@@ -476,7 +492,7 @@
         <a:spcPts val="0"/>
       </a:spcAft>
     </a:defPPr>
-    <a:lvl1pPr lvl="0" marR="0" rtl="0" algn="l">
+    <a:lvl1pPr marR="0" lvl="0" algn="l" rtl="0">
       <a:lnSpc>
         <a:spcPct val="100000"/>
       </a:lnSpc>
@@ -490,7 +506,7 @@
         <a:srgbClr val="000000"/>
       </a:buClr>
       <a:buFont typeface="Arial"/>
-      <a:defRPr b="0" i="0" sz="1400" u="none" cap="none" strike="noStrike">
+      <a:defRPr sz="1400" b="0" i="0" u="none" strike="noStrike" cap="none">
         <a:solidFill>
           <a:srgbClr val="000000"/>
         </a:solidFill>
@@ -500,7 +516,7 @@
         <a:sym typeface="Arial"/>
       </a:defRPr>
     </a:lvl1pPr>
-    <a:lvl2pPr lvl="1" marR="0" rtl="0" algn="l">
+    <a:lvl2pPr marR="0" lvl="1" algn="l" rtl="0">
       <a:lnSpc>
         <a:spcPct val="100000"/>
       </a:lnSpc>
@@ -514,7 +530,7 @@
         <a:srgbClr val="000000"/>
       </a:buClr>
       <a:buFont typeface="Arial"/>
-      <a:defRPr b="0" i="0" sz="1400" u="none" cap="none" strike="noStrike">
+      <a:defRPr sz="1400" b="0" i="0" u="none" strike="noStrike" cap="none">
         <a:solidFill>
           <a:srgbClr val="000000"/>
         </a:solidFill>
@@ -524,7 +540,7 @@
         <a:sym typeface="Arial"/>
       </a:defRPr>
     </a:lvl2pPr>
-    <a:lvl3pPr lvl="2" marR="0" rtl="0" algn="l">
+    <a:lvl3pPr marR="0" lvl="2" algn="l" rtl="0">
       <a:lnSpc>
         <a:spcPct val="100000"/>
       </a:lnSpc>
@@ -538,7 +554,7 @@
         <a:srgbClr val="000000"/>
       </a:buClr>
       <a:buFont typeface="Arial"/>
-      <a:defRPr b="0" i="0" sz="1400" u="none" cap="none" strike="noStrike">
+      <a:defRPr sz="1400" b="0" i="0" u="none" strike="noStrike" cap="none">
         <a:solidFill>
           <a:srgbClr val="000000"/>
         </a:solidFill>
@@ -548,7 +564,7 @@
         <a:sym typeface="Arial"/>
       </a:defRPr>
     </a:lvl3pPr>
-    <a:lvl4pPr lvl="3" marR="0" rtl="0" algn="l">
+    <a:lvl4pPr marR="0" lvl="3" algn="l" rtl="0">
       <a:lnSpc>
         <a:spcPct val="100000"/>
       </a:lnSpc>
@@ -562,7 +578,7 @@
         <a:srgbClr val="000000"/>
       </a:buClr>
       <a:buFont typeface="Arial"/>
-      <a:defRPr b="0" i="0" sz="1400" u="none" cap="none" strike="noStrike">
+      <a:defRPr sz="1400" b="0" i="0" u="none" strike="noStrike" cap="none">
         <a:solidFill>
           <a:srgbClr val="000000"/>
         </a:solidFill>
@@ -572,7 +588,7 @@
         <a:sym typeface="Arial"/>
       </a:defRPr>
     </a:lvl4pPr>
-    <a:lvl5pPr lvl="4" marR="0" rtl="0" algn="l">
+    <a:lvl5pPr marR="0" lvl="4" algn="l" rtl="0">
       <a:lnSpc>
         <a:spcPct val="100000"/>
       </a:lnSpc>
@@ -586,7 +602,7 @@
         <a:srgbClr val="000000"/>
       </a:buClr>
       <a:buFont typeface="Arial"/>
-      <a:defRPr b="0" i="0" sz="1400" u="none" cap="none" strike="noStrike">
+      <a:defRPr sz="1400" b="0" i="0" u="none" strike="noStrike" cap="none">
         <a:solidFill>
           <a:srgbClr val="000000"/>
         </a:solidFill>
@@ -596,7 +612,7 @@
         <a:sym typeface="Arial"/>
       </a:defRPr>
     </a:lvl5pPr>
-    <a:lvl6pPr lvl="5" marR="0" rtl="0" algn="l">
+    <a:lvl6pPr marR="0" lvl="5" algn="l" rtl="0">
       <a:lnSpc>
         <a:spcPct val="100000"/>
       </a:lnSpc>
@@ -610,7 +626,7 @@
         <a:srgbClr val="000000"/>
       </a:buClr>
       <a:buFont typeface="Arial"/>
-      <a:defRPr b="0" i="0" sz="1400" u="none" cap="none" strike="noStrike">
+      <a:defRPr sz="1400" b="0" i="0" u="none" strike="noStrike" cap="none">
         <a:solidFill>
           <a:srgbClr val="000000"/>
         </a:solidFill>
@@ -620,7 +636,7 @@
         <a:sym typeface="Arial"/>
       </a:defRPr>
     </a:lvl6pPr>
-    <a:lvl7pPr lvl="6" marR="0" rtl="0" algn="l">
+    <a:lvl7pPr marR="0" lvl="6" algn="l" rtl="0">
       <a:lnSpc>
         <a:spcPct val="100000"/>
       </a:lnSpc>
@@ -634,7 +650,7 @@
         <a:srgbClr val="000000"/>
       </a:buClr>
       <a:buFont typeface="Arial"/>
-      <a:defRPr b="0" i="0" sz="1400" u="none" cap="none" strike="noStrike">
+      <a:defRPr sz="1400" b="0" i="0" u="none" strike="noStrike" cap="none">
         <a:solidFill>
           <a:srgbClr val="000000"/>
         </a:solidFill>
@@ -644,7 +660,7 @@
         <a:sym typeface="Arial"/>
       </a:defRPr>
     </a:lvl7pPr>
-    <a:lvl8pPr lvl="7" marR="0" rtl="0" algn="l">
+    <a:lvl8pPr marR="0" lvl="7" algn="l" rtl="0">
       <a:lnSpc>
         <a:spcPct val="100000"/>
       </a:lnSpc>
@@ -658,7 +674,7 @@
         <a:srgbClr val="000000"/>
       </a:buClr>
       <a:buFont typeface="Arial"/>
-      <a:defRPr b="0" i="0" sz="1400" u="none" cap="none" strike="noStrike">
+      <a:defRPr sz="1400" b="0" i="0" u="none" strike="noStrike" cap="none">
         <a:solidFill>
           <a:srgbClr val="000000"/>
         </a:solidFill>
@@ -668,7 +684,7 @@
         <a:sym typeface="Arial"/>
       </a:defRPr>
     </a:lvl8pPr>
-    <a:lvl9pPr lvl="8" marR="0" rtl="0" algn="l">
+    <a:lvl9pPr marR="0" lvl="8" algn="l" rtl="0">
       <a:lnSpc>
         <a:spcPct val="100000"/>
       </a:lnSpc>
@@ -682,7 +698,7 @@
         <a:srgbClr val="000000"/>
       </a:buClr>
       <a:buFont typeface="Arial"/>
-      <a:defRPr b="0" i="0" sz="1400" u="none" cap="none" strike="noStrike">
+      <a:defRPr sz="1400" b="0" i="0" u="none" strike="noStrike" cap="none">
         <a:solidFill>
           <a:srgbClr val="000000"/>
         </a:solidFill>
@@ -697,11 +713,11 @@
 </file>
 
 <file path=ppt/notesSlides/notesSlide1.xml><?xml version="1.0" encoding="utf-8"?>
-<p:notes xmlns:a="http://schemas.openxmlformats.org/drawingml/2006/main" xmlns:r="http://schemas.openxmlformats.org/officeDocument/2006/relationships" xmlns:mc="http://schemas.openxmlformats.org/markup-compatibility/2006" xmlns:mv="urn:schemas-microsoft-com:mac:vml" xmlns:p="http://schemas.openxmlformats.org/presentationml/2006/main" xmlns:c="http://schemas.openxmlformats.org/drawingml/2006/chart" xmlns:dgm="http://schemas.openxmlformats.org/drawingml/2006/diagram" xmlns:o="urn:schemas-microsoft-com:office:office" xmlns:v="urn:schemas-microsoft-com:vml" xmlns:pvml="urn:schemas-microsoft-com:office:powerpoint" xmlns:com="http://schemas.openxmlformats.org/drawingml/2006/compatibility" xmlns:p14="http://schemas.microsoft.com/office/powerpoint/2010/main" xmlns:p15="http://schemas.microsoft.com/office/powerpoint/2012/main" xmlns:ahyp="http://schemas.microsoft.com/office/drawing/2018/hyperlinkcolor" showMasterPhAnim="0" showMasterSp="0">
+<p:notes xmlns:a="http://schemas.openxmlformats.org/drawingml/2006/main" xmlns:r="http://schemas.openxmlformats.org/officeDocument/2006/relationships" xmlns:p="http://schemas.openxmlformats.org/presentationml/2006/main" showMasterSp="0" showMasterPhAnim="0">
   <p:cSld>
     <p:spTree>
       <p:nvGrpSpPr>
-        <p:cNvPr id="50" name="Shape 50"/>
+        <p:cNvPr id="1" name="Shape 50"/>
         <p:cNvGrpSpPr/>
         <p:nvPr/>
       </p:nvGrpSpPr>
@@ -716,9 +732,11 @@
       <p:sp>
         <p:nvSpPr>
           <p:cNvPr id="51" name="Google Shape;51;gd307b41752_0_5:notes"/>
-          <p:cNvSpPr/>
+          <p:cNvSpPr>
+            <a:spLocks noGrp="1" noRot="1" noChangeAspect="1"/>
+          </p:cNvSpPr>
           <p:nvPr>
-            <p:ph idx="2" type="sldImg"/>
+            <p:ph type="sldImg" idx="2"/>
           </p:nvPr>
         </p:nvSpPr>
         <p:spPr>
@@ -727,9 +745,13 @@
             <a:ext cx="6096000" cy="3429000"/>
           </a:xfrm>
           <a:custGeom>
-            <a:rect b="b" l="l" r="r" t="t"/>
+            <a:avLst/>
+            <a:gdLst/>
+            <a:ahLst/>
+            <a:cxnLst/>
+            <a:rect l="l" t="t" r="r" b="b"/>
             <a:pathLst>
-              <a:path extrusionOk="0" h="120000" w="120000">
+              <a:path w="120000" h="120000" extrusionOk="0">
                 <a:moveTo>
                   <a:pt x="0" y="0"/>
                 </a:moveTo>
@@ -751,9 +773,11 @@
       <p:sp>
         <p:nvSpPr>
           <p:cNvPr id="52" name="Google Shape;52;gd307b41752_0_5:notes"/>
-          <p:cNvSpPr txBox="1"/>
+          <p:cNvSpPr txBox="1">
+            <a:spLocks noGrp="1"/>
+          </p:cNvSpPr>
           <p:nvPr>
-            <p:ph idx="1" type="body"/>
+            <p:ph type="body" idx="1"/>
           </p:nvPr>
         </p:nvSpPr>
         <p:spPr>
@@ -766,12 +790,12 @@
           </a:prstGeom>
         </p:spPr>
         <p:txBody>
-          <a:bodyPr anchorCtr="0" anchor="t" bIns="91425" lIns="91425" spcFirstLastPara="1" rIns="91425" wrap="square" tIns="91425">
+          <a:bodyPr spcFirstLastPara="1" wrap="square" lIns="91425" tIns="91425" rIns="91425" bIns="91425" anchor="t" anchorCtr="0">
             <a:noAutofit/>
           </a:bodyPr>
           <a:lstStyle/>
           <a:p>
-            <a:pPr indent="0" lvl="0" marL="0" rtl="0" algn="l">
+            <a:pPr marL="0" lvl="0" indent="0" algn="l" rtl="0">
               <a:spcBef>
                 <a:spcPts val="0"/>
               </a:spcBef>
@@ -780,9 +804,6 @@
               </a:spcAft>
               <a:buNone/>
             </a:pPr>
-            <a:r>
-              <a:t/>
-            </a:r>
             <a:endParaRPr/>
           </a:p>
         </p:txBody>
@@ -796,11 +817,11 @@
 </file>
 
 <file path=ppt/notesSlides/notesSlide10.xml><?xml version="1.0" encoding="utf-8"?>
-<p:notes xmlns:a="http://schemas.openxmlformats.org/drawingml/2006/main" xmlns:r="http://schemas.openxmlformats.org/officeDocument/2006/relationships" xmlns:mc="http://schemas.openxmlformats.org/markup-compatibility/2006" xmlns:mv="urn:schemas-microsoft-com:mac:vml" xmlns:p="http://schemas.openxmlformats.org/presentationml/2006/main" xmlns:c="http://schemas.openxmlformats.org/drawingml/2006/chart" xmlns:dgm="http://schemas.openxmlformats.org/drawingml/2006/diagram" xmlns:o="urn:schemas-microsoft-com:office:office" xmlns:v="urn:schemas-microsoft-com:vml" xmlns:pvml="urn:schemas-microsoft-com:office:powerpoint" xmlns:com="http://schemas.openxmlformats.org/drawingml/2006/compatibility" xmlns:p14="http://schemas.microsoft.com/office/powerpoint/2010/main" xmlns:p15="http://schemas.microsoft.com/office/powerpoint/2012/main" xmlns:ahyp="http://schemas.microsoft.com/office/drawing/2018/hyperlinkcolor" showMasterPhAnim="0" showMasterSp="0">
+<p:notes xmlns:a="http://schemas.openxmlformats.org/drawingml/2006/main" xmlns:r="http://schemas.openxmlformats.org/officeDocument/2006/relationships" xmlns:p="http://schemas.openxmlformats.org/presentationml/2006/main" showMasterSp="0" showMasterPhAnim="0">
   <p:cSld>
     <p:spTree>
       <p:nvGrpSpPr>
-        <p:cNvPr id="112" name="Shape 112"/>
+        <p:cNvPr id="1" name="Shape 112"/>
         <p:cNvGrpSpPr/>
         <p:nvPr/>
       </p:nvGrpSpPr>
@@ -815,9 +836,11 @@
       <p:sp>
         <p:nvSpPr>
           <p:cNvPr id="113" name="Google Shape;113;gd5a98b5f15_0_8:notes"/>
-          <p:cNvSpPr/>
+          <p:cNvSpPr>
+            <a:spLocks noGrp="1" noRot="1" noChangeAspect="1"/>
+          </p:cNvSpPr>
           <p:nvPr>
-            <p:ph idx="2" type="sldImg"/>
+            <p:ph type="sldImg" idx="2"/>
           </p:nvPr>
         </p:nvSpPr>
         <p:spPr>
@@ -826,9 +849,13 @@
             <a:ext cx="6096000" cy="3429000"/>
           </a:xfrm>
           <a:custGeom>
-            <a:rect b="b" l="l" r="r" t="t"/>
+            <a:avLst/>
+            <a:gdLst/>
+            <a:ahLst/>
+            <a:cxnLst/>
+            <a:rect l="l" t="t" r="r" b="b"/>
             <a:pathLst>
-              <a:path extrusionOk="0" h="120000" w="120000">
+              <a:path w="120000" h="120000" extrusionOk="0">
                 <a:moveTo>
                   <a:pt x="0" y="0"/>
                 </a:moveTo>
@@ -850,9 +877,11 @@
       <p:sp>
         <p:nvSpPr>
           <p:cNvPr id="114" name="Google Shape;114;gd5a98b5f15_0_8:notes"/>
-          <p:cNvSpPr txBox="1"/>
+          <p:cNvSpPr txBox="1">
+            <a:spLocks noGrp="1"/>
+          </p:cNvSpPr>
           <p:nvPr>
-            <p:ph idx="1" type="body"/>
+            <p:ph type="body" idx="1"/>
           </p:nvPr>
         </p:nvSpPr>
         <p:spPr>
@@ -865,12 +894,12 @@
           </a:prstGeom>
         </p:spPr>
         <p:txBody>
-          <a:bodyPr anchorCtr="0" anchor="t" bIns="91425" lIns="91425" spcFirstLastPara="1" rIns="91425" wrap="square" tIns="91425">
+          <a:bodyPr spcFirstLastPara="1" wrap="square" lIns="91425" tIns="91425" rIns="91425" bIns="91425" anchor="t" anchorCtr="0">
             <a:noAutofit/>
           </a:bodyPr>
           <a:lstStyle/>
           <a:p>
-            <a:pPr indent="0" lvl="0" marL="0" rtl="0" algn="l">
+            <a:pPr marL="0" lvl="0" indent="0" algn="l" rtl="0">
               <a:spcBef>
                 <a:spcPts val="0"/>
               </a:spcBef>
@@ -879,9 +908,6 @@
               </a:spcAft>
               <a:buNone/>
             </a:pPr>
-            <a:r>
-              <a:t/>
-            </a:r>
             <a:endParaRPr/>
           </a:p>
         </p:txBody>
@@ -895,11 +921,11 @@
 </file>
 
 <file path=ppt/notesSlides/notesSlide11.xml><?xml version="1.0" encoding="utf-8"?>
-<p:notes xmlns:a="http://schemas.openxmlformats.org/drawingml/2006/main" xmlns:r="http://schemas.openxmlformats.org/officeDocument/2006/relationships" xmlns:mc="http://schemas.openxmlformats.org/markup-compatibility/2006" xmlns:mv="urn:schemas-microsoft-com:mac:vml" xmlns:p="http://schemas.openxmlformats.org/presentationml/2006/main" xmlns:c="http://schemas.openxmlformats.org/drawingml/2006/chart" xmlns:dgm="http://schemas.openxmlformats.org/drawingml/2006/diagram" xmlns:o="urn:schemas-microsoft-com:office:office" xmlns:v="urn:schemas-microsoft-com:vml" xmlns:pvml="urn:schemas-microsoft-com:office:powerpoint" xmlns:com="http://schemas.openxmlformats.org/drawingml/2006/compatibility" xmlns:p14="http://schemas.microsoft.com/office/powerpoint/2010/main" xmlns:p15="http://schemas.microsoft.com/office/powerpoint/2012/main" xmlns:ahyp="http://schemas.microsoft.com/office/drawing/2018/hyperlinkcolor" showMasterPhAnim="0" showMasterSp="0">
+<p:notes xmlns:a="http://schemas.openxmlformats.org/drawingml/2006/main" xmlns:r="http://schemas.openxmlformats.org/officeDocument/2006/relationships" xmlns:p="http://schemas.openxmlformats.org/presentationml/2006/main" showMasterSp="0" showMasterPhAnim="0">
   <p:cSld>
     <p:spTree>
       <p:nvGrpSpPr>
-        <p:cNvPr id="122" name="Shape 122"/>
+        <p:cNvPr id="1" name="Shape 122"/>
         <p:cNvGrpSpPr/>
         <p:nvPr/>
       </p:nvGrpSpPr>
@@ -914,20 +940,26 @@
       <p:sp>
         <p:nvSpPr>
           <p:cNvPr id="123" name="Google Shape;123;gd5a98b5f15_0_41:notes"/>
-          <p:cNvSpPr/>
+          <p:cNvSpPr>
+            <a:spLocks noGrp="1" noRot="1" noChangeAspect="1"/>
+          </p:cNvSpPr>
           <p:nvPr>
-            <p:ph idx="2" type="sldImg"/>
+            <p:ph type="sldImg" idx="2"/>
           </p:nvPr>
         </p:nvSpPr>
         <p:spPr>
           <a:xfrm>
-            <a:off x="381300" y="685800"/>
+            <a:off x="381000" y="685800"/>
             <a:ext cx="6096000" cy="3429000"/>
           </a:xfrm>
           <a:custGeom>
-            <a:rect b="b" l="l" r="r" t="t"/>
+            <a:avLst/>
+            <a:gdLst/>
+            <a:ahLst/>
+            <a:cxnLst/>
+            <a:rect l="l" t="t" r="r" b="b"/>
             <a:pathLst>
-              <a:path extrusionOk="0" h="120000" w="120000">
+              <a:path w="120000" h="120000" extrusionOk="0">
                 <a:moveTo>
                   <a:pt x="0" y="0"/>
                 </a:moveTo>
@@ -949,9 +981,11 @@
       <p:sp>
         <p:nvSpPr>
           <p:cNvPr id="124" name="Google Shape;124;gd5a98b5f15_0_41:notes"/>
-          <p:cNvSpPr txBox="1"/>
+          <p:cNvSpPr txBox="1">
+            <a:spLocks noGrp="1"/>
+          </p:cNvSpPr>
           <p:nvPr>
-            <p:ph idx="1" type="body"/>
+            <p:ph type="body" idx="1"/>
           </p:nvPr>
         </p:nvSpPr>
         <p:spPr>
@@ -964,12 +998,12 @@
           </a:prstGeom>
         </p:spPr>
         <p:txBody>
-          <a:bodyPr anchorCtr="0" anchor="t" bIns="91425" lIns="91425" spcFirstLastPara="1" rIns="91425" wrap="square" tIns="91425">
+          <a:bodyPr spcFirstLastPara="1" wrap="square" lIns="91425" tIns="91425" rIns="91425" bIns="91425" anchor="t" anchorCtr="0">
             <a:noAutofit/>
           </a:bodyPr>
           <a:lstStyle/>
           <a:p>
-            <a:pPr indent="0" lvl="0" marL="0" rtl="0" algn="l">
+            <a:pPr marL="0" lvl="0" indent="0" algn="l" rtl="0">
               <a:spcBef>
                 <a:spcPts val="0"/>
               </a:spcBef>
@@ -978,9 +1012,6 @@
               </a:spcAft>
               <a:buNone/>
             </a:pPr>
-            <a:r>
-              <a:t/>
-            </a:r>
             <a:endParaRPr/>
           </a:p>
         </p:txBody>
@@ -994,11 +1025,11 @@
 </file>
 
 <file path=ppt/notesSlides/notesSlide2.xml><?xml version="1.0" encoding="utf-8"?>
-<p:notes xmlns:a="http://schemas.openxmlformats.org/drawingml/2006/main" xmlns:r="http://schemas.openxmlformats.org/officeDocument/2006/relationships" xmlns:mc="http://schemas.openxmlformats.org/markup-compatibility/2006" xmlns:mv="urn:schemas-microsoft-com:mac:vml" xmlns:p="http://schemas.openxmlformats.org/presentationml/2006/main" xmlns:c="http://schemas.openxmlformats.org/drawingml/2006/chart" xmlns:dgm="http://schemas.openxmlformats.org/drawingml/2006/diagram" xmlns:o="urn:schemas-microsoft-com:office:office" xmlns:v="urn:schemas-microsoft-com:vml" xmlns:pvml="urn:schemas-microsoft-com:office:powerpoint" xmlns:com="http://schemas.openxmlformats.org/drawingml/2006/compatibility" xmlns:p14="http://schemas.microsoft.com/office/powerpoint/2010/main" xmlns:p15="http://schemas.microsoft.com/office/powerpoint/2012/main" xmlns:ahyp="http://schemas.microsoft.com/office/drawing/2018/hyperlinkcolor" showMasterPhAnim="0" showMasterSp="0">
+<p:notes xmlns:a="http://schemas.openxmlformats.org/drawingml/2006/main" xmlns:r="http://schemas.openxmlformats.org/officeDocument/2006/relationships" xmlns:p="http://schemas.openxmlformats.org/presentationml/2006/main" showMasterSp="0" showMasterPhAnim="0">
   <p:cSld>
     <p:spTree>
       <p:nvGrpSpPr>
-        <p:cNvPr id="57" name="Shape 57"/>
+        <p:cNvPr id="1" name="Shape 57"/>
         <p:cNvGrpSpPr/>
         <p:nvPr/>
       </p:nvGrpSpPr>
@@ -1013,20 +1044,26 @@
       <p:sp>
         <p:nvSpPr>
           <p:cNvPr id="58" name="Google Shape;58;gd58bddf9f1_0_0:notes"/>
-          <p:cNvSpPr/>
+          <p:cNvSpPr>
+            <a:spLocks noGrp="1" noRot="1" noChangeAspect="1"/>
+          </p:cNvSpPr>
           <p:nvPr>
-            <p:ph idx="2" type="sldImg"/>
+            <p:ph type="sldImg" idx="2"/>
           </p:nvPr>
         </p:nvSpPr>
         <p:spPr>
           <a:xfrm>
-            <a:off x="381300" y="685800"/>
+            <a:off x="381000" y="685800"/>
             <a:ext cx="6096000" cy="3429000"/>
           </a:xfrm>
           <a:custGeom>
-            <a:rect b="b" l="l" r="r" t="t"/>
+            <a:avLst/>
+            <a:gdLst/>
+            <a:ahLst/>
+            <a:cxnLst/>
+            <a:rect l="l" t="t" r="r" b="b"/>
             <a:pathLst>
-              <a:path extrusionOk="0" h="120000" w="120000">
+              <a:path w="120000" h="120000" extrusionOk="0">
                 <a:moveTo>
                   <a:pt x="0" y="0"/>
                 </a:moveTo>
@@ -1048,9 +1085,11 @@
       <p:sp>
         <p:nvSpPr>
           <p:cNvPr id="59" name="Google Shape;59;gd58bddf9f1_0_0:notes"/>
-          <p:cNvSpPr txBox="1"/>
+          <p:cNvSpPr txBox="1">
+            <a:spLocks noGrp="1"/>
+          </p:cNvSpPr>
           <p:nvPr>
-            <p:ph idx="1" type="body"/>
+            <p:ph type="body" idx="1"/>
           </p:nvPr>
         </p:nvSpPr>
         <p:spPr>
@@ -1063,12 +1102,12 @@
           </a:prstGeom>
         </p:spPr>
         <p:txBody>
-          <a:bodyPr anchorCtr="0" anchor="t" bIns="91425" lIns="91425" spcFirstLastPara="1" rIns="91425" wrap="square" tIns="91425">
+          <a:bodyPr spcFirstLastPara="1" wrap="square" lIns="91425" tIns="91425" rIns="91425" bIns="91425" anchor="t" anchorCtr="0">
             <a:noAutofit/>
           </a:bodyPr>
           <a:lstStyle/>
           <a:p>
-            <a:pPr indent="0" lvl="0" marL="0" rtl="0" algn="l">
+            <a:pPr marL="0" lvl="0" indent="0" algn="l" rtl="0">
               <a:spcBef>
                 <a:spcPts val="0"/>
               </a:spcBef>
@@ -1077,9 +1116,6 @@
               </a:spcAft>
               <a:buNone/>
             </a:pPr>
-            <a:r>
-              <a:t/>
-            </a:r>
             <a:endParaRPr/>
           </a:p>
         </p:txBody>
@@ -1093,11 +1129,11 @@
 </file>
 
 <file path=ppt/notesSlides/notesSlide3.xml><?xml version="1.0" encoding="utf-8"?>
-<p:notes xmlns:a="http://schemas.openxmlformats.org/drawingml/2006/main" xmlns:r="http://schemas.openxmlformats.org/officeDocument/2006/relationships" xmlns:mc="http://schemas.openxmlformats.org/markup-compatibility/2006" xmlns:mv="urn:schemas-microsoft-com:mac:vml" xmlns:p="http://schemas.openxmlformats.org/presentationml/2006/main" xmlns:c="http://schemas.openxmlformats.org/drawingml/2006/chart" xmlns:dgm="http://schemas.openxmlformats.org/drawingml/2006/diagram" xmlns:o="urn:schemas-microsoft-com:office:office" xmlns:v="urn:schemas-microsoft-com:vml" xmlns:pvml="urn:schemas-microsoft-com:office:powerpoint" xmlns:com="http://schemas.openxmlformats.org/drawingml/2006/compatibility" xmlns:p14="http://schemas.microsoft.com/office/powerpoint/2010/main" xmlns:p15="http://schemas.microsoft.com/office/powerpoint/2012/main" xmlns:ahyp="http://schemas.microsoft.com/office/drawing/2018/hyperlinkcolor" showMasterPhAnim="0" showMasterSp="0">
+<p:notes xmlns:a="http://schemas.openxmlformats.org/drawingml/2006/main" xmlns:r="http://schemas.openxmlformats.org/officeDocument/2006/relationships" xmlns:p="http://schemas.openxmlformats.org/presentationml/2006/main" showMasterSp="0" showMasterPhAnim="0">
   <p:cSld>
     <p:spTree>
       <p:nvGrpSpPr>
-        <p:cNvPr id="63" name="Shape 63"/>
+        <p:cNvPr id="1" name="Shape 63"/>
         <p:cNvGrpSpPr/>
         <p:nvPr/>
       </p:nvGrpSpPr>
@@ -1112,9 +1148,11 @@
       <p:sp>
         <p:nvSpPr>
           <p:cNvPr id="64" name="Google Shape;64;gd58bddf9f1_0_5:notes"/>
-          <p:cNvSpPr/>
+          <p:cNvSpPr>
+            <a:spLocks noGrp="1" noRot="1" noChangeAspect="1"/>
+          </p:cNvSpPr>
           <p:nvPr>
-            <p:ph idx="2" type="sldImg"/>
+            <p:ph type="sldImg" idx="2"/>
           </p:nvPr>
         </p:nvSpPr>
         <p:spPr>
@@ -1123,9 +1161,13 @@
             <a:ext cx="6096000" cy="3429000"/>
           </a:xfrm>
           <a:custGeom>
-            <a:rect b="b" l="l" r="r" t="t"/>
+            <a:avLst/>
+            <a:gdLst/>
+            <a:ahLst/>
+            <a:cxnLst/>
+            <a:rect l="l" t="t" r="r" b="b"/>
             <a:pathLst>
-              <a:path extrusionOk="0" h="120000" w="120000">
+              <a:path w="120000" h="120000" extrusionOk="0">
                 <a:moveTo>
                   <a:pt x="0" y="0"/>
                 </a:moveTo>
@@ -1147,9 +1189,11 @@
       <p:sp>
         <p:nvSpPr>
           <p:cNvPr id="65" name="Google Shape;65;gd58bddf9f1_0_5:notes"/>
-          <p:cNvSpPr txBox="1"/>
+          <p:cNvSpPr txBox="1">
+            <a:spLocks noGrp="1"/>
+          </p:cNvSpPr>
           <p:nvPr>
-            <p:ph idx="1" type="body"/>
+            <p:ph type="body" idx="1"/>
           </p:nvPr>
         </p:nvSpPr>
         <p:spPr>
@@ -1162,12 +1206,12 @@
           </a:prstGeom>
         </p:spPr>
         <p:txBody>
-          <a:bodyPr anchorCtr="0" anchor="t" bIns="91425" lIns="91425" spcFirstLastPara="1" rIns="91425" wrap="square" tIns="91425">
+          <a:bodyPr spcFirstLastPara="1" wrap="square" lIns="91425" tIns="91425" rIns="91425" bIns="91425" anchor="t" anchorCtr="0">
             <a:noAutofit/>
           </a:bodyPr>
           <a:lstStyle/>
           <a:p>
-            <a:pPr indent="0" lvl="0" marL="0" rtl="0" algn="l">
+            <a:pPr marL="0" lvl="0" indent="0" algn="l" rtl="0">
               <a:spcBef>
                 <a:spcPts val="0"/>
               </a:spcBef>
@@ -1176,9 +1220,6 @@
               </a:spcAft>
               <a:buNone/>
             </a:pPr>
-            <a:r>
-              <a:t/>
-            </a:r>
             <a:endParaRPr/>
           </a:p>
         </p:txBody>
@@ -1192,11 +1233,11 @@
 </file>
 
 <file path=ppt/notesSlides/notesSlide4.xml><?xml version="1.0" encoding="utf-8"?>
-<p:notes xmlns:a="http://schemas.openxmlformats.org/drawingml/2006/main" xmlns:r="http://schemas.openxmlformats.org/officeDocument/2006/relationships" xmlns:mc="http://schemas.openxmlformats.org/markup-compatibility/2006" xmlns:mv="urn:schemas-microsoft-com:mac:vml" xmlns:p="http://schemas.openxmlformats.org/presentationml/2006/main" xmlns:c="http://schemas.openxmlformats.org/drawingml/2006/chart" xmlns:dgm="http://schemas.openxmlformats.org/drawingml/2006/diagram" xmlns:o="urn:schemas-microsoft-com:office:office" xmlns:v="urn:schemas-microsoft-com:vml" xmlns:pvml="urn:schemas-microsoft-com:office:powerpoint" xmlns:com="http://schemas.openxmlformats.org/drawingml/2006/compatibility" xmlns:p14="http://schemas.microsoft.com/office/powerpoint/2010/main" xmlns:p15="http://schemas.microsoft.com/office/powerpoint/2012/main" xmlns:ahyp="http://schemas.microsoft.com/office/drawing/2018/hyperlinkcolor" showMasterPhAnim="0" showMasterSp="0">
+<p:notes xmlns:a="http://schemas.openxmlformats.org/drawingml/2006/main" xmlns:r="http://schemas.openxmlformats.org/officeDocument/2006/relationships" xmlns:p="http://schemas.openxmlformats.org/presentationml/2006/main" showMasterSp="0" showMasterPhAnim="0">
   <p:cSld>
     <p:spTree>
       <p:nvGrpSpPr>
-        <p:cNvPr id="70" name="Shape 70"/>
+        <p:cNvPr id="1" name="Shape 70"/>
         <p:cNvGrpSpPr/>
         <p:nvPr/>
       </p:nvGrpSpPr>
@@ -1211,9 +1252,11 @@
       <p:sp>
         <p:nvSpPr>
           <p:cNvPr id="71" name="Google Shape;71;gd58bddf9f1_1_20:notes"/>
-          <p:cNvSpPr/>
+          <p:cNvSpPr>
+            <a:spLocks noGrp="1" noRot="1" noChangeAspect="1"/>
+          </p:cNvSpPr>
           <p:nvPr>
-            <p:ph idx="2" type="sldImg"/>
+            <p:ph type="sldImg" idx="2"/>
           </p:nvPr>
         </p:nvSpPr>
         <p:spPr>
@@ -1222,9 +1265,13 @@
             <a:ext cx="6096000" cy="3429000"/>
           </a:xfrm>
           <a:custGeom>
-            <a:rect b="b" l="l" r="r" t="t"/>
+            <a:avLst/>
+            <a:gdLst/>
+            <a:ahLst/>
+            <a:cxnLst/>
+            <a:rect l="l" t="t" r="r" b="b"/>
             <a:pathLst>
-              <a:path extrusionOk="0" h="120000" w="120000">
+              <a:path w="120000" h="120000" extrusionOk="0">
                 <a:moveTo>
                   <a:pt x="0" y="0"/>
                 </a:moveTo>
@@ -1246,9 +1293,11 @@
       <p:sp>
         <p:nvSpPr>
           <p:cNvPr id="72" name="Google Shape;72;gd58bddf9f1_1_20:notes"/>
-          <p:cNvSpPr txBox="1"/>
+          <p:cNvSpPr txBox="1">
+            <a:spLocks noGrp="1"/>
+          </p:cNvSpPr>
           <p:nvPr>
-            <p:ph idx="1" type="body"/>
+            <p:ph type="body" idx="1"/>
           </p:nvPr>
         </p:nvSpPr>
         <p:spPr>
@@ -1261,12 +1310,12 @@
           </a:prstGeom>
         </p:spPr>
         <p:txBody>
-          <a:bodyPr anchorCtr="0" anchor="t" bIns="91425" lIns="91425" spcFirstLastPara="1" rIns="91425" wrap="square" tIns="91425">
+          <a:bodyPr spcFirstLastPara="1" wrap="square" lIns="91425" tIns="91425" rIns="91425" bIns="91425" anchor="t" anchorCtr="0">
             <a:noAutofit/>
           </a:bodyPr>
           <a:lstStyle/>
           <a:p>
-            <a:pPr indent="0" lvl="0" marL="0" rtl="0" algn="l">
+            <a:pPr marL="0" lvl="0" indent="0" algn="l" rtl="0">
               <a:spcBef>
                 <a:spcPts val="0"/>
               </a:spcBef>
@@ -1275,9 +1324,6 @@
               </a:spcAft>
               <a:buNone/>
             </a:pPr>
-            <a:r>
-              <a:t/>
-            </a:r>
             <a:endParaRPr/>
           </a:p>
         </p:txBody>
@@ -1291,11 +1337,11 @@
 </file>
 
 <file path=ppt/notesSlides/notesSlide5.xml><?xml version="1.0" encoding="utf-8"?>
-<p:notes xmlns:a="http://schemas.openxmlformats.org/drawingml/2006/main" xmlns:r="http://schemas.openxmlformats.org/officeDocument/2006/relationships" xmlns:mc="http://schemas.openxmlformats.org/markup-compatibility/2006" xmlns:mv="urn:schemas-microsoft-com:mac:vml" xmlns:p="http://schemas.openxmlformats.org/presentationml/2006/main" xmlns:c="http://schemas.openxmlformats.org/drawingml/2006/chart" xmlns:dgm="http://schemas.openxmlformats.org/drawingml/2006/diagram" xmlns:o="urn:schemas-microsoft-com:office:office" xmlns:v="urn:schemas-microsoft-com:vml" xmlns:pvml="urn:schemas-microsoft-com:office:powerpoint" xmlns:com="http://schemas.openxmlformats.org/drawingml/2006/compatibility" xmlns:p14="http://schemas.microsoft.com/office/powerpoint/2010/main" xmlns:p15="http://schemas.microsoft.com/office/powerpoint/2012/main" xmlns:ahyp="http://schemas.microsoft.com/office/drawing/2018/hyperlinkcolor" showMasterPhAnim="0" showMasterSp="0">
+<p:notes xmlns:a="http://schemas.openxmlformats.org/drawingml/2006/main" xmlns:r="http://schemas.openxmlformats.org/officeDocument/2006/relationships" xmlns:p="http://schemas.openxmlformats.org/presentationml/2006/main" showMasterSp="0" showMasterPhAnim="0">
   <p:cSld>
     <p:spTree>
       <p:nvGrpSpPr>
-        <p:cNvPr id="77" name="Shape 77"/>
+        <p:cNvPr id="1" name="Shape 77"/>
         <p:cNvGrpSpPr/>
         <p:nvPr/>
       </p:nvGrpSpPr>
@@ -1310,9 +1356,11 @@
       <p:sp>
         <p:nvSpPr>
           <p:cNvPr id="78" name="Google Shape;78;gd58bddf9f1_0_20:notes"/>
-          <p:cNvSpPr/>
+          <p:cNvSpPr>
+            <a:spLocks noGrp="1" noRot="1" noChangeAspect="1"/>
+          </p:cNvSpPr>
           <p:nvPr>
-            <p:ph idx="2" type="sldImg"/>
+            <p:ph type="sldImg" idx="2"/>
           </p:nvPr>
         </p:nvSpPr>
         <p:spPr>
@@ -1321,9 +1369,13 @@
             <a:ext cx="6096000" cy="3429000"/>
           </a:xfrm>
           <a:custGeom>
-            <a:rect b="b" l="l" r="r" t="t"/>
+            <a:avLst/>
+            <a:gdLst/>
+            <a:ahLst/>
+            <a:cxnLst/>
+            <a:rect l="l" t="t" r="r" b="b"/>
             <a:pathLst>
-              <a:path extrusionOk="0" h="120000" w="120000">
+              <a:path w="120000" h="120000" extrusionOk="0">
                 <a:moveTo>
                   <a:pt x="0" y="0"/>
                 </a:moveTo>
@@ -1345,9 +1397,11 @@
       <p:sp>
         <p:nvSpPr>
           <p:cNvPr id="79" name="Google Shape;79;gd58bddf9f1_0_20:notes"/>
-          <p:cNvSpPr txBox="1"/>
+          <p:cNvSpPr txBox="1">
+            <a:spLocks noGrp="1"/>
+          </p:cNvSpPr>
           <p:nvPr>
-            <p:ph idx="1" type="body"/>
+            <p:ph type="body" idx="1"/>
           </p:nvPr>
         </p:nvSpPr>
         <p:spPr>
@@ -1360,12 +1414,12 @@
           </a:prstGeom>
         </p:spPr>
         <p:txBody>
-          <a:bodyPr anchorCtr="0" anchor="t" bIns="91425" lIns="91425" spcFirstLastPara="1" rIns="91425" wrap="square" tIns="91425">
+          <a:bodyPr spcFirstLastPara="1" wrap="square" lIns="91425" tIns="91425" rIns="91425" bIns="91425" anchor="t" anchorCtr="0">
             <a:noAutofit/>
           </a:bodyPr>
           <a:lstStyle/>
           <a:p>
-            <a:pPr indent="0" lvl="0" marL="0" rtl="0" algn="l">
+            <a:pPr marL="0" lvl="0" indent="0" algn="l" rtl="0">
               <a:spcBef>
                 <a:spcPts val="0"/>
               </a:spcBef>
@@ -1374,9 +1428,6 @@
               </a:spcAft>
               <a:buNone/>
             </a:pPr>
-            <a:r>
-              <a:t/>
-            </a:r>
             <a:endParaRPr/>
           </a:p>
         </p:txBody>
@@ -1390,11 +1441,11 @@
 </file>
 
 <file path=ppt/notesSlides/notesSlide6.xml><?xml version="1.0" encoding="utf-8"?>
-<p:notes xmlns:a="http://schemas.openxmlformats.org/drawingml/2006/main" xmlns:r="http://schemas.openxmlformats.org/officeDocument/2006/relationships" xmlns:mc="http://schemas.openxmlformats.org/markup-compatibility/2006" xmlns:mv="urn:schemas-microsoft-com:mac:vml" xmlns:p="http://schemas.openxmlformats.org/presentationml/2006/main" xmlns:c="http://schemas.openxmlformats.org/drawingml/2006/chart" xmlns:dgm="http://schemas.openxmlformats.org/drawingml/2006/diagram" xmlns:o="urn:schemas-microsoft-com:office:office" xmlns:v="urn:schemas-microsoft-com:vml" xmlns:pvml="urn:schemas-microsoft-com:office:powerpoint" xmlns:com="http://schemas.openxmlformats.org/drawingml/2006/compatibility" xmlns:p14="http://schemas.microsoft.com/office/powerpoint/2010/main" xmlns:p15="http://schemas.microsoft.com/office/powerpoint/2012/main" xmlns:ahyp="http://schemas.microsoft.com/office/drawing/2018/hyperlinkcolor" showMasterPhAnim="0" showMasterSp="0">
+<p:notes xmlns:a="http://schemas.openxmlformats.org/drawingml/2006/main" xmlns:r="http://schemas.openxmlformats.org/officeDocument/2006/relationships" xmlns:p="http://schemas.openxmlformats.org/presentationml/2006/main" showMasterSp="0" showMasterPhAnim="0">
   <p:cSld>
     <p:spTree>
       <p:nvGrpSpPr>
-        <p:cNvPr id="85" name="Shape 85"/>
+        <p:cNvPr id="1" name="Shape 85"/>
         <p:cNvGrpSpPr/>
         <p:nvPr/>
       </p:nvGrpSpPr>
@@ -1409,20 +1460,26 @@
       <p:sp>
         <p:nvSpPr>
           <p:cNvPr id="86" name="Google Shape;86;gd58bddf9f1_1_10:notes"/>
-          <p:cNvSpPr/>
+          <p:cNvSpPr>
+            <a:spLocks noGrp="1" noRot="1" noChangeAspect="1"/>
+          </p:cNvSpPr>
           <p:nvPr>
-            <p:ph idx="2" type="sldImg"/>
+            <p:ph type="sldImg" idx="2"/>
           </p:nvPr>
         </p:nvSpPr>
         <p:spPr>
           <a:xfrm>
-            <a:off x="381300" y="685800"/>
+            <a:off x="381000" y="685800"/>
             <a:ext cx="6096000" cy="3429000"/>
           </a:xfrm>
           <a:custGeom>
-            <a:rect b="b" l="l" r="r" t="t"/>
+            <a:avLst/>
+            <a:gdLst/>
+            <a:ahLst/>
+            <a:cxnLst/>
+            <a:rect l="l" t="t" r="r" b="b"/>
             <a:pathLst>
-              <a:path extrusionOk="0" h="120000" w="120000">
+              <a:path w="120000" h="120000" extrusionOk="0">
                 <a:moveTo>
                   <a:pt x="0" y="0"/>
                 </a:moveTo>
@@ -1444,9 +1501,11 @@
       <p:sp>
         <p:nvSpPr>
           <p:cNvPr id="87" name="Google Shape;87;gd58bddf9f1_1_10:notes"/>
-          <p:cNvSpPr txBox="1"/>
+          <p:cNvSpPr txBox="1">
+            <a:spLocks noGrp="1"/>
+          </p:cNvSpPr>
           <p:nvPr>
-            <p:ph idx="1" type="body"/>
+            <p:ph type="body" idx="1"/>
           </p:nvPr>
         </p:nvSpPr>
         <p:spPr>
@@ -1459,12 +1518,12 @@
           </a:prstGeom>
         </p:spPr>
         <p:txBody>
-          <a:bodyPr anchorCtr="0" anchor="t" bIns="91425" lIns="91425" spcFirstLastPara="1" rIns="91425" wrap="square" tIns="91425">
+          <a:bodyPr spcFirstLastPara="1" wrap="square" lIns="91425" tIns="91425" rIns="91425" bIns="91425" anchor="t" anchorCtr="0">
             <a:noAutofit/>
           </a:bodyPr>
           <a:lstStyle/>
           <a:p>
-            <a:pPr indent="0" lvl="0" marL="0" rtl="0" algn="l">
+            <a:pPr marL="0" lvl="0" indent="0" algn="l" rtl="0">
               <a:spcBef>
                 <a:spcPts val="0"/>
               </a:spcBef>
@@ -1473,9 +1532,6 @@
               </a:spcAft>
               <a:buNone/>
             </a:pPr>
-            <a:r>
-              <a:t/>
-            </a:r>
             <a:endParaRPr/>
           </a:p>
         </p:txBody>
@@ -1489,11 +1545,11 @@
 </file>
 
 <file path=ppt/notesSlides/notesSlide7.xml><?xml version="1.0" encoding="utf-8"?>
-<p:notes xmlns:a="http://schemas.openxmlformats.org/drawingml/2006/main" xmlns:r="http://schemas.openxmlformats.org/officeDocument/2006/relationships" xmlns:mc="http://schemas.openxmlformats.org/markup-compatibility/2006" xmlns:mv="urn:schemas-microsoft-com:mac:vml" xmlns:p="http://schemas.openxmlformats.org/presentationml/2006/main" xmlns:c="http://schemas.openxmlformats.org/drawingml/2006/chart" xmlns:dgm="http://schemas.openxmlformats.org/drawingml/2006/diagram" xmlns:o="urn:schemas-microsoft-com:office:office" xmlns:v="urn:schemas-microsoft-com:vml" xmlns:pvml="urn:schemas-microsoft-com:office:powerpoint" xmlns:com="http://schemas.openxmlformats.org/drawingml/2006/compatibility" xmlns:p14="http://schemas.microsoft.com/office/powerpoint/2010/main" xmlns:p15="http://schemas.microsoft.com/office/powerpoint/2012/main" xmlns:ahyp="http://schemas.microsoft.com/office/drawing/2018/hyperlinkcolor" showMasterPhAnim="0" showMasterSp="0">
+<p:notes xmlns:a="http://schemas.openxmlformats.org/drawingml/2006/main" xmlns:r="http://schemas.openxmlformats.org/officeDocument/2006/relationships" xmlns:p="http://schemas.openxmlformats.org/presentationml/2006/main" showMasterSp="0" showMasterPhAnim="0">
   <p:cSld>
     <p:spTree>
       <p:nvGrpSpPr>
-        <p:cNvPr id="92" name="Shape 92"/>
+        <p:cNvPr id="1" name="Shape 92"/>
         <p:cNvGrpSpPr/>
         <p:nvPr/>
       </p:nvGrpSpPr>
@@ -1508,20 +1564,26 @@
       <p:sp>
         <p:nvSpPr>
           <p:cNvPr id="93" name="Google Shape;93;gd58bddf9f1_0_10:notes"/>
-          <p:cNvSpPr/>
+          <p:cNvSpPr>
+            <a:spLocks noGrp="1" noRot="1" noChangeAspect="1"/>
+          </p:cNvSpPr>
           <p:nvPr>
-            <p:ph idx="2" type="sldImg"/>
+            <p:ph type="sldImg" idx="2"/>
           </p:nvPr>
         </p:nvSpPr>
         <p:spPr>
           <a:xfrm>
-            <a:off x="381300" y="685800"/>
+            <a:off x="381000" y="685800"/>
             <a:ext cx="6096000" cy="3429000"/>
           </a:xfrm>
           <a:custGeom>
-            <a:rect b="b" l="l" r="r" t="t"/>
+            <a:avLst/>
+            <a:gdLst/>
+            <a:ahLst/>
+            <a:cxnLst/>
+            <a:rect l="l" t="t" r="r" b="b"/>
             <a:pathLst>
-              <a:path extrusionOk="0" h="120000" w="120000">
+              <a:path w="120000" h="120000" extrusionOk="0">
                 <a:moveTo>
                   <a:pt x="0" y="0"/>
                 </a:moveTo>
@@ -1543,9 +1605,11 @@
       <p:sp>
         <p:nvSpPr>
           <p:cNvPr id="94" name="Google Shape;94;gd58bddf9f1_0_10:notes"/>
-          <p:cNvSpPr txBox="1"/>
+          <p:cNvSpPr txBox="1">
+            <a:spLocks noGrp="1"/>
+          </p:cNvSpPr>
           <p:nvPr>
-            <p:ph idx="1" type="body"/>
+            <p:ph type="body" idx="1"/>
           </p:nvPr>
         </p:nvSpPr>
         <p:spPr>
@@ -1558,12 +1622,12 @@
           </a:prstGeom>
         </p:spPr>
         <p:txBody>
-          <a:bodyPr anchorCtr="0" anchor="t" bIns="91425" lIns="91425" spcFirstLastPara="1" rIns="91425" wrap="square" tIns="91425">
+          <a:bodyPr spcFirstLastPara="1" wrap="square" lIns="91425" tIns="91425" rIns="91425" bIns="91425" anchor="t" anchorCtr="0">
             <a:noAutofit/>
           </a:bodyPr>
           <a:lstStyle/>
           <a:p>
-            <a:pPr indent="0" lvl="0" marL="0" rtl="0" algn="l">
+            <a:pPr marL="0" lvl="0" indent="0" algn="l" rtl="0">
               <a:spcBef>
                 <a:spcPts val="0"/>
               </a:spcBef>
@@ -1572,9 +1636,6 @@
               </a:spcAft>
               <a:buNone/>
             </a:pPr>
-            <a:r>
-              <a:t/>
-            </a:r>
             <a:endParaRPr/>
           </a:p>
         </p:txBody>
@@ -1588,11 +1649,11 @@
 </file>
 
 <file path=ppt/notesSlides/notesSlide8.xml><?xml version="1.0" encoding="utf-8"?>
-<p:notes xmlns:a="http://schemas.openxmlformats.org/drawingml/2006/main" xmlns:r="http://schemas.openxmlformats.org/officeDocument/2006/relationships" xmlns:mc="http://schemas.openxmlformats.org/markup-compatibility/2006" xmlns:mv="urn:schemas-microsoft-com:mac:vml" xmlns:p="http://schemas.openxmlformats.org/presentationml/2006/main" xmlns:c="http://schemas.openxmlformats.org/drawingml/2006/chart" xmlns:dgm="http://schemas.openxmlformats.org/drawingml/2006/diagram" xmlns:o="urn:schemas-microsoft-com:office:office" xmlns:v="urn:schemas-microsoft-com:vml" xmlns:pvml="urn:schemas-microsoft-com:office:powerpoint" xmlns:com="http://schemas.openxmlformats.org/drawingml/2006/compatibility" xmlns:p14="http://schemas.microsoft.com/office/powerpoint/2010/main" xmlns:p15="http://schemas.microsoft.com/office/powerpoint/2012/main" xmlns:ahyp="http://schemas.microsoft.com/office/drawing/2018/hyperlinkcolor" showMasterPhAnim="0" showMasterSp="0">
+<p:notes xmlns:a="http://schemas.openxmlformats.org/drawingml/2006/main" xmlns:r="http://schemas.openxmlformats.org/officeDocument/2006/relationships" xmlns:p="http://schemas.openxmlformats.org/presentationml/2006/main" showMasterSp="0" showMasterPhAnim="0">
   <p:cSld>
     <p:spTree>
       <p:nvGrpSpPr>
-        <p:cNvPr id="102" name="Shape 102"/>
+        <p:cNvPr id="1" name="Shape 102"/>
         <p:cNvGrpSpPr/>
         <p:nvPr/>
       </p:nvGrpSpPr>
@@ -1607,9 +1668,11 @@
       <p:sp>
         <p:nvSpPr>
           <p:cNvPr id="103" name="Google Shape;103;gd5a98b5f15_0_0:notes"/>
-          <p:cNvSpPr/>
+          <p:cNvSpPr>
+            <a:spLocks noGrp="1" noRot="1" noChangeAspect="1"/>
+          </p:cNvSpPr>
           <p:nvPr>
-            <p:ph idx="2" type="sldImg"/>
+            <p:ph type="sldImg" idx="2"/>
           </p:nvPr>
         </p:nvSpPr>
         <p:spPr>
@@ -1618,9 +1681,13 @@
             <a:ext cx="6096000" cy="3429000"/>
           </a:xfrm>
           <a:custGeom>
-            <a:rect b="b" l="l" r="r" t="t"/>
+            <a:avLst/>
+            <a:gdLst/>
+            <a:ahLst/>
+            <a:cxnLst/>
+            <a:rect l="l" t="t" r="r" b="b"/>
             <a:pathLst>
-              <a:path extrusionOk="0" h="120000" w="120000">
+              <a:path w="120000" h="120000" extrusionOk="0">
                 <a:moveTo>
                   <a:pt x="0" y="0"/>
                 </a:moveTo>
@@ -1642,9 +1709,11 @@
       <p:sp>
         <p:nvSpPr>
           <p:cNvPr id="104" name="Google Shape;104;gd5a98b5f15_0_0:notes"/>
-          <p:cNvSpPr txBox="1"/>
+          <p:cNvSpPr txBox="1">
+            <a:spLocks noGrp="1"/>
+          </p:cNvSpPr>
           <p:nvPr>
-            <p:ph idx="1" type="body"/>
+            <p:ph type="body" idx="1"/>
           </p:nvPr>
         </p:nvSpPr>
         <p:spPr>
@@ -1657,12 +1726,12 @@
           </a:prstGeom>
         </p:spPr>
         <p:txBody>
-          <a:bodyPr anchorCtr="0" anchor="t" bIns="91425" lIns="91425" spcFirstLastPara="1" rIns="91425" wrap="square" tIns="91425">
+          <a:bodyPr spcFirstLastPara="1" wrap="square" lIns="91425" tIns="91425" rIns="91425" bIns="91425" anchor="t" anchorCtr="0">
             <a:noAutofit/>
           </a:bodyPr>
           <a:lstStyle/>
           <a:p>
-            <a:pPr indent="0" lvl="0" marL="0" rtl="0" algn="l">
+            <a:pPr marL="0" lvl="0" indent="0" algn="l" rtl="0">
               <a:spcBef>
                 <a:spcPts val="0"/>
               </a:spcBef>
@@ -1671,9 +1740,6 @@
               </a:spcAft>
               <a:buNone/>
             </a:pPr>
-            <a:r>
-              <a:t/>
-            </a:r>
             <a:endParaRPr/>
           </a:p>
         </p:txBody>
@@ -1687,11 +1753,11 @@
 </file>
 
 <file path=ppt/notesSlides/notesSlide9.xml><?xml version="1.0" encoding="utf-8"?>
-<p:notes xmlns:a="http://schemas.openxmlformats.org/drawingml/2006/main" xmlns:r="http://schemas.openxmlformats.org/officeDocument/2006/relationships" xmlns:mc="http://schemas.openxmlformats.org/markup-compatibility/2006" xmlns:mv="urn:schemas-microsoft-com:mac:vml" xmlns:p="http://schemas.openxmlformats.org/presentationml/2006/main" xmlns:c="http://schemas.openxmlformats.org/drawingml/2006/chart" xmlns:dgm="http://schemas.openxmlformats.org/drawingml/2006/diagram" xmlns:o="urn:schemas-microsoft-com:office:office" xmlns:v="urn:schemas-microsoft-com:vml" xmlns:pvml="urn:schemas-microsoft-com:office:powerpoint" xmlns:com="http://schemas.openxmlformats.org/drawingml/2006/compatibility" xmlns:p14="http://schemas.microsoft.com/office/powerpoint/2010/main" xmlns:p15="http://schemas.microsoft.com/office/powerpoint/2012/main" xmlns:ahyp="http://schemas.microsoft.com/office/drawing/2018/hyperlinkcolor" showMasterPhAnim="0" showMasterSp="0">
+<p:notes xmlns:a="http://schemas.openxmlformats.org/drawingml/2006/main" xmlns:r="http://schemas.openxmlformats.org/officeDocument/2006/relationships" xmlns:p="http://schemas.openxmlformats.org/presentationml/2006/main" showMasterSp="0" showMasterPhAnim="0">
   <p:cSld>
     <p:spTree>
       <p:nvGrpSpPr>
-        <p:cNvPr id="107" name="Shape 107"/>
+        <p:cNvPr id="1" name="Shape 107"/>
         <p:cNvGrpSpPr/>
         <p:nvPr/>
       </p:nvGrpSpPr>
@@ -1706,9 +1772,11 @@
       <p:sp>
         <p:nvSpPr>
           <p:cNvPr id="108" name="Google Shape;108;gd5a98b5f15_0_35:notes"/>
-          <p:cNvSpPr/>
+          <p:cNvSpPr>
+            <a:spLocks noGrp="1" noRot="1" noChangeAspect="1"/>
+          </p:cNvSpPr>
           <p:nvPr>
-            <p:ph idx="2" type="sldImg"/>
+            <p:ph type="sldImg" idx="2"/>
           </p:nvPr>
         </p:nvSpPr>
         <p:spPr>
@@ -1717,9 +1785,13 @@
             <a:ext cx="6096000" cy="3429000"/>
           </a:xfrm>
           <a:custGeom>
-            <a:rect b="b" l="l" r="r" t="t"/>
+            <a:avLst/>
+            <a:gdLst/>
+            <a:ahLst/>
+            <a:cxnLst/>
+            <a:rect l="l" t="t" r="r" b="b"/>
             <a:pathLst>
-              <a:path extrusionOk="0" h="120000" w="120000">
+              <a:path w="120000" h="120000" extrusionOk="0">
                 <a:moveTo>
                   <a:pt x="0" y="0"/>
                 </a:moveTo>
@@ -1741,9 +1813,11 @@
       <p:sp>
         <p:nvSpPr>
           <p:cNvPr id="109" name="Google Shape;109;gd5a98b5f15_0_35:notes"/>
-          <p:cNvSpPr txBox="1"/>
+          <p:cNvSpPr txBox="1">
+            <a:spLocks noGrp="1"/>
+          </p:cNvSpPr>
           <p:nvPr>
-            <p:ph idx="1" type="body"/>
+            <p:ph type="body" idx="1"/>
           </p:nvPr>
         </p:nvSpPr>
         <p:spPr>
@@ -1756,12 +1830,12 @@
           </a:prstGeom>
         </p:spPr>
         <p:txBody>
-          <a:bodyPr anchorCtr="0" anchor="t" bIns="91425" lIns="91425" spcFirstLastPara="1" rIns="91425" wrap="square" tIns="91425">
+          <a:bodyPr spcFirstLastPara="1" wrap="square" lIns="91425" tIns="91425" rIns="91425" bIns="91425" anchor="t" anchorCtr="0">
             <a:noAutofit/>
           </a:bodyPr>
           <a:lstStyle/>
           <a:p>
-            <a:pPr indent="0" lvl="0" marL="0" rtl="0" algn="l">
+            <a:pPr marL="0" lvl="0" indent="0" algn="l" rtl="0">
               <a:spcBef>
                 <a:spcPts val="0"/>
               </a:spcBef>
@@ -1770,9 +1844,6 @@
               </a:spcAft>
               <a:buNone/>
             </a:pPr>
-            <a:r>
-              <a:t/>
-            </a:r>
             <a:endParaRPr/>
           </a:p>
         </p:txBody>
@@ -1786,11 +1857,11 @@
 </file>
 
 <file path=ppt/slideLayouts/slideLayout1.xml><?xml version="1.0" encoding="utf-8"?>
-<p:sldLayout xmlns:a="http://schemas.openxmlformats.org/drawingml/2006/main" xmlns:r="http://schemas.openxmlformats.org/officeDocument/2006/relationships" xmlns:mc="http://schemas.openxmlformats.org/markup-compatibility/2006" xmlns:mv="urn:schemas-microsoft-com:mac:vml" xmlns:p="http://schemas.openxmlformats.org/presentationml/2006/main" xmlns:c="http://schemas.openxmlformats.org/drawingml/2006/chart" xmlns:dgm="http://schemas.openxmlformats.org/drawingml/2006/diagram" xmlns:o="urn:schemas-microsoft-com:office:office" xmlns:v="urn:schemas-microsoft-com:vml" xmlns:pvml="urn:schemas-microsoft-com:office:powerpoint" xmlns:com="http://schemas.openxmlformats.org/drawingml/2006/compatibility" xmlns:p14="http://schemas.microsoft.com/office/powerpoint/2010/main" xmlns:p15="http://schemas.microsoft.com/office/powerpoint/2012/main" xmlns:ahyp="http://schemas.microsoft.com/office/drawing/2018/hyperlinkcolor" matchingName="Title slide" type="title">
+<p:sldLayout xmlns:a="http://schemas.openxmlformats.org/drawingml/2006/main" xmlns:r="http://schemas.openxmlformats.org/officeDocument/2006/relationships" xmlns:p="http://schemas.openxmlformats.org/presentationml/2006/main" matchingName="Title slide" type="title">
   <p:cSld name="TITLE">
     <p:spTree>
       <p:nvGrpSpPr>
-        <p:cNvPr id="9" name="Shape 9"/>
+        <p:cNvPr id="1" name="Shape 9"/>
         <p:cNvGrpSpPr/>
         <p:nvPr/>
       </p:nvGrpSpPr>
@@ -1805,7 +1876,9 @@
       <p:sp>
         <p:nvSpPr>
           <p:cNvPr id="10" name="Google Shape;10;p2"/>
-          <p:cNvSpPr txBox="1"/>
+          <p:cNvSpPr txBox="1">
+            <a:spLocks noGrp="1"/>
+          </p:cNvSpPr>
           <p:nvPr>
             <p:ph type="ctrTitle"/>
           </p:nvPr>
@@ -1820,7 +1893,7 @@
           </a:prstGeom>
         </p:spPr>
         <p:txBody>
-          <a:bodyPr anchorCtr="0" anchor="b" bIns="91425" lIns="91425" spcFirstLastPara="1" rIns="91425" wrap="square" tIns="91425">
+          <a:bodyPr spcFirstLastPara="1" wrap="square" lIns="91425" tIns="91425" rIns="91425" bIns="91425" anchor="b" anchorCtr="0">
             <a:normAutofit/>
           </a:bodyPr>
           <a:lstStyle>
@@ -1924,15 +1997,19 @@
               <a:defRPr sz="5200"/>
             </a:lvl9pPr>
           </a:lstStyle>
-          <a:p/>
+          <a:p>
+            <a:endParaRPr/>
+          </a:p>
         </p:txBody>
       </p:sp>
       <p:sp>
         <p:nvSpPr>
           <p:cNvPr id="11" name="Google Shape;11;p2"/>
-          <p:cNvSpPr txBox="1"/>
+          <p:cNvSpPr txBox="1">
+            <a:spLocks noGrp="1"/>
+          </p:cNvSpPr>
           <p:nvPr>
-            <p:ph idx="1" type="subTitle"/>
+            <p:ph type="subTitle" idx="1"/>
           </p:nvPr>
         </p:nvSpPr>
         <p:spPr>
@@ -1945,7 +2022,7 @@
           </a:prstGeom>
         </p:spPr>
         <p:txBody>
-          <a:bodyPr anchorCtr="0" anchor="t" bIns="91425" lIns="91425" spcFirstLastPara="1" rIns="91425" wrap="square" tIns="91425">
+          <a:bodyPr spcFirstLastPara="1" wrap="square" lIns="91425" tIns="91425" rIns="91425" bIns="91425" anchor="t" anchorCtr="0">
             <a:normAutofit/>
           </a:bodyPr>
           <a:lstStyle>
@@ -2076,15 +2153,19 @@
               <a:defRPr sz="2800"/>
             </a:lvl9pPr>
           </a:lstStyle>
-          <a:p/>
+          <a:p>
+            <a:endParaRPr/>
+          </a:p>
         </p:txBody>
       </p:sp>
       <p:sp>
         <p:nvSpPr>
           <p:cNvPr id="12" name="Google Shape;12;p2"/>
-          <p:cNvSpPr txBox="1"/>
+          <p:cNvSpPr txBox="1">
+            <a:spLocks noGrp="1"/>
+          </p:cNvSpPr>
           <p:nvPr>
-            <p:ph idx="12" type="sldNum"/>
+            <p:ph type="sldNum" idx="12"/>
           </p:nvPr>
         </p:nvSpPr>
         <p:spPr>
@@ -2097,7 +2178,7 @@
           </a:prstGeom>
         </p:spPr>
         <p:txBody>
-          <a:bodyPr anchorCtr="0" anchor="ctr" bIns="91425" lIns="91425" spcFirstLastPara="1" rIns="91425" wrap="square" tIns="91425">
+          <a:bodyPr spcFirstLastPara="1" wrap="square" lIns="91425" tIns="91425" rIns="91425" bIns="91425" anchor="ctr" anchorCtr="0">
             <a:normAutofit/>
           </a:bodyPr>
           <a:lstStyle>
@@ -2139,7 +2220,7 @@
             </a:lvl9pPr>
           </a:lstStyle>
           <a:p>
-            <a:pPr indent="0" lvl="0" marL="0" rtl="0" algn="r">
+            <a:pPr marL="0" lvl="0" indent="0" algn="r" rtl="0">
               <a:spcBef>
                 <a:spcPts val="0"/>
               </a:spcBef>
@@ -2165,11 +2246,11 @@
 </file>
 
 <file path=ppt/slideLayouts/slideLayout10.xml><?xml version="1.0" encoding="utf-8"?>
-<p:sldLayout xmlns:a="http://schemas.openxmlformats.org/drawingml/2006/main" xmlns:r="http://schemas.openxmlformats.org/officeDocument/2006/relationships" xmlns:mc="http://schemas.openxmlformats.org/markup-compatibility/2006" xmlns:mv="urn:schemas-microsoft-com:mac:vml" xmlns:p="http://schemas.openxmlformats.org/presentationml/2006/main" xmlns:c="http://schemas.openxmlformats.org/drawingml/2006/chart" xmlns:dgm="http://schemas.openxmlformats.org/drawingml/2006/diagram" xmlns:o="urn:schemas-microsoft-com:office:office" xmlns:v="urn:schemas-microsoft-com:vml" xmlns:pvml="urn:schemas-microsoft-com:office:powerpoint" xmlns:com="http://schemas.openxmlformats.org/drawingml/2006/compatibility" xmlns:p14="http://schemas.microsoft.com/office/powerpoint/2010/main" xmlns:p15="http://schemas.microsoft.com/office/powerpoint/2012/main" xmlns:ahyp="http://schemas.microsoft.com/office/drawing/2018/hyperlinkcolor" matchingName="Big number">
+<p:sldLayout xmlns:a="http://schemas.openxmlformats.org/drawingml/2006/main" xmlns:r="http://schemas.openxmlformats.org/officeDocument/2006/relationships" xmlns:p="http://schemas.openxmlformats.org/presentationml/2006/main" matchingName="Big number">
   <p:cSld name="BIG_NUMBER">
     <p:spTree>
       <p:nvGrpSpPr>
-        <p:cNvPr id="44" name="Shape 44"/>
+        <p:cNvPr id="1" name="Shape 44"/>
         <p:cNvGrpSpPr/>
         <p:nvPr/>
       </p:nvGrpSpPr>
@@ -2184,9 +2265,11 @@
       <p:sp>
         <p:nvSpPr>
           <p:cNvPr id="45" name="Google Shape;45;p11"/>
-          <p:cNvSpPr txBox="1"/>
+          <p:cNvSpPr txBox="1">
+            <a:spLocks noGrp="1"/>
+          </p:cNvSpPr>
           <p:nvPr>
-            <p:ph hasCustomPrompt="1" type="title"/>
+            <p:ph type="title" hasCustomPrompt="1"/>
           </p:nvPr>
         </p:nvSpPr>
         <p:spPr>
@@ -2199,7 +2282,7 @@
           </a:prstGeom>
         </p:spPr>
         <p:txBody>
-          <a:bodyPr anchorCtr="0" anchor="b" bIns="91425" lIns="91425" spcFirstLastPara="1" rIns="91425" wrap="square" tIns="91425">
+          <a:bodyPr spcFirstLastPara="1" wrap="square" lIns="91425" tIns="91425" rIns="91425" bIns="91425" anchor="b" anchorCtr="0">
             <a:normAutofit/>
           </a:bodyPr>
           <a:lstStyle>
@@ -2313,9 +2396,11 @@
       <p:sp>
         <p:nvSpPr>
           <p:cNvPr id="46" name="Google Shape;46;p11"/>
-          <p:cNvSpPr txBox="1"/>
+          <p:cNvSpPr txBox="1">
+            <a:spLocks noGrp="1"/>
+          </p:cNvSpPr>
           <p:nvPr>
-            <p:ph idx="1" type="body"/>
+            <p:ph type="body" idx="1"/>
           </p:nvPr>
         </p:nvSpPr>
         <p:spPr>
@@ -2328,11 +2413,11 @@
           </a:prstGeom>
         </p:spPr>
         <p:txBody>
-          <a:bodyPr anchorCtr="0" anchor="t" bIns="91425" lIns="91425" spcFirstLastPara="1" rIns="91425" wrap="square" tIns="91425">
+          <a:bodyPr spcFirstLastPara="1" wrap="square" lIns="91425" tIns="91425" rIns="91425" bIns="91425" anchor="t" anchorCtr="0">
             <a:normAutofit/>
           </a:bodyPr>
           <a:lstStyle>
-            <a:lvl1pPr indent="-342900" lvl="0" marL="457200" algn="ctr">
+            <a:lvl1pPr marL="457200" lvl="0" indent="-342900" algn="ctr">
               <a:spcBef>
                 <a:spcPts val="0"/>
               </a:spcBef>
@@ -2343,7 +2428,7 @@
               <a:buChar char="●"/>
               <a:defRPr/>
             </a:lvl1pPr>
-            <a:lvl2pPr indent="-317500" lvl="1" marL="914400" algn="ctr">
+            <a:lvl2pPr marL="914400" lvl="1" indent="-317500" algn="ctr">
               <a:spcBef>
                 <a:spcPts val="0"/>
               </a:spcBef>
@@ -2354,7 +2439,7 @@
               <a:buChar char="○"/>
               <a:defRPr/>
             </a:lvl2pPr>
-            <a:lvl3pPr indent="-317500" lvl="2" marL="1371600" algn="ctr">
+            <a:lvl3pPr marL="1371600" lvl="2" indent="-317500" algn="ctr">
               <a:spcBef>
                 <a:spcPts val="0"/>
               </a:spcBef>
@@ -2365,7 +2450,7 @@
               <a:buChar char="■"/>
               <a:defRPr/>
             </a:lvl3pPr>
-            <a:lvl4pPr indent="-317500" lvl="3" marL="1828800" algn="ctr">
+            <a:lvl4pPr marL="1828800" lvl="3" indent="-317500" algn="ctr">
               <a:spcBef>
                 <a:spcPts val="0"/>
               </a:spcBef>
@@ -2376,7 +2461,7 @@
               <a:buChar char="●"/>
               <a:defRPr/>
             </a:lvl4pPr>
-            <a:lvl5pPr indent="-317500" lvl="4" marL="2286000" algn="ctr">
+            <a:lvl5pPr marL="2286000" lvl="4" indent="-317500" algn="ctr">
               <a:spcBef>
                 <a:spcPts val="0"/>
               </a:spcBef>
@@ -2387,7 +2472,7 @@
               <a:buChar char="○"/>
               <a:defRPr/>
             </a:lvl5pPr>
-            <a:lvl6pPr indent="-317500" lvl="5" marL="2743200" algn="ctr">
+            <a:lvl6pPr marL="2743200" lvl="5" indent="-317500" algn="ctr">
               <a:spcBef>
                 <a:spcPts val="0"/>
               </a:spcBef>
@@ -2398,7 +2483,7 @@
               <a:buChar char="■"/>
               <a:defRPr/>
             </a:lvl6pPr>
-            <a:lvl7pPr indent="-317500" lvl="6" marL="3200400" algn="ctr">
+            <a:lvl7pPr marL="3200400" lvl="6" indent="-317500" algn="ctr">
               <a:spcBef>
                 <a:spcPts val="0"/>
               </a:spcBef>
@@ -2409,7 +2494,7 @@
               <a:buChar char="●"/>
               <a:defRPr/>
             </a:lvl7pPr>
-            <a:lvl8pPr indent="-317500" lvl="7" marL="3657600" algn="ctr">
+            <a:lvl8pPr marL="3657600" lvl="7" indent="-317500" algn="ctr">
               <a:spcBef>
                 <a:spcPts val="0"/>
               </a:spcBef>
@@ -2420,7 +2505,7 @@
               <a:buChar char="○"/>
               <a:defRPr/>
             </a:lvl8pPr>
-            <a:lvl9pPr indent="-317500" lvl="8" marL="4114800" algn="ctr">
+            <a:lvl9pPr marL="4114800" lvl="8" indent="-317500" algn="ctr">
               <a:spcBef>
                 <a:spcPts val="0"/>
               </a:spcBef>
@@ -2432,15 +2517,19 @@
               <a:defRPr/>
             </a:lvl9pPr>
           </a:lstStyle>
-          <a:p/>
+          <a:p>
+            <a:endParaRPr/>
+          </a:p>
         </p:txBody>
       </p:sp>
       <p:sp>
         <p:nvSpPr>
           <p:cNvPr id="47" name="Google Shape;47;p11"/>
-          <p:cNvSpPr txBox="1"/>
+          <p:cNvSpPr txBox="1">
+            <a:spLocks noGrp="1"/>
+          </p:cNvSpPr>
           <p:nvPr>
-            <p:ph idx="12" type="sldNum"/>
+            <p:ph type="sldNum" idx="12"/>
           </p:nvPr>
         </p:nvSpPr>
         <p:spPr>
@@ -2453,7 +2542,7 @@
           </a:prstGeom>
         </p:spPr>
         <p:txBody>
-          <a:bodyPr anchorCtr="0" anchor="ctr" bIns="91425" lIns="91425" spcFirstLastPara="1" rIns="91425" wrap="square" tIns="91425">
+          <a:bodyPr spcFirstLastPara="1" wrap="square" lIns="91425" tIns="91425" rIns="91425" bIns="91425" anchor="ctr" anchorCtr="0">
             <a:normAutofit/>
           </a:bodyPr>
           <a:lstStyle>
@@ -2495,7 +2584,7 @@
             </a:lvl9pPr>
           </a:lstStyle>
           <a:p>
-            <a:pPr indent="0" lvl="0" marL="0" rtl="0" algn="r">
+            <a:pPr marL="0" lvl="0" indent="0" algn="r" rtl="0">
               <a:spcBef>
                 <a:spcPts val="0"/>
               </a:spcBef>
@@ -2521,11 +2610,11 @@
 </file>
 
 <file path=ppt/slideLayouts/slideLayout11.xml><?xml version="1.0" encoding="utf-8"?>
-<p:sldLayout xmlns:a="http://schemas.openxmlformats.org/drawingml/2006/main" xmlns:r="http://schemas.openxmlformats.org/officeDocument/2006/relationships" xmlns:mc="http://schemas.openxmlformats.org/markup-compatibility/2006" xmlns:mv="urn:schemas-microsoft-com:mac:vml" xmlns:p="http://schemas.openxmlformats.org/presentationml/2006/main" xmlns:c="http://schemas.openxmlformats.org/drawingml/2006/chart" xmlns:dgm="http://schemas.openxmlformats.org/drawingml/2006/diagram" xmlns:o="urn:schemas-microsoft-com:office:office" xmlns:v="urn:schemas-microsoft-com:vml" xmlns:pvml="urn:schemas-microsoft-com:office:powerpoint" xmlns:com="http://schemas.openxmlformats.org/drawingml/2006/compatibility" xmlns:p14="http://schemas.microsoft.com/office/powerpoint/2010/main" xmlns:p15="http://schemas.microsoft.com/office/powerpoint/2012/main" xmlns:ahyp="http://schemas.microsoft.com/office/drawing/2018/hyperlinkcolor" matchingName="Blank" type="blank">
+<p:sldLayout xmlns:a="http://schemas.openxmlformats.org/drawingml/2006/main" xmlns:r="http://schemas.openxmlformats.org/officeDocument/2006/relationships" xmlns:p="http://schemas.openxmlformats.org/presentationml/2006/main" matchingName="Blank" type="blank">
   <p:cSld name="BLANK">
     <p:spTree>
       <p:nvGrpSpPr>
-        <p:cNvPr id="48" name="Shape 48"/>
+        <p:cNvPr id="1" name="Shape 48"/>
         <p:cNvGrpSpPr/>
         <p:nvPr/>
       </p:nvGrpSpPr>
@@ -2540,9 +2629,11 @@
       <p:sp>
         <p:nvSpPr>
           <p:cNvPr id="49" name="Google Shape;49;p12"/>
-          <p:cNvSpPr txBox="1"/>
+          <p:cNvSpPr txBox="1">
+            <a:spLocks noGrp="1"/>
+          </p:cNvSpPr>
           <p:nvPr>
-            <p:ph idx="12" type="sldNum"/>
+            <p:ph type="sldNum" idx="12"/>
           </p:nvPr>
         </p:nvSpPr>
         <p:spPr>
@@ -2555,7 +2646,7 @@
           </a:prstGeom>
         </p:spPr>
         <p:txBody>
-          <a:bodyPr anchorCtr="0" anchor="ctr" bIns="91425" lIns="91425" spcFirstLastPara="1" rIns="91425" wrap="square" tIns="91425">
+          <a:bodyPr spcFirstLastPara="1" wrap="square" lIns="91425" tIns="91425" rIns="91425" bIns="91425" anchor="ctr" anchorCtr="0">
             <a:normAutofit/>
           </a:bodyPr>
           <a:lstStyle>
@@ -2597,7 +2688,7 @@
             </a:lvl9pPr>
           </a:lstStyle>
           <a:p>
-            <a:pPr indent="0" lvl="0" marL="0" rtl="0" algn="r">
+            <a:pPr marL="0" lvl="0" indent="0" algn="r" rtl="0">
               <a:spcBef>
                 <a:spcPts val="0"/>
               </a:spcBef>
@@ -2623,11 +2714,11 @@
 </file>
 
 <file path=ppt/slideLayouts/slideLayout2.xml><?xml version="1.0" encoding="utf-8"?>
-<p:sldLayout xmlns:a="http://schemas.openxmlformats.org/drawingml/2006/main" xmlns:r="http://schemas.openxmlformats.org/officeDocument/2006/relationships" xmlns:mc="http://schemas.openxmlformats.org/markup-compatibility/2006" xmlns:mv="urn:schemas-microsoft-com:mac:vml" xmlns:p="http://schemas.openxmlformats.org/presentationml/2006/main" xmlns:c="http://schemas.openxmlformats.org/drawingml/2006/chart" xmlns:dgm="http://schemas.openxmlformats.org/drawingml/2006/diagram" xmlns:o="urn:schemas-microsoft-com:office:office" xmlns:v="urn:schemas-microsoft-com:vml" xmlns:pvml="urn:schemas-microsoft-com:office:powerpoint" xmlns:com="http://schemas.openxmlformats.org/drawingml/2006/compatibility" xmlns:p14="http://schemas.microsoft.com/office/powerpoint/2010/main" xmlns:p15="http://schemas.microsoft.com/office/powerpoint/2012/main" xmlns:ahyp="http://schemas.microsoft.com/office/drawing/2018/hyperlinkcolor" matchingName="Section header" type="secHead">
+<p:sldLayout xmlns:a="http://schemas.openxmlformats.org/drawingml/2006/main" xmlns:r="http://schemas.openxmlformats.org/officeDocument/2006/relationships" xmlns:p="http://schemas.openxmlformats.org/presentationml/2006/main" matchingName="Section header" type="secHead">
   <p:cSld name="SECTION_HEADER">
     <p:spTree>
       <p:nvGrpSpPr>
-        <p:cNvPr id="13" name="Shape 13"/>
+        <p:cNvPr id="1" name="Shape 13"/>
         <p:cNvGrpSpPr/>
         <p:nvPr/>
       </p:nvGrpSpPr>
@@ -2642,7 +2733,9 @@
       <p:sp>
         <p:nvSpPr>
           <p:cNvPr id="14" name="Google Shape;14;p3"/>
-          <p:cNvSpPr txBox="1"/>
+          <p:cNvSpPr txBox="1">
+            <a:spLocks noGrp="1"/>
+          </p:cNvSpPr>
           <p:nvPr>
             <p:ph type="title"/>
           </p:nvPr>
@@ -2657,7 +2750,7 @@
           </a:prstGeom>
         </p:spPr>
         <p:txBody>
-          <a:bodyPr anchorCtr="0" anchor="ctr" bIns="91425" lIns="91425" spcFirstLastPara="1" rIns="91425" wrap="square" tIns="91425">
+          <a:bodyPr spcFirstLastPara="1" wrap="square" lIns="91425" tIns="91425" rIns="91425" bIns="91425" anchor="ctr" anchorCtr="0">
             <a:normAutofit/>
           </a:bodyPr>
           <a:lstStyle>
@@ -2761,15 +2854,19 @@
               <a:defRPr sz="3600"/>
             </a:lvl9pPr>
           </a:lstStyle>
-          <a:p/>
+          <a:p>
+            <a:endParaRPr/>
+          </a:p>
         </p:txBody>
       </p:sp>
       <p:sp>
         <p:nvSpPr>
           <p:cNvPr id="15" name="Google Shape;15;p3"/>
-          <p:cNvSpPr txBox="1"/>
+          <p:cNvSpPr txBox="1">
+            <a:spLocks noGrp="1"/>
+          </p:cNvSpPr>
           <p:nvPr>
-            <p:ph idx="12" type="sldNum"/>
+            <p:ph type="sldNum" idx="12"/>
           </p:nvPr>
         </p:nvSpPr>
         <p:spPr>
@@ -2782,7 +2879,7 @@
           </a:prstGeom>
         </p:spPr>
         <p:txBody>
-          <a:bodyPr anchorCtr="0" anchor="ctr" bIns="91425" lIns="91425" spcFirstLastPara="1" rIns="91425" wrap="square" tIns="91425">
+          <a:bodyPr spcFirstLastPara="1" wrap="square" lIns="91425" tIns="91425" rIns="91425" bIns="91425" anchor="ctr" anchorCtr="0">
             <a:normAutofit/>
           </a:bodyPr>
           <a:lstStyle>
@@ -2824,7 +2921,7 @@
             </a:lvl9pPr>
           </a:lstStyle>
           <a:p>
-            <a:pPr indent="0" lvl="0" marL="0" rtl="0" algn="r">
+            <a:pPr marL="0" lvl="0" indent="0" algn="r" rtl="0">
               <a:spcBef>
                 <a:spcPts val="0"/>
               </a:spcBef>
@@ -2850,11 +2947,11 @@
 </file>
 
 <file path=ppt/slideLayouts/slideLayout3.xml><?xml version="1.0" encoding="utf-8"?>
-<p:sldLayout xmlns:a="http://schemas.openxmlformats.org/drawingml/2006/main" xmlns:r="http://schemas.openxmlformats.org/officeDocument/2006/relationships" xmlns:mc="http://schemas.openxmlformats.org/markup-compatibility/2006" xmlns:mv="urn:schemas-microsoft-com:mac:vml" xmlns:p="http://schemas.openxmlformats.org/presentationml/2006/main" xmlns:c="http://schemas.openxmlformats.org/drawingml/2006/chart" xmlns:dgm="http://schemas.openxmlformats.org/drawingml/2006/diagram" xmlns:o="urn:schemas-microsoft-com:office:office" xmlns:v="urn:schemas-microsoft-com:vml" xmlns:pvml="urn:schemas-microsoft-com:office:powerpoint" xmlns:com="http://schemas.openxmlformats.org/drawingml/2006/compatibility" xmlns:p14="http://schemas.microsoft.com/office/powerpoint/2010/main" xmlns:p15="http://schemas.microsoft.com/office/powerpoint/2012/main" xmlns:ahyp="http://schemas.microsoft.com/office/drawing/2018/hyperlinkcolor" matchingName="Title and body" type="tx">
+<p:sldLayout xmlns:a="http://schemas.openxmlformats.org/drawingml/2006/main" xmlns:r="http://schemas.openxmlformats.org/officeDocument/2006/relationships" xmlns:p="http://schemas.openxmlformats.org/presentationml/2006/main" matchingName="Title and body" type="tx">
   <p:cSld name="TITLE_AND_BODY">
     <p:spTree>
       <p:nvGrpSpPr>
-        <p:cNvPr id="16" name="Shape 16"/>
+        <p:cNvPr id="1" name="Shape 16"/>
         <p:cNvGrpSpPr/>
         <p:nvPr/>
       </p:nvGrpSpPr>
@@ -2869,7 +2966,9 @@
       <p:sp>
         <p:nvSpPr>
           <p:cNvPr id="17" name="Google Shape;17;p4"/>
-          <p:cNvSpPr txBox="1"/>
+          <p:cNvSpPr txBox="1">
+            <a:spLocks noGrp="1"/>
+          </p:cNvSpPr>
           <p:nvPr>
             <p:ph type="title"/>
           </p:nvPr>
@@ -2884,7 +2983,7 @@
           </a:prstGeom>
         </p:spPr>
         <p:txBody>
-          <a:bodyPr anchorCtr="0" anchor="t" bIns="91425" lIns="91425" spcFirstLastPara="1" rIns="91425" wrap="square" tIns="91425">
+          <a:bodyPr spcFirstLastPara="1" wrap="square" lIns="91425" tIns="91425" rIns="91425" bIns="91425" anchor="t" anchorCtr="0">
             <a:normAutofit/>
           </a:bodyPr>
           <a:lstStyle>
@@ -2988,15 +3087,19 @@
               <a:defRPr/>
             </a:lvl9pPr>
           </a:lstStyle>
-          <a:p/>
+          <a:p>
+            <a:endParaRPr/>
+          </a:p>
         </p:txBody>
       </p:sp>
       <p:sp>
         <p:nvSpPr>
           <p:cNvPr id="18" name="Google Shape;18;p4"/>
-          <p:cNvSpPr txBox="1"/>
+          <p:cNvSpPr txBox="1">
+            <a:spLocks noGrp="1"/>
+          </p:cNvSpPr>
           <p:nvPr>
-            <p:ph idx="1" type="body"/>
+            <p:ph type="body" idx="1"/>
           </p:nvPr>
         </p:nvSpPr>
         <p:spPr>
@@ -3009,11 +3112,11 @@
           </a:prstGeom>
         </p:spPr>
         <p:txBody>
-          <a:bodyPr anchorCtr="0" anchor="t" bIns="91425" lIns="91425" spcFirstLastPara="1" rIns="91425" wrap="square" tIns="91425">
+          <a:bodyPr spcFirstLastPara="1" wrap="square" lIns="91425" tIns="91425" rIns="91425" bIns="91425" anchor="t" anchorCtr="0">
             <a:normAutofit/>
           </a:bodyPr>
           <a:lstStyle>
-            <a:lvl1pPr indent="-342900" lvl="0" marL="457200">
+            <a:lvl1pPr marL="457200" lvl="0" indent="-342900">
               <a:spcBef>
                 <a:spcPts val="0"/>
               </a:spcBef>
@@ -3024,7 +3127,7 @@
               <a:buChar char="●"/>
               <a:defRPr/>
             </a:lvl1pPr>
-            <a:lvl2pPr indent="-317500" lvl="1" marL="914400">
+            <a:lvl2pPr marL="914400" lvl="1" indent="-317500">
               <a:spcBef>
                 <a:spcPts val="0"/>
               </a:spcBef>
@@ -3035,7 +3138,7 @@
               <a:buChar char="○"/>
               <a:defRPr/>
             </a:lvl2pPr>
-            <a:lvl3pPr indent="-317500" lvl="2" marL="1371600">
+            <a:lvl3pPr marL="1371600" lvl="2" indent="-317500">
               <a:spcBef>
                 <a:spcPts val="0"/>
               </a:spcBef>
@@ -3046,7 +3149,7 @@
               <a:buChar char="■"/>
               <a:defRPr/>
             </a:lvl3pPr>
-            <a:lvl4pPr indent="-317500" lvl="3" marL="1828800">
+            <a:lvl4pPr marL="1828800" lvl="3" indent="-317500">
               <a:spcBef>
                 <a:spcPts val="0"/>
               </a:spcBef>
@@ -3057,7 +3160,7 @@
               <a:buChar char="●"/>
               <a:defRPr/>
             </a:lvl4pPr>
-            <a:lvl5pPr indent="-317500" lvl="4" marL="2286000">
+            <a:lvl5pPr marL="2286000" lvl="4" indent="-317500">
               <a:spcBef>
                 <a:spcPts val="0"/>
               </a:spcBef>
@@ -3068,7 +3171,7 @@
               <a:buChar char="○"/>
               <a:defRPr/>
             </a:lvl5pPr>
-            <a:lvl6pPr indent="-317500" lvl="5" marL="2743200">
+            <a:lvl6pPr marL="2743200" lvl="5" indent="-317500">
               <a:spcBef>
                 <a:spcPts val="0"/>
               </a:spcBef>
@@ -3079,7 +3182,7 @@
               <a:buChar char="■"/>
               <a:defRPr/>
             </a:lvl6pPr>
-            <a:lvl7pPr indent="-317500" lvl="6" marL="3200400">
+            <a:lvl7pPr marL="3200400" lvl="6" indent="-317500">
               <a:spcBef>
                 <a:spcPts val="0"/>
               </a:spcBef>
@@ -3090,7 +3193,7 @@
               <a:buChar char="●"/>
               <a:defRPr/>
             </a:lvl7pPr>
-            <a:lvl8pPr indent="-317500" lvl="7" marL="3657600">
+            <a:lvl8pPr marL="3657600" lvl="7" indent="-317500">
               <a:spcBef>
                 <a:spcPts val="0"/>
               </a:spcBef>
@@ -3101,7 +3204,7 @@
               <a:buChar char="○"/>
               <a:defRPr/>
             </a:lvl8pPr>
-            <a:lvl9pPr indent="-317500" lvl="8" marL="4114800">
+            <a:lvl9pPr marL="4114800" lvl="8" indent="-317500">
               <a:spcBef>
                 <a:spcPts val="0"/>
               </a:spcBef>
@@ -3113,15 +3216,19 @@
               <a:defRPr/>
             </a:lvl9pPr>
           </a:lstStyle>
-          <a:p/>
+          <a:p>
+            <a:endParaRPr/>
+          </a:p>
         </p:txBody>
       </p:sp>
       <p:sp>
         <p:nvSpPr>
           <p:cNvPr id="19" name="Google Shape;19;p4"/>
-          <p:cNvSpPr txBox="1"/>
+          <p:cNvSpPr txBox="1">
+            <a:spLocks noGrp="1"/>
+          </p:cNvSpPr>
           <p:nvPr>
-            <p:ph idx="12" type="sldNum"/>
+            <p:ph type="sldNum" idx="12"/>
           </p:nvPr>
         </p:nvSpPr>
         <p:spPr>
@@ -3134,7 +3241,7 @@
           </a:prstGeom>
         </p:spPr>
         <p:txBody>
-          <a:bodyPr anchorCtr="0" anchor="ctr" bIns="91425" lIns="91425" spcFirstLastPara="1" rIns="91425" wrap="square" tIns="91425">
+          <a:bodyPr spcFirstLastPara="1" wrap="square" lIns="91425" tIns="91425" rIns="91425" bIns="91425" anchor="ctr" anchorCtr="0">
             <a:normAutofit/>
           </a:bodyPr>
           <a:lstStyle>
@@ -3176,7 +3283,7 @@
             </a:lvl9pPr>
           </a:lstStyle>
           <a:p>
-            <a:pPr indent="0" lvl="0" marL="0" rtl="0" algn="r">
+            <a:pPr marL="0" lvl="0" indent="0" algn="r" rtl="0">
               <a:spcBef>
                 <a:spcPts val="0"/>
               </a:spcBef>
@@ -3202,11 +3309,11 @@
 </file>
 
 <file path=ppt/slideLayouts/slideLayout4.xml><?xml version="1.0" encoding="utf-8"?>
-<p:sldLayout xmlns:a="http://schemas.openxmlformats.org/drawingml/2006/main" xmlns:r="http://schemas.openxmlformats.org/officeDocument/2006/relationships" xmlns:mc="http://schemas.openxmlformats.org/markup-compatibility/2006" xmlns:mv="urn:schemas-microsoft-com:mac:vml" xmlns:p="http://schemas.openxmlformats.org/presentationml/2006/main" xmlns:c="http://schemas.openxmlformats.org/drawingml/2006/chart" xmlns:dgm="http://schemas.openxmlformats.org/drawingml/2006/diagram" xmlns:o="urn:schemas-microsoft-com:office:office" xmlns:v="urn:schemas-microsoft-com:vml" xmlns:pvml="urn:schemas-microsoft-com:office:powerpoint" xmlns:com="http://schemas.openxmlformats.org/drawingml/2006/compatibility" xmlns:p14="http://schemas.microsoft.com/office/powerpoint/2010/main" xmlns:p15="http://schemas.microsoft.com/office/powerpoint/2012/main" xmlns:ahyp="http://schemas.microsoft.com/office/drawing/2018/hyperlinkcolor" matchingName="Title and two columns" type="twoColTx">
+<p:sldLayout xmlns:a="http://schemas.openxmlformats.org/drawingml/2006/main" xmlns:r="http://schemas.openxmlformats.org/officeDocument/2006/relationships" xmlns:p="http://schemas.openxmlformats.org/presentationml/2006/main" matchingName="Title and two columns" type="twoColTx">
   <p:cSld name="TITLE_AND_TWO_COLUMNS">
     <p:spTree>
       <p:nvGrpSpPr>
-        <p:cNvPr id="20" name="Shape 20"/>
+        <p:cNvPr id="1" name="Shape 20"/>
         <p:cNvGrpSpPr/>
         <p:nvPr/>
       </p:nvGrpSpPr>
@@ -3221,7 +3328,9 @@
       <p:sp>
         <p:nvSpPr>
           <p:cNvPr id="21" name="Google Shape;21;p5"/>
-          <p:cNvSpPr txBox="1"/>
+          <p:cNvSpPr txBox="1">
+            <a:spLocks noGrp="1"/>
+          </p:cNvSpPr>
           <p:nvPr>
             <p:ph type="title"/>
           </p:nvPr>
@@ -3236,7 +3345,7 @@
           </a:prstGeom>
         </p:spPr>
         <p:txBody>
-          <a:bodyPr anchorCtr="0" anchor="t" bIns="91425" lIns="91425" spcFirstLastPara="1" rIns="91425" wrap="square" tIns="91425">
+          <a:bodyPr spcFirstLastPara="1" wrap="square" lIns="91425" tIns="91425" rIns="91425" bIns="91425" anchor="t" anchorCtr="0">
             <a:normAutofit/>
           </a:bodyPr>
           <a:lstStyle>
@@ -3340,15 +3449,19 @@
               <a:defRPr/>
             </a:lvl9pPr>
           </a:lstStyle>
-          <a:p/>
+          <a:p>
+            <a:endParaRPr/>
+          </a:p>
         </p:txBody>
       </p:sp>
       <p:sp>
         <p:nvSpPr>
           <p:cNvPr id="22" name="Google Shape;22;p5"/>
-          <p:cNvSpPr txBox="1"/>
+          <p:cNvSpPr txBox="1">
+            <a:spLocks noGrp="1"/>
+          </p:cNvSpPr>
           <p:nvPr>
-            <p:ph idx="1" type="body"/>
+            <p:ph type="body" idx="1"/>
           </p:nvPr>
         </p:nvSpPr>
         <p:spPr>
@@ -3361,11 +3474,11 @@
           </a:prstGeom>
         </p:spPr>
         <p:txBody>
-          <a:bodyPr anchorCtr="0" anchor="t" bIns="91425" lIns="91425" spcFirstLastPara="1" rIns="91425" wrap="square" tIns="91425">
+          <a:bodyPr spcFirstLastPara="1" wrap="square" lIns="91425" tIns="91425" rIns="91425" bIns="91425" anchor="t" anchorCtr="0">
             <a:normAutofit/>
           </a:bodyPr>
           <a:lstStyle>
-            <a:lvl1pPr indent="-317500" lvl="0" marL="457200">
+            <a:lvl1pPr marL="457200" lvl="0" indent="-317500">
               <a:spcBef>
                 <a:spcPts val="0"/>
               </a:spcBef>
@@ -3376,7 +3489,7 @@
               <a:buChar char="●"/>
               <a:defRPr sz="1400"/>
             </a:lvl1pPr>
-            <a:lvl2pPr indent="-304800" lvl="1" marL="914400">
+            <a:lvl2pPr marL="914400" lvl="1" indent="-304800">
               <a:spcBef>
                 <a:spcPts val="0"/>
               </a:spcBef>
@@ -3387,7 +3500,7 @@
               <a:buChar char="○"/>
               <a:defRPr sz="1200"/>
             </a:lvl2pPr>
-            <a:lvl3pPr indent="-304800" lvl="2" marL="1371600">
+            <a:lvl3pPr marL="1371600" lvl="2" indent="-304800">
               <a:spcBef>
                 <a:spcPts val="0"/>
               </a:spcBef>
@@ -3398,7 +3511,7 @@
               <a:buChar char="■"/>
               <a:defRPr sz="1200"/>
             </a:lvl3pPr>
-            <a:lvl4pPr indent="-304800" lvl="3" marL="1828800">
+            <a:lvl4pPr marL="1828800" lvl="3" indent="-304800">
               <a:spcBef>
                 <a:spcPts val="0"/>
               </a:spcBef>
@@ -3409,7 +3522,7 @@
               <a:buChar char="●"/>
               <a:defRPr sz="1200"/>
             </a:lvl4pPr>
-            <a:lvl5pPr indent="-304800" lvl="4" marL="2286000">
+            <a:lvl5pPr marL="2286000" lvl="4" indent="-304800">
               <a:spcBef>
                 <a:spcPts val="0"/>
               </a:spcBef>
@@ -3420,7 +3533,7 @@
               <a:buChar char="○"/>
               <a:defRPr sz="1200"/>
             </a:lvl5pPr>
-            <a:lvl6pPr indent="-304800" lvl="5" marL="2743200">
+            <a:lvl6pPr marL="2743200" lvl="5" indent="-304800">
               <a:spcBef>
                 <a:spcPts val="0"/>
               </a:spcBef>
@@ -3431,7 +3544,7 @@
               <a:buChar char="■"/>
               <a:defRPr sz="1200"/>
             </a:lvl6pPr>
-            <a:lvl7pPr indent="-304800" lvl="6" marL="3200400">
+            <a:lvl7pPr marL="3200400" lvl="6" indent="-304800">
               <a:spcBef>
                 <a:spcPts val="0"/>
               </a:spcBef>
@@ -3442,7 +3555,7 @@
               <a:buChar char="●"/>
               <a:defRPr sz="1200"/>
             </a:lvl7pPr>
-            <a:lvl8pPr indent="-304800" lvl="7" marL="3657600">
+            <a:lvl8pPr marL="3657600" lvl="7" indent="-304800">
               <a:spcBef>
                 <a:spcPts val="0"/>
               </a:spcBef>
@@ -3453,7 +3566,7 @@
               <a:buChar char="○"/>
               <a:defRPr sz="1200"/>
             </a:lvl8pPr>
-            <a:lvl9pPr indent="-304800" lvl="8" marL="4114800">
+            <a:lvl9pPr marL="4114800" lvl="8" indent="-304800">
               <a:spcBef>
                 <a:spcPts val="0"/>
               </a:spcBef>
@@ -3465,15 +3578,19 @@
               <a:defRPr sz="1200"/>
             </a:lvl9pPr>
           </a:lstStyle>
-          <a:p/>
+          <a:p>
+            <a:endParaRPr/>
+          </a:p>
         </p:txBody>
       </p:sp>
       <p:sp>
         <p:nvSpPr>
           <p:cNvPr id="23" name="Google Shape;23;p5"/>
-          <p:cNvSpPr txBox="1"/>
+          <p:cNvSpPr txBox="1">
+            <a:spLocks noGrp="1"/>
+          </p:cNvSpPr>
           <p:nvPr>
-            <p:ph idx="2" type="body"/>
+            <p:ph type="body" idx="2"/>
           </p:nvPr>
         </p:nvSpPr>
         <p:spPr>
@@ -3486,11 +3603,11 @@
           </a:prstGeom>
         </p:spPr>
         <p:txBody>
-          <a:bodyPr anchorCtr="0" anchor="t" bIns="91425" lIns="91425" spcFirstLastPara="1" rIns="91425" wrap="square" tIns="91425">
+          <a:bodyPr spcFirstLastPara="1" wrap="square" lIns="91425" tIns="91425" rIns="91425" bIns="91425" anchor="t" anchorCtr="0">
             <a:normAutofit/>
           </a:bodyPr>
           <a:lstStyle>
-            <a:lvl1pPr indent="-317500" lvl="0" marL="457200">
+            <a:lvl1pPr marL="457200" lvl="0" indent="-317500">
               <a:spcBef>
                 <a:spcPts val="0"/>
               </a:spcBef>
@@ -3501,7 +3618,7 @@
               <a:buChar char="●"/>
               <a:defRPr sz="1400"/>
             </a:lvl1pPr>
-            <a:lvl2pPr indent="-304800" lvl="1" marL="914400">
+            <a:lvl2pPr marL="914400" lvl="1" indent="-304800">
               <a:spcBef>
                 <a:spcPts val="0"/>
               </a:spcBef>
@@ -3512,7 +3629,7 @@
               <a:buChar char="○"/>
               <a:defRPr sz="1200"/>
             </a:lvl2pPr>
-            <a:lvl3pPr indent="-304800" lvl="2" marL="1371600">
+            <a:lvl3pPr marL="1371600" lvl="2" indent="-304800">
               <a:spcBef>
                 <a:spcPts val="0"/>
               </a:spcBef>
@@ -3523,7 +3640,7 @@
               <a:buChar char="■"/>
               <a:defRPr sz="1200"/>
             </a:lvl3pPr>
-            <a:lvl4pPr indent="-304800" lvl="3" marL="1828800">
+            <a:lvl4pPr marL="1828800" lvl="3" indent="-304800">
               <a:spcBef>
                 <a:spcPts val="0"/>
               </a:spcBef>
@@ -3534,7 +3651,7 @@
               <a:buChar char="●"/>
               <a:defRPr sz="1200"/>
             </a:lvl4pPr>
-            <a:lvl5pPr indent="-304800" lvl="4" marL="2286000">
+            <a:lvl5pPr marL="2286000" lvl="4" indent="-304800">
               <a:spcBef>
                 <a:spcPts val="0"/>
               </a:spcBef>
@@ -3545,7 +3662,7 @@
               <a:buChar char="○"/>
               <a:defRPr sz="1200"/>
             </a:lvl5pPr>
-            <a:lvl6pPr indent="-304800" lvl="5" marL="2743200">
+            <a:lvl6pPr marL="2743200" lvl="5" indent="-304800">
               <a:spcBef>
                 <a:spcPts val="0"/>
               </a:spcBef>
@@ -3556,7 +3673,7 @@
               <a:buChar char="■"/>
               <a:defRPr sz="1200"/>
             </a:lvl6pPr>
-            <a:lvl7pPr indent="-304800" lvl="6" marL="3200400">
+            <a:lvl7pPr marL="3200400" lvl="6" indent="-304800">
               <a:spcBef>
                 <a:spcPts val="0"/>
               </a:spcBef>
@@ -3567,7 +3684,7 @@
               <a:buChar char="●"/>
               <a:defRPr sz="1200"/>
             </a:lvl7pPr>
-            <a:lvl8pPr indent="-304800" lvl="7" marL="3657600">
+            <a:lvl8pPr marL="3657600" lvl="7" indent="-304800">
               <a:spcBef>
                 <a:spcPts val="0"/>
               </a:spcBef>
@@ -3578,7 +3695,7 @@
               <a:buChar char="○"/>
               <a:defRPr sz="1200"/>
             </a:lvl8pPr>
-            <a:lvl9pPr indent="-304800" lvl="8" marL="4114800">
+            <a:lvl9pPr marL="4114800" lvl="8" indent="-304800">
               <a:spcBef>
                 <a:spcPts val="0"/>
               </a:spcBef>
@@ -3590,15 +3707,19 @@
               <a:defRPr sz="1200"/>
             </a:lvl9pPr>
           </a:lstStyle>
-          <a:p/>
+          <a:p>
+            <a:endParaRPr/>
+          </a:p>
         </p:txBody>
       </p:sp>
       <p:sp>
         <p:nvSpPr>
           <p:cNvPr id="24" name="Google Shape;24;p5"/>
-          <p:cNvSpPr txBox="1"/>
+          <p:cNvSpPr txBox="1">
+            <a:spLocks noGrp="1"/>
+          </p:cNvSpPr>
           <p:nvPr>
-            <p:ph idx="12" type="sldNum"/>
+            <p:ph type="sldNum" idx="12"/>
           </p:nvPr>
         </p:nvSpPr>
         <p:spPr>
@@ -3611,7 +3732,7 @@
           </a:prstGeom>
         </p:spPr>
         <p:txBody>
-          <a:bodyPr anchorCtr="0" anchor="ctr" bIns="91425" lIns="91425" spcFirstLastPara="1" rIns="91425" wrap="square" tIns="91425">
+          <a:bodyPr spcFirstLastPara="1" wrap="square" lIns="91425" tIns="91425" rIns="91425" bIns="91425" anchor="ctr" anchorCtr="0">
             <a:normAutofit/>
           </a:bodyPr>
           <a:lstStyle>
@@ -3653,7 +3774,7 @@
             </a:lvl9pPr>
           </a:lstStyle>
           <a:p>
-            <a:pPr indent="0" lvl="0" marL="0" rtl="0" algn="r">
+            <a:pPr marL="0" lvl="0" indent="0" algn="r" rtl="0">
               <a:spcBef>
                 <a:spcPts val="0"/>
               </a:spcBef>
@@ -3679,11 +3800,11 @@
 </file>
 
 <file path=ppt/slideLayouts/slideLayout5.xml><?xml version="1.0" encoding="utf-8"?>
-<p:sldLayout xmlns:a="http://schemas.openxmlformats.org/drawingml/2006/main" xmlns:r="http://schemas.openxmlformats.org/officeDocument/2006/relationships" xmlns:mc="http://schemas.openxmlformats.org/markup-compatibility/2006" xmlns:mv="urn:schemas-microsoft-com:mac:vml" xmlns:p="http://schemas.openxmlformats.org/presentationml/2006/main" xmlns:c="http://schemas.openxmlformats.org/drawingml/2006/chart" xmlns:dgm="http://schemas.openxmlformats.org/drawingml/2006/diagram" xmlns:o="urn:schemas-microsoft-com:office:office" xmlns:v="urn:schemas-microsoft-com:vml" xmlns:pvml="urn:schemas-microsoft-com:office:powerpoint" xmlns:com="http://schemas.openxmlformats.org/drawingml/2006/compatibility" xmlns:p14="http://schemas.microsoft.com/office/powerpoint/2010/main" xmlns:p15="http://schemas.microsoft.com/office/powerpoint/2012/main" xmlns:ahyp="http://schemas.microsoft.com/office/drawing/2018/hyperlinkcolor" matchingName="Title only" type="titleOnly">
+<p:sldLayout xmlns:a="http://schemas.openxmlformats.org/drawingml/2006/main" xmlns:r="http://schemas.openxmlformats.org/officeDocument/2006/relationships" xmlns:p="http://schemas.openxmlformats.org/presentationml/2006/main" matchingName="Title only" type="titleOnly">
   <p:cSld name="TITLE_ONLY">
     <p:spTree>
       <p:nvGrpSpPr>
-        <p:cNvPr id="25" name="Shape 25"/>
+        <p:cNvPr id="1" name="Shape 25"/>
         <p:cNvGrpSpPr/>
         <p:nvPr/>
       </p:nvGrpSpPr>
@@ -3698,7 +3819,9 @@
       <p:sp>
         <p:nvSpPr>
           <p:cNvPr id="26" name="Google Shape;26;p6"/>
-          <p:cNvSpPr txBox="1"/>
+          <p:cNvSpPr txBox="1">
+            <a:spLocks noGrp="1"/>
+          </p:cNvSpPr>
           <p:nvPr>
             <p:ph type="title"/>
           </p:nvPr>
@@ -3713,7 +3836,7 @@
           </a:prstGeom>
         </p:spPr>
         <p:txBody>
-          <a:bodyPr anchorCtr="0" anchor="t" bIns="91425" lIns="91425" spcFirstLastPara="1" rIns="91425" wrap="square" tIns="91425">
+          <a:bodyPr spcFirstLastPara="1" wrap="square" lIns="91425" tIns="91425" rIns="91425" bIns="91425" anchor="t" anchorCtr="0">
             <a:normAutofit/>
           </a:bodyPr>
           <a:lstStyle>
@@ -3817,15 +3940,19 @@
               <a:defRPr/>
             </a:lvl9pPr>
           </a:lstStyle>
-          <a:p/>
+          <a:p>
+            <a:endParaRPr/>
+          </a:p>
         </p:txBody>
       </p:sp>
       <p:sp>
         <p:nvSpPr>
           <p:cNvPr id="27" name="Google Shape;27;p6"/>
-          <p:cNvSpPr txBox="1"/>
+          <p:cNvSpPr txBox="1">
+            <a:spLocks noGrp="1"/>
+          </p:cNvSpPr>
           <p:nvPr>
-            <p:ph idx="12" type="sldNum"/>
+            <p:ph type="sldNum" idx="12"/>
           </p:nvPr>
         </p:nvSpPr>
         <p:spPr>
@@ -3838,7 +3965,7 @@
           </a:prstGeom>
         </p:spPr>
         <p:txBody>
-          <a:bodyPr anchorCtr="0" anchor="ctr" bIns="91425" lIns="91425" spcFirstLastPara="1" rIns="91425" wrap="square" tIns="91425">
+          <a:bodyPr spcFirstLastPara="1" wrap="square" lIns="91425" tIns="91425" rIns="91425" bIns="91425" anchor="ctr" anchorCtr="0">
             <a:normAutofit/>
           </a:bodyPr>
           <a:lstStyle>
@@ -3880,7 +4007,7 @@
             </a:lvl9pPr>
           </a:lstStyle>
           <a:p>
-            <a:pPr indent="0" lvl="0" marL="0" rtl="0" algn="r">
+            <a:pPr marL="0" lvl="0" indent="0" algn="r" rtl="0">
               <a:spcBef>
                 <a:spcPts val="0"/>
               </a:spcBef>
@@ -3906,11 +4033,11 @@
 </file>
 
 <file path=ppt/slideLayouts/slideLayout6.xml><?xml version="1.0" encoding="utf-8"?>
-<p:sldLayout xmlns:a="http://schemas.openxmlformats.org/drawingml/2006/main" xmlns:r="http://schemas.openxmlformats.org/officeDocument/2006/relationships" xmlns:mc="http://schemas.openxmlformats.org/markup-compatibility/2006" xmlns:mv="urn:schemas-microsoft-com:mac:vml" xmlns:p="http://schemas.openxmlformats.org/presentationml/2006/main" xmlns:c="http://schemas.openxmlformats.org/drawingml/2006/chart" xmlns:dgm="http://schemas.openxmlformats.org/drawingml/2006/diagram" xmlns:o="urn:schemas-microsoft-com:office:office" xmlns:v="urn:schemas-microsoft-com:vml" xmlns:pvml="urn:schemas-microsoft-com:office:powerpoint" xmlns:com="http://schemas.openxmlformats.org/drawingml/2006/compatibility" xmlns:p14="http://schemas.microsoft.com/office/powerpoint/2010/main" xmlns:p15="http://schemas.microsoft.com/office/powerpoint/2012/main" xmlns:ahyp="http://schemas.microsoft.com/office/drawing/2018/hyperlinkcolor" matchingName="One column text">
+<p:sldLayout xmlns:a="http://schemas.openxmlformats.org/drawingml/2006/main" xmlns:r="http://schemas.openxmlformats.org/officeDocument/2006/relationships" xmlns:p="http://schemas.openxmlformats.org/presentationml/2006/main" matchingName="One column text">
   <p:cSld name="ONE_COLUMN_TEXT">
     <p:spTree>
       <p:nvGrpSpPr>
-        <p:cNvPr id="28" name="Shape 28"/>
+        <p:cNvPr id="1" name="Shape 28"/>
         <p:cNvGrpSpPr/>
         <p:nvPr/>
       </p:nvGrpSpPr>
@@ -3925,7 +4052,9 @@
       <p:sp>
         <p:nvSpPr>
           <p:cNvPr id="29" name="Google Shape;29;p7"/>
-          <p:cNvSpPr txBox="1"/>
+          <p:cNvSpPr txBox="1">
+            <a:spLocks noGrp="1"/>
+          </p:cNvSpPr>
           <p:nvPr>
             <p:ph type="title"/>
           </p:nvPr>
@@ -3940,7 +4069,7 @@
           </a:prstGeom>
         </p:spPr>
         <p:txBody>
-          <a:bodyPr anchorCtr="0" anchor="b" bIns="91425" lIns="91425" spcFirstLastPara="1" rIns="91425" wrap="square" tIns="91425">
+          <a:bodyPr spcFirstLastPara="1" wrap="square" lIns="91425" tIns="91425" rIns="91425" bIns="91425" anchor="b" anchorCtr="0">
             <a:normAutofit/>
           </a:bodyPr>
           <a:lstStyle>
@@ -4044,15 +4173,19 @@
               <a:defRPr sz="2400"/>
             </a:lvl9pPr>
           </a:lstStyle>
-          <a:p/>
+          <a:p>
+            <a:endParaRPr/>
+          </a:p>
         </p:txBody>
       </p:sp>
       <p:sp>
         <p:nvSpPr>
           <p:cNvPr id="30" name="Google Shape;30;p7"/>
-          <p:cNvSpPr txBox="1"/>
+          <p:cNvSpPr txBox="1">
+            <a:spLocks noGrp="1"/>
+          </p:cNvSpPr>
           <p:nvPr>
-            <p:ph idx="1" type="body"/>
+            <p:ph type="body" idx="1"/>
           </p:nvPr>
         </p:nvSpPr>
         <p:spPr>
@@ -4065,11 +4198,11 @@
           </a:prstGeom>
         </p:spPr>
         <p:txBody>
-          <a:bodyPr anchorCtr="0" anchor="t" bIns="91425" lIns="91425" spcFirstLastPara="1" rIns="91425" wrap="square" tIns="91425">
+          <a:bodyPr spcFirstLastPara="1" wrap="square" lIns="91425" tIns="91425" rIns="91425" bIns="91425" anchor="t" anchorCtr="0">
             <a:normAutofit/>
           </a:bodyPr>
           <a:lstStyle>
-            <a:lvl1pPr indent="-304800" lvl="0" marL="457200">
+            <a:lvl1pPr marL="457200" lvl="0" indent="-304800">
               <a:spcBef>
                 <a:spcPts val="0"/>
               </a:spcBef>
@@ -4080,7 +4213,7 @@
               <a:buChar char="●"/>
               <a:defRPr sz="1200"/>
             </a:lvl1pPr>
-            <a:lvl2pPr indent="-304800" lvl="1" marL="914400">
+            <a:lvl2pPr marL="914400" lvl="1" indent="-304800">
               <a:spcBef>
                 <a:spcPts val="0"/>
               </a:spcBef>
@@ -4091,7 +4224,7 @@
               <a:buChar char="○"/>
               <a:defRPr sz="1200"/>
             </a:lvl2pPr>
-            <a:lvl3pPr indent="-304800" lvl="2" marL="1371600">
+            <a:lvl3pPr marL="1371600" lvl="2" indent="-304800">
               <a:spcBef>
                 <a:spcPts val="0"/>
               </a:spcBef>
@@ -4102,7 +4235,7 @@
               <a:buChar char="■"/>
               <a:defRPr sz="1200"/>
             </a:lvl3pPr>
-            <a:lvl4pPr indent="-304800" lvl="3" marL="1828800">
+            <a:lvl4pPr marL="1828800" lvl="3" indent="-304800">
               <a:spcBef>
                 <a:spcPts val="0"/>
               </a:spcBef>
@@ -4113,7 +4246,7 @@
               <a:buChar char="●"/>
               <a:defRPr sz="1200"/>
             </a:lvl4pPr>
-            <a:lvl5pPr indent="-304800" lvl="4" marL="2286000">
+            <a:lvl5pPr marL="2286000" lvl="4" indent="-304800">
               <a:spcBef>
                 <a:spcPts val="0"/>
               </a:spcBef>
@@ -4124,7 +4257,7 @@
               <a:buChar char="○"/>
               <a:defRPr sz="1200"/>
             </a:lvl5pPr>
-            <a:lvl6pPr indent="-304800" lvl="5" marL="2743200">
+            <a:lvl6pPr marL="2743200" lvl="5" indent="-304800">
               <a:spcBef>
                 <a:spcPts val="0"/>
               </a:spcBef>
@@ -4135,7 +4268,7 @@
               <a:buChar char="■"/>
               <a:defRPr sz="1200"/>
             </a:lvl6pPr>
-            <a:lvl7pPr indent="-304800" lvl="6" marL="3200400">
+            <a:lvl7pPr marL="3200400" lvl="6" indent="-304800">
               <a:spcBef>
                 <a:spcPts val="0"/>
               </a:spcBef>
@@ -4146,7 +4279,7 @@
               <a:buChar char="●"/>
               <a:defRPr sz="1200"/>
             </a:lvl7pPr>
-            <a:lvl8pPr indent="-304800" lvl="7" marL="3657600">
+            <a:lvl8pPr marL="3657600" lvl="7" indent="-304800">
               <a:spcBef>
                 <a:spcPts val="0"/>
               </a:spcBef>
@@ -4157,7 +4290,7 @@
               <a:buChar char="○"/>
               <a:defRPr sz="1200"/>
             </a:lvl8pPr>
-            <a:lvl9pPr indent="-304800" lvl="8" marL="4114800">
+            <a:lvl9pPr marL="4114800" lvl="8" indent="-304800">
               <a:spcBef>
                 <a:spcPts val="0"/>
               </a:spcBef>
@@ -4169,15 +4302,19 @@
               <a:defRPr sz="1200"/>
             </a:lvl9pPr>
           </a:lstStyle>
-          <a:p/>
+          <a:p>
+            <a:endParaRPr/>
+          </a:p>
         </p:txBody>
       </p:sp>
       <p:sp>
         <p:nvSpPr>
           <p:cNvPr id="31" name="Google Shape;31;p7"/>
-          <p:cNvSpPr txBox="1"/>
+          <p:cNvSpPr txBox="1">
+            <a:spLocks noGrp="1"/>
+          </p:cNvSpPr>
           <p:nvPr>
-            <p:ph idx="12" type="sldNum"/>
+            <p:ph type="sldNum" idx="12"/>
           </p:nvPr>
         </p:nvSpPr>
         <p:spPr>
@@ -4190,7 +4327,7 @@
           </a:prstGeom>
         </p:spPr>
         <p:txBody>
-          <a:bodyPr anchorCtr="0" anchor="ctr" bIns="91425" lIns="91425" spcFirstLastPara="1" rIns="91425" wrap="square" tIns="91425">
+          <a:bodyPr spcFirstLastPara="1" wrap="square" lIns="91425" tIns="91425" rIns="91425" bIns="91425" anchor="ctr" anchorCtr="0">
             <a:normAutofit/>
           </a:bodyPr>
           <a:lstStyle>
@@ -4232,7 +4369,7 @@
             </a:lvl9pPr>
           </a:lstStyle>
           <a:p>
-            <a:pPr indent="0" lvl="0" marL="0" rtl="0" algn="r">
+            <a:pPr marL="0" lvl="0" indent="0" algn="r" rtl="0">
               <a:spcBef>
                 <a:spcPts val="0"/>
               </a:spcBef>
@@ -4258,11 +4395,11 @@
 </file>
 
 <file path=ppt/slideLayouts/slideLayout7.xml><?xml version="1.0" encoding="utf-8"?>
-<p:sldLayout xmlns:a="http://schemas.openxmlformats.org/drawingml/2006/main" xmlns:r="http://schemas.openxmlformats.org/officeDocument/2006/relationships" xmlns:mc="http://schemas.openxmlformats.org/markup-compatibility/2006" xmlns:mv="urn:schemas-microsoft-com:mac:vml" xmlns:p="http://schemas.openxmlformats.org/presentationml/2006/main" xmlns:c="http://schemas.openxmlformats.org/drawingml/2006/chart" xmlns:dgm="http://schemas.openxmlformats.org/drawingml/2006/diagram" xmlns:o="urn:schemas-microsoft-com:office:office" xmlns:v="urn:schemas-microsoft-com:vml" xmlns:pvml="urn:schemas-microsoft-com:office:powerpoint" xmlns:com="http://schemas.openxmlformats.org/drawingml/2006/compatibility" xmlns:p14="http://schemas.microsoft.com/office/powerpoint/2010/main" xmlns:p15="http://schemas.microsoft.com/office/powerpoint/2012/main" xmlns:ahyp="http://schemas.microsoft.com/office/drawing/2018/hyperlinkcolor" matchingName="Main point">
+<p:sldLayout xmlns:a="http://schemas.openxmlformats.org/drawingml/2006/main" xmlns:r="http://schemas.openxmlformats.org/officeDocument/2006/relationships" xmlns:p="http://schemas.openxmlformats.org/presentationml/2006/main" matchingName="Main point">
   <p:cSld name="MAIN_POINT">
     <p:spTree>
       <p:nvGrpSpPr>
-        <p:cNvPr id="32" name="Shape 32"/>
+        <p:cNvPr id="1" name="Shape 32"/>
         <p:cNvGrpSpPr/>
         <p:nvPr/>
       </p:nvGrpSpPr>
@@ -4277,7 +4414,9 @@
       <p:sp>
         <p:nvSpPr>
           <p:cNvPr id="33" name="Google Shape;33;p8"/>
-          <p:cNvSpPr txBox="1"/>
+          <p:cNvSpPr txBox="1">
+            <a:spLocks noGrp="1"/>
+          </p:cNvSpPr>
           <p:nvPr>
             <p:ph type="title"/>
           </p:nvPr>
@@ -4292,7 +4431,7 @@
           </a:prstGeom>
         </p:spPr>
         <p:txBody>
-          <a:bodyPr anchorCtr="0" anchor="ctr" bIns="91425" lIns="91425" spcFirstLastPara="1" rIns="91425" wrap="square" tIns="91425">
+          <a:bodyPr spcFirstLastPara="1" wrap="square" lIns="91425" tIns="91425" rIns="91425" bIns="91425" anchor="ctr" anchorCtr="0">
             <a:normAutofit/>
           </a:bodyPr>
           <a:lstStyle>
@@ -4396,15 +4535,19 @@
               <a:defRPr sz="4800"/>
             </a:lvl9pPr>
           </a:lstStyle>
-          <a:p/>
+          <a:p>
+            <a:endParaRPr/>
+          </a:p>
         </p:txBody>
       </p:sp>
       <p:sp>
         <p:nvSpPr>
           <p:cNvPr id="34" name="Google Shape;34;p8"/>
-          <p:cNvSpPr txBox="1"/>
+          <p:cNvSpPr txBox="1">
+            <a:spLocks noGrp="1"/>
+          </p:cNvSpPr>
           <p:nvPr>
-            <p:ph idx="12" type="sldNum"/>
+            <p:ph type="sldNum" idx="12"/>
           </p:nvPr>
         </p:nvSpPr>
         <p:spPr>
@@ -4417,7 +4560,7 @@
           </a:prstGeom>
         </p:spPr>
         <p:txBody>
-          <a:bodyPr anchorCtr="0" anchor="ctr" bIns="91425" lIns="91425" spcFirstLastPara="1" rIns="91425" wrap="square" tIns="91425">
+          <a:bodyPr spcFirstLastPara="1" wrap="square" lIns="91425" tIns="91425" rIns="91425" bIns="91425" anchor="ctr" anchorCtr="0">
             <a:normAutofit/>
           </a:bodyPr>
           <a:lstStyle>
@@ -4459,7 +4602,7 @@
             </a:lvl9pPr>
           </a:lstStyle>
           <a:p>
-            <a:pPr indent="0" lvl="0" marL="0" rtl="0" algn="r">
+            <a:pPr marL="0" lvl="0" indent="0" algn="r" rtl="0">
               <a:spcBef>
                 <a:spcPts val="0"/>
               </a:spcBef>
@@ -4485,11 +4628,11 @@
 </file>
 
 <file path=ppt/slideLayouts/slideLayout8.xml><?xml version="1.0" encoding="utf-8"?>
-<p:sldLayout xmlns:a="http://schemas.openxmlformats.org/drawingml/2006/main" xmlns:r="http://schemas.openxmlformats.org/officeDocument/2006/relationships" xmlns:mc="http://schemas.openxmlformats.org/markup-compatibility/2006" xmlns:mv="urn:schemas-microsoft-com:mac:vml" xmlns:p="http://schemas.openxmlformats.org/presentationml/2006/main" xmlns:c="http://schemas.openxmlformats.org/drawingml/2006/chart" xmlns:dgm="http://schemas.openxmlformats.org/drawingml/2006/diagram" xmlns:o="urn:schemas-microsoft-com:office:office" xmlns:v="urn:schemas-microsoft-com:vml" xmlns:pvml="urn:schemas-microsoft-com:office:powerpoint" xmlns:com="http://schemas.openxmlformats.org/drawingml/2006/compatibility" xmlns:p14="http://schemas.microsoft.com/office/powerpoint/2010/main" xmlns:p15="http://schemas.microsoft.com/office/powerpoint/2012/main" xmlns:ahyp="http://schemas.microsoft.com/office/drawing/2018/hyperlinkcolor" matchingName="Section title and description">
+<p:sldLayout xmlns:a="http://schemas.openxmlformats.org/drawingml/2006/main" xmlns:r="http://schemas.openxmlformats.org/officeDocument/2006/relationships" xmlns:p="http://schemas.openxmlformats.org/presentationml/2006/main" matchingName="Section title and description">
   <p:cSld name="SECTION_TITLE_AND_DESCRIPTION">
     <p:spTree>
       <p:nvGrpSpPr>
-        <p:cNvPr id="35" name="Shape 35"/>
+        <p:cNvPr id="1" name="Shape 35"/>
         <p:cNvGrpSpPr/>
         <p:nvPr/>
       </p:nvGrpSpPr>
@@ -4523,12 +4666,12 @@
           </a:ln>
         </p:spPr>
         <p:txBody>
-          <a:bodyPr anchorCtr="0" anchor="ctr" bIns="91425" lIns="91425" spcFirstLastPara="1" rIns="91425" wrap="square" tIns="91425">
+          <a:bodyPr spcFirstLastPara="1" wrap="square" lIns="91425" tIns="91425" rIns="91425" bIns="91425" anchor="ctr" anchorCtr="0">
             <a:noAutofit/>
           </a:bodyPr>
           <a:lstStyle/>
           <a:p>
-            <a:pPr indent="0" lvl="0" marL="0" rtl="0" algn="l">
+            <a:pPr marL="0" lvl="0" indent="0" algn="l" rtl="0">
               <a:spcBef>
                 <a:spcPts val="0"/>
               </a:spcBef>
@@ -4537,9 +4680,6 @@
               </a:spcAft>
               <a:buNone/>
             </a:pPr>
-            <a:r>
-              <a:t/>
-            </a:r>
             <a:endParaRPr/>
           </a:p>
         </p:txBody>
@@ -4547,7 +4687,9 @@
       <p:sp>
         <p:nvSpPr>
           <p:cNvPr id="37" name="Google Shape;37;p9"/>
-          <p:cNvSpPr txBox="1"/>
+          <p:cNvSpPr txBox="1">
+            <a:spLocks noGrp="1"/>
+          </p:cNvSpPr>
           <p:nvPr>
             <p:ph type="title"/>
           </p:nvPr>
@@ -4562,7 +4704,7 @@
           </a:prstGeom>
         </p:spPr>
         <p:txBody>
-          <a:bodyPr anchorCtr="0" anchor="b" bIns="91425" lIns="91425" spcFirstLastPara="1" rIns="91425" wrap="square" tIns="91425">
+          <a:bodyPr spcFirstLastPara="1" wrap="square" lIns="91425" tIns="91425" rIns="91425" bIns="91425" anchor="b" anchorCtr="0">
             <a:normAutofit/>
           </a:bodyPr>
           <a:lstStyle>
@@ -4666,15 +4808,19 @@
               <a:defRPr sz="4200"/>
             </a:lvl9pPr>
           </a:lstStyle>
-          <a:p/>
+          <a:p>
+            <a:endParaRPr/>
+          </a:p>
         </p:txBody>
       </p:sp>
       <p:sp>
         <p:nvSpPr>
           <p:cNvPr id="38" name="Google Shape;38;p9"/>
-          <p:cNvSpPr txBox="1"/>
+          <p:cNvSpPr txBox="1">
+            <a:spLocks noGrp="1"/>
+          </p:cNvSpPr>
           <p:nvPr>
-            <p:ph idx="1" type="subTitle"/>
+            <p:ph type="subTitle" idx="1"/>
           </p:nvPr>
         </p:nvSpPr>
         <p:spPr>
@@ -4687,7 +4833,7 @@
           </a:prstGeom>
         </p:spPr>
         <p:txBody>
-          <a:bodyPr anchorCtr="0" anchor="t" bIns="91425" lIns="91425" spcFirstLastPara="1" rIns="91425" wrap="square" tIns="91425">
+          <a:bodyPr spcFirstLastPara="1" wrap="square" lIns="91425" tIns="91425" rIns="91425" bIns="91425" anchor="t" anchorCtr="0">
             <a:normAutofit/>
           </a:bodyPr>
           <a:lstStyle>
@@ -4818,15 +4964,19 @@
               <a:defRPr sz="2100"/>
             </a:lvl9pPr>
           </a:lstStyle>
-          <a:p/>
+          <a:p>
+            <a:endParaRPr/>
+          </a:p>
         </p:txBody>
       </p:sp>
       <p:sp>
         <p:nvSpPr>
           <p:cNvPr id="39" name="Google Shape;39;p9"/>
-          <p:cNvSpPr txBox="1"/>
+          <p:cNvSpPr txBox="1">
+            <a:spLocks noGrp="1"/>
+          </p:cNvSpPr>
           <p:nvPr>
-            <p:ph idx="2" type="body"/>
+            <p:ph type="body" idx="2"/>
           </p:nvPr>
         </p:nvSpPr>
         <p:spPr>
@@ -4839,11 +4989,11 @@
           </a:prstGeom>
         </p:spPr>
         <p:txBody>
-          <a:bodyPr anchorCtr="0" anchor="ctr" bIns="91425" lIns="91425" spcFirstLastPara="1" rIns="91425" wrap="square" tIns="91425">
+          <a:bodyPr spcFirstLastPara="1" wrap="square" lIns="91425" tIns="91425" rIns="91425" bIns="91425" anchor="ctr" anchorCtr="0">
             <a:normAutofit/>
           </a:bodyPr>
           <a:lstStyle>
-            <a:lvl1pPr indent="-342900" lvl="0" marL="457200">
+            <a:lvl1pPr marL="457200" lvl="0" indent="-342900">
               <a:spcBef>
                 <a:spcPts val="0"/>
               </a:spcBef>
@@ -4854,7 +5004,7 @@
               <a:buChar char="●"/>
               <a:defRPr/>
             </a:lvl1pPr>
-            <a:lvl2pPr indent="-317500" lvl="1" marL="914400">
+            <a:lvl2pPr marL="914400" lvl="1" indent="-317500">
               <a:spcBef>
                 <a:spcPts val="0"/>
               </a:spcBef>
@@ -4865,7 +5015,7 @@
               <a:buChar char="○"/>
               <a:defRPr/>
             </a:lvl2pPr>
-            <a:lvl3pPr indent="-317500" lvl="2" marL="1371600">
+            <a:lvl3pPr marL="1371600" lvl="2" indent="-317500">
               <a:spcBef>
                 <a:spcPts val="0"/>
               </a:spcBef>
@@ -4876,7 +5026,7 @@
               <a:buChar char="■"/>
               <a:defRPr/>
             </a:lvl3pPr>
-            <a:lvl4pPr indent="-317500" lvl="3" marL="1828800">
+            <a:lvl4pPr marL="1828800" lvl="3" indent="-317500">
               <a:spcBef>
                 <a:spcPts val="0"/>
               </a:spcBef>
@@ -4887,7 +5037,7 @@
               <a:buChar char="●"/>
               <a:defRPr/>
             </a:lvl4pPr>
-            <a:lvl5pPr indent="-317500" lvl="4" marL="2286000">
+            <a:lvl5pPr marL="2286000" lvl="4" indent="-317500">
               <a:spcBef>
                 <a:spcPts val="0"/>
               </a:spcBef>
@@ -4898,7 +5048,7 @@
               <a:buChar char="○"/>
               <a:defRPr/>
             </a:lvl5pPr>
-            <a:lvl6pPr indent="-317500" lvl="5" marL="2743200">
+            <a:lvl6pPr marL="2743200" lvl="5" indent="-317500">
               <a:spcBef>
                 <a:spcPts val="0"/>
               </a:spcBef>
@@ -4909,7 +5059,7 @@
               <a:buChar char="■"/>
               <a:defRPr/>
             </a:lvl6pPr>
-            <a:lvl7pPr indent="-317500" lvl="6" marL="3200400">
+            <a:lvl7pPr marL="3200400" lvl="6" indent="-317500">
               <a:spcBef>
                 <a:spcPts val="0"/>
               </a:spcBef>
@@ -4920,7 +5070,7 @@
               <a:buChar char="●"/>
               <a:defRPr/>
             </a:lvl7pPr>
-            <a:lvl8pPr indent="-317500" lvl="7" marL="3657600">
+            <a:lvl8pPr marL="3657600" lvl="7" indent="-317500">
               <a:spcBef>
                 <a:spcPts val="0"/>
               </a:spcBef>
@@ -4931,7 +5081,7 @@
               <a:buChar char="○"/>
               <a:defRPr/>
             </a:lvl8pPr>
-            <a:lvl9pPr indent="-317500" lvl="8" marL="4114800">
+            <a:lvl9pPr marL="4114800" lvl="8" indent="-317500">
               <a:spcBef>
                 <a:spcPts val="0"/>
               </a:spcBef>
@@ -4943,15 +5093,19 @@
               <a:defRPr/>
             </a:lvl9pPr>
           </a:lstStyle>
-          <a:p/>
+          <a:p>
+            <a:endParaRPr/>
+          </a:p>
         </p:txBody>
       </p:sp>
       <p:sp>
         <p:nvSpPr>
           <p:cNvPr id="40" name="Google Shape;40;p9"/>
-          <p:cNvSpPr txBox="1"/>
+          <p:cNvSpPr txBox="1">
+            <a:spLocks noGrp="1"/>
+          </p:cNvSpPr>
           <p:nvPr>
-            <p:ph idx="12" type="sldNum"/>
+            <p:ph type="sldNum" idx="12"/>
           </p:nvPr>
         </p:nvSpPr>
         <p:spPr>
@@ -4964,7 +5118,7 @@
           </a:prstGeom>
         </p:spPr>
         <p:txBody>
-          <a:bodyPr anchorCtr="0" anchor="ctr" bIns="91425" lIns="91425" spcFirstLastPara="1" rIns="91425" wrap="square" tIns="91425">
+          <a:bodyPr spcFirstLastPara="1" wrap="square" lIns="91425" tIns="91425" rIns="91425" bIns="91425" anchor="ctr" anchorCtr="0">
             <a:normAutofit/>
           </a:bodyPr>
           <a:lstStyle>
@@ -5006,7 +5160,7 @@
             </a:lvl9pPr>
           </a:lstStyle>
           <a:p>
-            <a:pPr indent="0" lvl="0" marL="0" rtl="0" algn="r">
+            <a:pPr marL="0" lvl="0" indent="0" algn="r" rtl="0">
               <a:spcBef>
                 <a:spcPts val="0"/>
               </a:spcBef>
@@ -5032,11 +5186,11 @@
 </file>
 
 <file path=ppt/slideLayouts/slideLayout9.xml><?xml version="1.0" encoding="utf-8"?>
-<p:sldLayout xmlns:a="http://schemas.openxmlformats.org/drawingml/2006/main" xmlns:r="http://schemas.openxmlformats.org/officeDocument/2006/relationships" xmlns:mc="http://schemas.openxmlformats.org/markup-compatibility/2006" xmlns:mv="urn:schemas-microsoft-com:mac:vml" xmlns:p="http://schemas.openxmlformats.org/presentationml/2006/main" xmlns:c="http://schemas.openxmlformats.org/drawingml/2006/chart" xmlns:dgm="http://schemas.openxmlformats.org/drawingml/2006/diagram" xmlns:o="urn:schemas-microsoft-com:office:office" xmlns:v="urn:schemas-microsoft-com:vml" xmlns:pvml="urn:schemas-microsoft-com:office:powerpoint" xmlns:com="http://schemas.openxmlformats.org/drawingml/2006/compatibility" xmlns:p14="http://schemas.microsoft.com/office/powerpoint/2010/main" xmlns:p15="http://schemas.microsoft.com/office/powerpoint/2012/main" xmlns:ahyp="http://schemas.microsoft.com/office/drawing/2018/hyperlinkcolor" matchingName="Caption">
+<p:sldLayout xmlns:a="http://schemas.openxmlformats.org/drawingml/2006/main" xmlns:r="http://schemas.openxmlformats.org/officeDocument/2006/relationships" xmlns:p="http://schemas.openxmlformats.org/presentationml/2006/main" matchingName="Caption">
   <p:cSld name="CAPTION_ONLY">
     <p:spTree>
       <p:nvGrpSpPr>
-        <p:cNvPr id="41" name="Shape 41"/>
+        <p:cNvPr id="1" name="Shape 41"/>
         <p:cNvGrpSpPr/>
         <p:nvPr/>
       </p:nvGrpSpPr>
@@ -5051,9 +5205,11 @@
       <p:sp>
         <p:nvSpPr>
           <p:cNvPr id="42" name="Google Shape;42;p10"/>
-          <p:cNvSpPr txBox="1"/>
+          <p:cNvSpPr txBox="1">
+            <a:spLocks noGrp="1"/>
+          </p:cNvSpPr>
           <p:nvPr>
-            <p:ph idx="1" type="body"/>
+            <p:ph type="body" idx="1"/>
           </p:nvPr>
         </p:nvSpPr>
         <p:spPr>
@@ -5066,11 +5222,11 @@
           </a:prstGeom>
         </p:spPr>
         <p:txBody>
-          <a:bodyPr anchorCtr="0" anchor="ctr" bIns="91425" lIns="91425" spcFirstLastPara="1" rIns="91425" wrap="square" tIns="91425">
+          <a:bodyPr spcFirstLastPara="1" wrap="square" lIns="91425" tIns="91425" rIns="91425" bIns="91425" anchor="ctr" anchorCtr="0">
             <a:normAutofit/>
           </a:bodyPr>
           <a:lstStyle>
-            <a:lvl1pPr indent="-228600" lvl="0" marL="457200">
+            <a:lvl1pPr marL="457200" lvl="0" indent="-228600">
               <a:lnSpc>
                 <a:spcPct val="100000"/>
               </a:lnSpc>
@@ -5085,15 +5241,19 @@
               <a:defRPr/>
             </a:lvl1pPr>
           </a:lstStyle>
-          <a:p/>
+          <a:p>
+            <a:endParaRPr/>
+          </a:p>
         </p:txBody>
       </p:sp>
       <p:sp>
         <p:nvSpPr>
           <p:cNvPr id="43" name="Google Shape;43;p10"/>
-          <p:cNvSpPr txBox="1"/>
+          <p:cNvSpPr txBox="1">
+            <a:spLocks noGrp="1"/>
+          </p:cNvSpPr>
           <p:nvPr>
-            <p:ph idx="12" type="sldNum"/>
+            <p:ph type="sldNum" idx="12"/>
           </p:nvPr>
         </p:nvSpPr>
         <p:spPr>
@@ -5106,7 +5266,7 @@
           </a:prstGeom>
         </p:spPr>
         <p:txBody>
-          <a:bodyPr anchorCtr="0" anchor="ctr" bIns="91425" lIns="91425" spcFirstLastPara="1" rIns="91425" wrap="square" tIns="91425">
+          <a:bodyPr spcFirstLastPara="1" wrap="square" lIns="91425" tIns="91425" rIns="91425" bIns="91425" anchor="ctr" anchorCtr="0">
             <a:normAutofit/>
           </a:bodyPr>
           <a:lstStyle>
@@ -5148,7 +5308,7 @@
             </a:lvl9pPr>
           </a:lstStyle>
           <a:p>
-            <a:pPr indent="0" lvl="0" marL="0" rtl="0" algn="r">
+            <a:pPr marL="0" lvl="0" indent="0" algn="r" rtl="0">
               <a:spcBef>
                 <a:spcPts val="0"/>
               </a:spcBef>
@@ -5174,18 +5334,19 @@
 </file>
 
 <file path=ppt/slideMasters/slideMaster1.xml><?xml version="1.0" encoding="utf-8"?>
-<p:sldMaster xmlns:a="http://schemas.openxmlformats.org/drawingml/2006/main" xmlns:r="http://schemas.openxmlformats.org/officeDocument/2006/relationships" xmlns:mc="http://schemas.openxmlformats.org/markup-compatibility/2006" xmlns:mv="urn:schemas-microsoft-com:mac:vml" xmlns:p="http://schemas.openxmlformats.org/presentationml/2006/main" xmlns:c="http://schemas.openxmlformats.org/drawingml/2006/chart" xmlns:dgm="http://schemas.openxmlformats.org/drawingml/2006/diagram" xmlns:o="urn:schemas-microsoft-com:office:office" xmlns:v="urn:schemas-microsoft-com:vml" xmlns:pvml="urn:schemas-microsoft-com:office:powerpoint" xmlns:com="http://schemas.openxmlformats.org/drawingml/2006/compatibility" xmlns:p14="http://schemas.microsoft.com/office/powerpoint/2010/main" xmlns:p15="http://schemas.microsoft.com/office/powerpoint/2012/main" xmlns:ahyp="http://schemas.microsoft.com/office/drawing/2018/hyperlinkcolor">
+<p:sldMaster xmlns:a="http://schemas.openxmlformats.org/drawingml/2006/main" xmlns:r="http://schemas.openxmlformats.org/officeDocument/2006/relationships" xmlns:p="http://schemas.openxmlformats.org/presentationml/2006/main">
   <p:cSld name="simple-light-2">
     <p:bg>
       <p:bgPr>
         <a:solidFill>
           <a:schemeClr val="lt1"/>
         </a:solidFill>
+        <a:effectLst/>
       </p:bgPr>
     </p:bg>
     <p:spTree>
       <p:nvGrpSpPr>
-        <p:cNvPr id="5" name="Shape 5"/>
+        <p:cNvPr id="1" name="Shape 5"/>
         <p:cNvGrpSpPr/>
         <p:nvPr/>
       </p:nvGrpSpPr>
@@ -5200,7 +5361,9 @@
       <p:sp>
         <p:nvSpPr>
           <p:cNvPr id="6" name="Google Shape;6;p1"/>
-          <p:cNvSpPr txBox="1"/>
+          <p:cNvSpPr txBox="1">
+            <a:spLocks noGrp="1"/>
+          </p:cNvSpPr>
           <p:nvPr>
             <p:ph type="title"/>
           </p:nvPr>
@@ -5219,7 +5382,7 @@
           </a:ln>
         </p:spPr>
         <p:txBody>
-          <a:bodyPr anchorCtr="0" anchor="t" bIns="91425" lIns="91425" spcFirstLastPara="1" rIns="91425" wrap="square" tIns="91425">
+          <a:bodyPr spcFirstLastPara="1" wrap="square" lIns="91425" tIns="91425" rIns="91425" bIns="91425" anchor="t" anchorCtr="0">
             <a:normAutofit/>
           </a:bodyPr>
           <a:lstStyle>
@@ -5386,15 +5549,19 @@
               </a:defRPr>
             </a:lvl9pPr>
           </a:lstStyle>
-          <a:p/>
+          <a:p>
+            <a:endParaRPr/>
+          </a:p>
         </p:txBody>
       </p:sp>
       <p:sp>
         <p:nvSpPr>
           <p:cNvPr id="7" name="Google Shape;7;p1"/>
-          <p:cNvSpPr txBox="1"/>
+          <p:cNvSpPr txBox="1">
+            <a:spLocks noGrp="1"/>
+          </p:cNvSpPr>
           <p:nvPr>
-            <p:ph idx="1" type="body"/>
+            <p:ph type="body" idx="1"/>
           </p:nvPr>
         </p:nvSpPr>
         <p:spPr>
@@ -5411,11 +5578,11 @@
           </a:ln>
         </p:spPr>
         <p:txBody>
-          <a:bodyPr anchorCtr="0" anchor="t" bIns="91425" lIns="91425" spcFirstLastPara="1" rIns="91425" wrap="square" tIns="91425">
+          <a:bodyPr spcFirstLastPara="1" wrap="square" lIns="91425" tIns="91425" rIns="91425" bIns="91425" anchor="t" anchorCtr="0">
             <a:normAutofit/>
           </a:bodyPr>
           <a:lstStyle>
-            <a:lvl1pPr indent="-342900" lvl="0" marL="457200">
+            <a:lvl1pPr marL="457200" lvl="0" indent="-342900">
               <a:lnSpc>
                 <a:spcPct val="115000"/>
               </a:lnSpc>
@@ -5436,7 +5603,7 @@
                 </a:solidFill>
               </a:defRPr>
             </a:lvl1pPr>
-            <a:lvl2pPr indent="-317500" lvl="1" marL="914400">
+            <a:lvl2pPr marL="914400" lvl="1" indent="-317500">
               <a:lnSpc>
                 <a:spcPct val="115000"/>
               </a:lnSpc>
@@ -5457,7 +5624,7 @@
                 </a:solidFill>
               </a:defRPr>
             </a:lvl2pPr>
-            <a:lvl3pPr indent="-317500" lvl="2" marL="1371600">
+            <a:lvl3pPr marL="1371600" lvl="2" indent="-317500">
               <a:lnSpc>
                 <a:spcPct val="115000"/>
               </a:lnSpc>
@@ -5478,7 +5645,7 @@
                 </a:solidFill>
               </a:defRPr>
             </a:lvl3pPr>
-            <a:lvl4pPr indent="-317500" lvl="3" marL="1828800">
+            <a:lvl4pPr marL="1828800" lvl="3" indent="-317500">
               <a:lnSpc>
                 <a:spcPct val="115000"/>
               </a:lnSpc>
@@ -5499,7 +5666,7 @@
                 </a:solidFill>
               </a:defRPr>
             </a:lvl4pPr>
-            <a:lvl5pPr indent="-317500" lvl="4" marL="2286000">
+            <a:lvl5pPr marL="2286000" lvl="4" indent="-317500">
               <a:lnSpc>
                 <a:spcPct val="115000"/>
               </a:lnSpc>
@@ -5520,7 +5687,7 @@
                 </a:solidFill>
               </a:defRPr>
             </a:lvl5pPr>
-            <a:lvl6pPr indent="-317500" lvl="5" marL="2743200">
+            <a:lvl6pPr marL="2743200" lvl="5" indent="-317500">
               <a:lnSpc>
                 <a:spcPct val="115000"/>
               </a:lnSpc>
@@ -5541,7 +5708,7 @@
                 </a:solidFill>
               </a:defRPr>
             </a:lvl6pPr>
-            <a:lvl7pPr indent="-317500" lvl="6" marL="3200400">
+            <a:lvl7pPr marL="3200400" lvl="6" indent="-317500">
               <a:lnSpc>
                 <a:spcPct val="115000"/>
               </a:lnSpc>
@@ -5562,7 +5729,7 @@
                 </a:solidFill>
               </a:defRPr>
             </a:lvl7pPr>
-            <a:lvl8pPr indent="-317500" lvl="7" marL="3657600">
+            <a:lvl8pPr marL="3657600" lvl="7" indent="-317500">
               <a:lnSpc>
                 <a:spcPct val="115000"/>
               </a:lnSpc>
@@ -5583,7 +5750,7 @@
                 </a:solidFill>
               </a:defRPr>
             </a:lvl8pPr>
-            <a:lvl9pPr indent="-317500" lvl="8" marL="4114800">
+            <a:lvl9pPr marL="4114800" lvl="8" indent="-317500">
               <a:lnSpc>
                 <a:spcPct val="115000"/>
               </a:lnSpc>
@@ -5605,15 +5772,19 @@
               </a:defRPr>
             </a:lvl9pPr>
           </a:lstStyle>
-          <a:p/>
+          <a:p>
+            <a:endParaRPr/>
+          </a:p>
         </p:txBody>
       </p:sp>
       <p:sp>
         <p:nvSpPr>
           <p:cNvPr id="8" name="Google Shape;8;p1"/>
-          <p:cNvSpPr txBox="1"/>
+          <p:cNvSpPr txBox="1">
+            <a:spLocks noGrp="1"/>
+          </p:cNvSpPr>
           <p:nvPr>
-            <p:ph idx="12" type="sldNum"/>
+            <p:ph type="sldNum" idx="12"/>
           </p:nvPr>
         </p:nvSpPr>
         <p:spPr>
@@ -5630,7 +5801,7 @@
           </a:ln>
         </p:spPr>
         <p:txBody>
-          <a:bodyPr anchorCtr="0" anchor="ctr" bIns="91425" lIns="91425" spcFirstLastPara="1" rIns="91425" wrap="square" tIns="91425">
+          <a:bodyPr spcFirstLastPara="1" wrap="square" lIns="91425" tIns="91425" rIns="91425" bIns="91425" anchor="ctr" anchorCtr="0">
             <a:normAutofit/>
           </a:bodyPr>
           <a:lstStyle>
@@ -5708,7 +5879,7 @@
             </a:lvl9pPr>
           </a:lstStyle>
           <a:p>
-            <a:pPr indent="0" lvl="0" marL="0" rtl="0" algn="r">
+            <a:pPr marL="0" lvl="0" indent="0" algn="r" rtl="0">
               <a:spcBef>
                 <a:spcPts val="0"/>
               </a:spcBef>
@@ -5727,7 +5898,7 @@
       </p:sp>
     </p:spTree>
   </p:cSld>
-  <p:clrMap accent1="accent1" accent2="accent2" accent3="accent3" accent4="accent4" accent5="accent5" accent6="accent6" bg1="lt1" bg2="dk2" tx1="dk1" tx2="lt2" folHlink="folHlink" hlink="hlink"/>
+  <p:clrMap bg1="lt1" tx1="dk1" bg2="dk2" tx2="lt2" accent1="accent1" accent2="accent2" accent3="accent3" accent4="accent4" accent5="accent5" accent6="accent6" hlink="hlink" folHlink="folHlink"/>
   <p:sldLayoutIdLst>
     <p:sldLayoutId id="2147483648" r:id="rId1"/>
     <p:sldLayoutId id="2147483649" r:id="rId2"/>
@@ -5741,10 +5912,10 @@
     <p:sldLayoutId id="2147483657" r:id="rId10"/>
     <p:sldLayoutId id="2147483658" r:id="rId11"/>
   </p:sldLayoutIdLst>
-  <p:hf dt="0" ftr="0" hdr="0" sldNum="0"/>
+  <p:hf sldNum="0" hdr="0" ftr="0" dt="0"/>
   <p:txStyles>
     <p:titleStyle>
-      <a:defPPr lvl="0" marR="0" rtl="0" algn="l">
+      <a:defPPr marR="0" lvl="0" algn="l" rtl="0">
         <a:lnSpc>
           <a:spcPct val="100000"/>
         </a:lnSpc>
@@ -5755,7 +5926,7 @@
           <a:spcPts val="0"/>
         </a:spcAft>
       </a:defPPr>
-      <a:lvl1pPr lvl="0" marR="0" rtl="0" algn="l">
+      <a:lvl1pPr marR="0" lvl="0" algn="l" rtl="0">
         <a:lnSpc>
           <a:spcPct val="100000"/>
         </a:lnSpc>
@@ -5769,7 +5940,7 @@
           <a:srgbClr val="000000"/>
         </a:buClr>
         <a:buFont typeface="Arial"/>
-        <a:defRPr b="0" i="0" sz="1400" u="none" cap="none" strike="noStrike">
+        <a:defRPr sz="1400" b="0" i="0" u="none" strike="noStrike" cap="none">
           <a:solidFill>
             <a:srgbClr val="000000"/>
           </a:solidFill>
@@ -5779,7 +5950,7 @@
           <a:sym typeface="Arial"/>
         </a:defRPr>
       </a:lvl1pPr>
-      <a:lvl2pPr lvl="1" marR="0" rtl="0" algn="l">
+      <a:lvl2pPr marR="0" lvl="1" algn="l" rtl="0">
         <a:lnSpc>
           <a:spcPct val="100000"/>
         </a:lnSpc>
@@ -5793,7 +5964,7 @@
           <a:srgbClr val="000000"/>
         </a:buClr>
         <a:buFont typeface="Arial"/>
-        <a:defRPr b="0" i="0" sz="1400" u="none" cap="none" strike="noStrike">
+        <a:defRPr sz="1400" b="0" i="0" u="none" strike="noStrike" cap="none">
           <a:solidFill>
             <a:srgbClr val="000000"/>
           </a:solidFill>
@@ -5803,7 +5974,7 @@
           <a:sym typeface="Arial"/>
         </a:defRPr>
       </a:lvl2pPr>
-      <a:lvl3pPr lvl="2" marR="0" rtl="0" algn="l">
+      <a:lvl3pPr marR="0" lvl="2" algn="l" rtl="0">
         <a:lnSpc>
           <a:spcPct val="100000"/>
         </a:lnSpc>
@@ -5817,7 +5988,7 @@
           <a:srgbClr val="000000"/>
         </a:buClr>
         <a:buFont typeface="Arial"/>
-        <a:defRPr b="0" i="0" sz="1400" u="none" cap="none" strike="noStrike">
+        <a:defRPr sz="1400" b="0" i="0" u="none" strike="noStrike" cap="none">
           <a:solidFill>
             <a:srgbClr val="000000"/>
           </a:solidFill>
@@ -5827,7 +5998,7 @@
           <a:sym typeface="Arial"/>
         </a:defRPr>
       </a:lvl3pPr>
-      <a:lvl4pPr lvl="3" marR="0" rtl="0" algn="l">
+      <a:lvl4pPr marR="0" lvl="3" algn="l" rtl="0">
         <a:lnSpc>
           <a:spcPct val="100000"/>
         </a:lnSpc>
@@ -5841,7 +6012,7 @@
           <a:srgbClr val="000000"/>
         </a:buClr>
         <a:buFont typeface="Arial"/>
-        <a:defRPr b="0" i="0" sz="1400" u="none" cap="none" strike="noStrike">
+        <a:defRPr sz="1400" b="0" i="0" u="none" strike="noStrike" cap="none">
           <a:solidFill>
             <a:srgbClr val="000000"/>
           </a:solidFill>
@@ -5851,7 +6022,7 @@
           <a:sym typeface="Arial"/>
         </a:defRPr>
       </a:lvl4pPr>
-      <a:lvl5pPr lvl="4" marR="0" rtl="0" algn="l">
+      <a:lvl5pPr marR="0" lvl="4" algn="l" rtl="0">
         <a:lnSpc>
           <a:spcPct val="100000"/>
         </a:lnSpc>
@@ -5865,7 +6036,7 @@
           <a:srgbClr val="000000"/>
         </a:buClr>
         <a:buFont typeface="Arial"/>
-        <a:defRPr b="0" i="0" sz="1400" u="none" cap="none" strike="noStrike">
+        <a:defRPr sz="1400" b="0" i="0" u="none" strike="noStrike" cap="none">
           <a:solidFill>
             <a:srgbClr val="000000"/>
           </a:solidFill>
@@ -5875,7 +6046,7 @@
           <a:sym typeface="Arial"/>
         </a:defRPr>
       </a:lvl5pPr>
-      <a:lvl6pPr lvl="5" marR="0" rtl="0" algn="l">
+      <a:lvl6pPr marR="0" lvl="5" algn="l" rtl="0">
         <a:lnSpc>
           <a:spcPct val="100000"/>
         </a:lnSpc>
@@ -5889,7 +6060,7 @@
           <a:srgbClr val="000000"/>
         </a:buClr>
         <a:buFont typeface="Arial"/>
-        <a:defRPr b="0" i="0" sz="1400" u="none" cap="none" strike="noStrike">
+        <a:defRPr sz="1400" b="0" i="0" u="none" strike="noStrike" cap="none">
           <a:solidFill>
             <a:srgbClr val="000000"/>
           </a:solidFill>
@@ -5899,7 +6070,7 @@
           <a:sym typeface="Arial"/>
         </a:defRPr>
       </a:lvl6pPr>
-      <a:lvl7pPr lvl="6" marR="0" rtl="0" algn="l">
+      <a:lvl7pPr marR="0" lvl="6" algn="l" rtl="0">
         <a:lnSpc>
           <a:spcPct val="100000"/>
         </a:lnSpc>
@@ -5913,7 +6084,7 @@
           <a:srgbClr val="000000"/>
         </a:buClr>
         <a:buFont typeface="Arial"/>
-        <a:defRPr b="0" i="0" sz="1400" u="none" cap="none" strike="noStrike">
+        <a:defRPr sz="1400" b="0" i="0" u="none" strike="noStrike" cap="none">
           <a:solidFill>
             <a:srgbClr val="000000"/>
           </a:solidFill>
@@ -5923,7 +6094,7 @@
           <a:sym typeface="Arial"/>
         </a:defRPr>
       </a:lvl7pPr>
-      <a:lvl8pPr lvl="7" marR="0" rtl="0" algn="l">
+      <a:lvl8pPr marR="0" lvl="7" algn="l" rtl="0">
         <a:lnSpc>
           <a:spcPct val="100000"/>
         </a:lnSpc>
@@ -5937,7 +6108,7 @@
           <a:srgbClr val="000000"/>
         </a:buClr>
         <a:buFont typeface="Arial"/>
-        <a:defRPr b="0" i="0" sz="1400" u="none" cap="none" strike="noStrike">
+        <a:defRPr sz="1400" b="0" i="0" u="none" strike="noStrike" cap="none">
           <a:solidFill>
             <a:srgbClr val="000000"/>
           </a:solidFill>
@@ -5947,7 +6118,7 @@
           <a:sym typeface="Arial"/>
         </a:defRPr>
       </a:lvl8pPr>
-      <a:lvl9pPr lvl="8" marR="0" rtl="0" algn="l">
+      <a:lvl9pPr marR="0" lvl="8" algn="l" rtl="0">
         <a:lnSpc>
           <a:spcPct val="100000"/>
         </a:lnSpc>
@@ -5961,7 +6132,7 @@
           <a:srgbClr val="000000"/>
         </a:buClr>
         <a:buFont typeface="Arial"/>
-        <a:defRPr b="0" i="0" sz="1400" u="none" cap="none" strike="noStrike">
+        <a:defRPr sz="1400" b="0" i="0" u="none" strike="noStrike" cap="none">
           <a:solidFill>
             <a:srgbClr val="000000"/>
           </a:solidFill>
@@ -5973,7 +6144,7 @@
       </a:lvl9pPr>
     </p:titleStyle>
     <p:bodyStyle>
-      <a:defPPr lvl="0" marR="0" rtl="0" algn="l">
+      <a:defPPr marR="0" lvl="0" algn="l" rtl="0">
         <a:lnSpc>
           <a:spcPct val="100000"/>
         </a:lnSpc>
@@ -5984,7 +6155,7 @@
           <a:spcPts val="0"/>
         </a:spcAft>
       </a:defPPr>
-      <a:lvl1pPr lvl="0" marR="0" rtl="0" algn="l">
+      <a:lvl1pPr marR="0" lvl="0" algn="l" rtl="0">
         <a:lnSpc>
           <a:spcPct val="100000"/>
         </a:lnSpc>
@@ -5998,7 +6169,7 @@
           <a:srgbClr val="000000"/>
         </a:buClr>
         <a:buFont typeface="Arial"/>
-        <a:defRPr b="0" i="0" sz="1400" u="none" cap="none" strike="noStrike">
+        <a:defRPr sz="1400" b="0" i="0" u="none" strike="noStrike" cap="none">
           <a:solidFill>
             <a:srgbClr val="000000"/>
           </a:solidFill>
@@ -6008,7 +6179,7 @@
           <a:sym typeface="Arial"/>
         </a:defRPr>
       </a:lvl1pPr>
-      <a:lvl2pPr lvl="1" marR="0" rtl="0" algn="l">
+      <a:lvl2pPr marR="0" lvl="1" algn="l" rtl="0">
         <a:lnSpc>
           <a:spcPct val="100000"/>
         </a:lnSpc>
@@ -6022,7 +6193,7 @@
           <a:srgbClr val="000000"/>
         </a:buClr>
         <a:buFont typeface="Arial"/>
-        <a:defRPr b="0" i="0" sz="1400" u="none" cap="none" strike="noStrike">
+        <a:defRPr sz="1400" b="0" i="0" u="none" strike="noStrike" cap="none">
           <a:solidFill>
             <a:srgbClr val="000000"/>
           </a:solidFill>
@@ -6032,7 +6203,7 @@
           <a:sym typeface="Arial"/>
         </a:defRPr>
       </a:lvl2pPr>
-      <a:lvl3pPr lvl="2" marR="0" rtl="0" algn="l">
+      <a:lvl3pPr marR="0" lvl="2" algn="l" rtl="0">
         <a:lnSpc>
           <a:spcPct val="100000"/>
         </a:lnSpc>
@@ -6046,7 +6217,7 @@
           <a:srgbClr val="000000"/>
         </a:buClr>
         <a:buFont typeface="Arial"/>
-        <a:defRPr b="0" i="0" sz="1400" u="none" cap="none" strike="noStrike">
+        <a:defRPr sz="1400" b="0" i="0" u="none" strike="noStrike" cap="none">
           <a:solidFill>
             <a:srgbClr val="000000"/>
           </a:solidFill>
@@ -6056,7 +6227,7 @@
           <a:sym typeface="Arial"/>
         </a:defRPr>
       </a:lvl3pPr>
-      <a:lvl4pPr lvl="3" marR="0" rtl="0" algn="l">
+      <a:lvl4pPr marR="0" lvl="3" algn="l" rtl="0">
         <a:lnSpc>
           <a:spcPct val="100000"/>
         </a:lnSpc>
@@ -6070,7 +6241,7 @@
           <a:srgbClr val="000000"/>
         </a:buClr>
         <a:buFont typeface="Arial"/>
-        <a:defRPr b="0" i="0" sz="1400" u="none" cap="none" strike="noStrike">
+        <a:defRPr sz="1400" b="0" i="0" u="none" strike="noStrike" cap="none">
           <a:solidFill>
             <a:srgbClr val="000000"/>
           </a:solidFill>
@@ -6080,7 +6251,7 @@
           <a:sym typeface="Arial"/>
         </a:defRPr>
       </a:lvl4pPr>
-      <a:lvl5pPr lvl="4" marR="0" rtl="0" algn="l">
+      <a:lvl5pPr marR="0" lvl="4" algn="l" rtl="0">
         <a:lnSpc>
           <a:spcPct val="100000"/>
         </a:lnSpc>
@@ -6094,7 +6265,7 @@
           <a:srgbClr val="000000"/>
         </a:buClr>
         <a:buFont typeface="Arial"/>
-        <a:defRPr b="0" i="0" sz="1400" u="none" cap="none" strike="noStrike">
+        <a:defRPr sz="1400" b="0" i="0" u="none" strike="noStrike" cap="none">
           <a:solidFill>
             <a:srgbClr val="000000"/>
           </a:solidFill>
@@ -6104,7 +6275,7 @@
           <a:sym typeface="Arial"/>
         </a:defRPr>
       </a:lvl5pPr>
-      <a:lvl6pPr lvl="5" marR="0" rtl="0" algn="l">
+      <a:lvl6pPr marR="0" lvl="5" algn="l" rtl="0">
         <a:lnSpc>
           <a:spcPct val="100000"/>
         </a:lnSpc>
@@ -6118,7 +6289,7 @@
           <a:srgbClr val="000000"/>
         </a:buClr>
         <a:buFont typeface="Arial"/>
-        <a:defRPr b="0" i="0" sz="1400" u="none" cap="none" strike="noStrike">
+        <a:defRPr sz="1400" b="0" i="0" u="none" strike="noStrike" cap="none">
           <a:solidFill>
             <a:srgbClr val="000000"/>
           </a:solidFill>
@@ -6128,7 +6299,7 @@
           <a:sym typeface="Arial"/>
         </a:defRPr>
       </a:lvl6pPr>
-      <a:lvl7pPr lvl="6" marR="0" rtl="0" algn="l">
+      <a:lvl7pPr marR="0" lvl="6" algn="l" rtl="0">
         <a:lnSpc>
           <a:spcPct val="100000"/>
         </a:lnSpc>
@@ -6142,7 +6313,7 @@
           <a:srgbClr val="000000"/>
         </a:buClr>
         <a:buFont typeface="Arial"/>
-        <a:defRPr b="0" i="0" sz="1400" u="none" cap="none" strike="noStrike">
+        <a:defRPr sz="1400" b="0" i="0" u="none" strike="noStrike" cap="none">
           <a:solidFill>
             <a:srgbClr val="000000"/>
           </a:solidFill>
@@ -6152,7 +6323,7 @@
           <a:sym typeface="Arial"/>
         </a:defRPr>
       </a:lvl7pPr>
-      <a:lvl8pPr lvl="7" marR="0" rtl="0" algn="l">
+      <a:lvl8pPr marR="0" lvl="7" algn="l" rtl="0">
         <a:lnSpc>
           <a:spcPct val="100000"/>
         </a:lnSpc>
@@ -6166,7 +6337,7 @@
           <a:srgbClr val="000000"/>
         </a:buClr>
         <a:buFont typeface="Arial"/>
-        <a:defRPr b="0" i="0" sz="1400" u="none" cap="none" strike="noStrike">
+        <a:defRPr sz="1400" b="0" i="0" u="none" strike="noStrike" cap="none">
           <a:solidFill>
             <a:srgbClr val="000000"/>
           </a:solidFill>
@@ -6176,7 +6347,7 @@
           <a:sym typeface="Arial"/>
         </a:defRPr>
       </a:lvl8pPr>
-      <a:lvl9pPr lvl="8" marR="0" rtl="0" algn="l">
+      <a:lvl9pPr marR="0" lvl="8" algn="l" rtl="0">
         <a:lnSpc>
           <a:spcPct val="100000"/>
         </a:lnSpc>
@@ -6190,7 +6361,7 @@
           <a:srgbClr val="000000"/>
         </a:buClr>
         <a:buFont typeface="Arial"/>
-        <a:defRPr b="0" i="0" sz="1400" u="none" cap="none" strike="noStrike">
+        <a:defRPr sz="1400" b="0" i="0" u="none" strike="noStrike" cap="none">
           <a:solidFill>
             <a:srgbClr val="000000"/>
           </a:solidFill>
@@ -6202,7 +6373,7 @@
       </a:lvl9pPr>
     </p:bodyStyle>
     <p:otherStyle>
-      <a:defPPr lvl="0" marR="0" rtl="0" algn="l">
+      <a:defPPr marR="0" lvl="0" algn="l" rtl="0">
         <a:lnSpc>
           <a:spcPct val="100000"/>
         </a:lnSpc>
@@ -6213,7 +6384,7 @@
           <a:spcPts val="0"/>
         </a:spcAft>
       </a:defPPr>
-      <a:lvl1pPr lvl="0" marR="0" rtl="0" algn="l">
+      <a:lvl1pPr marR="0" lvl="0" algn="l" rtl="0">
         <a:lnSpc>
           <a:spcPct val="100000"/>
         </a:lnSpc>
@@ -6227,7 +6398,7 @@
           <a:srgbClr val="000000"/>
         </a:buClr>
         <a:buFont typeface="Arial"/>
-        <a:defRPr b="0" i="0" sz="1400" u="none" cap="none" strike="noStrike">
+        <a:defRPr sz="1400" b="0" i="0" u="none" strike="noStrike" cap="none">
           <a:solidFill>
             <a:srgbClr val="000000"/>
           </a:solidFill>
@@ -6237,7 +6408,7 @@
           <a:sym typeface="Arial"/>
         </a:defRPr>
       </a:lvl1pPr>
-      <a:lvl2pPr lvl="1" marR="0" rtl="0" algn="l">
+      <a:lvl2pPr marR="0" lvl="1" algn="l" rtl="0">
         <a:lnSpc>
           <a:spcPct val="100000"/>
         </a:lnSpc>
@@ -6251,7 +6422,7 @@
           <a:srgbClr val="000000"/>
         </a:buClr>
         <a:buFont typeface="Arial"/>
-        <a:defRPr b="0" i="0" sz="1400" u="none" cap="none" strike="noStrike">
+        <a:defRPr sz="1400" b="0" i="0" u="none" strike="noStrike" cap="none">
           <a:solidFill>
             <a:srgbClr val="000000"/>
           </a:solidFill>
@@ -6261,7 +6432,7 @@
           <a:sym typeface="Arial"/>
         </a:defRPr>
       </a:lvl2pPr>
-      <a:lvl3pPr lvl="2" marR="0" rtl="0" algn="l">
+      <a:lvl3pPr marR="0" lvl="2" algn="l" rtl="0">
         <a:lnSpc>
           <a:spcPct val="100000"/>
         </a:lnSpc>
@@ -6275,7 +6446,7 @@
           <a:srgbClr val="000000"/>
         </a:buClr>
         <a:buFont typeface="Arial"/>
-        <a:defRPr b="0" i="0" sz="1400" u="none" cap="none" strike="noStrike">
+        <a:defRPr sz="1400" b="0" i="0" u="none" strike="noStrike" cap="none">
           <a:solidFill>
             <a:srgbClr val="000000"/>
           </a:solidFill>
@@ -6285,7 +6456,7 @@
           <a:sym typeface="Arial"/>
         </a:defRPr>
       </a:lvl3pPr>
-      <a:lvl4pPr lvl="3" marR="0" rtl="0" algn="l">
+      <a:lvl4pPr marR="0" lvl="3" algn="l" rtl="0">
         <a:lnSpc>
           <a:spcPct val="100000"/>
         </a:lnSpc>
@@ -6299,7 +6470,7 @@
           <a:srgbClr val="000000"/>
         </a:buClr>
         <a:buFont typeface="Arial"/>
-        <a:defRPr b="0" i="0" sz="1400" u="none" cap="none" strike="noStrike">
+        <a:defRPr sz="1400" b="0" i="0" u="none" strike="noStrike" cap="none">
           <a:solidFill>
             <a:srgbClr val="000000"/>
           </a:solidFill>
@@ -6309,7 +6480,7 @@
           <a:sym typeface="Arial"/>
         </a:defRPr>
       </a:lvl4pPr>
-      <a:lvl5pPr lvl="4" marR="0" rtl="0" algn="l">
+      <a:lvl5pPr marR="0" lvl="4" algn="l" rtl="0">
         <a:lnSpc>
           <a:spcPct val="100000"/>
         </a:lnSpc>
@@ -6323,7 +6494,7 @@
           <a:srgbClr val="000000"/>
         </a:buClr>
         <a:buFont typeface="Arial"/>
-        <a:defRPr b="0" i="0" sz="1400" u="none" cap="none" strike="noStrike">
+        <a:defRPr sz="1400" b="0" i="0" u="none" strike="noStrike" cap="none">
           <a:solidFill>
             <a:srgbClr val="000000"/>
           </a:solidFill>
@@ -6333,7 +6504,7 @@
           <a:sym typeface="Arial"/>
         </a:defRPr>
       </a:lvl5pPr>
-      <a:lvl6pPr lvl="5" marR="0" rtl="0" algn="l">
+      <a:lvl6pPr marR="0" lvl="5" algn="l" rtl="0">
         <a:lnSpc>
           <a:spcPct val="100000"/>
         </a:lnSpc>
@@ -6347,7 +6518,7 @@
           <a:srgbClr val="000000"/>
         </a:buClr>
         <a:buFont typeface="Arial"/>
-        <a:defRPr b="0" i="0" sz="1400" u="none" cap="none" strike="noStrike">
+        <a:defRPr sz="1400" b="0" i="0" u="none" strike="noStrike" cap="none">
           <a:solidFill>
             <a:srgbClr val="000000"/>
           </a:solidFill>
@@ -6357,7 +6528,7 @@
           <a:sym typeface="Arial"/>
         </a:defRPr>
       </a:lvl6pPr>
-      <a:lvl7pPr lvl="6" marR="0" rtl="0" algn="l">
+      <a:lvl7pPr marR="0" lvl="6" algn="l" rtl="0">
         <a:lnSpc>
           <a:spcPct val="100000"/>
         </a:lnSpc>
@@ -6371,7 +6542,7 @@
           <a:srgbClr val="000000"/>
         </a:buClr>
         <a:buFont typeface="Arial"/>
-        <a:defRPr b="0" i="0" sz="1400" u="none" cap="none" strike="noStrike">
+        <a:defRPr sz="1400" b="0" i="0" u="none" strike="noStrike" cap="none">
           <a:solidFill>
             <a:srgbClr val="000000"/>
           </a:solidFill>
@@ -6381,7 +6552,7 @@
           <a:sym typeface="Arial"/>
         </a:defRPr>
       </a:lvl7pPr>
-      <a:lvl8pPr lvl="7" marR="0" rtl="0" algn="l">
+      <a:lvl8pPr marR="0" lvl="7" algn="l" rtl="0">
         <a:lnSpc>
           <a:spcPct val="100000"/>
         </a:lnSpc>
@@ -6395,7 +6566,7 @@
           <a:srgbClr val="000000"/>
         </a:buClr>
         <a:buFont typeface="Arial"/>
-        <a:defRPr b="0" i="0" sz="1400" u="none" cap="none" strike="noStrike">
+        <a:defRPr sz="1400" b="0" i="0" u="none" strike="noStrike" cap="none">
           <a:solidFill>
             <a:srgbClr val="000000"/>
           </a:solidFill>
@@ -6405,7 +6576,7 @@
           <a:sym typeface="Arial"/>
         </a:defRPr>
       </a:lvl8pPr>
-      <a:lvl9pPr lvl="8" marR="0" rtl="0" algn="l">
+      <a:lvl9pPr marR="0" lvl="8" algn="l" rtl="0">
         <a:lnSpc>
           <a:spcPct val="100000"/>
         </a:lnSpc>
@@ -6419,7 +6590,7 @@
           <a:srgbClr val="000000"/>
         </a:buClr>
         <a:buFont typeface="Arial"/>
-        <a:defRPr b="0" i="0" sz="1400" u="none" cap="none" strike="noStrike">
+        <a:defRPr sz="1400" b="0" i="0" u="none" strike="noStrike" cap="none">
           <a:solidFill>
             <a:srgbClr val="000000"/>
           </a:solidFill>
@@ -6435,11 +6606,11 @@
 </file>
 
 <file path=ppt/slides/slide1.xml><?xml version="1.0" encoding="utf-8"?>
-<p:sld xmlns:a="http://schemas.openxmlformats.org/drawingml/2006/main" xmlns:r="http://schemas.openxmlformats.org/officeDocument/2006/relationships" xmlns:mc="http://schemas.openxmlformats.org/markup-compatibility/2006" xmlns:mv="urn:schemas-microsoft-com:mac:vml" xmlns:p="http://schemas.openxmlformats.org/presentationml/2006/main" xmlns:c="http://schemas.openxmlformats.org/drawingml/2006/chart" xmlns:dgm="http://schemas.openxmlformats.org/drawingml/2006/diagram" xmlns:o="urn:schemas-microsoft-com:office:office" xmlns:v="urn:schemas-microsoft-com:vml" xmlns:pvml="urn:schemas-microsoft-com:office:powerpoint" xmlns:com="http://schemas.openxmlformats.org/drawingml/2006/compatibility" xmlns:p14="http://schemas.microsoft.com/office/powerpoint/2010/main" xmlns:p15="http://schemas.microsoft.com/office/powerpoint/2012/main" xmlns:ahyp="http://schemas.microsoft.com/office/drawing/2018/hyperlinkcolor">
+<p:sld xmlns:a="http://schemas.openxmlformats.org/drawingml/2006/main" xmlns:r="http://schemas.openxmlformats.org/officeDocument/2006/relationships" xmlns:p="http://schemas.openxmlformats.org/presentationml/2006/main">
   <p:cSld>
     <p:spTree>
       <p:nvGrpSpPr>
-        <p:cNvPr id="53" name="Shape 53"/>
+        <p:cNvPr id="1" name="Shape 53"/>
         <p:cNvGrpSpPr/>
         <p:nvPr/>
       </p:nvGrpSpPr>
@@ -6544,11 +6715,11 @@
 </file>
 
 <file path=ppt/slides/slide10.xml><?xml version="1.0" encoding="utf-8"?>
-<p:sld xmlns:a="http://schemas.openxmlformats.org/drawingml/2006/main" xmlns:r="http://schemas.openxmlformats.org/officeDocument/2006/relationships" xmlns:mc="http://schemas.openxmlformats.org/markup-compatibility/2006" xmlns:mv="urn:schemas-microsoft-com:mac:vml" xmlns:p="http://schemas.openxmlformats.org/presentationml/2006/main" xmlns:c="http://schemas.openxmlformats.org/drawingml/2006/chart" xmlns:dgm="http://schemas.openxmlformats.org/drawingml/2006/diagram" xmlns:o="urn:schemas-microsoft-com:office:office" xmlns:v="urn:schemas-microsoft-com:vml" xmlns:pvml="urn:schemas-microsoft-com:office:powerpoint" xmlns:com="http://schemas.openxmlformats.org/drawingml/2006/compatibility" xmlns:p14="http://schemas.microsoft.com/office/powerpoint/2010/main" xmlns:p15="http://schemas.microsoft.com/office/powerpoint/2012/main" xmlns:ahyp="http://schemas.microsoft.com/office/drawing/2018/hyperlinkcolor">
+<p:sld xmlns:a="http://schemas.openxmlformats.org/drawingml/2006/main" xmlns:r="http://schemas.openxmlformats.org/officeDocument/2006/relationships" xmlns:p="http://schemas.openxmlformats.org/presentationml/2006/main">
   <p:cSld>
     <p:spTree>
       <p:nvGrpSpPr>
-        <p:cNvPr id="115" name="Shape 115"/>
+        <p:cNvPr id="1" name="Shape 115"/>
         <p:cNvGrpSpPr/>
         <p:nvPr/>
       </p:nvGrpSpPr>
@@ -6580,12 +6751,12 @@
           </a:ln>
         </p:spPr>
         <p:txBody>
-          <a:bodyPr anchorCtr="0" anchor="t" bIns="91425" lIns="91425" spcFirstLastPara="1" rIns="91425" wrap="square" tIns="91425">
+          <a:bodyPr spcFirstLastPara="1" wrap="square" lIns="91425" tIns="91425" rIns="91425" bIns="91425" anchor="t" anchorCtr="0">
             <a:spAutoFit/>
           </a:bodyPr>
           <a:lstStyle/>
           <a:p>
-            <a:pPr indent="0" lvl="0" marL="0" rtl="0" algn="l">
+            <a:pPr marL="0" lvl="0" indent="0" algn="l" rtl="0">
               <a:spcBef>
                 <a:spcPts val="0"/>
               </a:spcBef>
@@ -6603,21 +6774,10 @@
                   <a:srgbClr val="FFFFFF"/>
                 </a:highlight>
               </a:rPr>
-              <a:t>[1]  </a:t>
+              <a:t>[1]  M. Muhammad, M. Armstrong and M. A. Elgendy, "A Nonisolated Interleaved Boost Converter for High-Voltage Gain Applications," in </a:t>
             </a:r>
             <a:r>
-              <a:rPr lang="tr" sz="1000">
-                <a:solidFill>
-                  <a:srgbClr val="333333"/>
-                </a:solidFill>
-                <a:highlight>
-                  <a:srgbClr val="FFFFFF"/>
-                </a:highlight>
-              </a:rPr>
-              <a:t>M. Muhammad, M. Armstrong and M. A. Elgendy, "A Nonisolated Interleaved Boost Converter for High-Voltage Gain Applications," in </a:t>
-            </a:r>
-            <a:r>
-              <a:rPr i="1" lang="tr" sz="1000">
+              <a:rPr lang="tr" sz="1000" i="1">
                 <a:solidFill>
                   <a:srgbClr val="333333"/>
                 </a:solidFill>
@@ -6662,12 +6822,12 @@
           </a:ln>
         </p:spPr>
         <p:txBody>
-          <a:bodyPr anchorCtr="0" anchor="t" bIns="91425" lIns="91425" spcFirstLastPara="1" rIns="91425" wrap="square" tIns="91425">
+          <a:bodyPr spcFirstLastPara="1" wrap="square" lIns="91425" tIns="91425" rIns="91425" bIns="91425" anchor="t" anchorCtr="0">
             <a:spAutoFit/>
           </a:bodyPr>
           <a:lstStyle/>
           <a:p>
-            <a:pPr indent="0" lvl="0" marL="0" rtl="0" algn="l">
+            <a:pPr marL="0" lvl="0" indent="0" algn="l" rtl="0">
               <a:spcBef>
                 <a:spcPts val="0"/>
               </a:spcBef>
@@ -6685,21 +6845,10 @@
                   <a:srgbClr val="FFFFFF"/>
                 </a:highlight>
               </a:rPr>
-              <a:t>[2] </a:t>
+              <a:t>[2] B. Stevanović, D. Serrano, M. Vasić, P. Alou, J. A. Oliver and J. A. Cobos, "Highly Efficient, Full ZVS, Hybrid, Multilevel DC/DC Topology for Two-Stage Grid-Connected 1500-V PV System With Employed 900-V SiC Devices," in </a:t>
             </a:r>
             <a:r>
-              <a:rPr lang="tr" sz="1000">
-                <a:solidFill>
-                  <a:srgbClr val="333333"/>
-                </a:solidFill>
-                <a:highlight>
-                  <a:srgbClr val="FFFFFF"/>
-                </a:highlight>
-              </a:rPr>
-              <a:t>B. Stevanović, D. Serrano, M. Vasić, P. Alou, J. A. Oliver and J. A. Cobos, "Highly Efficient, Full ZVS, Hybrid, Multilevel DC/DC Topology for Two-Stage Grid-Connected 1500-V PV System With Employed 900-V SiC Devices," in </a:t>
-            </a:r>
-            <a:r>
-              <a:rPr i="1" lang="tr" sz="1000">
+              <a:rPr lang="tr" sz="1000" i="1">
                 <a:solidFill>
                   <a:srgbClr val="333333"/>
                 </a:solidFill>
@@ -6744,12 +6893,12 @@
           </a:ln>
         </p:spPr>
         <p:txBody>
-          <a:bodyPr anchorCtr="0" anchor="t" bIns="91425" lIns="91425" spcFirstLastPara="1" rIns="91425" wrap="square" tIns="91425">
+          <a:bodyPr spcFirstLastPara="1" wrap="square" lIns="91425" tIns="91425" rIns="91425" bIns="91425" anchor="t" anchorCtr="0">
             <a:spAutoFit/>
           </a:bodyPr>
           <a:lstStyle/>
           <a:p>
-            <a:pPr indent="0" lvl="0" marL="0" rtl="0" algn="l">
+            <a:pPr marL="0" lvl="0" indent="0" algn="l" rtl="0">
               <a:spcBef>
                 <a:spcPts val="0"/>
               </a:spcBef>
@@ -6767,21 +6916,10 @@
                   <a:srgbClr val="FFFFFF"/>
                 </a:highlight>
               </a:rPr>
-              <a:t>[3] </a:t>
+              <a:t>[3] G. R. Chandra Mouli, J. H. Schijffelen, P. Bauer and M. Zeman, "Design and Comparison of a 10-kW Interleaved Boost Converter for PV Application Using Si and SiC Devices," in </a:t>
             </a:r>
             <a:r>
-              <a:rPr lang="tr" sz="1000">
-                <a:solidFill>
-                  <a:srgbClr val="333333"/>
-                </a:solidFill>
-                <a:highlight>
-                  <a:srgbClr val="FFFFFF"/>
-                </a:highlight>
-              </a:rPr>
-              <a:t>G. R. Chandra Mouli, J. H. Schijffelen, P. Bauer and M. Zeman, "Design and Comparison of a 10-kW Interleaved Boost Converter for PV Application Using Si and SiC Devices," in </a:t>
-            </a:r>
-            <a:r>
-              <a:rPr i="1" lang="tr" sz="1000">
+              <a:rPr lang="tr" sz="1000" i="1">
                 <a:solidFill>
                   <a:srgbClr val="333333"/>
                 </a:solidFill>
@@ -6826,12 +6964,12 @@
           </a:ln>
         </p:spPr>
         <p:txBody>
-          <a:bodyPr anchorCtr="0" anchor="t" bIns="91425" lIns="91425" spcFirstLastPara="1" rIns="91425" wrap="square" tIns="91425">
+          <a:bodyPr spcFirstLastPara="1" wrap="square" lIns="91425" tIns="91425" rIns="91425" bIns="91425" anchor="t" anchorCtr="0">
             <a:spAutoFit/>
           </a:bodyPr>
           <a:lstStyle/>
           <a:p>
-            <a:pPr indent="0" lvl="0" marL="0" rtl="0" algn="l">
+            <a:pPr marL="0" lvl="0" indent="0" algn="l" rtl="0">
               <a:spcBef>
                 <a:spcPts val="0"/>
               </a:spcBef>
@@ -6849,21 +6987,10 @@
                   <a:srgbClr val="FFFFFF"/>
                 </a:highlight>
               </a:rPr>
-              <a:t>[4] </a:t>
+              <a:t>[4] B. Stevanović, E. Serban, M. Vasić, M. Ordonez, S. Cóbreces and P. Alou, "Energy Harvesting Comparison and Analysis in 1000V and 1500V Grid-Connected PV Systems," </a:t>
             </a:r>
             <a:r>
-              <a:rPr lang="tr" sz="1000">
-                <a:solidFill>
-                  <a:srgbClr val="333333"/>
-                </a:solidFill>
-                <a:highlight>
-                  <a:srgbClr val="FFFFFF"/>
-                </a:highlight>
-              </a:rPr>
-              <a:t>B. Stevanović, E. Serban, M. Vasić, M. Ordonez, S. Cóbreces and P. Alou, "Energy Harvesting Comparison and Analysis in 1000V and 1500V Grid-Connected PV Systems," </a:t>
-            </a:r>
-            <a:r>
-              <a:rPr i="1" lang="tr" sz="1000">
+              <a:rPr lang="tr" sz="1000" i="1">
                 <a:solidFill>
                   <a:srgbClr val="333333"/>
                 </a:solidFill>
@@ -6908,12 +7035,12 @@
           </a:ln>
         </p:spPr>
         <p:txBody>
-          <a:bodyPr anchorCtr="0" anchor="t" bIns="91425" lIns="91425" spcFirstLastPara="1" rIns="91425" wrap="square" tIns="91425">
+          <a:bodyPr spcFirstLastPara="1" wrap="square" lIns="91425" tIns="91425" rIns="91425" bIns="91425" anchor="t" anchorCtr="0">
             <a:spAutoFit/>
           </a:bodyPr>
           <a:lstStyle/>
           <a:p>
-            <a:pPr indent="0" lvl="0" marL="0" rtl="0" algn="l">
+            <a:pPr marL="0" lvl="0" indent="0" algn="l" rtl="0">
               <a:spcBef>
                 <a:spcPts val="0"/>
               </a:spcBef>
@@ -6924,16 +7051,12 @@
             </a:pPr>
             <a:r>
               <a:rPr lang="tr" sz="1000"/>
-              <a:t>[5] </a:t>
-            </a:r>
-            <a:r>
-              <a:rPr lang="tr" sz="1000"/>
-              <a:t>Nandakumar Selvaraju, Prabhuraj Shanmugham, Sakda Somkun,</a:t>
+              <a:t>[5] Nandakumar Selvaraju, Prabhuraj Shanmugham, Sakda Somkun,</a:t>
             </a:r>
             <a:endParaRPr sz="1000"/>
           </a:p>
           <a:p>
-            <a:pPr indent="0" lvl="0" marL="0" rtl="0" algn="l">
+            <a:pPr marL="0" lvl="0" indent="0" algn="l" rtl="0">
               <a:spcBef>
                 <a:spcPts val="0"/>
               </a:spcBef>
@@ -6949,7 +7072,7 @@
             <a:endParaRPr sz="1000"/>
           </a:p>
           <a:p>
-            <a:pPr indent="0" lvl="0" marL="0" rtl="0" algn="l">
+            <a:pPr marL="0" lvl="0" indent="0" algn="l" rtl="0">
               <a:spcBef>
                 <a:spcPts val="0"/>
               </a:spcBef>
@@ -6965,7 +7088,7 @@
             <a:endParaRPr sz="1000"/>
           </a:p>
           <a:p>
-            <a:pPr indent="0" lvl="0" marL="0" rtl="0" algn="l">
+            <a:pPr marL="0" lvl="0" indent="0" algn="l" rtl="0">
               <a:spcBef>
                 <a:spcPts val="0"/>
               </a:spcBef>
@@ -7002,12 +7125,12 @@
           </a:ln>
         </p:spPr>
         <p:txBody>
-          <a:bodyPr anchorCtr="0" anchor="t" bIns="91425" lIns="91425" spcFirstLastPara="1" rIns="91425" wrap="square" tIns="91425">
+          <a:bodyPr spcFirstLastPara="1" wrap="square" lIns="91425" tIns="91425" rIns="91425" bIns="91425" anchor="t" anchorCtr="0">
             <a:spAutoFit/>
           </a:bodyPr>
           <a:lstStyle/>
           <a:p>
-            <a:pPr indent="0" lvl="0" marL="0" rtl="0" algn="l">
+            <a:pPr marL="0" lvl="0" indent="0" algn="l" rtl="0">
               <a:spcBef>
                 <a:spcPts val="0"/>
               </a:spcBef>
@@ -7018,11 +7141,7 @@
             </a:pPr>
             <a:r>
               <a:rPr lang="tr" sz="1000"/>
-              <a:t>[6] </a:t>
-            </a:r>
-            <a:r>
-              <a:rPr lang="tr" sz="1000"/>
-              <a:t>F. H. Aghdam and M. Abapour, "Reliability and Cost Analysis of Multistage Boost Converters Connected to PV Panels," in IEEE Journal of Photovoltaics, vol. 6, no. 4, pp. 981-989, July 2016, doi: 10.1109/JPHOTOV.2016.2566885.</a:t>
+              <a:t>[6] F. H. Aghdam and M. Abapour, "Reliability and Cost Analysis of Multistage Boost Converters Connected to PV Panels," in IEEE Journal of Photovoltaics, vol. 6, no. 4, pp. 981-989, July 2016, doi: 10.1109/JPHOTOV.2016.2566885.</a:t>
             </a:r>
             <a:endParaRPr sz="1000"/>
           </a:p>
@@ -7037,11 +7156,11 @@
 </file>
 
 <file path=ppt/slides/slide11.xml><?xml version="1.0" encoding="utf-8"?>
-<p:sld xmlns:a="http://schemas.openxmlformats.org/drawingml/2006/main" xmlns:r="http://schemas.openxmlformats.org/officeDocument/2006/relationships" xmlns:mc="http://schemas.openxmlformats.org/markup-compatibility/2006" xmlns:mv="urn:schemas-microsoft-com:mac:vml" xmlns:p="http://schemas.openxmlformats.org/presentationml/2006/main" xmlns:c="http://schemas.openxmlformats.org/drawingml/2006/chart" xmlns:dgm="http://schemas.openxmlformats.org/drawingml/2006/diagram" xmlns:o="urn:schemas-microsoft-com:office:office" xmlns:v="urn:schemas-microsoft-com:vml" xmlns:pvml="urn:schemas-microsoft-com:office:powerpoint" xmlns:com="http://schemas.openxmlformats.org/drawingml/2006/compatibility" xmlns:p14="http://schemas.microsoft.com/office/powerpoint/2010/main" xmlns:p15="http://schemas.microsoft.com/office/powerpoint/2012/main" xmlns:ahyp="http://schemas.microsoft.com/office/drawing/2018/hyperlinkcolor">
+<p:sld xmlns:a="http://schemas.openxmlformats.org/drawingml/2006/main" xmlns:r="http://schemas.openxmlformats.org/officeDocument/2006/relationships" xmlns:p="http://schemas.openxmlformats.org/presentationml/2006/main">
   <p:cSld>
     <p:spTree>
       <p:nvGrpSpPr>
-        <p:cNvPr id="125" name="Shape 125"/>
+        <p:cNvPr id="1" name="Shape 125"/>
         <p:cNvGrpSpPr/>
         <p:nvPr/>
       </p:nvGrpSpPr>
@@ -7073,12 +7192,12 @@
           </a:ln>
         </p:spPr>
         <p:txBody>
-          <a:bodyPr anchorCtr="0" anchor="t" bIns="91425" lIns="91425" spcFirstLastPara="1" rIns="91425" wrap="square" tIns="91425">
+          <a:bodyPr spcFirstLastPara="1" wrap="square" lIns="91425" tIns="91425" rIns="91425" bIns="91425" anchor="t" anchorCtr="0">
             <a:spAutoFit/>
           </a:bodyPr>
           <a:lstStyle/>
           <a:p>
-            <a:pPr indent="0" lvl="0" marL="0" rtl="0" algn="l">
+            <a:pPr marL="0" lvl="0" indent="0" algn="l" rtl="0">
               <a:spcBef>
                 <a:spcPts val="0"/>
               </a:spcBef>
@@ -7089,11 +7208,7 @@
             </a:pPr>
             <a:r>
               <a:rPr lang="tr"/>
-              <a:t>[7]</a:t>
-            </a:r>
-            <a:r>
-              <a:rPr lang="tr"/>
-              <a:t>https://www.wolfspeed.com/downloads/dl/file/id/1545/product/424/crd_60dd12n_application_note.pdf</a:t>
+              <a:t>[7]https://www.wolfspeed.com/downloads/dl/file/id/1545/product/424/crd_60dd12n_application_note.pdf</a:t>
             </a:r>
             <a:endParaRPr/>
           </a:p>
@@ -7119,12 +7234,12 @@
           </a:ln>
         </p:spPr>
         <p:txBody>
-          <a:bodyPr anchorCtr="0" anchor="t" bIns="91425" lIns="91425" spcFirstLastPara="1" rIns="91425" wrap="square" tIns="91425">
+          <a:bodyPr spcFirstLastPara="1" wrap="square" lIns="91425" tIns="91425" rIns="91425" bIns="91425" anchor="t" anchorCtr="0">
             <a:spAutoFit/>
           </a:bodyPr>
           <a:lstStyle/>
           <a:p>
-            <a:pPr indent="0" lvl="0" marL="0" rtl="0" algn="l">
+            <a:pPr marL="0" lvl="0" indent="0" algn="l" rtl="0">
               <a:spcBef>
                 <a:spcPts val="0"/>
               </a:spcBef>
@@ -7134,14 +7249,10 @@
               <a:buNone/>
             </a:pPr>
             <a:r>
-              <a:rPr lang="tr"/>
-              <a:t>[8] </a:t>
+              <a:rPr lang="tr" dirty="0"/>
+              <a:t>[8] F. M. Alhuwaishel, A. K. Allehyani, S. A. S. Al-Obaidi and P. N. Enjeti, "A Medium-Voltage DC-Collection Grid for Large-Scale PV Power Plants With Interleaved Modular Multilevel Converter," in IEEE Journal of Emerging and Selected Topics in Power Electronics, vol. 8, no. 4, pp. 3434-3443, Dec. 2020, doi: 10.1109/JESTPE.2019.2934736.</a:t>
             </a:r>
-            <a:r>
-              <a:rPr lang="tr"/>
-              <a:t>F. M. Alhuwaishel, A. K. Allehyani, S. A. S. Al-Obaidi and P. N. Enjeti, "A Medium-Voltage DC-Collection Grid for Large-Scale PV Power Plants With Interleaved Modular Multilevel Converter," in IEEE Journal of Emerging and Selected Topics in Power Electronics, vol. 8, no. 4, pp. 3434-3443, Dec. 2020, doi: 10.1109/JESTPE.2019.2934736.</a:t>
-            </a:r>
-            <a:endParaRPr/>
+            <a:endParaRPr dirty="0"/>
           </a:p>
         </p:txBody>
       </p:sp>
@@ -7154,7 +7265,7 @@
         <p:spPr>
           <a:xfrm>
             <a:off x="765950" y="2412825"/>
-            <a:ext cx="8256900" cy="831300"/>
+            <a:ext cx="8256900" cy="1477297"/>
           </a:xfrm>
           <a:prstGeom prst="rect">
             <a:avLst/>
@@ -7165,12 +7276,12 @@
           </a:ln>
         </p:spPr>
         <p:txBody>
-          <a:bodyPr anchorCtr="0" anchor="t" bIns="91425" lIns="91425" spcFirstLastPara="1" rIns="91425" wrap="square" tIns="91425">
+          <a:bodyPr spcFirstLastPara="1" wrap="square" lIns="91425" tIns="91425" rIns="91425" bIns="91425" anchor="t" anchorCtr="0">
             <a:spAutoFit/>
           </a:bodyPr>
           <a:lstStyle/>
           <a:p>
-            <a:pPr indent="0" lvl="0" marL="0" rtl="0" algn="l">
+            <a:pPr marL="0" lvl="0" indent="0" algn="l" rtl="0">
               <a:spcBef>
                 <a:spcPts val="0"/>
               </a:spcBef>
@@ -7180,14 +7291,158 @@
               <a:buNone/>
             </a:pPr>
             <a:r>
-              <a:rPr lang="tr"/>
-              <a:t>[9] </a:t>
+              <a:rPr lang="tr" dirty="0"/>
+              <a:t>[9] D. Jung, Y. Ji, S. Park, Y. Jung and C. Won, "Interleaved Soft-Switching Boost Converter for Photovoltaic Power-Generation System," in IEEE Transactions on Power Electronics, vol. 26, no. 4, pp. 1137-1145, April 2011, doi: 10.1109/TPEL.2010.2090948.</a:t>
+            </a:r>
+            <a:endParaRPr lang="en-US" dirty="0"/>
+          </a:p>
+          <a:p>
+            <a:pPr marL="0" lvl="0" indent="0" algn="l" rtl="0">
+              <a:spcBef>
+                <a:spcPts val="0"/>
+              </a:spcBef>
+              <a:spcAft>
+                <a:spcPts val="0"/>
+              </a:spcAft>
+              <a:buNone/>
+            </a:pPr>
+            <a:endParaRPr lang="en-US" dirty="0"/>
+          </a:p>
+          <a:p>
+            <a:pPr marL="0" lvl="0" indent="0" algn="l" rtl="0">
+              <a:spcBef>
+                <a:spcPts val="0"/>
+              </a:spcBef>
+              <a:spcAft>
+                <a:spcPts val="0"/>
+              </a:spcAft>
+              <a:buNone/>
+            </a:pPr>
+            <a:endParaRPr lang="en-US" dirty="0"/>
+          </a:p>
+          <a:p>
+            <a:pPr marL="0" lvl="0" indent="0" algn="l" rtl="0">
+              <a:spcBef>
+                <a:spcPts val="0"/>
+              </a:spcBef>
+              <a:spcAft>
+                <a:spcPts val="0"/>
+              </a:spcAft>
+              <a:buNone/>
+            </a:pPr>
+            <a:endParaRPr dirty="0"/>
+          </a:p>
+        </p:txBody>
+      </p:sp>
+      <p:sp>
+        <p:nvSpPr>
+          <p:cNvPr id="2" name="Rectangle 1">
+            <a:extLst>
+              <a:ext uri="{FF2B5EF4-FFF2-40B4-BE49-F238E27FC236}">
+                <a16:creationId xmlns:a16="http://schemas.microsoft.com/office/drawing/2014/main" id="{ABA39166-1BB2-4B32-9255-D331C4E14E2B}"/>
+              </a:ext>
+            </a:extLst>
+          </p:cNvPr>
+          <p:cNvSpPr/>
+          <p:nvPr/>
+        </p:nvSpPr>
+        <p:spPr>
+          <a:xfrm>
+            <a:off x="765950" y="3520790"/>
+            <a:ext cx="7975600" cy="738664"/>
+          </a:xfrm>
+          <a:prstGeom prst="rect">
+            <a:avLst/>
+          </a:prstGeom>
+        </p:spPr>
+        <p:txBody>
+          <a:bodyPr wrap="square">
+            <a:spAutoFit/>
+          </a:bodyPr>
+          <a:lstStyle/>
+          <a:p>
+            <a:r>
+              <a:rPr lang="en-US" dirty="0">
+                <a:solidFill>
+                  <a:srgbClr val="333333"/>
+                </a:solidFill>
+                <a:latin typeface="Arial" panose="020B0604020202020204" pitchFamily="34" charset="0"/>
+              </a:rPr>
+              <a:t>[10] A. B. </a:t>
             </a:r>
             <a:r>
-              <a:rPr lang="tr"/>
-              <a:t>D. Jung, Y. Ji, S. Park, Y. Jung and C. Won, "Interleaved Soft-Switching Boost Converter for Photovoltaic Power-Generation System," in IEEE Transactions on Power Electronics, vol. 26, no. 4, pp. 1137-1145, April 2011, doi: 10.1109/TPEL.2010.2090948.</a:t>
+              <a:rPr lang="en-US" dirty="0" err="1">
+                <a:solidFill>
+                  <a:srgbClr val="333333"/>
+                </a:solidFill>
+                <a:latin typeface="Arial" panose="020B0604020202020204" pitchFamily="34" charset="0"/>
+              </a:rPr>
+              <a:t>Ponniran</a:t>
             </a:r>
-            <a:endParaRPr/>
+            <a:r>
+              <a:rPr lang="en-US" dirty="0">
+                <a:solidFill>
+                  <a:srgbClr val="333333"/>
+                </a:solidFill>
+                <a:latin typeface="Arial" panose="020B0604020202020204" pitchFamily="34" charset="0"/>
+              </a:rPr>
+              <a:t> and M. A. N. B. </a:t>
+            </a:r>
+            <a:r>
+              <a:rPr lang="en-US" dirty="0" err="1">
+                <a:solidFill>
+                  <a:srgbClr val="333333"/>
+                </a:solidFill>
+                <a:latin typeface="Arial" panose="020B0604020202020204" pitchFamily="34" charset="0"/>
+              </a:rPr>
+              <a:t>Kasiran</a:t>
+            </a:r>
+            <a:r>
+              <a:rPr lang="en-US" dirty="0">
+                <a:solidFill>
+                  <a:srgbClr val="333333"/>
+                </a:solidFill>
+                <a:latin typeface="Arial" panose="020B0604020202020204" pitchFamily="34" charset="0"/>
+              </a:rPr>
+              <a:t>, "Parameters design evaluation in 3-level flying capacitor boost converter," </a:t>
+            </a:r>
+            <a:r>
+              <a:rPr lang="en-US" i="1" dirty="0">
+                <a:solidFill>
+                  <a:srgbClr val="333333"/>
+                </a:solidFill>
+                <a:latin typeface="Arial" panose="020B0604020202020204" pitchFamily="34" charset="0"/>
+              </a:rPr>
+              <a:t>2017 IEEE Symposium on Computer Applications &amp; Industrial Electronics (ISCAIE)</a:t>
+            </a:r>
+            <a:r>
+              <a:rPr lang="en-US" dirty="0">
+                <a:solidFill>
+                  <a:srgbClr val="333333"/>
+                </a:solidFill>
+                <a:latin typeface="Arial" panose="020B0604020202020204" pitchFamily="34" charset="0"/>
+              </a:rPr>
+              <a:t>, 2017, pp. 195-199, </a:t>
+            </a:r>
+            <a:r>
+              <a:rPr lang="en-US" dirty="0" err="1">
+                <a:solidFill>
+                  <a:srgbClr val="333333"/>
+                </a:solidFill>
+                <a:latin typeface="Arial" panose="020B0604020202020204" pitchFamily="34" charset="0"/>
+              </a:rPr>
+              <a:t>doi</a:t>
+            </a:r>
+            <a:r>
+              <a:rPr lang="en-US" dirty="0">
+                <a:solidFill>
+                  <a:srgbClr val="333333"/>
+                </a:solidFill>
+                <a:latin typeface="Arial" panose="020B0604020202020204" pitchFamily="34" charset="0"/>
+              </a:rPr>
+              <a:t>: 10.1109/ISCAIE.2017.8074976.</a:t>
+            </a:r>
+            <a:endParaRPr lang="en-US" dirty="0"/>
           </a:p>
         </p:txBody>
       </p:sp>
@@ -7199,12 +7454,134 @@
 </p:sld>
 </file>
 
-<file path=ppt/slides/slide2.xml><?xml version="1.0" encoding="utf-8"?>
-<p:sld xmlns:a="http://schemas.openxmlformats.org/drawingml/2006/main" xmlns:r="http://schemas.openxmlformats.org/officeDocument/2006/relationships" xmlns:mc="http://schemas.openxmlformats.org/markup-compatibility/2006" xmlns:mv="urn:schemas-microsoft-com:mac:vml" xmlns:p="http://schemas.openxmlformats.org/presentationml/2006/main" xmlns:c="http://schemas.openxmlformats.org/drawingml/2006/chart" xmlns:dgm="http://schemas.openxmlformats.org/drawingml/2006/diagram" xmlns:o="urn:schemas-microsoft-com:office:office" xmlns:v="urn:schemas-microsoft-com:vml" xmlns:pvml="urn:schemas-microsoft-com:office:powerpoint" xmlns:com="http://schemas.openxmlformats.org/drawingml/2006/compatibility" xmlns:p14="http://schemas.microsoft.com/office/powerpoint/2010/main" xmlns:p15="http://schemas.microsoft.com/office/powerpoint/2012/main" xmlns:ahyp="http://schemas.microsoft.com/office/drawing/2018/hyperlinkcolor">
+<file path=ppt/slides/slide12.xml><?xml version="1.0" encoding="utf-8"?>
+<p:sld xmlns:a="http://schemas.openxmlformats.org/drawingml/2006/main" xmlns:r="http://schemas.openxmlformats.org/officeDocument/2006/relationships" xmlns:p="http://schemas.openxmlformats.org/presentationml/2006/main">
   <p:cSld>
     <p:spTree>
       <p:nvGrpSpPr>
-        <p:cNvPr id="60" name="Shape 60"/>
+        <p:cNvPr id="1" name=""/>
+        <p:cNvGrpSpPr/>
+        <p:nvPr/>
+      </p:nvGrpSpPr>
+      <p:grpSpPr>
+        <a:xfrm>
+          <a:off x="0" y="0"/>
+          <a:ext cx="0" cy="0"/>
+          <a:chOff x="0" y="0"/>
+          <a:chExt cx="0" cy="0"/>
+        </a:xfrm>
+      </p:grpSpPr>
+      <p:sp>
+        <p:nvSpPr>
+          <p:cNvPr id="4" name="Rectangle 3">
+            <a:extLst>
+              <a:ext uri="{FF2B5EF4-FFF2-40B4-BE49-F238E27FC236}">
+                <a16:creationId xmlns:a16="http://schemas.microsoft.com/office/drawing/2014/main" id="{DD9DF9D3-68BC-4143-ACB6-3A3EA143AB74}"/>
+              </a:ext>
+            </a:extLst>
+          </p:cNvPr>
+          <p:cNvSpPr/>
+          <p:nvPr/>
+        </p:nvSpPr>
+        <p:spPr>
+          <a:xfrm>
+            <a:off x="333022" y="976142"/>
+            <a:ext cx="8404578" cy="738664"/>
+          </a:xfrm>
+          <a:prstGeom prst="rect">
+            <a:avLst/>
+          </a:prstGeom>
+        </p:spPr>
+        <p:txBody>
+          <a:bodyPr wrap="square">
+            <a:spAutoFit/>
+          </a:bodyPr>
+          <a:lstStyle/>
+          <a:p>
+            <a:r>
+              <a:rPr lang="en-US" dirty="0"/>
+              <a:t>[11] S. Kan, X. </a:t>
+            </a:r>
+            <a:r>
+              <a:rPr lang="en-US" dirty="0" err="1"/>
+              <a:t>Ruan</a:t>
+            </a:r>
+            <a:r>
+              <a:rPr lang="en-US" dirty="0"/>
+              <a:t>, X. Huang and H. Dang, "Second Harmonic Current Reduction for Flying Capacitor Clamped Boost Three-Level Converter in Photovoltaic Grid-Connected Inverter," in IEEE Transactions on Power Electronics, vol. 36, no. 2, pp. 1669-1679, Feb. 2021, </a:t>
+            </a:r>
+            <a:r>
+              <a:rPr lang="en-US" dirty="0" err="1"/>
+              <a:t>doi</a:t>
+            </a:r>
+            <a:r>
+              <a:rPr lang="en-US" dirty="0"/>
+              <a:t>: 10.1109/TPEL.2020.3007806.</a:t>
+            </a:r>
+          </a:p>
+        </p:txBody>
+      </p:sp>
+      <p:sp>
+        <p:nvSpPr>
+          <p:cNvPr id="5" name="Rectangle 4">
+            <a:extLst>
+              <a:ext uri="{FF2B5EF4-FFF2-40B4-BE49-F238E27FC236}">
+                <a16:creationId xmlns:a16="http://schemas.microsoft.com/office/drawing/2014/main" id="{2A801867-8C78-4692-90B0-287A97EE76F3}"/>
+              </a:ext>
+            </a:extLst>
+          </p:cNvPr>
+          <p:cNvSpPr/>
+          <p:nvPr/>
+        </p:nvSpPr>
+        <p:spPr>
+          <a:xfrm>
+            <a:off x="434621" y="2094696"/>
+            <a:ext cx="7885290" cy="738664"/>
+          </a:xfrm>
+          <a:prstGeom prst="rect">
+            <a:avLst/>
+          </a:prstGeom>
+        </p:spPr>
+        <p:txBody>
+          <a:bodyPr wrap="square">
+            <a:spAutoFit/>
+          </a:bodyPr>
+          <a:lstStyle/>
+          <a:p>
+            <a:r>
+              <a:rPr lang="en-US" dirty="0"/>
+              <a:t>[12] C. Xia, X. Gu, T. Shi and Y. Yan, "Neutral-Point Potential Balancing of Three-Level Inverters in Direct-Driven Wind Energy Conversion System," in IEEE Transactions on Energy Conversion, vol. 26, no. 1, pp. 18-29, March 2011, </a:t>
+            </a:r>
+            <a:r>
+              <a:rPr lang="en-US" dirty="0" err="1"/>
+              <a:t>doi</a:t>
+            </a:r>
+            <a:r>
+              <a:rPr lang="en-US" dirty="0"/>
+              <a:t>: 10.1109/TEC.2010.2060487.</a:t>
+            </a:r>
+          </a:p>
+        </p:txBody>
+      </p:sp>
+    </p:spTree>
+    <p:extLst>
+      <p:ext uri="{BB962C8B-B14F-4D97-AF65-F5344CB8AC3E}">
+        <p14:creationId xmlns:p14="http://schemas.microsoft.com/office/powerpoint/2010/main" val="2029525679"/>
+      </p:ext>
+    </p:extLst>
+  </p:cSld>
+  <p:clrMapOvr>
+    <a:masterClrMapping/>
+  </p:clrMapOvr>
+</p:sld>
+</file>
+
+<file path=ppt/slides/slide2.xml><?xml version="1.0" encoding="utf-8"?>
+<p:sld xmlns:a="http://schemas.openxmlformats.org/drawingml/2006/main" xmlns:r="http://schemas.openxmlformats.org/officeDocument/2006/relationships" xmlns:p="http://schemas.openxmlformats.org/presentationml/2006/main">
+  <p:cSld>
+    <p:spTree>
+      <p:nvGrpSpPr>
+        <p:cNvPr id="1" name="Shape 60"/>
         <p:cNvGrpSpPr/>
         <p:nvPr/>
       </p:nvGrpSpPr>
@@ -7219,9 +7596,11 @@
       <p:sp>
         <p:nvSpPr>
           <p:cNvPr id="61" name="Google Shape;61;p14"/>
-          <p:cNvSpPr txBox="1"/>
+          <p:cNvSpPr txBox="1">
+            <a:spLocks noGrp="1"/>
+          </p:cNvSpPr>
           <p:nvPr>
-            <p:ph idx="1" type="body"/>
+            <p:ph type="body" idx="1"/>
           </p:nvPr>
         </p:nvSpPr>
         <p:spPr>
@@ -7234,12 +7613,12 @@
           </a:prstGeom>
         </p:spPr>
         <p:txBody>
-          <a:bodyPr anchorCtr="0" anchor="t" bIns="91425" lIns="91425" spcFirstLastPara="1" rIns="91425" wrap="square" tIns="91425">
-            <a:normAutofit fontScale="25000"/>
+          <a:bodyPr spcFirstLastPara="1" wrap="square" lIns="91425" tIns="91425" rIns="91425" bIns="91425" anchor="t" anchorCtr="0">
+            <a:normAutofit fontScale="25000" lnSpcReduction="20000"/>
           </a:bodyPr>
           <a:lstStyle/>
           <a:p>
-            <a:pPr indent="0" lvl="0" marL="0" rtl="0" algn="l">
+            <a:pPr marL="0" lvl="0" indent="0" algn="l" rtl="0">
               <a:spcBef>
                 <a:spcPts val="0"/>
               </a:spcBef>
@@ -7248,13 +7627,10 @@
               </a:spcAft>
               <a:buNone/>
             </a:pPr>
-            <a:r>
-              <a:t/>
-            </a:r>
             <a:endParaRPr/>
           </a:p>
           <a:p>
-            <a:pPr indent="0" lvl="0" marL="0" rtl="0" algn="l">
+            <a:pPr marL="0" lvl="0" indent="0" algn="l" rtl="0">
               <a:spcBef>
                 <a:spcPts val="1200"/>
               </a:spcBef>
@@ -7280,7 +7656,7 @@
             </a:endParaRPr>
           </a:p>
           <a:p>
-            <a:pPr indent="0" lvl="0" marL="0" rtl="0" algn="l">
+            <a:pPr marL="0" lvl="0" indent="0" algn="l" rtl="0">
               <a:spcBef>
                 <a:spcPts val="1200"/>
               </a:spcBef>
@@ -7296,16 +7672,7 @@
                 <a:cs typeface="Times New Roman"/>
                 <a:sym typeface="Times New Roman"/>
               </a:rPr>
-              <a:t>Non-isolated : Boost, buck boost, problem of </a:t>
-            </a:r>
-            <a:r>
-              <a:rPr lang="tr" sz="7175">
-                <a:latin typeface="Times New Roman"/>
-                <a:ea typeface="Times New Roman"/>
-                <a:cs typeface="Times New Roman"/>
-                <a:sym typeface="Times New Roman"/>
-              </a:rPr>
-              <a:t>common-mode voltage</a:t>
+              <a:t>Non-isolated : Boost, buck boost, problem of common-mode voltage</a:t>
             </a:r>
             <a:endParaRPr sz="7175">
               <a:latin typeface="Times New Roman"/>
@@ -7353,11 +7720,11 @@
 </file>
 
 <file path=ppt/slides/slide3.xml><?xml version="1.0" encoding="utf-8"?>
-<p:sld xmlns:a="http://schemas.openxmlformats.org/drawingml/2006/main" xmlns:r="http://schemas.openxmlformats.org/officeDocument/2006/relationships" xmlns:mc="http://schemas.openxmlformats.org/markup-compatibility/2006" xmlns:mv="urn:schemas-microsoft-com:mac:vml" xmlns:p="http://schemas.openxmlformats.org/presentationml/2006/main" xmlns:c="http://schemas.openxmlformats.org/drawingml/2006/chart" xmlns:dgm="http://schemas.openxmlformats.org/drawingml/2006/diagram" xmlns:o="urn:schemas-microsoft-com:office:office" xmlns:v="urn:schemas-microsoft-com:vml" xmlns:pvml="urn:schemas-microsoft-com:office:powerpoint" xmlns:com="http://schemas.openxmlformats.org/drawingml/2006/compatibility" xmlns:p14="http://schemas.microsoft.com/office/powerpoint/2010/main" xmlns:p15="http://schemas.microsoft.com/office/powerpoint/2012/main" xmlns:ahyp="http://schemas.microsoft.com/office/drawing/2018/hyperlinkcolor">
+<p:sld xmlns:a="http://schemas.openxmlformats.org/drawingml/2006/main" xmlns:r="http://schemas.openxmlformats.org/officeDocument/2006/relationships" xmlns:p="http://schemas.openxmlformats.org/presentationml/2006/main">
   <p:cSld>
     <p:spTree>
       <p:nvGrpSpPr>
-        <p:cNvPr id="66" name="Shape 66"/>
+        <p:cNvPr id="1" name="Shape 66"/>
         <p:cNvGrpSpPr/>
         <p:nvPr/>
       </p:nvGrpSpPr>
@@ -7372,7 +7739,9 @@
       <p:sp>
         <p:nvSpPr>
           <p:cNvPr id="67" name="Google Shape;67;p15"/>
-          <p:cNvSpPr txBox="1"/>
+          <p:cNvSpPr txBox="1">
+            <a:spLocks noGrp="1"/>
+          </p:cNvSpPr>
           <p:nvPr>
             <p:ph type="title"/>
           </p:nvPr>
@@ -7387,12 +7756,12 @@
           </a:prstGeom>
         </p:spPr>
         <p:txBody>
-          <a:bodyPr anchorCtr="0" anchor="t" bIns="91425" lIns="91425" spcFirstLastPara="1" rIns="91425" wrap="square" tIns="91425">
+          <a:bodyPr spcFirstLastPara="1" wrap="square" lIns="91425" tIns="91425" rIns="91425" bIns="91425" anchor="t" anchorCtr="0">
             <a:normAutofit fontScale="90000"/>
           </a:bodyPr>
           <a:lstStyle/>
           <a:p>
-            <a:pPr indent="0" lvl="0" marL="0" rtl="0" algn="l">
+            <a:pPr marL="0" lvl="0" indent="0" algn="l" rtl="0">
               <a:lnSpc>
                 <a:spcPct val="115000"/>
               </a:lnSpc>
@@ -7410,23 +7779,25 @@
               <a:buNone/>
             </a:pPr>
             <a:r>
-              <a:rPr b="1" lang="tr" sz="2133">
+              <a:rPr lang="tr" sz="2133" b="1">
                 <a:solidFill>
                   <a:schemeClr val="dk2"/>
                 </a:solidFill>
               </a:rPr>
               <a:t>Synchronous boost</a:t>
             </a:r>
-            <a:endParaRPr b="1" sz="3133"/>
+            <a:endParaRPr sz="3133" b="1"/>
           </a:p>
         </p:txBody>
       </p:sp>
       <p:sp>
         <p:nvSpPr>
           <p:cNvPr id="68" name="Google Shape;68;p15"/>
-          <p:cNvSpPr txBox="1"/>
+          <p:cNvSpPr txBox="1">
+            <a:spLocks noGrp="1"/>
+          </p:cNvSpPr>
           <p:nvPr>
-            <p:ph idx="1" type="body"/>
+            <p:ph type="body" idx="1"/>
           </p:nvPr>
         </p:nvSpPr>
         <p:spPr>
@@ -7439,12 +7810,12 @@
           </a:prstGeom>
         </p:spPr>
         <p:txBody>
-          <a:bodyPr anchorCtr="0" anchor="t" bIns="91425" lIns="91425" spcFirstLastPara="1" rIns="91425" wrap="square" tIns="91425">
+          <a:bodyPr spcFirstLastPara="1" wrap="square" lIns="91425" tIns="91425" rIns="91425" bIns="91425" anchor="t" anchorCtr="0">
             <a:normAutofit/>
           </a:bodyPr>
           <a:lstStyle/>
           <a:p>
-            <a:pPr indent="0" lvl="0" marL="0" rtl="0" algn="l">
+            <a:pPr marL="0" lvl="0" indent="0" algn="l" rtl="0">
               <a:spcBef>
                 <a:spcPts val="0"/>
               </a:spcBef>
@@ -7455,16 +7826,12 @@
             </a:pPr>
             <a:r>
               <a:rPr lang="tr"/>
-              <a:t>Si-based d</a:t>
-            </a:r>
-            <a:r>
-              <a:rPr lang="tr"/>
-              <a:t>iode losses:  Reverse Recovery,  drop-voltage</a:t>
+              <a:t>Si-based diode losses:  Reverse Recovery,  drop-voltage</a:t>
             </a:r>
             <a:endParaRPr/>
           </a:p>
           <a:p>
-            <a:pPr indent="0" lvl="0" marL="0" rtl="0" algn="l">
+            <a:pPr marL="0" lvl="0" indent="0" algn="l" rtl="0">
               <a:spcBef>
                 <a:spcPts val="1200"/>
               </a:spcBef>
@@ -7480,7 +7847,7 @@
             <a:endParaRPr/>
           </a:p>
           <a:p>
-            <a:pPr indent="0" lvl="0" marL="0" rtl="0" algn="l">
+            <a:pPr marL="0" lvl="0" indent="0" algn="l" rtl="0">
               <a:spcBef>
                 <a:spcPts val="1200"/>
               </a:spcBef>
@@ -7496,7 +7863,7 @@
             <a:endParaRPr/>
           </a:p>
           <a:p>
-            <a:pPr indent="0" lvl="0" marL="0" rtl="0" algn="l">
+            <a:pPr marL="0" lvl="0" indent="0" algn="l" rtl="0">
               <a:spcBef>
                 <a:spcPts val="1200"/>
               </a:spcBef>
@@ -7505,13 +7872,10 @@
               </a:spcAft>
               <a:buNone/>
             </a:pPr>
-            <a:r>
-              <a:t/>
-            </a:r>
             <a:endParaRPr/>
           </a:p>
           <a:p>
-            <a:pPr indent="0" lvl="0" marL="0" rtl="0" algn="l">
+            <a:pPr marL="0" lvl="0" indent="0" algn="l" rtl="0">
               <a:spcBef>
                 <a:spcPts val="1200"/>
               </a:spcBef>
@@ -7520,9 +7884,6 @@
               </a:spcAft>
               <a:buNone/>
             </a:pPr>
-            <a:r>
-              <a:t/>
-            </a:r>
             <a:endParaRPr/>
           </a:p>
         </p:txBody>
@@ -7564,11 +7925,11 @@
 </file>
 
 <file path=ppt/slides/slide4.xml><?xml version="1.0" encoding="utf-8"?>
-<p:sld xmlns:a="http://schemas.openxmlformats.org/drawingml/2006/main" xmlns:r="http://schemas.openxmlformats.org/officeDocument/2006/relationships" xmlns:mc="http://schemas.openxmlformats.org/markup-compatibility/2006" xmlns:mv="urn:schemas-microsoft-com:mac:vml" xmlns:p="http://schemas.openxmlformats.org/presentationml/2006/main" xmlns:c="http://schemas.openxmlformats.org/drawingml/2006/chart" xmlns:dgm="http://schemas.openxmlformats.org/drawingml/2006/diagram" xmlns:o="urn:schemas-microsoft-com:office:office" xmlns:v="urn:schemas-microsoft-com:vml" xmlns:pvml="urn:schemas-microsoft-com:office:powerpoint" xmlns:com="http://schemas.openxmlformats.org/drawingml/2006/compatibility" xmlns:p14="http://schemas.microsoft.com/office/powerpoint/2010/main" xmlns:p15="http://schemas.microsoft.com/office/powerpoint/2012/main" xmlns:ahyp="http://schemas.microsoft.com/office/drawing/2018/hyperlinkcolor">
+<p:sld xmlns:a="http://schemas.openxmlformats.org/drawingml/2006/main" xmlns:r="http://schemas.openxmlformats.org/officeDocument/2006/relationships" xmlns:p="http://schemas.openxmlformats.org/presentationml/2006/main">
   <p:cSld>
     <p:spTree>
       <p:nvGrpSpPr>
-        <p:cNvPr id="73" name="Shape 73"/>
+        <p:cNvPr id="1" name="Shape 73"/>
         <p:cNvGrpSpPr/>
         <p:nvPr/>
       </p:nvGrpSpPr>
@@ -7583,7 +7944,9 @@
       <p:sp>
         <p:nvSpPr>
           <p:cNvPr id="74" name="Google Shape;74;p16"/>
-          <p:cNvSpPr txBox="1"/>
+          <p:cNvSpPr txBox="1">
+            <a:spLocks noGrp="1"/>
+          </p:cNvSpPr>
           <p:nvPr>
             <p:ph type="title"/>
           </p:nvPr>
@@ -7598,12 +7961,12 @@
           </a:prstGeom>
         </p:spPr>
         <p:txBody>
-          <a:bodyPr anchorCtr="0" anchor="t" bIns="91425" lIns="91425" spcFirstLastPara="1" rIns="91425" wrap="square" tIns="91425">
+          <a:bodyPr spcFirstLastPara="1" wrap="square" lIns="91425" tIns="91425" rIns="91425" bIns="91425" anchor="t" anchorCtr="0">
             <a:normAutofit fontScale="90000"/>
           </a:bodyPr>
           <a:lstStyle/>
           <a:p>
-            <a:pPr indent="0" lvl="0" marL="0" rtl="0" algn="l">
+            <a:pPr marL="0" lvl="0" indent="0" algn="l" rtl="0">
               <a:lnSpc>
                 <a:spcPct val="115000"/>
               </a:lnSpc>
@@ -7616,7 +7979,7 @@
               <a:buNone/>
             </a:pPr>
             <a:r>
-              <a:rPr b="1" lang="tr" sz="2022">
+              <a:rPr lang="tr" sz="2022" b="1">
                 <a:solidFill>
                   <a:schemeClr val="dk2"/>
                 </a:solidFill>
@@ -7630,9 +7993,11 @@
       <p:sp>
         <p:nvSpPr>
           <p:cNvPr id="75" name="Google Shape;75;p16"/>
-          <p:cNvSpPr txBox="1"/>
+          <p:cNvSpPr txBox="1">
+            <a:spLocks noGrp="1"/>
+          </p:cNvSpPr>
           <p:nvPr>
-            <p:ph idx="1" type="body"/>
+            <p:ph type="body" idx="1"/>
           </p:nvPr>
         </p:nvSpPr>
         <p:spPr>
@@ -7645,12 +8010,12 @@
           </a:prstGeom>
         </p:spPr>
         <p:txBody>
-          <a:bodyPr anchorCtr="0" anchor="t" bIns="91425" lIns="91425" spcFirstLastPara="1" rIns="91425" wrap="square" tIns="91425">
+          <a:bodyPr spcFirstLastPara="1" wrap="square" lIns="91425" tIns="91425" rIns="91425" bIns="91425" anchor="t" anchorCtr="0">
             <a:normAutofit/>
           </a:bodyPr>
           <a:lstStyle/>
           <a:p>
-            <a:pPr indent="-342900" lvl="0" marL="457200" rtl="0" algn="l">
+            <a:pPr marL="457200" lvl="0" indent="-342900" algn="l" rtl="0">
               <a:spcBef>
                 <a:spcPts val="0"/>
               </a:spcBef>
@@ -7667,7 +8032,7 @@
             <a:endParaRPr/>
           </a:p>
           <a:p>
-            <a:pPr indent="-342900" lvl="0" marL="457200" rtl="0" algn="l">
+            <a:pPr marL="457200" lvl="0" indent="-342900" algn="l" rtl="0">
               <a:spcBef>
                 <a:spcPts val="0"/>
               </a:spcBef>
@@ -7684,7 +8049,7 @@
             <a:endParaRPr/>
           </a:p>
           <a:p>
-            <a:pPr indent="-342900" lvl="0" marL="457200" rtl="0" algn="l">
+            <a:pPr marL="457200" lvl="0" indent="-342900" algn="l" rtl="0">
               <a:spcBef>
                 <a:spcPts val="0"/>
               </a:spcBef>
@@ -7739,11 +8104,11 @@
 </file>
 
 <file path=ppt/slides/slide5.xml><?xml version="1.0" encoding="utf-8"?>
-<p:sld xmlns:a="http://schemas.openxmlformats.org/drawingml/2006/main" xmlns:r="http://schemas.openxmlformats.org/officeDocument/2006/relationships" xmlns:mc="http://schemas.openxmlformats.org/markup-compatibility/2006" xmlns:mv="urn:schemas-microsoft-com:mac:vml" xmlns:p="http://schemas.openxmlformats.org/presentationml/2006/main" xmlns:c="http://schemas.openxmlformats.org/drawingml/2006/chart" xmlns:dgm="http://schemas.openxmlformats.org/drawingml/2006/diagram" xmlns:o="urn:schemas-microsoft-com:office:office" xmlns:v="urn:schemas-microsoft-com:vml" xmlns:pvml="urn:schemas-microsoft-com:office:powerpoint" xmlns:com="http://schemas.openxmlformats.org/drawingml/2006/compatibility" xmlns:p14="http://schemas.microsoft.com/office/powerpoint/2010/main" xmlns:p15="http://schemas.microsoft.com/office/powerpoint/2012/main" xmlns:ahyp="http://schemas.microsoft.com/office/drawing/2018/hyperlinkcolor">
+<p:sld xmlns:a="http://schemas.openxmlformats.org/drawingml/2006/main" xmlns:r="http://schemas.openxmlformats.org/officeDocument/2006/relationships" xmlns:p="http://schemas.openxmlformats.org/presentationml/2006/main">
   <p:cSld>
     <p:spTree>
       <p:nvGrpSpPr>
-        <p:cNvPr id="80" name="Shape 80"/>
+        <p:cNvPr id="1" name="Shape 80"/>
         <p:cNvGrpSpPr/>
         <p:nvPr/>
       </p:nvGrpSpPr>
@@ -7758,7 +8123,9 @@
       <p:sp>
         <p:nvSpPr>
           <p:cNvPr id="81" name="Google Shape;81;p17"/>
-          <p:cNvSpPr txBox="1"/>
+          <p:cNvSpPr txBox="1">
+            <a:spLocks noGrp="1"/>
+          </p:cNvSpPr>
           <p:nvPr>
             <p:ph type="title"/>
           </p:nvPr>
@@ -7773,12 +8140,12 @@
           </a:prstGeom>
         </p:spPr>
         <p:txBody>
-          <a:bodyPr anchorCtr="0" anchor="t" bIns="91425" lIns="91425" spcFirstLastPara="1" rIns="91425" wrap="square" tIns="91425">
+          <a:bodyPr spcFirstLastPara="1" wrap="square" lIns="91425" tIns="91425" rIns="91425" bIns="91425" anchor="t" anchorCtr="0">
             <a:normAutofit fontScale="90000"/>
           </a:bodyPr>
           <a:lstStyle/>
           <a:p>
-            <a:pPr indent="0" lvl="0" marL="0" rtl="0" algn="l">
+            <a:pPr marL="0" lvl="0" indent="0" algn="l" rtl="0">
               <a:lnSpc>
                 <a:spcPct val="115000"/>
               </a:lnSpc>
@@ -7796,23 +8163,25 @@
               <a:buNone/>
             </a:pPr>
             <a:r>
-              <a:rPr b="1" lang="tr" sz="2022">
+              <a:rPr lang="tr" sz="2022" b="1">
                 <a:solidFill>
                   <a:schemeClr val="dk2"/>
                 </a:solidFill>
               </a:rPr>
               <a:t>Interleaved boost</a:t>
             </a:r>
-            <a:endParaRPr b="1" sz="3022"/>
+            <a:endParaRPr sz="3022" b="1"/>
           </a:p>
         </p:txBody>
       </p:sp>
       <p:sp>
         <p:nvSpPr>
           <p:cNvPr id="82" name="Google Shape;82;p17"/>
-          <p:cNvSpPr txBox="1"/>
+          <p:cNvSpPr txBox="1">
+            <a:spLocks noGrp="1"/>
+          </p:cNvSpPr>
           <p:nvPr>
-            <p:ph idx="1" type="body"/>
+            <p:ph type="body" idx="1"/>
           </p:nvPr>
         </p:nvSpPr>
         <p:spPr>
@@ -7825,12 +8194,12 @@
           </a:prstGeom>
         </p:spPr>
         <p:txBody>
-          <a:bodyPr anchorCtr="0" anchor="t" bIns="91425" lIns="91425" spcFirstLastPara="1" rIns="91425" wrap="square" tIns="91425">
+          <a:bodyPr spcFirstLastPara="1" wrap="square" lIns="91425" tIns="91425" rIns="91425" bIns="91425" anchor="t" anchorCtr="0">
             <a:normAutofit/>
           </a:bodyPr>
           <a:lstStyle/>
           <a:p>
-            <a:pPr indent="-342900" lvl="0" marL="457200" rtl="0" algn="l">
+            <a:pPr marL="457200" lvl="0" indent="-342900" algn="l" rtl="0">
               <a:spcBef>
                 <a:spcPts val="0"/>
               </a:spcBef>
@@ -7847,7 +8216,7 @@
             <a:endParaRPr/>
           </a:p>
           <a:p>
-            <a:pPr indent="-342900" lvl="0" marL="457200" rtl="0" algn="l">
+            <a:pPr marL="457200" lvl="0" indent="-342900" algn="l" rtl="0">
               <a:spcBef>
                 <a:spcPts val="0"/>
               </a:spcBef>
@@ -7864,7 +8233,7 @@
             <a:endParaRPr/>
           </a:p>
           <a:p>
-            <a:pPr indent="-342900" lvl="0" marL="457200" rtl="0" algn="l">
+            <a:pPr marL="457200" lvl="0" indent="-342900" algn="l" rtl="0">
               <a:spcBef>
                 <a:spcPts val="0"/>
               </a:spcBef>
@@ -7881,7 +8250,7 @@
             <a:endParaRPr/>
           </a:p>
           <a:p>
-            <a:pPr indent="-342900" lvl="0" marL="457200" rtl="0" algn="l">
+            <a:pPr marL="457200" lvl="0" indent="-342900" algn="l" rtl="0">
               <a:spcBef>
                 <a:spcPts val="0"/>
               </a:spcBef>
@@ -7964,11 +8333,11 @@
 </file>
 
 <file path=ppt/slides/slide6.xml><?xml version="1.0" encoding="utf-8"?>
-<p:sld xmlns:a="http://schemas.openxmlformats.org/drawingml/2006/main" xmlns:r="http://schemas.openxmlformats.org/officeDocument/2006/relationships" xmlns:mc="http://schemas.openxmlformats.org/markup-compatibility/2006" xmlns:mv="urn:schemas-microsoft-com:mac:vml" xmlns:p="http://schemas.openxmlformats.org/presentationml/2006/main" xmlns:c="http://schemas.openxmlformats.org/drawingml/2006/chart" xmlns:dgm="http://schemas.openxmlformats.org/drawingml/2006/diagram" xmlns:o="urn:schemas-microsoft-com:office:office" xmlns:v="urn:schemas-microsoft-com:vml" xmlns:pvml="urn:schemas-microsoft-com:office:powerpoint" xmlns:com="http://schemas.openxmlformats.org/drawingml/2006/compatibility" xmlns:p14="http://schemas.microsoft.com/office/powerpoint/2010/main" xmlns:p15="http://schemas.microsoft.com/office/powerpoint/2012/main" xmlns:ahyp="http://schemas.microsoft.com/office/drawing/2018/hyperlinkcolor">
+<p:sld xmlns:a="http://schemas.openxmlformats.org/drawingml/2006/main" xmlns:r="http://schemas.openxmlformats.org/officeDocument/2006/relationships" xmlns:p="http://schemas.openxmlformats.org/presentationml/2006/main">
   <p:cSld>
     <p:spTree>
       <p:nvGrpSpPr>
-        <p:cNvPr id="88" name="Shape 88"/>
+        <p:cNvPr id="1" name="Shape 88"/>
         <p:cNvGrpSpPr/>
         <p:nvPr/>
       </p:nvGrpSpPr>
@@ -7983,7 +8352,9 @@
       <p:sp>
         <p:nvSpPr>
           <p:cNvPr id="89" name="Google Shape;89;p18"/>
-          <p:cNvSpPr txBox="1"/>
+          <p:cNvSpPr txBox="1">
+            <a:spLocks noGrp="1"/>
+          </p:cNvSpPr>
           <p:nvPr>
             <p:ph type="title"/>
           </p:nvPr>
@@ -8001,12 +8372,12 @@
           </a:solidFill>
         </p:spPr>
         <p:txBody>
-          <a:bodyPr anchorCtr="0" anchor="t" bIns="91425" lIns="91425" spcFirstLastPara="1" rIns="91425" wrap="square" tIns="91425">
-            <a:normAutofit/>
+          <a:bodyPr spcFirstLastPara="1" wrap="square" lIns="91425" tIns="91425" rIns="91425" bIns="91425" anchor="t" anchorCtr="0">
+            <a:normAutofit fontScale="90000"/>
           </a:bodyPr>
           <a:lstStyle/>
           <a:p>
-            <a:pPr indent="0" lvl="0" marL="0" rtl="0" algn="l">
+            <a:pPr marL="0" lvl="0" indent="0" algn="l" rtl="0">
               <a:lnSpc>
                 <a:spcPct val="115000"/>
               </a:lnSpc>
@@ -8024,7 +8395,7 @@
               <a:buNone/>
             </a:pPr>
             <a:r>
-              <a:rPr b="1" lang="tr" sz="2022">
+              <a:rPr lang="tr" sz="2022" b="1">
                 <a:solidFill>
                   <a:schemeClr val="dk2"/>
                 </a:solidFill>
@@ -8032,14 +8403,14 @@
               <a:t>I</a:t>
             </a:r>
             <a:r>
-              <a:rPr b="1" lang="tr" sz="2000">
+              <a:rPr lang="tr" sz="2000" b="1">
                 <a:solidFill>
                   <a:schemeClr val="dk2"/>
                 </a:solidFill>
               </a:rPr>
               <a:t>nterleaved Boost with Coupled Inductors</a:t>
             </a:r>
-            <a:endParaRPr b="1" sz="2000"/>
+            <a:endParaRPr sz="2000" b="1"/>
           </a:p>
         </p:txBody>
       </p:sp>
@@ -8108,11 +8479,11 @@
 </file>
 
 <file path=ppt/slides/slide7.xml><?xml version="1.0" encoding="utf-8"?>
-<p:sld xmlns:a="http://schemas.openxmlformats.org/drawingml/2006/main" xmlns:r="http://schemas.openxmlformats.org/officeDocument/2006/relationships" xmlns:mc="http://schemas.openxmlformats.org/markup-compatibility/2006" xmlns:mv="urn:schemas-microsoft-com:mac:vml" xmlns:p="http://schemas.openxmlformats.org/presentationml/2006/main" xmlns:c="http://schemas.openxmlformats.org/drawingml/2006/chart" xmlns:dgm="http://schemas.openxmlformats.org/drawingml/2006/diagram" xmlns:o="urn:schemas-microsoft-com:office:office" xmlns:v="urn:schemas-microsoft-com:vml" xmlns:pvml="urn:schemas-microsoft-com:office:powerpoint" xmlns:com="http://schemas.openxmlformats.org/drawingml/2006/compatibility" xmlns:p14="http://schemas.microsoft.com/office/powerpoint/2010/main" xmlns:p15="http://schemas.microsoft.com/office/powerpoint/2012/main" xmlns:ahyp="http://schemas.microsoft.com/office/drawing/2018/hyperlinkcolor">
+<p:sld xmlns:a="http://schemas.openxmlformats.org/drawingml/2006/main" xmlns:r="http://schemas.openxmlformats.org/officeDocument/2006/relationships" xmlns:p="http://schemas.openxmlformats.org/presentationml/2006/main">
   <p:cSld>
     <p:spTree>
       <p:nvGrpSpPr>
-        <p:cNvPr id="95" name="Shape 95"/>
+        <p:cNvPr id="1" name="Shape 95"/>
         <p:cNvGrpSpPr/>
         <p:nvPr/>
       </p:nvGrpSpPr>
@@ -8127,7 +8498,9 @@
       <p:sp>
         <p:nvSpPr>
           <p:cNvPr id="96" name="Google Shape;96;p19"/>
-          <p:cNvSpPr txBox="1"/>
+          <p:cNvSpPr txBox="1">
+            <a:spLocks noGrp="1"/>
+          </p:cNvSpPr>
           <p:nvPr>
             <p:ph type="title"/>
           </p:nvPr>
@@ -8142,12 +8515,12 @@
           </a:prstGeom>
         </p:spPr>
         <p:txBody>
-          <a:bodyPr anchorCtr="0" anchor="t" bIns="91425" lIns="91425" spcFirstLastPara="1" rIns="91425" wrap="square" tIns="91425">
+          <a:bodyPr spcFirstLastPara="1" wrap="square" lIns="91425" tIns="91425" rIns="91425" bIns="91425" anchor="t" anchorCtr="0">
             <a:normAutofit fontScale="90000"/>
           </a:bodyPr>
           <a:lstStyle/>
           <a:p>
-            <a:pPr indent="0" lvl="0" marL="0" rtl="0" algn="l">
+            <a:pPr marL="0" lvl="0" indent="0" algn="l" rtl="0">
               <a:spcBef>
                 <a:spcPts val="0"/>
               </a:spcBef>
@@ -8167,9 +8540,11 @@
       <p:sp>
         <p:nvSpPr>
           <p:cNvPr id="97" name="Google Shape;97;p19"/>
-          <p:cNvSpPr txBox="1"/>
+          <p:cNvSpPr txBox="1">
+            <a:spLocks noGrp="1"/>
+          </p:cNvSpPr>
           <p:nvPr>
-            <p:ph idx="1" type="body"/>
+            <p:ph type="body" idx="1"/>
           </p:nvPr>
         </p:nvSpPr>
         <p:spPr>
@@ -8182,12 +8557,12 @@
           </a:prstGeom>
         </p:spPr>
         <p:txBody>
-          <a:bodyPr anchorCtr="0" anchor="t" bIns="91425" lIns="91425" spcFirstLastPara="1" rIns="91425" wrap="square" tIns="91425">
-            <a:normAutofit lnSpcReduction="20000"/>
+          <a:bodyPr spcFirstLastPara="1" wrap="square" lIns="91425" tIns="91425" rIns="91425" bIns="91425" anchor="t" anchorCtr="0">
+            <a:normAutofit fontScale="92500"/>
           </a:bodyPr>
           <a:lstStyle/>
           <a:p>
-            <a:pPr indent="0" lvl="0" marL="0" rtl="0" algn="l">
+            <a:pPr marL="0" lvl="0" indent="0" algn="l" rtl="0">
               <a:spcBef>
                 <a:spcPts val="0"/>
               </a:spcBef>
@@ -8197,17 +8572,13 @@
               <a:buNone/>
             </a:pPr>
             <a:r>
-              <a:rPr b="1" lang="tr"/>
-              <a:t>                </a:t>
-            </a:r>
-            <a:r>
-              <a:rPr b="1" lang="tr"/>
-              <a:t>Si vs SiC</a:t>
+              <a:rPr lang="tr" b="1"/>
+              <a:t>                Si vs SiC</a:t>
             </a:r>
             <a:endParaRPr b="1"/>
           </a:p>
           <a:p>
-            <a:pPr indent="0" lvl="0" marL="0" rtl="0" algn="l">
+            <a:pPr marL="0" lvl="0" indent="0" algn="l" rtl="0">
               <a:spcBef>
                 <a:spcPts val="1200"/>
               </a:spcBef>
@@ -8223,7 +8594,7 @@
             <a:endParaRPr/>
           </a:p>
           <a:p>
-            <a:pPr indent="0" lvl="0" marL="0" rtl="0" algn="l">
+            <a:pPr marL="0" lvl="0" indent="0" algn="l" rtl="0">
               <a:spcBef>
                 <a:spcPts val="1200"/>
               </a:spcBef>
@@ -8239,7 +8610,7 @@
             <a:endParaRPr/>
           </a:p>
           <a:p>
-            <a:pPr indent="0" lvl="0" marL="0" rtl="0" algn="l">
+            <a:pPr marL="0" lvl="0" indent="0" algn="l" rtl="0">
               <a:spcBef>
                 <a:spcPts val="1200"/>
               </a:spcBef>
@@ -8287,9 +8658,11 @@
       <p:sp>
         <p:nvSpPr>
           <p:cNvPr id="99" name="Google Shape;99;p19"/>
-          <p:cNvSpPr txBox="1"/>
+          <p:cNvSpPr txBox="1">
+            <a:spLocks noGrp="1"/>
+          </p:cNvSpPr>
           <p:nvPr>
-            <p:ph idx="1" type="body"/>
+            <p:ph type="body" idx="1"/>
           </p:nvPr>
         </p:nvSpPr>
         <p:spPr>
@@ -8302,12 +8675,12 @@
           </a:prstGeom>
         </p:spPr>
         <p:txBody>
-          <a:bodyPr anchorCtr="0" anchor="t" bIns="91425" lIns="91425" spcFirstLastPara="1" rIns="91425" wrap="square" tIns="91425">
-            <a:normAutofit/>
+          <a:bodyPr spcFirstLastPara="1" wrap="square" lIns="91425" tIns="91425" rIns="91425" bIns="91425" anchor="t" anchorCtr="0">
+            <a:normAutofit fontScale="85000" lnSpcReduction="20000"/>
           </a:bodyPr>
           <a:lstStyle/>
           <a:p>
-            <a:pPr indent="0" lvl="0" marL="0" rtl="0" algn="l">
+            <a:pPr marL="0" lvl="0" indent="0" algn="l" rtl="0">
               <a:spcBef>
                 <a:spcPts val="0"/>
               </a:spcBef>
@@ -8327,9 +8700,11 @@
       <p:sp>
         <p:nvSpPr>
           <p:cNvPr id="100" name="Google Shape;100;p19"/>
-          <p:cNvSpPr txBox="1"/>
+          <p:cNvSpPr txBox="1">
+            <a:spLocks noGrp="1"/>
+          </p:cNvSpPr>
           <p:nvPr>
-            <p:ph idx="1" type="body"/>
+            <p:ph type="body" idx="1"/>
           </p:nvPr>
         </p:nvSpPr>
         <p:spPr>
@@ -8342,12 +8717,12 @@
           </a:prstGeom>
         </p:spPr>
         <p:txBody>
-          <a:bodyPr anchorCtr="0" anchor="t" bIns="91425" lIns="91425" spcFirstLastPara="1" rIns="91425" wrap="square" tIns="91425">
-            <a:normAutofit/>
+          <a:bodyPr spcFirstLastPara="1" wrap="square" lIns="91425" tIns="91425" rIns="91425" bIns="91425" anchor="t" anchorCtr="0">
+            <a:normAutofit fontScale="85000" lnSpcReduction="20000"/>
           </a:bodyPr>
           <a:lstStyle/>
           <a:p>
-            <a:pPr indent="0" lvl="0" marL="0" rtl="0" algn="l">
+            <a:pPr marL="0" lvl="0" indent="0" algn="l" rtl="0">
               <a:spcBef>
                 <a:spcPts val="0"/>
               </a:spcBef>
@@ -8367,9 +8742,11 @@
       <p:sp>
         <p:nvSpPr>
           <p:cNvPr id="101" name="Google Shape;101;p19"/>
-          <p:cNvSpPr txBox="1"/>
+          <p:cNvSpPr txBox="1">
+            <a:spLocks noGrp="1"/>
+          </p:cNvSpPr>
           <p:nvPr>
-            <p:ph idx="1" type="body"/>
+            <p:ph type="body" idx="1"/>
           </p:nvPr>
         </p:nvSpPr>
         <p:spPr>
@@ -8382,12 +8759,12 @@
           </a:prstGeom>
         </p:spPr>
         <p:txBody>
-          <a:bodyPr anchorCtr="0" anchor="t" bIns="91425" lIns="91425" spcFirstLastPara="1" rIns="91425" wrap="square" tIns="91425">
+          <a:bodyPr spcFirstLastPara="1" wrap="square" lIns="91425" tIns="91425" rIns="91425" bIns="91425" anchor="t" anchorCtr="0">
             <a:noAutofit/>
           </a:bodyPr>
           <a:lstStyle/>
           <a:p>
-            <a:pPr indent="0" lvl="0" marL="0" rtl="0" algn="l">
+            <a:pPr marL="0" lvl="0" indent="0" algn="l" rtl="0">
               <a:lnSpc>
                 <a:spcPct val="105000"/>
               </a:lnSpc>
@@ -8417,11 +8794,11 @@
 </file>
 
 <file path=ppt/slides/slide8.xml><?xml version="1.0" encoding="utf-8"?>
-<p:sld xmlns:a="http://schemas.openxmlformats.org/drawingml/2006/main" xmlns:r="http://schemas.openxmlformats.org/officeDocument/2006/relationships" xmlns:mc="http://schemas.openxmlformats.org/markup-compatibility/2006" xmlns:mv="urn:schemas-microsoft-com:mac:vml" xmlns:p="http://schemas.openxmlformats.org/presentationml/2006/main" xmlns:c="http://schemas.openxmlformats.org/drawingml/2006/chart" xmlns:dgm="http://schemas.openxmlformats.org/drawingml/2006/diagram" xmlns:o="urn:schemas-microsoft-com:office:office" xmlns:v="urn:schemas-microsoft-com:vml" xmlns:pvml="urn:schemas-microsoft-com:office:powerpoint" xmlns:com="http://schemas.openxmlformats.org/drawingml/2006/compatibility" xmlns:p14="http://schemas.microsoft.com/office/powerpoint/2010/main" xmlns:p15="http://schemas.microsoft.com/office/powerpoint/2012/main" xmlns:ahyp="http://schemas.microsoft.com/office/drawing/2018/hyperlinkcolor">
+<p:sld xmlns:a="http://schemas.openxmlformats.org/drawingml/2006/main" xmlns:r="http://schemas.openxmlformats.org/officeDocument/2006/relationships" xmlns:p="http://schemas.openxmlformats.org/presentationml/2006/main">
   <p:cSld>
     <p:spTree>
       <p:nvGrpSpPr>
-        <p:cNvPr id="105" name="Shape 105"/>
+        <p:cNvPr id="1" name="Shape 105"/>
         <p:cNvGrpSpPr/>
         <p:nvPr/>
       </p:nvGrpSpPr>
@@ -8441,7 +8818,7 @@
         </p:nvGraphicFramePr>
         <p:xfrm>
           <a:off x="717075" y="101767"/>
-          <a:ext cx="3000000" cy="3000000"/>
+          <a:ext cx="7918750" cy="4706475"/>
         </p:xfrm>
         <a:graphic>
           <a:graphicData uri="http://schemas.openxmlformats.org/drawingml/2006/table">
@@ -8451,11 +8828,41 @@
                 <a:tableStyleId>{7720DC6F-0DF6-4A9A-9CBE-F7A59AB97579}</a:tableStyleId>
               </a:tblPr>
               <a:tblGrid>
-                <a:gridCol w="1583750"/>
-                <a:gridCol w="1876800"/>
-                <a:gridCol w="1290700"/>
-                <a:gridCol w="1583750"/>
-                <a:gridCol w="1583750"/>
+                <a:gridCol w="1583750">
+                  <a:extLst>
+                    <a:ext uri="{9D8B030D-6E8A-4147-A177-3AD203B41FA5}">
+                      <a16:colId xmlns:a16="http://schemas.microsoft.com/office/drawing/2014/main" val="20000"/>
+                    </a:ext>
+                  </a:extLst>
+                </a:gridCol>
+                <a:gridCol w="1876800">
+                  <a:extLst>
+                    <a:ext uri="{9D8B030D-6E8A-4147-A177-3AD203B41FA5}">
+                      <a16:colId xmlns:a16="http://schemas.microsoft.com/office/drawing/2014/main" val="20001"/>
+                    </a:ext>
+                  </a:extLst>
+                </a:gridCol>
+                <a:gridCol w="1290700">
+                  <a:extLst>
+                    <a:ext uri="{9D8B030D-6E8A-4147-A177-3AD203B41FA5}">
+                      <a16:colId xmlns:a16="http://schemas.microsoft.com/office/drawing/2014/main" val="20002"/>
+                    </a:ext>
+                  </a:extLst>
+                </a:gridCol>
+                <a:gridCol w="1583750">
+                  <a:extLst>
+                    <a:ext uri="{9D8B030D-6E8A-4147-A177-3AD203B41FA5}">
+                      <a16:colId xmlns:a16="http://schemas.microsoft.com/office/drawing/2014/main" val="20003"/>
+                    </a:ext>
+                  </a:extLst>
+                </a:gridCol>
+                <a:gridCol w="1583750">
+                  <a:extLst>
+                    <a:ext uri="{9D8B030D-6E8A-4147-A177-3AD203B41FA5}">
+                      <a16:colId xmlns:a16="http://schemas.microsoft.com/office/drawing/2014/main" val="20004"/>
+                    </a:ext>
+                  </a:extLst>
+                </a:gridCol>
               </a:tblGrid>
               <a:tr h="615225">
                 <a:tc>
@@ -8463,7 +8870,7 @@
                     <a:bodyPr/>
                     <a:lstStyle/>
                     <a:p>
-                      <a:pPr indent="0" lvl="0" marL="0" rtl="0" algn="l">
+                      <a:pPr marL="0" lvl="0" indent="0" algn="l" rtl="0">
                         <a:spcBef>
                           <a:spcPts val="0"/>
                         </a:spcBef>
@@ -8489,14 +8896,1509 @@
                       </a:endParaRPr>
                     </a:p>
                   </a:txBody>
-                  <a:tcPr marT="91425" marB="91425" marR="91425" marL="91425"/>
+                  <a:tcPr marL="91425" marR="91425" marT="91425" marB="91425"/>
                 </a:tc>
                 <a:tc>
                   <a:txBody>
                     <a:bodyPr/>
                     <a:lstStyle/>
                     <a:p>
-                      <a:pPr indent="0" lvl="0" marL="0" rtl="0" algn="l">
+                      <a:pPr marL="0" lvl="0" indent="0" algn="l" rtl="0">
+                        <a:spcBef>
+                          <a:spcPts val="0"/>
+                        </a:spcBef>
+                        <a:spcAft>
+                          <a:spcPts val="0"/>
+                        </a:spcAft>
+                        <a:buNone/>
+                      </a:pPr>
+                      <a:r>
+                        <a:rPr lang="tr" dirty="0">
+                          <a:solidFill>
+                            <a:schemeClr val="dk1"/>
+                          </a:solidFill>
+                          <a:latin typeface="Times New Roman"/>
+                          <a:ea typeface="Times New Roman"/>
+                          <a:cs typeface="Times New Roman"/>
+                          <a:sym typeface="Times New Roman"/>
+                        </a:rPr>
+                        <a:t>Topologies</a:t>
+                      </a:r>
+                      <a:endParaRPr dirty="0">
+                        <a:latin typeface="Times New Roman"/>
+                        <a:ea typeface="Times New Roman"/>
+                        <a:cs typeface="Times New Roman"/>
+                        <a:sym typeface="Times New Roman"/>
+                      </a:endParaRPr>
+                    </a:p>
+                  </a:txBody>
+                  <a:tcPr marL="91425" marR="91425" marT="91425" marB="91425"/>
+                </a:tc>
+                <a:tc>
+                  <a:txBody>
+                    <a:bodyPr/>
+                    <a:lstStyle/>
+                    <a:p>
+                      <a:pPr marL="0" lvl="0" indent="0" algn="l" rtl="0">
+                        <a:spcBef>
+                          <a:spcPts val="0"/>
+                        </a:spcBef>
+                        <a:spcAft>
+                          <a:spcPts val="0"/>
+                        </a:spcAft>
+                        <a:buNone/>
+                      </a:pPr>
+                      <a:r>
+                        <a:rPr lang="tr">
+                          <a:latin typeface="Times New Roman"/>
+                          <a:ea typeface="Times New Roman"/>
+                          <a:cs typeface="Times New Roman"/>
+                          <a:sym typeface="Times New Roman"/>
+                        </a:rPr>
+                        <a:t>Power ratings</a:t>
+                      </a:r>
+                      <a:endParaRPr>
+                        <a:latin typeface="Times New Roman"/>
+                        <a:ea typeface="Times New Roman"/>
+                        <a:cs typeface="Times New Roman"/>
+                        <a:sym typeface="Times New Roman"/>
+                      </a:endParaRPr>
+                    </a:p>
+                  </a:txBody>
+                  <a:tcPr marL="91425" marR="91425" marT="91425" marB="91425"/>
+                </a:tc>
+                <a:tc>
+                  <a:txBody>
+                    <a:bodyPr/>
+                    <a:lstStyle/>
+                    <a:p>
+                      <a:pPr marL="0" lvl="0" indent="0" algn="l" rtl="0">
+                        <a:spcBef>
+                          <a:spcPts val="0"/>
+                        </a:spcBef>
+                        <a:spcAft>
+                          <a:spcPts val="0"/>
+                        </a:spcAft>
+                        <a:buNone/>
+                      </a:pPr>
+                      <a:r>
+                        <a:rPr lang="tr">
+                          <a:latin typeface="Times New Roman"/>
+                          <a:ea typeface="Times New Roman"/>
+                          <a:cs typeface="Times New Roman"/>
+                          <a:sym typeface="Times New Roman"/>
+                        </a:rPr>
+                        <a:t>Material</a:t>
+                      </a:r>
+                      <a:endParaRPr>
+                        <a:latin typeface="Times New Roman"/>
+                        <a:ea typeface="Times New Roman"/>
+                        <a:cs typeface="Times New Roman"/>
+                        <a:sym typeface="Times New Roman"/>
+                      </a:endParaRPr>
+                    </a:p>
+                  </a:txBody>
+                  <a:tcPr marL="91425" marR="91425" marT="91425" marB="91425"/>
+                </a:tc>
+                <a:tc>
+                  <a:txBody>
+                    <a:bodyPr/>
+                    <a:lstStyle/>
+                    <a:p>
+                      <a:pPr marL="0" lvl="0" indent="0" algn="l" rtl="0">
+                        <a:spcBef>
+                          <a:spcPts val="0"/>
+                        </a:spcBef>
+                        <a:spcAft>
+                          <a:spcPts val="0"/>
+                        </a:spcAft>
+                        <a:buNone/>
+                      </a:pPr>
+                      <a:r>
+                        <a:rPr lang="tr">
+                          <a:latin typeface="Times New Roman"/>
+                          <a:ea typeface="Times New Roman"/>
+                          <a:cs typeface="Times New Roman"/>
+                          <a:sym typeface="Times New Roman"/>
+                        </a:rPr>
+                        <a:t>Features</a:t>
+                      </a:r>
+                      <a:endParaRPr>
+                        <a:latin typeface="Times New Roman"/>
+                        <a:ea typeface="Times New Roman"/>
+                        <a:cs typeface="Times New Roman"/>
+                        <a:sym typeface="Times New Roman"/>
+                      </a:endParaRPr>
+                    </a:p>
+                  </a:txBody>
+                  <a:tcPr marL="91425" marR="91425" marT="91425" marB="91425"/>
+                </a:tc>
+                <a:extLst>
+                  <a:ext uri="{0D108BD9-81ED-4DB2-BD59-A6C34878D82A}">
+                    <a16:rowId xmlns:a16="http://schemas.microsoft.com/office/drawing/2014/main" val="10000"/>
+                  </a:ext>
+                </a:extLst>
+              </a:tr>
+              <a:tr h="615225">
+                <a:tc>
+                  <a:txBody>
+                    <a:bodyPr/>
+                    <a:lstStyle/>
+                    <a:p>
+                      <a:pPr marL="0" lvl="0" indent="0" algn="l" rtl="0">
+                        <a:spcBef>
+                          <a:spcPts val="0"/>
+                        </a:spcBef>
+                        <a:spcAft>
+                          <a:spcPts val="0"/>
+                        </a:spcAft>
+                        <a:buNone/>
+                      </a:pPr>
+                      <a:r>
+                        <a:rPr lang="tr">
+                          <a:latin typeface="Times New Roman"/>
+                          <a:ea typeface="Times New Roman"/>
+                          <a:cs typeface="Times New Roman"/>
+                          <a:sym typeface="Times New Roman"/>
+                        </a:rPr>
+                        <a:t>[1]</a:t>
+                      </a:r>
+                      <a:endParaRPr>
+                        <a:latin typeface="Times New Roman"/>
+                        <a:ea typeface="Times New Roman"/>
+                        <a:cs typeface="Times New Roman"/>
+                        <a:sym typeface="Times New Roman"/>
+                      </a:endParaRPr>
+                    </a:p>
+                  </a:txBody>
+                  <a:tcPr marL="91425" marR="91425" marT="91425" marB="91425"/>
+                </a:tc>
+                <a:tc>
+                  <a:txBody>
+                    <a:bodyPr/>
+                    <a:lstStyle/>
+                    <a:p>
+                      <a:pPr marL="0" lvl="0" indent="0" algn="l" rtl="0">
+                        <a:spcBef>
+                          <a:spcPts val="0"/>
+                        </a:spcBef>
+                        <a:spcAft>
+                          <a:spcPts val="0"/>
+                        </a:spcAft>
+                        <a:buNone/>
+                      </a:pPr>
+                      <a:r>
+                        <a:rPr lang="tr" dirty="0">
+                          <a:latin typeface="Times New Roman"/>
+                          <a:ea typeface="Times New Roman"/>
+                          <a:cs typeface="Times New Roman"/>
+                          <a:sym typeface="Times New Roman"/>
+                        </a:rPr>
+                        <a:t>IBC(coupled inductor)</a:t>
+                      </a:r>
+                      <a:endParaRPr dirty="0">
+                        <a:latin typeface="Times New Roman"/>
+                        <a:ea typeface="Times New Roman"/>
+                        <a:cs typeface="Times New Roman"/>
+                        <a:sym typeface="Times New Roman"/>
+                      </a:endParaRPr>
+                    </a:p>
+                  </a:txBody>
+                  <a:tcPr marL="91425" marR="91425" marT="91425" marB="91425"/>
+                </a:tc>
+                <a:tc>
+                  <a:txBody>
+                    <a:bodyPr/>
+                    <a:lstStyle/>
+                    <a:p>
+                      <a:pPr marL="0" lvl="0" indent="0" algn="l" rtl="0">
+                        <a:spcBef>
+                          <a:spcPts val="0"/>
+                        </a:spcBef>
+                        <a:spcAft>
+                          <a:spcPts val="0"/>
+                        </a:spcAft>
+                        <a:buNone/>
+                      </a:pPr>
+                      <a:r>
+                        <a:rPr lang="tr">
+                          <a:latin typeface="Times New Roman"/>
+                          <a:ea typeface="Times New Roman"/>
+                          <a:cs typeface="Times New Roman"/>
+                          <a:sym typeface="Times New Roman"/>
+                        </a:rPr>
+                        <a:t>500W</a:t>
+                      </a:r>
+                      <a:endParaRPr>
+                        <a:latin typeface="Times New Roman"/>
+                        <a:ea typeface="Times New Roman"/>
+                        <a:cs typeface="Times New Roman"/>
+                        <a:sym typeface="Times New Roman"/>
+                      </a:endParaRPr>
+                    </a:p>
+                  </a:txBody>
+                  <a:tcPr marL="91425" marR="91425" marT="91425" marB="91425"/>
+                </a:tc>
+                <a:tc>
+                  <a:txBody>
+                    <a:bodyPr/>
+                    <a:lstStyle/>
+                    <a:p>
+                      <a:pPr marL="0" lvl="0" indent="0" algn="l" rtl="0">
+                        <a:spcBef>
+                          <a:spcPts val="0"/>
+                        </a:spcBef>
+                        <a:spcAft>
+                          <a:spcPts val="0"/>
+                        </a:spcAft>
+                        <a:buNone/>
+                      </a:pPr>
+                      <a:r>
+                        <a:rPr lang="tr">
+                          <a:latin typeface="Times New Roman"/>
+                          <a:ea typeface="Times New Roman"/>
+                          <a:cs typeface="Times New Roman"/>
+                          <a:sym typeface="Times New Roman"/>
+                        </a:rPr>
+                        <a:t>Si</a:t>
+                      </a:r>
+                      <a:endParaRPr>
+                        <a:latin typeface="Times New Roman"/>
+                        <a:ea typeface="Times New Roman"/>
+                        <a:cs typeface="Times New Roman"/>
+                        <a:sym typeface="Times New Roman"/>
+                      </a:endParaRPr>
+                    </a:p>
+                  </a:txBody>
+                  <a:tcPr marL="91425" marR="91425" marT="91425" marB="91425"/>
+                </a:tc>
+                <a:tc>
+                  <a:txBody>
+                    <a:bodyPr/>
+                    <a:lstStyle/>
+                    <a:p>
+                      <a:pPr marL="0" lvl="0" indent="0" algn="l" rtl="0">
+                        <a:spcBef>
+                          <a:spcPts val="0"/>
+                        </a:spcBef>
+                        <a:spcAft>
+                          <a:spcPts val="0"/>
+                        </a:spcAft>
+                        <a:buNone/>
+                      </a:pPr>
+                      <a:r>
+                        <a:rPr lang="tr">
+                          <a:latin typeface="Times New Roman"/>
+                          <a:ea typeface="Times New Roman"/>
+                          <a:cs typeface="Times New Roman"/>
+                          <a:sym typeface="Times New Roman"/>
+                        </a:rPr>
+                        <a:t>ZVS, high voltage gain</a:t>
+                      </a:r>
+                      <a:endParaRPr>
+                        <a:latin typeface="Times New Roman"/>
+                        <a:ea typeface="Times New Roman"/>
+                        <a:cs typeface="Times New Roman"/>
+                        <a:sym typeface="Times New Roman"/>
+                      </a:endParaRPr>
+                    </a:p>
+                  </a:txBody>
+                  <a:tcPr marL="91425" marR="91425" marT="91425" marB="91425"/>
+                </a:tc>
+                <a:extLst>
+                  <a:ext uri="{0D108BD9-81ED-4DB2-BD59-A6C34878D82A}">
+                    <a16:rowId xmlns:a16="http://schemas.microsoft.com/office/drawing/2014/main" val="10001"/>
+                  </a:ext>
+                </a:extLst>
+              </a:tr>
+              <a:tr h="615225">
+                <a:tc>
+                  <a:txBody>
+                    <a:bodyPr/>
+                    <a:lstStyle/>
+                    <a:p>
+                      <a:pPr marL="0" lvl="0" indent="0" algn="l" rtl="0">
+                        <a:spcBef>
+                          <a:spcPts val="0"/>
+                        </a:spcBef>
+                        <a:spcAft>
+                          <a:spcPts val="0"/>
+                        </a:spcAft>
+                        <a:buNone/>
+                      </a:pPr>
+                      <a:r>
+                        <a:rPr lang="tr">
+                          <a:solidFill>
+                            <a:schemeClr val="dk1"/>
+                          </a:solidFill>
+                          <a:latin typeface="Times New Roman"/>
+                          <a:ea typeface="Times New Roman"/>
+                          <a:cs typeface="Times New Roman"/>
+                          <a:sym typeface="Times New Roman"/>
+                        </a:rPr>
+                        <a:t>[2]</a:t>
+                      </a:r>
+                      <a:endParaRPr>
+                        <a:latin typeface="Times New Roman"/>
+                        <a:ea typeface="Times New Roman"/>
+                        <a:cs typeface="Times New Roman"/>
+                        <a:sym typeface="Times New Roman"/>
+                      </a:endParaRPr>
+                    </a:p>
+                  </a:txBody>
+                  <a:tcPr marL="91425" marR="91425" marT="91425" marB="91425"/>
+                </a:tc>
+                <a:tc>
+                  <a:txBody>
+                    <a:bodyPr/>
+                    <a:lstStyle/>
+                    <a:p>
+                      <a:pPr marL="0" lvl="0" indent="0" algn="l" rtl="0">
+                        <a:spcBef>
+                          <a:spcPts val="0"/>
+                        </a:spcBef>
+                        <a:spcAft>
+                          <a:spcPts val="0"/>
+                        </a:spcAft>
+                        <a:buNone/>
+                      </a:pPr>
+                      <a:r>
+                        <a:rPr lang="tr" dirty="0">
+                          <a:latin typeface="Times New Roman"/>
+                          <a:ea typeface="Times New Roman"/>
+                          <a:cs typeface="Times New Roman"/>
+                          <a:sym typeface="Times New Roman"/>
+                        </a:rPr>
+                        <a:t>BC(with additional resonant level)</a:t>
+                      </a:r>
+                      <a:endParaRPr dirty="0">
+                        <a:latin typeface="Times New Roman"/>
+                        <a:ea typeface="Times New Roman"/>
+                        <a:cs typeface="Times New Roman"/>
+                        <a:sym typeface="Times New Roman"/>
+                      </a:endParaRPr>
+                    </a:p>
+                  </a:txBody>
+                  <a:tcPr marL="91425" marR="91425" marT="91425" marB="91425"/>
+                </a:tc>
+                <a:tc>
+                  <a:txBody>
+                    <a:bodyPr/>
+                    <a:lstStyle/>
+                    <a:p>
+                      <a:pPr marL="0" lvl="0" indent="0" algn="l" rtl="0">
+                        <a:spcBef>
+                          <a:spcPts val="0"/>
+                        </a:spcBef>
+                        <a:spcAft>
+                          <a:spcPts val="0"/>
+                        </a:spcAft>
+                        <a:buNone/>
+                      </a:pPr>
+                      <a:r>
+                        <a:rPr lang="tr">
+                          <a:latin typeface="Times New Roman"/>
+                          <a:ea typeface="Times New Roman"/>
+                          <a:cs typeface="Times New Roman"/>
+                          <a:sym typeface="Times New Roman"/>
+                        </a:rPr>
+                        <a:t>10kW</a:t>
+                      </a:r>
+                      <a:endParaRPr>
+                        <a:latin typeface="Times New Roman"/>
+                        <a:ea typeface="Times New Roman"/>
+                        <a:cs typeface="Times New Roman"/>
+                        <a:sym typeface="Times New Roman"/>
+                      </a:endParaRPr>
+                    </a:p>
+                  </a:txBody>
+                  <a:tcPr marL="91425" marR="91425" marT="91425" marB="91425"/>
+                </a:tc>
+                <a:tc>
+                  <a:txBody>
+                    <a:bodyPr/>
+                    <a:lstStyle/>
+                    <a:p>
+                      <a:pPr marL="0" lvl="0" indent="0" algn="l" rtl="0">
+                        <a:spcBef>
+                          <a:spcPts val="0"/>
+                        </a:spcBef>
+                        <a:spcAft>
+                          <a:spcPts val="0"/>
+                        </a:spcAft>
+                        <a:buNone/>
+                      </a:pPr>
+                      <a:r>
+                        <a:rPr lang="tr">
+                          <a:latin typeface="Times New Roman"/>
+                          <a:ea typeface="Times New Roman"/>
+                          <a:cs typeface="Times New Roman"/>
+                          <a:sym typeface="Times New Roman"/>
+                        </a:rPr>
+                        <a:t>900V-SiC</a:t>
+                      </a:r>
+                      <a:endParaRPr>
+                        <a:latin typeface="Times New Roman"/>
+                        <a:ea typeface="Times New Roman"/>
+                        <a:cs typeface="Times New Roman"/>
+                        <a:sym typeface="Times New Roman"/>
+                      </a:endParaRPr>
+                    </a:p>
+                  </a:txBody>
+                  <a:tcPr marL="91425" marR="91425" marT="91425" marB="91425"/>
+                </a:tc>
+                <a:tc>
+                  <a:txBody>
+                    <a:bodyPr/>
+                    <a:lstStyle/>
+                    <a:p>
+                      <a:pPr marL="0" lvl="0" indent="0" algn="l" rtl="0">
+                        <a:spcBef>
+                          <a:spcPts val="0"/>
+                        </a:spcBef>
+                        <a:spcAft>
+                          <a:spcPts val="0"/>
+                        </a:spcAft>
+                        <a:buNone/>
+                      </a:pPr>
+                      <a:r>
+                        <a:rPr lang="tr">
+                          <a:latin typeface="Times New Roman"/>
+                          <a:ea typeface="Times New Roman"/>
+                          <a:cs typeface="Times New Roman"/>
+                          <a:sym typeface="Times New Roman"/>
+                        </a:rPr>
+                        <a:t>ZVS,1500V-DC</a:t>
+                      </a:r>
+                      <a:endParaRPr>
+                        <a:latin typeface="Times New Roman"/>
+                        <a:ea typeface="Times New Roman"/>
+                        <a:cs typeface="Times New Roman"/>
+                        <a:sym typeface="Times New Roman"/>
+                      </a:endParaRPr>
+                    </a:p>
+                  </a:txBody>
+                  <a:tcPr marL="91425" marR="91425" marT="91425" marB="91425"/>
+                </a:tc>
+                <a:extLst>
+                  <a:ext uri="{0D108BD9-81ED-4DB2-BD59-A6C34878D82A}">
+                    <a16:rowId xmlns:a16="http://schemas.microsoft.com/office/drawing/2014/main" val="10002"/>
+                  </a:ext>
+                </a:extLst>
+              </a:tr>
+              <a:tr h="615225">
+                <a:tc>
+                  <a:txBody>
+                    <a:bodyPr/>
+                    <a:lstStyle/>
+                    <a:p>
+                      <a:pPr marL="0" lvl="0" indent="0" algn="l" rtl="0">
+                        <a:spcBef>
+                          <a:spcPts val="0"/>
+                        </a:spcBef>
+                        <a:spcAft>
+                          <a:spcPts val="0"/>
+                        </a:spcAft>
+                        <a:buNone/>
+                      </a:pPr>
+                      <a:r>
+                        <a:rPr lang="tr">
+                          <a:solidFill>
+                            <a:schemeClr val="dk1"/>
+                          </a:solidFill>
+                          <a:latin typeface="Times New Roman"/>
+                          <a:ea typeface="Times New Roman"/>
+                          <a:cs typeface="Times New Roman"/>
+                          <a:sym typeface="Times New Roman"/>
+                        </a:rPr>
+                        <a:t>[3]</a:t>
+                      </a:r>
+                      <a:endParaRPr>
+                        <a:latin typeface="Times New Roman"/>
+                        <a:ea typeface="Times New Roman"/>
+                        <a:cs typeface="Times New Roman"/>
+                        <a:sym typeface="Times New Roman"/>
+                      </a:endParaRPr>
+                    </a:p>
+                  </a:txBody>
+                  <a:tcPr marL="91425" marR="91425" marT="91425" marB="91425"/>
+                </a:tc>
+                <a:tc>
+                  <a:txBody>
+                    <a:bodyPr/>
+                    <a:lstStyle/>
+                    <a:p>
+                      <a:pPr marL="0" lvl="0" indent="0" algn="l" rtl="0">
+                        <a:spcBef>
+                          <a:spcPts val="0"/>
+                        </a:spcBef>
+                        <a:spcAft>
+                          <a:spcPts val="0"/>
+                        </a:spcAft>
+                        <a:buNone/>
+                      </a:pPr>
+                      <a:r>
+                        <a:rPr lang="tr">
+                          <a:latin typeface="Times New Roman"/>
+                          <a:ea typeface="Times New Roman"/>
+                          <a:cs typeface="Times New Roman"/>
+                          <a:sym typeface="Times New Roman"/>
+                        </a:rPr>
+                        <a:t>IBC</a:t>
+                      </a:r>
+                      <a:endParaRPr>
+                        <a:latin typeface="Times New Roman"/>
+                        <a:ea typeface="Times New Roman"/>
+                        <a:cs typeface="Times New Roman"/>
+                        <a:sym typeface="Times New Roman"/>
+                      </a:endParaRPr>
+                    </a:p>
+                  </a:txBody>
+                  <a:tcPr marL="91425" marR="91425" marT="91425" marB="91425"/>
+                </a:tc>
+                <a:tc>
+                  <a:txBody>
+                    <a:bodyPr/>
+                    <a:lstStyle/>
+                    <a:p>
+                      <a:pPr marL="0" lvl="0" indent="0" algn="l" rtl="0">
+                        <a:spcBef>
+                          <a:spcPts val="0"/>
+                        </a:spcBef>
+                        <a:spcAft>
+                          <a:spcPts val="0"/>
+                        </a:spcAft>
+                        <a:buNone/>
+                      </a:pPr>
+                      <a:r>
+                        <a:rPr lang="tr">
+                          <a:latin typeface="Times New Roman"/>
+                          <a:ea typeface="Times New Roman"/>
+                          <a:cs typeface="Times New Roman"/>
+                          <a:sym typeface="Times New Roman"/>
+                        </a:rPr>
+                        <a:t>10kW</a:t>
+                      </a:r>
+                      <a:endParaRPr>
+                        <a:latin typeface="Times New Roman"/>
+                        <a:ea typeface="Times New Roman"/>
+                        <a:cs typeface="Times New Roman"/>
+                        <a:sym typeface="Times New Roman"/>
+                      </a:endParaRPr>
+                    </a:p>
+                  </a:txBody>
+                  <a:tcPr marL="91425" marR="91425" marT="91425" marB="91425"/>
+                </a:tc>
+                <a:tc>
+                  <a:txBody>
+                    <a:bodyPr/>
+                    <a:lstStyle/>
+                    <a:p>
+                      <a:pPr marL="0" lvl="0" indent="0" algn="l" rtl="0">
+                        <a:spcBef>
+                          <a:spcPts val="0"/>
+                        </a:spcBef>
+                        <a:spcAft>
+                          <a:spcPts val="0"/>
+                        </a:spcAft>
+                        <a:buNone/>
+                      </a:pPr>
+                      <a:r>
+                        <a:rPr lang="tr">
+                          <a:latin typeface="Times New Roman"/>
+                          <a:ea typeface="Times New Roman"/>
+                          <a:cs typeface="Times New Roman"/>
+                          <a:sym typeface="Times New Roman"/>
+                        </a:rPr>
+                        <a:t>1200V-SiC</a:t>
+                      </a:r>
+                      <a:endParaRPr>
+                        <a:latin typeface="Times New Roman"/>
+                        <a:ea typeface="Times New Roman"/>
+                        <a:cs typeface="Times New Roman"/>
+                        <a:sym typeface="Times New Roman"/>
+                      </a:endParaRPr>
+                    </a:p>
+                  </a:txBody>
+                  <a:tcPr marL="91425" marR="91425" marT="91425" marB="91425"/>
+                </a:tc>
+                <a:tc>
+                  <a:txBody>
+                    <a:bodyPr/>
+                    <a:lstStyle/>
+                    <a:p>
+                      <a:pPr marL="0" lvl="0" indent="0" algn="l" rtl="0">
+                        <a:spcBef>
+                          <a:spcPts val="0"/>
+                        </a:spcBef>
+                        <a:spcAft>
+                          <a:spcPts val="0"/>
+                        </a:spcAft>
+                        <a:buNone/>
+                      </a:pPr>
+                      <a:r>
+                        <a:rPr lang="tr" dirty="0">
+                          <a:latin typeface="Times New Roman"/>
+                          <a:ea typeface="Times New Roman"/>
+                          <a:cs typeface="Times New Roman"/>
+                          <a:sym typeface="Times New Roman"/>
+                        </a:rPr>
+                        <a:t>47kHz,Powdered iron core</a:t>
+                      </a:r>
+                      <a:endParaRPr dirty="0">
+                        <a:latin typeface="Times New Roman"/>
+                        <a:ea typeface="Times New Roman"/>
+                        <a:cs typeface="Times New Roman"/>
+                        <a:sym typeface="Times New Roman"/>
+                      </a:endParaRPr>
+                    </a:p>
+                  </a:txBody>
+                  <a:tcPr marL="91425" marR="91425" marT="91425" marB="91425"/>
+                </a:tc>
+                <a:extLst>
+                  <a:ext uri="{0D108BD9-81ED-4DB2-BD59-A6C34878D82A}">
+                    <a16:rowId xmlns:a16="http://schemas.microsoft.com/office/drawing/2014/main" val="10003"/>
+                  </a:ext>
+                </a:extLst>
+              </a:tr>
+              <a:tr h="399900">
+                <a:tc>
+                  <a:txBody>
+                    <a:bodyPr/>
+                    <a:lstStyle/>
+                    <a:p>
+                      <a:pPr marL="0" lvl="0" indent="0" algn="l" rtl="0">
+                        <a:spcBef>
+                          <a:spcPts val="0"/>
+                        </a:spcBef>
+                        <a:spcAft>
+                          <a:spcPts val="0"/>
+                        </a:spcAft>
+                        <a:buNone/>
+                      </a:pPr>
+                      <a:r>
+                        <a:rPr lang="tr">
+                          <a:solidFill>
+                            <a:schemeClr val="dk1"/>
+                          </a:solidFill>
+                          <a:latin typeface="Times New Roman"/>
+                          <a:ea typeface="Times New Roman"/>
+                          <a:cs typeface="Times New Roman"/>
+                          <a:sym typeface="Times New Roman"/>
+                        </a:rPr>
+                        <a:t>[4]</a:t>
+                      </a:r>
+                      <a:endParaRPr>
+                        <a:latin typeface="Times New Roman"/>
+                        <a:ea typeface="Times New Roman"/>
+                        <a:cs typeface="Times New Roman"/>
+                        <a:sym typeface="Times New Roman"/>
+                      </a:endParaRPr>
+                    </a:p>
+                  </a:txBody>
+                  <a:tcPr marL="91425" marR="91425" marT="91425" marB="91425"/>
+                </a:tc>
+                <a:tc>
+                  <a:txBody>
+                    <a:bodyPr/>
+                    <a:lstStyle/>
+                    <a:p>
+                      <a:pPr marL="0" lvl="0" indent="0" algn="l" rtl="0">
+                        <a:spcBef>
+                          <a:spcPts val="0"/>
+                        </a:spcBef>
+                        <a:spcAft>
+                          <a:spcPts val="0"/>
+                        </a:spcAft>
+                        <a:buNone/>
+                      </a:pPr>
+                      <a:r>
+                        <a:rPr lang="tr" dirty="0">
+                          <a:latin typeface="Times New Roman"/>
+                          <a:ea typeface="Times New Roman"/>
+                          <a:cs typeface="Times New Roman"/>
+                          <a:sym typeface="Times New Roman"/>
+                        </a:rPr>
+                        <a:t>BC vs BBC</a:t>
+                      </a:r>
+                      <a:endParaRPr dirty="0">
+                        <a:latin typeface="Times New Roman"/>
+                        <a:ea typeface="Times New Roman"/>
+                        <a:cs typeface="Times New Roman"/>
+                        <a:sym typeface="Times New Roman"/>
+                      </a:endParaRPr>
+                    </a:p>
+                  </a:txBody>
+                  <a:tcPr marL="91425" marR="91425" marT="91425" marB="91425"/>
+                </a:tc>
+                <a:tc>
+                  <a:txBody>
+                    <a:bodyPr/>
+                    <a:lstStyle/>
+                    <a:p>
+                      <a:pPr marL="0" lvl="0" indent="0" algn="l" rtl="0">
+                        <a:spcBef>
+                          <a:spcPts val="0"/>
+                        </a:spcBef>
+                        <a:spcAft>
+                          <a:spcPts val="0"/>
+                        </a:spcAft>
+                        <a:buNone/>
+                      </a:pPr>
+                      <a:r>
+                        <a:rPr lang="tr">
+                          <a:latin typeface="Times New Roman"/>
+                          <a:ea typeface="Times New Roman"/>
+                          <a:cs typeface="Times New Roman"/>
+                          <a:sym typeface="Times New Roman"/>
+                        </a:rPr>
+                        <a:t>22kW</a:t>
+                      </a:r>
+                      <a:endParaRPr>
+                        <a:latin typeface="Times New Roman"/>
+                        <a:ea typeface="Times New Roman"/>
+                        <a:cs typeface="Times New Roman"/>
+                        <a:sym typeface="Times New Roman"/>
+                      </a:endParaRPr>
+                    </a:p>
+                  </a:txBody>
+                  <a:tcPr marL="91425" marR="91425" marT="91425" marB="91425"/>
+                </a:tc>
+                <a:tc>
+                  <a:txBody>
+                    <a:bodyPr/>
+                    <a:lstStyle/>
+                    <a:p>
+                      <a:pPr marL="0" lvl="0" indent="0" algn="l" rtl="0">
+                        <a:spcBef>
+                          <a:spcPts val="0"/>
+                        </a:spcBef>
+                        <a:spcAft>
+                          <a:spcPts val="0"/>
+                        </a:spcAft>
+                        <a:buNone/>
+                      </a:pPr>
+                      <a:r>
+                        <a:rPr lang="tr">
+                          <a:latin typeface="Times New Roman"/>
+                          <a:ea typeface="Times New Roman"/>
+                          <a:cs typeface="Times New Roman"/>
+                          <a:sym typeface="Times New Roman"/>
+                        </a:rPr>
+                        <a:t>1200V SiC</a:t>
+                      </a:r>
+                      <a:endParaRPr>
+                        <a:latin typeface="Times New Roman"/>
+                        <a:ea typeface="Times New Roman"/>
+                        <a:cs typeface="Times New Roman"/>
+                        <a:sym typeface="Times New Roman"/>
+                      </a:endParaRPr>
+                    </a:p>
+                  </a:txBody>
+                  <a:tcPr marL="91425" marR="91425" marT="91425" marB="91425"/>
+                </a:tc>
+                <a:tc>
+                  <a:txBody>
+                    <a:bodyPr/>
+                    <a:lstStyle/>
+                    <a:p>
+                      <a:pPr marL="0" lvl="0" indent="0" algn="l" rtl="0">
+                        <a:spcBef>
+                          <a:spcPts val="0"/>
+                        </a:spcBef>
+                        <a:spcAft>
+                          <a:spcPts val="0"/>
+                        </a:spcAft>
+                        <a:buNone/>
+                      </a:pPr>
+                      <a:r>
+                        <a:rPr lang="tr">
+                          <a:latin typeface="Times New Roman"/>
+                          <a:ea typeface="Times New Roman"/>
+                          <a:cs typeface="Times New Roman"/>
+                          <a:sym typeface="Times New Roman"/>
+                        </a:rPr>
+                        <a:t>Efficiency</a:t>
+                      </a:r>
+                      <a:endParaRPr>
+                        <a:latin typeface="Times New Roman"/>
+                        <a:ea typeface="Times New Roman"/>
+                        <a:cs typeface="Times New Roman"/>
+                        <a:sym typeface="Times New Roman"/>
+                      </a:endParaRPr>
+                    </a:p>
+                  </a:txBody>
+                  <a:tcPr marL="91425" marR="91425" marT="91425" marB="91425"/>
+                </a:tc>
+                <a:extLst>
+                  <a:ext uri="{0D108BD9-81ED-4DB2-BD59-A6C34878D82A}">
+                    <a16:rowId xmlns:a16="http://schemas.microsoft.com/office/drawing/2014/main" val="10004"/>
+                  </a:ext>
+                </a:extLst>
+              </a:tr>
+              <a:tr h="615225">
+                <a:tc>
+                  <a:txBody>
+                    <a:bodyPr/>
+                    <a:lstStyle/>
+                    <a:p>
+                      <a:pPr marL="0" lvl="0" indent="0" algn="l" rtl="0">
+                        <a:spcBef>
+                          <a:spcPts val="0"/>
+                        </a:spcBef>
+                        <a:spcAft>
+                          <a:spcPts val="0"/>
+                        </a:spcAft>
+                        <a:buNone/>
+                      </a:pPr>
+                      <a:r>
+                        <a:rPr lang="tr">
+                          <a:solidFill>
+                            <a:schemeClr val="dk1"/>
+                          </a:solidFill>
+                          <a:latin typeface="Times New Roman"/>
+                          <a:ea typeface="Times New Roman"/>
+                          <a:cs typeface="Times New Roman"/>
+                          <a:sym typeface="Times New Roman"/>
+                        </a:rPr>
+                        <a:t>[5]</a:t>
+                      </a:r>
+                      <a:endParaRPr>
+                        <a:latin typeface="Times New Roman"/>
+                        <a:ea typeface="Times New Roman"/>
+                        <a:cs typeface="Times New Roman"/>
+                        <a:sym typeface="Times New Roman"/>
+                      </a:endParaRPr>
+                    </a:p>
+                  </a:txBody>
+                  <a:tcPr marL="91425" marR="91425" marT="91425" marB="91425"/>
+                </a:tc>
+                <a:tc>
+                  <a:txBody>
+                    <a:bodyPr/>
+                    <a:lstStyle/>
+                    <a:p>
+                      <a:pPr marL="0" lvl="0" indent="0" algn="l" rtl="0">
+                        <a:spcBef>
+                          <a:spcPts val="0"/>
+                        </a:spcBef>
+                        <a:spcAft>
+                          <a:spcPts val="0"/>
+                        </a:spcAft>
+                        <a:buNone/>
+                      </a:pPr>
+                      <a:r>
+                        <a:rPr lang="tr">
+                          <a:latin typeface="Times New Roman"/>
+                          <a:ea typeface="Times New Roman"/>
+                          <a:cs typeface="Times New Roman"/>
+                          <a:sym typeface="Times New Roman"/>
+                        </a:rPr>
+                        <a:t>IBC(coupled inductor)</a:t>
+                      </a:r>
+                      <a:endParaRPr>
+                        <a:latin typeface="Times New Roman"/>
+                        <a:ea typeface="Times New Roman"/>
+                        <a:cs typeface="Times New Roman"/>
+                        <a:sym typeface="Times New Roman"/>
+                      </a:endParaRPr>
+                    </a:p>
+                  </a:txBody>
+                  <a:tcPr marL="91425" marR="91425" marT="91425" marB="91425"/>
+                </a:tc>
+                <a:tc>
+                  <a:txBody>
+                    <a:bodyPr/>
+                    <a:lstStyle/>
+                    <a:p>
+                      <a:pPr marL="0" lvl="0" indent="0" algn="l" rtl="0">
+                        <a:spcBef>
+                          <a:spcPts val="0"/>
+                        </a:spcBef>
+                        <a:spcAft>
+                          <a:spcPts val="0"/>
+                        </a:spcAft>
+                        <a:buNone/>
+                      </a:pPr>
+                      <a:r>
+                        <a:rPr lang="tr" sz="1350">
+                          <a:solidFill>
+                            <a:srgbClr val="2E2E2E"/>
+                          </a:solidFill>
+                          <a:latin typeface="Times New Roman"/>
+                          <a:ea typeface="Times New Roman"/>
+                          <a:cs typeface="Times New Roman"/>
+                          <a:sym typeface="Times New Roman"/>
+                        </a:rPr>
+                        <a:t>1kW</a:t>
+                      </a:r>
+                      <a:endParaRPr>
+                        <a:latin typeface="Times New Roman"/>
+                        <a:ea typeface="Times New Roman"/>
+                        <a:cs typeface="Times New Roman"/>
+                        <a:sym typeface="Times New Roman"/>
+                      </a:endParaRPr>
+                    </a:p>
+                  </a:txBody>
+                  <a:tcPr marL="91425" marR="91425" marT="91425" marB="91425"/>
+                </a:tc>
+                <a:tc>
+                  <a:txBody>
+                    <a:bodyPr/>
+                    <a:lstStyle/>
+                    <a:p>
+                      <a:pPr marL="0" lvl="0" indent="0" algn="l" rtl="0">
+                        <a:spcBef>
+                          <a:spcPts val="0"/>
+                        </a:spcBef>
+                        <a:spcAft>
+                          <a:spcPts val="0"/>
+                        </a:spcAft>
+                        <a:buNone/>
+                      </a:pPr>
+                      <a:r>
+                        <a:rPr lang="tr">
+                          <a:latin typeface="Times New Roman"/>
+                          <a:ea typeface="Times New Roman"/>
+                          <a:cs typeface="Times New Roman"/>
+                          <a:sym typeface="Times New Roman"/>
+                        </a:rPr>
+                        <a:t>Si</a:t>
+                      </a:r>
+                      <a:endParaRPr>
+                        <a:latin typeface="Times New Roman"/>
+                        <a:ea typeface="Times New Roman"/>
+                        <a:cs typeface="Times New Roman"/>
+                        <a:sym typeface="Times New Roman"/>
+                      </a:endParaRPr>
+                    </a:p>
+                  </a:txBody>
+                  <a:tcPr marL="91425" marR="91425" marT="91425" marB="91425"/>
+                </a:tc>
+                <a:tc>
+                  <a:txBody>
+                    <a:bodyPr/>
+                    <a:lstStyle/>
+                    <a:p>
+                      <a:pPr marL="0" lvl="0" indent="0" algn="l" rtl="0">
+                        <a:spcBef>
+                          <a:spcPts val="0"/>
+                        </a:spcBef>
+                        <a:spcAft>
+                          <a:spcPts val="0"/>
+                        </a:spcAft>
+                        <a:buNone/>
+                      </a:pPr>
+                      <a:r>
+                        <a:rPr lang="tr">
+                          <a:latin typeface="Times New Roman"/>
+                          <a:ea typeface="Times New Roman"/>
+                          <a:cs typeface="Times New Roman"/>
+                          <a:sym typeface="Times New Roman"/>
+                        </a:rPr>
+                        <a:t>Magnetic losses and inductor size</a:t>
+                      </a:r>
+                      <a:endParaRPr>
+                        <a:latin typeface="Times New Roman"/>
+                        <a:ea typeface="Times New Roman"/>
+                        <a:cs typeface="Times New Roman"/>
+                        <a:sym typeface="Times New Roman"/>
+                      </a:endParaRPr>
+                    </a:p>
+                  </a:txBody>
+                  <a:tcPr marL="91425" marR="91425" marT="91425" marB="91425"/>
+                </a:tc>
+                <a:extLst>
+                  <a:ext uri="{0D108BD9-81ED-4DB2-BD59-A6C34878D82A}">
+                    <a16:rowId xmlns:a16="http://schemas.microsoft.com/office/drawing/2014/main" val="10005"/>
+                  </a:ext>
+                </a:extLst>
+              </a:tr>
+              <a:tr h="615225">
+                <a:tc>
+                  <a:txBody>
+                    <a:bodyPr/>
+                    <a:lstStyle/>
+                    <a:p>
+                      <a:pPr marL="0" lvl="0" indent="0" algn="l" rtl="0">
+                        <a:spcBef>
+                          <a:spcPts val="0"/>
+                        </a:spcBef>
+                        <a:spcAft>
+                          <a:spcPts val="0"/>
+                        </a:spcAft>
+                        <a:buNone/>
+                      </a:pPr>
+                      <a:r>
+                        <a:rPr lang="tr">
+                          <a:solidFill>
+                            <a:schemeClr val="dk1"/>
+                          </a:solidFill>
+                          <a:latin typeface="Times New Roman"/>
+                          <a:ea typeface="Times New Roman"/>
+                          <a:cs typeface="Times New Roman"/>
+                          <a:sym typeface="Times New Roman"/>
+                        </a:rPr>
+                        <a:t>[6]</a:t>
+                      </a:r>
+                      <a:endParaRPr>
+                        <a:latin typeface="Times New Roman"/>
+                        <a:ea typeface="Times New Roman"/>
+                        <a:cs typeface="Times New Roman"/>
+                        <a:sym typeface="Times New Roman"/>
+                      </a:endParaRPr>
+                    </a:p>
+                  </a:txBody>
+                  <a:tcPr marL="91425" marR="91425" marT="91425" marB="91425"/>
+                </a:tc>
+                <a:tc>
+                  <a:txBody>
+                    <a:bodyPr/>
+                    <a:lstStyle/>
+                    <a:p>
+                      <a:pPr marL="0" lvl="0" indent="0" algn="l" rtl="0">
+                        <a:spcBef>
+                          <a:spcPts val="0"/>
+                        </a:spcBef>
+                        <a:spcAft>
+                          <a:spcPts val="0"/>
+                        </a:spcAft>
+                        <a:buNone/>
+                      </a:pPr>
+                      <a:r>
+                        <a:rPr lang="tr" dirty="0">
+                          <a:latin typeface="Times New Roman"/>
+                          <a:ea typeface="Times New Roman"/>
+                          <a:cs typeface="Times New Roman"/>
+                          <a:sym typeface="Times New Roman"/>
+                        </a:rPr>
+                        <a:t>IBC</a:t>
+                      </a:r>
+                      <a:endParaRPr dirty="0">
+                        <a:latin typeface="Times New Roman"/>
+                        <a:ea typeface="Times New Roman"/>
+                        <a:cs typeface="Times New Roman"/>
+                        <a:sym typeface="Times New Roman"/>
+                      </a:endParaRPr>
+                    </a:p>
+                  </a:txBody>
+                  <a:tcPr marL="91425" marR="91425" marT="91425" marB="91425"/>
+                </a:tc>
+                <a:tc>
+                  <a:txBody>
+                    <a:bodyPr/>
+                    <a:lstStyle/>
+                    <a:p>
+                      <a:pPr marL="0" lvl="0" indent="0" algn="l" rtl="0">
+                        <a:spcBef>
+                          <a:spcPts val="0"/>
+                        </a:spcBef>
+                        <a:spcAft>
+                          <a:spcPts val="0"/>
+                        </a:spcAft>
+                        <a:buNone/>
+                      </a:pPr>
+                      <a:r>
+                        <a:rPr lang="tr">
+                          <a:latin typeface="Times New Roman"/>
+                          <a:ea typeface="Times New Roman"/>
+                          <a:cs typeface="Times New Roman"/>
+                          <a:sym typeface="Times New Roman"/>
+                        </a:rPr>
+                        <a:t>-</a:t>
+                      </a:r>
+                      <a:endParaRPr>
+                        <a:latin typeface="Times New Roman"/>
+                        <a:ea typeface="Times New Roman"/>
+                        <a:cs typeface="Times New Roman"/>
+                        <a:sym typeface="Times New Roman"/>
+                      </a:endParaRPr>
+                    </a:p>
+                  </a:txBody>
+                  <a:tcPr marL="91425" marR="91425" marT="91425" marB="91425"/>
+                </a:tc>
+                <a:tc>
+                  <a:txBody>
+                    <a:bodyPr/>
+                    <a:lstStyle/>
+                    <a:p>
+                      <a:pPr marL="0" lvl="0" indent="0" algn="l" rtl="0">
+                        <a:spcBef>
+                          <a:spcPts val="0"/>
+                        </a:spcBef>
+                        <a:spcAft>
+                          <a:spcPts val="0"/>
+                        </a:spcAft>
+                        <a:buNone/>
+                      </a:pPr>
+                      <a:r>
+                        <a:rPr lang="tr">
+                          <a:latin typeface="Times New Roman"/>
+                          <a:ea typeface="Times New Roman"/>
+                          <a:cs typeface="Times New Roman"/>
+                          <a:sym typeface="Times New Roman"/>
+                        </a:rPr>
+                        <a:t>-</a:t>
+                      </a:r>
+                      <a:endParaRPr>
+                        <a:latin typeface="Times New Roman"/>
+                        <a:ea typeface="Times New Roman"/>
+                        <a:cs typeface="Times New Roman"/>
+                        <a:sym typeface="Times New Roman"/>
+                      </a:endParaRPr>
+                    </a:p>
+                  </a:txBody>
+                  <a:tcPr marL="91425" marR="91425" marT="91425" marB="91425"/>
+                </a:tc>
+                <a:tc>
+                  <a:txBody>
+                    <a:bodyPr/>
+                    <a:lstStyle/>
+                    <a:p>
+                      <a:pPr marL="0" lvl="0" indent="0" algn="l" rtl="0">
+                        <a:spcBef>
+                          <a:spcPts val="0"/>
+                        </a:spcBef>
+                        <a:spcAft>
+                          <a:spcPts val="0"/>
+                        </a:spcAft>
+                        <a:buNone/>
+                      </a:pPr>
+                      <a:r>
+                        <a:rPr lang="tr">
+                          <a:solidFill>
+                            <a:schemeClr val="dk1"/>
+                          </a:solidFill>
+                          <a:latin typeface="Times New Roman"/>
+                          <a:ea typeface="Times New Roman"/>
+                          <a:cs typeface="Times New Roman"/>
+                          <a:sym typeface="Times New Roman"/>
+                        </a:rPr>
+                        <a:t>(#module cost and reliability)</a:t>
+                      </a:r>
+                      <a:endParaRPr>
+                        <a:latin typeface="Times New Roman"/>
+                        <a:ea typeface="Times New Roman"/>
+                        <a:cs typeface="Times New Roman"/>
+                        <a:sym typeface="Times New Roman"/>
+                      </a:endParaRPr>
+                    </a:p>
+                  </a:txBody>
+                  <a:tcPr marL="91425" marR="91425" marT="91425" marB="91425"/>
+                </a:tc>
+                <a:extLst>
+                  <a:ext uri="{0D108BD9-81ED-4DB2-BD59-A6C34878D82A}">
+                    <a16:rowId xmlns:a16="http://schemas.microsoft.com/office/drawing/2014/main" val="10006"/>
+                  </a:ext>
+                </a:extLst>
+              </a:tr>
+              <a:tr h="615225">
+                <a:tc>
+                  <a:txBody>
+                    <a:bodyPr/>
+                    <a:lstStyle/>
+                    <a:p>
+                      <a:pPr marL="0" lvl="0" indent="0" algn="l" rtl="0">
+                        <a:spcBef>
+                          <a:spcPts val="0"/>
+                        </a:spcBef>
+                        <a:spcAft>
+                          <a:spcPts val="0"/>
+                        </a:spcAft>
+                        <a:buNone/>
+                      </a:pPr>
+                      <a:r>
+                        <a:rPr lang="tr" dirty="0">
+                          <a:latin typeface="Times New Roman"/>
+                          <a:ea typeface="Times New Roman"/>
+                          <a:cs typeface="Times New Roman"/>
+                          <a:sym typeface="Times New Roman"/>
+                        </a:rPr>
+                        <a:t>[7]</a:t>
+                      </a:r>
+                      <a:endParaRPr dirty="0">
+                        <a:latin typeface="Times New Roman"/>
+                        <a:ea typeface="Times New Roman"/>
+                        <a:cs typeface="Times New Roman"/>
+                        <a:sym typeface="Times New Roman"/>
+                      </a:endParaRPr>
+                    </a:p>
+                  </a:txBody>
+                  <a:tcPr marL="91425" marR="91425" marT="91425" marB="91425"/>
+                </a:tc>
+                <a:tc>
+                  <a:txBody>
+                    <a:bodyPr/>
+                    <a:lstStyle/>
+                    <a:p>
+                      <a:pPr marL="0" lvl="0" indent="0" algn="l" rtl="0">
+                        <a:lnSpc>
+                          <a:spcPct val="125000"/>
+                        </a:lnSpc>
+                        <a:spcBef>
+                          <a:spcPts val="0"/>
+                        </a:spcBef>
+                        <a:spcAft>
+                          <a:spcPts val="1900"/>
+                        </a:spcAft>
+                        <a:buNone/>
+                      </a:pPr>
+                      <a:r>
+                        <a:rPr lang="tr" dirty="0">
+                          <a:solidFill>
+                            <a:schemeClr val="dk1"/>
+                          </a:solidFill>
+                          <a:highlight>
+                            <a:srgbClr val="FFFFFF"/>
+                          </a:highlight>
+                          <a:latin typeface="Times New Roman"/>
+                          <a:ea typeface="Times New Roman"/>
+                          <a:cs typeface="Times New Roman"/>
+                          <a:sym typeface="Times New Roman"/>
+                        </a:rPr>
+                        <a:t>CRD-60DD12N</a:t>
+                      </a:r>
+                      <a:endParaRPr sz="1100" dirty="0">
+                        <a:solidFill>
+                          <a:schemeClr val="dk1"/>
+                        </a:solidFill>
+                        <a:latin typeface="Times New Roman"/>
+                        <a:ea typeface="Times New Roman"/>
+                        <a:cs typeface="Times New Roman"/>
+                        <a:sym typeface="Times New Roman"/>
+                      </a:endParaRPr>
+                    </a:p>
+                  </a:txBody>
+                  <a:tcPr marL="91425" marR="91425" marT="91425" marB="91425"/>
+                </a:tc>
+                <a:tc>
+                  <a:txBody>
+                    <a:bodyPr/>
+                    <a:lstStyle/>
+                    <a:p>
+                      <a:pPr marL="0" lvl="0" indent="0" algn="l" rtl="0">
+                        <a:spcBef>
+                          <a:spcPts val="0"/>
+                        </a:spcBef>
+                        <a:spcAft>
+                          <a:spcPts val="0"/>
+                        </a:spcAft>
+                        <a:buNone/>
+                      </a:pPr>
+                      <a:r>
+                        <a:rPr lang="tr">
+                          <a:latin typeface="Times New Roman"/>
+                          <a:ea typeface="Times New Roman"/>
+                          <a:cs typeface="Times New Roman"/>
+                          <a:sym typeface="Times New Roman"/>
+                        </a:rPr>
+                        <a:t>60kW</a:t>
+                      </a:r>
+                      <a:endParaRPr>
+                        <a:latin typeface="Times New Roman"/>
+                        <a:ea typeface="Times New Roman"/>
+                        <a:cs typeface="Times New Roman"/>
+                        <a:sym typeface="Times New Roman"/>
+                      </a:endParaRPr>
+                    </a:p>
+                  </a:txBody>
+                  <a:tcPr marL="91425" marR="91425" marT="91425" marB="91425"/>
+                </a:tc>
+                <a:tc>
+                  <a:txBody>
+                    <a:bodyPr/>
+                    <a:lstStyle/>
+                    <a:p>
+                      <a:pPr marL="0" lvl="0" indent="0" algn="l" rtl="0">
+                        <a:spcBef>
+                          <a:spcPts val="0"/>
+                        </a:spcBef>
+                        <a:spcAft>
+                          <a:spcPts val="0"/>
+                        </a:spcAft>
+                        <a:buNone/>
+                      </a:pPr>
+                      <a:r>
+                        <a:rPr lang="tr">
+                          <a:latin typeface="Times New Roman"/>
+                          <a:ea typeface="Times New Roman"/>
+                          <a:cs typeface="Times New Roman"/>
+                          <a:sym typeface="Times New Roman"/>
+                        </a:rPr>
+                        <a:t>SiC-1200V</a:t>
+                      </a:r>
+                      <a:endParaRPr>
+                        <a:latin typeface="Times New Roman"/>
+                        <a:ea typeface="Times New Roman"/>
+                        <a:cs typeface="Times New Roman"/>
+                        <a:sym typeface="Times New Roman"/>
+                      </a:endParaRPr>
+                    </a:p>
+                  </a:txBody>
+                  <a:tcPr marL="91425" marR="91425" marT="91425" marB="91425"/>
+                </a:tc>
+                <a:tc>
+                  <a:txBody>
+                    <a:bodyPr/>
+                    <a:lstStyle/>
+                    <a:p>
+                      <a:pPr marL="0" lvl="0" indent="0" algn="l" rtl="0">
+                        <a:spcBef>
+                          <a:spcPts val="0"/>
+                        </a:spcBef>
+                        <a:spcAft>
+                          <a:spcPts val="0"/>
+                        </a:spcAft>
+                        <a:buNone/>
+                      </a:pPr>
+                      <a:r>
+                        <a:rPr lang="tr" dirty="0">
+                          <a:latin typeface="Times New Roman"/>
+                          <a:ea typeface="Times New Roman"/>
+                          <a:cs typeface="Times New Roman"/>
+                          <a:sym typeface="Times New Roman"/>
+                        </a:rPr>
+                        <a:t>4x15kW IBC,850VDC</a:t>
+                      </a:r>
+                      <a:endParaRPr dirty="0">
+                        <a:latin typeface="Times New Roman"/>
+                        <a:ea typeface="Times New Roman"/>
+                        <a:cs typeface="Times New Roman"/>
+                        <a:sym typeface="Times New Roman"/>
+                      </a:endParaRPr>
+                    </a:p>
+                  </a:txBody>
+                  <a:tcPr marL="91425" marR="91425" marT="91425" marB="91425"/>
+                </a:tc>
+                <a:extLst>
+                  <a:ext uri="{0D108BD9-81ED-4DB2-BD59-A6C34878D82A}">
+                    <a16:rowId xmlns:a16="http://schemas.microsoft.com/office/drawing/2014/main" val="10007"/>
+                  </a:ext>
+                </a:extLst>
+              </a:tr>
+            </a:tbl>
+          </a:graphicData>
+        </a:graphic>
+      </p:graphicFrame>
+    </p:spTree>
+  </p:cSld>
+  <p:clrMapOvr>
+    <a:masterClrMapping/>
+  </p:clrMapOvr>
+</p:sld>
+</file>
+
+<file path=ppt/slides/slide9.xml><?xml version="1.0" encoding="utf-8"?>
+<p:sld xmlns:a="http://schemas.openxmlformats.org/drawingml/2006/main" xmlns:r="http://schemas.openxmlformats.org/officeDocument/2006/relationships" xmlns:p="http://schemas.openxmlformats.org/presentationml/2006/main">
+  <p:cSld>
+    <p:spTree>
+      <p:nvGrpSpPr>
+        <p:cNvPr id="1" name="Shape 110"/>
+        <p:cNvGrpSpPr/>
+        <p:nvPr/>
+      </p:nvGrpSpPr>
+      <p:grpSpPr>
+        <a:xfrm>
+          <a:off x="0" y="0"/>
+          <a:ext cx="0" cy="0"/>
+          <a:chOff x="0" y="0"/>
+          <a:chExt cx="0" cy="0"/>
+        </a:xfrm>
+      </p:grpSpPr>
+      <p:graphicFrame>
+        <p:nvGraphicFramePr>
+          <p:cNvPr id="111" name="Google Shape;111;p21"/>
+          <p:cNvGraphicFramePr/>
+          <p:nvPr/>
+        </p:nvGraphicFramePr>
+        <p:xfrm>
+          <a:off x="717075" y="101767"/>
+          <a:ext cx="8084900" cy="4706475"/>
+        </p:xfrm>
+        <a:graphic>
+          <a:graphicData uri="http://schemas.openxmlformats.org/drawingml/2006/table">
+            <a:tbl>
+              <a:tblPr>
+                <a:noFill/>
+                <a:tableStyleId>{7720DC6F-0DF6-4A9A-9CBE-F7A59AB97579}</a:tableStyleId>
+              </a:tblPr>
+              <a:tblGrid>
+                <a:gridCol w="1583750">
+                  <a:extLst>
+                    <a:ext uri="{9D8B030D-6E8A-4147-A177-3AD203B41FA5}">
+                      <a16:colId xmlns:a16="http://schemas.microsoft.com/office/drawing/2014/main" val="20000"/>
+                    </a:ext>
+                  </a:extLst>
+                </a:gridCol>
+                <a:gridCol w="1876800">
+                  <a:extLst>
+                    <a:ext uri="{9D8B030D-6E8A-4147-A177-3AD203B41FA5}">
+                      <a16:colId xmlns:a16="http://schemas.microsoft.com/office/drawing/2014/main" val="20001"/>
+                    </a:ext>
+                  </a:extLst>
+                </a:gridCol>
+                <a:gridCol w="1290700">
+                  <a:extLst>
+                    <a:ext uri="{9D8B030D-6E8A-4147-A177-3AD203B41FA5}">
+                      <a16:colId xmlns:a16="http://schemas.microsoft.com/office/drawing/2014/main" val="20002"/>
+                    </a:ext>
+                  </a:extLst>
+                </a:gridCol>
+                <a:gridCol w="1583750">
+                  <a:extLst>
+                    <a:ext uri="{9D8B030D-6E8A-4147-A177-3AD203B41FA5}">
+                      <a16:colId xmlns:a16="http://schemas.microsoft.com/office/drawing/2014/main" val="20003"/>
+                    </a:ext>
+                  </a:extLst>
+                </a:gridCol>
+                <a:gridCol w="1749900">
+                  <a:extLst>
+                    <a:ext uri="{9D8B030D-6E8A-4147-A177-3AD203B41FA5}">
+                      <a16:colId xmlns:a16="http://schemas.microsoft.com/office/drawing/2014/main" val="20004"/>
+                    </a:ext>
+                  </a:extLst>
+                </a:gridCol>
+              </a:tblGrid>
+              <a:tr h="615225">
+                <a:tc>
+                  <a:txBody>
+                    <a:bodyPr/>
+                    <a:lstStyle/>
+                    <a:p>
+                      <a:pPr marL="0" lvl="0" indent="0" algn="l" rtl="0">
+                        <a:spcBef>
+                          <a:spcPts val="0"/>
+                        </a:spcBef>
+                        <a:spcAft>
+                          <a:spcPts val="0"/>
+                        </a:spcAft>
+                        <a:buNone/>
+                      </a:pPr>
+                      <a:r>
+                        <a:rPr lang="tr">
+                          <a:latin typeface="Times New Roman"/>
+                          <a:ea typeface="Times New Roman"/>
+                          <a:cs typeface="Times New Roman"/>
+                          <a:sym typeface="Times New Roman"/>
+                        </a:rPr>
+                        <a:t>Articles</a:t>
+                      </a:r>
+                      <a:endParaRPr>
+                        <a:latin typeface="Times New Roman"/>
+                        <a:ea typeface="Times New Roman"/>
+                        <a:cs typeface="Times New Roman"/>
+                        <a:sym typeface="Times New Roman"/>
+                      </a:endParaRPr>
+                    </a:p>
+                  </a:txBody>
+                  <a:tcPr marL="91425" marR="91425" marT="91425" marB="91425"/>
+                </a:tc>
+                <a:tc>
+                  <a:txBody>
+                    <a:bodyPr/>
+                    <a:lstStyle/>
+                    <a:p>
+                      <a:pPr marL="0" lvl="0" indent="0" algn="l" rtl="0">
                         <a:spcBef>
                           <a:spcPts val="0"/>
                         </a:spcBef>
@@ -8525,14 +10427,14 @@
                       </a:endParaRPr>
                     </a:p>
                   </a:txBody>
-                  <a:tcPr marT="91425" marB="91425" marR="91425" marL="91425"/>
+                  <a:tcPr marL="91425" marR="91425" marT="91425" marB="91425"/>
                 </a:tc>
                 <a:tc>
                   <a:txBody>
                     <a:bodyPr/>
                     <a:lstStyle/>
                     <a:p>
-                      <a:pPr indent="0" lvl="0" marL="0" rtl="0" algn="l">
+                      <a:pPr marL="0" lvl="0" indent="0" algn="l" rtl="0">
                         <a:spcBef>
                           <a:spcPts val="0"/>
                         </a:spcBef>
@@ -8558,14 +10460,14 @@
                       </a:endParaRPr>
                     </a:p>
                   </a:txBody>
-                  <a:tcPr marT="91425" marB="91425" marR="91425" marL="91425"/>
+                  <a:tcPr marL="91425" marR="91425" marT="91425" marB="91425"/>
                 </a:tc>
                 <a:tc>
                   <a:txBody>
                     <a:bodyPr/>
                     <a:lstStyle/>
                     <a:p>
-                      <a:pPr indent="0" lvl="0" marL="0" rtl="0" algn="l">
+                      <a:pPr marL="0" lvl="0" indent="0" algn="l" rtl="0">
                         <a:spcBef>
                           <a:spcPts val="0"/>
                         </a:spcBef>
@@ -8591,14 +10493,14 @@
                       </a:endParaRPr>
                     </a:p>
                   </a:txBody>
-                  <a:tcPr marT="91425" marB="91425" marR="91425" marL="91425"/>
+                  <a:tcPr marL="91425" marR="91425" marT="91425" marB="91425"/>
                 </a:tc>
                 <a:tc>
                   <a:txBody>
                     <a:bodyPr/>
                     <a:lstStyle/>
                     <a:p>
-                      <a:pPr indent="0" lvl="0" marL="0" rtl="0" algn="l">
+                      <a:pPr marL="0" lvl="0" indent="0" algn="l" rtl="0">
                         <a:spcBef>
                           <a:spcPts val="0"/>
                         </a:spcBef>
@@ -8624,8 +10526,13 @@
                       </a:endParaRPr>
                     </a:p>
                   </a:txBody>
-                  <a:tcPr marT="91425" marB="91425" marR="91425" marL="91425"/>
+                  <a:tcPr marL="91425" marR="91425" marT="91425" marB="91425"/>
                 </a:tc>
+                <a:extLst>
+                  <a:ext uri="{0D108BD9-81ED-4DB2-BD59-A6C34878D82A}">
+                    <a16:rowId xmlns:a16="http://schemas.microsoft.com/office/drawing/2014/main" val="10000"/>
+                  </a:ext>
+                </a:extLst>
               </a:tr>
               <a:tr h="615225">
                 <a:tc>
@@ -8633,1432 +10540,7 @@
                     <a:bodyPr/>
                     <a:lstStyle/>
                     <a:p>
-                      <a:pPr indent="0" lvl="0" marL="0" rtl="0" algn="l">
-                        <a:spcBef>
-                          <a:spcPts val="0"/>
-                        </a:spcBef>
-                        <a:spcAft>
-                          <a:spcPts val="0"/>
-                        </a:spcAft>
-                        <a:buNone/>
-                      </a:pPr>
-                      <a:r>
-                        <a:rPr lang="tr">
-                          <a:latin typeface="Times New Roman"/>
-                          <a:ea typeface="Times New Roman"/>
-                          <a:cs typeface="Times New Roman"/>
-                          <a:sym typeface="Times New Roman"/>
-                        </a:rPr>
-                        <a:t>[1]</a:t>
-                      </a:r>
-                      <a:endParaRPr>
-                        <a:latin typeface="Times New Roman"/>
-                        <a:ea typeface="Times New Roman"/>
-                        <a:cs typeface="Times New Roman"/>
-                        <a:sym typeface="Times New Roman"/>
-                      </a:endParaRPr>
-                    </a:p>
-                  </a:txBody>
-                  <a:tcPr marT="91425" marB="91425" marR="91425" marL="91425"/>
-                </a:tc>
-                <a:tc>
-                  <a:txBody>
-                    <a:bodyPr/>
-                    <a:lstStyle/>
-                    <a:p>
-                      <a:pPr indent="0" lvl="0" marL="0" rtl="0" algn="l">
-                        <a:spcBef>
-                          <a:spcPts val="0"/>
-                        </a:spcBef>
-                        <a:spcAft>
-                          <a:spcPts val="0"/>
-                        </a:spcAft>
-                        <a:buNone/>
-                      </a:pPr>
-                      <a:r>
-                        <a:rPr lang="tr">
-                          <a:latin typeface="Times New Roman"/>
-                          <a:ea typeface="Times New Roman"/>
-                          <a:cs typeface="Times New Roman"/>
-                          <a:sym typeface="Times New Roman"/>
-                        </a:rPr>
-                        <a:t>IBC(coupled inductor)</a:t>
-                      </a:r>
-                      <a:endParaRPr>
-                        <a:latin typeface="Times New Roman"/>
-                        <a:ea typeface="Times New Roman"/>
-                        <a:cs typeface="Times New Roman"/>
-                        <a:sym typeface="Times New Roman"/>
-                      </a:endParaRPr>
-                    </a:p>
-                  </a:txBody>
-                  <a:tcPr marT="91425" marB="91425" marR="91425" marL="91425"/>
-                </a:tc>
-                <a:tc>
-                  <a:txBody>
-                    <a:bodyPr/>
-                    <a:lstStyle/>
-                    <a:p>
-                      <a:pPr indent="0" lvl="0" marL="0" rtl="0" algn="l">
-                        <a:spcBef>
-                          <a:spcPts val="0"/>
-                        </a:spcBef>
-                        <a:spcAft>
-                          <a:spcPts val="0"/>
-                        </a:spcAft>
-                        <a:buNone/>
-                      </a:pPr>
-                      <a:r>
-                        <a:rPr lang="tr">
-                          <a:latin typeface="Times New Roman"/>
-                          <a:ea typeface="Times New Roman"/>
-                          <a:cs typeface="Times New Roman"/>
-                          <a:sym typeface="Times New Roman"/>
-                        </a:rPr>
-                        <a:t>500W</a:t>
-                      </a:r>
-                      <a:endParaRPr>
-                        <a:latin typeface="Times New Roman"/>
-                        <a:ea typeface="Times New Roman"/>
-                        <a:cs typeface="Times New Roman"/>
-                        <a:sym typeface="Times New Roman"/>
-                      </a:endParaRPr>
-                    </a:p>
-                  </a:txBody>
-                  <a:tcPr marT="91425" marB="91425" marR="91425" marL="91425"/>
-                </a:tc>
-                <a:tc>
-                  <a:txBody>
-                    <a:bodyPr/>
-                    <a:lstStyle/>
-                    <a:p>
-                      <a:pPr indent="0" lvl="0" marL="0" rtl="0" algn="l">
-                        <a:spcBef>
-                          <a:spcPts val="0"/>
-                        </a:spcBef>
-                        <a:spcAft>
-                          <a:spcPts val="0"/>
-                        </a:spcAft>
-                        <a:buNone/>
-                      </a:pPr>
-                      <a:r>
-                        <a:rPr lang="tr">
-                          <a:latin typeface="Times New Roman"/>
-                          <a:ea typeface="Times New Roman"/>
-                          <a:cs typeface="Times New Roman"/>
-                          <a:sym typeface="Times New Roman"/>
-                        </a:rPr>
-                        <a:t>Si</a:t>
-                      </a:r>
-                      <a:endParaRPr>
-                        <a:latin typeface="Times New Roman"/>
-                        <a:ea typeface="Times New Roman"/>
-                        <a:cs typeface="Times New Roman"/>
-                        <a:sym typeface="Times New Roman"/>
-                      </a:endParaRPr>
-                    </a:p>
-                  </a:txBody>
-                  <a:tcPr marT="91425" marB="91425" marR="91425" marL="91425"/>
-                </a:tc>
-                <a:tc>
-                  <a:txBody>
-                    <a:bodyPr/>
-                    <a:lstStyle/>
-                    <a:p>
-                      <a:pPr indent="0" lvl="0" marL="0" rtl="0" algn="l">
-                        <a:spcBef>
-                          <a:spcPts val="0"/>
-                        </a:spcBef>
-                        <a:spcAft>
-                          <a:spcPts val="0"/>
-                        </a:spcAft>
-                        <a:buNone/>
-                      </a:pPr>
-                      <a:r>
-                        <a:rPr lang="tr">
-                          <a:latin typeface="Times New Roman"/>
-                          <a:ea typeface="Times New Roman"/>
-                          <a:cs typeface="Times New Roman"/>
-                          <a:sym typeface="Times New Roman"/>
-                        </a:rPr>
-                        <a:t>ZVS, high voltage gain</a:t>
-                      </a:r>
-                      <a:endParaRPr>
-                        <a:latin typeface="Times New Roman"/>
-                        <a:ea typeface="Times New Roman"/>
-                        <a:cs typeface="Times New Roman"/>
-                        <a:sym typeface="Times New Roman"/>
-                      </a:endParaRPr>
-                    </a:p>
-                  </a:txBody>
-                  <a:tcPr marT="91425" marB="91425" marR="91425" marL="91425"/>
-                </a:tc>
-              </a:tr>
-              <a:tr h="615225">
-                <a:tc>
-                  <a:txBody>
-                    <a:bodyPr/>
-                    <a:lstStyle/>
-                    <a:p>
-                      <a:pPr indent="0" lvl="0" marL="0" rtl="0" algn="l">
-                        <a:spcBef>
-                          <a:spcPts val="0"/>
-                        </a:spcBef>
-                        <a:spcAft>
-                          <a:spcPts val="0"/>
-                        </a:spcAft>
-                        <a:buNone/>
-                      </a:pPr>
-                      <a:r>
-                        <a:rPr lang="tr">
-                          <a:solidFill>
-                            <a:schemeClr val="dk1"/>
-                          </a:solidFill>
-                          <a:latin typeface="Times New Roman"/>
-                          <a:ea typeface="Times New Roman"/>
-                          <a:cs typeface="Times New Roman"/>
-                          <a:sym typeface="Times New Roman"/>
-                        </a:rPr>
-                        <a:t>[2]</a:t>
-                      </a:r>
-                      <a:endParaRPr>
-                        <a:latin typeface="Times New Roman"/>
-                        <a:ea typeface="Times New Roman"/>
-                        <a:cs typeface="Times New Roman"/>
-                        <a:sym typeface="Times New Roman"/>
-                      </a:endParaRPr>
-                    </a:p>
-                  </a:txBody>
-                  <a:tcPr marT="91425" marB="91425" marR="91425" marL="91425"/>
-                </a:tc>
-                <a:tc>
-                  <a:txBody>
-                    <a:bodyPr/>
-                    <a:lstStyle/>
-                    <a:p>
-                      <a:pPr indent="0" lvl="0" marL="0" rtl="0" algn="l">
-                        <a:spcBef>
-                          <a:spcPts val="0"/>
-                        </a:spcBef>
-                        <a:spcAft>
-                          <a:spcPts val="0"/>
-                        </a:spcAft>
-                        <a:buNone/>
-                      </a:pPr>
-                      <a:r>
-                        <a:rPr lang="tr">
-                          <a:latin typeface="Times New Roman"/>
-                          <a:ea typeface="Times New Roman"/>
-                          <a:cs typeface="Times New Roman"/>
-                          <a:sym typeface="Times New Roman"/>
-                        </a:rPr>
-                        <a:t>BC(with additional resonant level)</a:t>
-                      </a:r>
-                      <a:endParaRPr>
-                        <a:latin typeface="Times New Roman"/>
-                        <a:ea typeface="Times New Roman"/>
-                        <a:cs typeface="Times New Roman"/>
-                        <a:sym typeface="Times New Roman"/>
-                      </a:endParaRPr>
-                    </a:p>
-                  </a:txBody>
-                  <a:tcPr marT="91425" marB="91425" marR="91425" marL="91425"/>
-                </a:tc>
-                <a:tc>
-                  <a:txBody>
-                    <a:bodyPr/>
-                    <a:lstStyle/>
-                    <a:p>
-                      <a:pPr indent="0" lvl="0" marL="0" rtl="0" algn="l">
-                        <a:spcBef>
-                          <a:spcPts val="0"/>
-                        </a:spcBef>
-                        <a:spcAft>
-                          <a:spcPts val="0"/>
-                        </a:spcAft>
-                        <a:buNone/>
-                      </a:pPr>
-                      <a:r>
-                        <a:rPr lang="tr">
-                          <a:latin typeface="Times New Roman"/>
-                          <a:ea typeface="Times New Roman"/>
-                          <a:cs typeface="Times New Roman"/>
-                          <a:sym typeface="Times New Roman"/>
-                        </a:rPr>
-                        <a:t>10kW</a:t>
-                      </a:r>
-                      <a:endParaRPr>
-                        <a:latin typeface="Times New Roman"/>
-                        <a:ea typeface="Times New Roman"/>
-                        <a:cs typeface="Times New Roman"/>
-                        <a:sym typeface="Times New Roman"/>
-                      </a:endParaRPr>
-                    </a:p>
-                  </a:txBody>
-                  <a:tcPr marT="91425" marB="91425" marR="91425" marL="91425"/>
-                </a:tc>
-                <a:tc>
-                  <a:txBody>
-                    <a:bodyPr/>
-                    <a:lstStyle/>
-                    <a:p>
-                      <a:pPr indent="0" lvl="0" marL="0" rtl="0" algn="l">
-                        <a:spcBef>
-                          <a:spcPts val="0"/>
-                        </a:spcBef>
-                        <a:spcAft>
-                          <a:spcPts val="0"/>
-                        </a:spcAft>
-                        <a:buNone/>
-                      </a:pPr>
-                      <a:r>
-                        <a:rPr lang="tr">
-                          <a:latin typeface="Times New Roman"/>
-                          <a:ea typeface="Times New Roman"/>
-                          <a:cs typeface="Times New Roman"/>
-                          <a:sym typeface="Times New Roman"/>
-                        </a:rPr>
-                        <a:t>900V-SiC</a:t>
-                      </a:r>
-                      <a:endParaRPr>
-                        <a:latin typeface="Times New Roman"/>
-                        <a:ea typeface="Times New Roman"/>
-                        <a:cs typeface="Times New Roman"/>
-                        <a:sym typeface="Times New Roman"/>
-                      </a:endParaRPr>
-                    </a:p>
-                  </a:txBody>
-                  <a:tcPr marT="91425" marB="91425" marR="91425" marL="91425"/>
-                </a:tc>
-                <a:tc>
-                  <a:txBody>
-                    <a:bodyPr/>
-                    <a:lstStyle/>
-                    <a:p>
-                      <a:pPr indent="0" lvl="0" marL="0" rtl="0" algn="l">
-                        <a:spcBef>
-                          <a:spcPts val="0"/>
-                        </a:spcBef>
-                        <a:spcAft>
-                          <a:spcPts val="0"/>
-                        </a:spcAft>
-                        <a:buNone/>
-                      </a:pPr>
-                      <a:r>
-                        <a:rPr lang="tr">
-                          <a:latin typeface="Times New Roman"/>
-                          <a:ea typeface="Times New Roman"/>
-                          <a:cs typeface="Times New Roman"/>
-                          <a:sym typeface="Times New Roman"/>
-                        </a:rPr>
-                        <a:t>ZVS,1500V-DC</a:t>
-                      </a:r>
-                      <a:endParaRPr>
-                        <a:latin typeface="Times New Roman"/>
-                        <a:ea typeface="Times New Roman"/>
-                        <a:cs typeface="Times New Roman"/>
-                        <a:sym typeface="Times New Roman"/>
-                      </a:endParaRPr>
-                    </a:p>
-                  </a:txBody>
-                  <a:tcPr marT="91425" marB="91425" marR="91425" marL="91425"/>
-                </a:tc>
-              </a:tr>
-              <a:tr h="615225">
-                <a:tc>
-                  <a:txBody>
-                    <a:bodyPr/>
-                    <a:lstStyle/>
-                    <a:p>
-                      <a:pPr indent="0" lvl="0" marL="0" rtl="0" algn="l">
-                        <a:spcBef>
-                          <a:spcPts val="0"/>
-                        </a:spcBef>
-                        <a:spcAft>
-                          <a:spcPts val="0"/>
-                        </a:spcAft>
-                        <a:buNone/>
-                      </a:pPr>
-                      <a:r>
-                        <a:rPr lang="tr">
-                          <a:solidFill>
-                            <a:schemeClr val="dk1"/>
-                          </a:solidFill>
-                          <a:latin typeface="Times New Roman"/>
-                          <a:ea typeface="Times New Roman"/>
-                          <a:cs typeface="Times New Roman"/>
-                          <a:sym typeface="Times New Roman"/>
-                        </a:rPr>
-                        <a:t>[3]</a:t>
-                      </a:r>
-                      <a:endParaRPr>
-                        <a:latin typeface="Times New Roman"/>
-                        <a:ea typeface="Times New Roman"/>
-                        <a:cs typeface="Times New Roman"/>
-                        <a:sym typeface="Times New Roman"/>
-                      </a:endParaRPr>
-                    </a:p>
-                  </a:txBody>
-                  <a:tcPr marT="91425" marB="91425" marR="91425" marL="91425"/>
-                </a:tc>
-                <a:tc>
-                  <a:txBody>
-                    <a:bodyPr/>
-                    <a:lstStyle/>
-                    <a:p>
-                      <a:pPr indent="0" lvl="0" marL="0" rtl="0" algn="l">
-                        <a:spcBef>
-                          <a:spcPts val="0"/>
-                        </a:spcBef>
-                        <a:spcAft>
-                          <a:spcPts val="0"/>
-                        </a:spcAft>
-                        <a:buNone/>
-                      </a:pPr>
-                      <a:r>
-                        <a:rPr lang="tr">
-                          <a:latin typeface="Times New Roman"/>
-                          <a:ea typeface="Times New Roman"/>
-                          <a:cs typeface="Times New Roman"/>
-                          <a:sym typeface="Times New Roman"/>
-                        </a:rPr>
-                        <a:t>IBC</a:t>
-                      </a:r>
-                      <a:endParaRPr>
-                        <a:latin typeface="Times New Roman"/>
-                        <a:ea typeface="Times New Roman"/>
-                        <a:cs typeface="Times New Roman"/>
-                        <a:sym typeface="Times New Roman"/>
-                      </a:endParaRPr>
-                    </a:p>
-                  </a:txBody>
-                  <a:tcPr marT="91425" marB="91425" marR="91425" marL="91425"/>
-                </a:tc>
-                <a:tc>
-                  <a:txBody>
-                    <a:bodyPr/>
-                    <a:lstStyle/>
-                    <a:p>
-                      <a:pPr indent="0" lvl="0" marL="0" rtl="0" algn="l">
-                        <a:spcBef>
-                          <a:spcPts val="0"/>
-                        </a:spcBef>
-                        <a:spcAft>
-                          <a:spcPts val="0"/>
-                        </a:spcAft>
-                        <a:buNone/>
-                      </a:pPr>
-                      <a:r>
-                        <a:rPr lang="tr">
-                          <a:latin typeface="Times New Roman"/>
-                          <a:ea typeface="Times New Roman"/>
-                          <a:cs typeface="Times New Roman"/>
-                          <a:sym typeface="Times New Roman"/>
-                        </a:rPr>
-                        <a:t>10kW</a:t>
-                      </a:r>
-                      <a:endParaRPr>
-                        <a:latin typeface="Times New Roman"/>
-                        <a:ea typeface="Times New Roman"/>
-                        <a:cs typeface="Times New Roman"/>
-                        <a:sym typeface="Times New Roman"/>
-                      </a:endParaRPr>
-                    </a:p>
-                  </a:txBody>
-                  <a:tcPr marT="91425" marB="91425" marR="91425" marL="91425"/>
-                </a:tc>
-                <a:tc>
-                  <a:txBody>
-                    <a:bodyPr/>
-                    <a:lstStyle/>
-                    <a:p>
-                      <a:pPr indent="0" lvl="0" marL="0" rtl="0" algn="l">
-                        <a:spcBef>
-                          <a:spcPts val="0"/>
-                        </a:spcBef>
-                        <a:spcAft>
-                          <a:spcPts val="0"/>
-                        </a:spcAft>
-                        <a:buNone/>
-                      </a:pPr>
-                      <a:r>
-                        <a:rPr lang="tr">
-                          <a:latin typeface="Times New Roman"/>
-                          <a:ea typeface="Times New Roman"/>
-                          <a:cs typeface="Times New Roman"/>
-                          <a:sym typeface="Times New Roman"/>
-                        </a:rPr>
-                        <a:t>1200V-SiC</a:t>
-                      </a:r>
-                      <a:endParaRPr>
-                        <a:latin typeface="Times New Roman"/>
-                        <a:ea typeface="Times New Roman"/>
-                        <a:cs typeface="Times New Roman"/>
-                        <a:sym typeface="Times New Roman"/>
-                      </a:endParaRPr>
-                    </a:p>
-                  </a:txBody>
-                  <a:tcPr marT="91425" marB="91425" marR="91425" marL="91425"/>
-                </a:tc>
-                <a:tc>
-                  <a:txBody>
-                    <a:bodyPr/>
-                    <a:lstStyle/>
-                    <a:p>
-                      <a:pPr indent="0" lvl="0" marL="0" rtl="0" algn="l">
-                        <a:spcBef>
-                          <a:spcPts val="0"/>
-                        </a:spcBef>
-                        <a:spcAft>
-                          <a:spcPts val="0"/>
-                        </a:spcAft>
-                        <a:buNone/>
-                      </a:pPr>
-                      <a:r>
-                        <a:rPr lang="tr">
-                          <a:latin typeface="Times New Roman"/>
-                          <a:ea typeface="Times New Roman"/>
-                          <a:cs typeface="Times New Roman"/>
-                          <a:sym typeface="Times New Roman"/>
-                        </a:rPr>
-                        <a:t>47kHz,Powdered iron core</a:t>
-                      </a:r>
-                      <a:endParaRPr>
-                        <a:latin typeface="Times New Roman"/>
-                        <a:ea typeface="Times New Roman"/>
-                        <a:cs typeface="Times New Roman"/>
-                        <a:sym typeface="Times New Roman"/>
-                      </a:endParaRPr>
-                    </a:p>
-                  </a:txBody>
-                  <a:tcPr marT="91425" marB="91425" marR="91425" marL="91425"/>
-                </a:tc>
-              </a:tr>
-              <a:tr h="399900">
-                <a:tc>
-                  <a:txBody>
-                    <a:bodyPr/>
-                    <a:lstStyle/>
-                    <a:p>
-                      <a:pPr indent="0" lvl="0" marL="0" rtl="0" algn="l">
-                        <a:spcBef>
-                          <a:spcPts val="0"/>
-                        </a:spcBef>
-                        <a:spcAft>
-                          <a:spcPts val="0"/>
-                        </a:spcAft>
-                        <a:buNone/>
-                      </a:pPr>
-                      <a:r>
-                        <a:rPr lang="tr">
-                          <a:solidFill>
-                            <a:schemeClr val="dk1"/>
-                          </a:solidFill>
-                          <a:latin typeface="Times New Roman"/>
-                          <a:ea typeface="Times New Roman"/>
-                          <a:cs typeface="Times New Roman"/>
-                          <a:sym typeface="Times New Roman"/>
-                        </a:rPr>
-                        <a:t>[4]</a:t>
-                      </a:r>
-                      <a:endParaRPr>
-                        <a:latin typeface="Times New Roman"/>
-                        <a:ea typeface="Times New Roman"/>
-                        <a:cs typeface="Times New Roman"/>
-                        <a:sym typeface="Times New Roman"/>
-                      </a:endParaRPr>
-                    </a:p>
-                  </a:txBody>
-                  <a:tcPr marT="91425" marB="91425" marR="91425" marL="91425"/>
-                </a:tc>
-                <a:tc>
-                  <a:txBody>
-                    <a:bodyPr/>
-                    <a:lstStyle/>
-                    <a:p>
-                      <a:pPr indent="0" lvl="0" marL="0" rtl="0" algn="l">
-                        <a:spcBef>
-                          <a:spcPts val="0"/>
-                        </a:spcBef>
-                        <a:spcAft>
-                          <a:spcPts val="0"/>
-                        </a:spcAft>
-                        <a:buNone/>
-                      </a:pPr>
-                      <a:r>
-                        <a:rPr lang="tr">
-                          <a:latin typeface="Times New Roman"/>
-                          <a:ea typeface="Times New Roman"/>
-                          <a:cs typeface="Times New Roman"/>
-                          <a:sym typeface="Times New Roman"/>
-                        </a:rPr>
-                        <a:t>BC vs BBC</a:t>
-                      </a:r>
-                      <a:endParaRPr>
-                        <a:latin typeface="Times New Roman"/>
-                        <a:ea typeface="Times New Roman"/>
-                        <a:cs typeface="Times New Roman"/>
-                        <a:sym typeface="Times New Roman"/>
-                      </a:endParaRPr>
-                    </a:p>
-                  </a:txBody>
-                  <a:tcPr marT="91425" marB="91425" marR="91425" marL="91425"/>
-                </a:tc>
-                <a:tc>
-                  <a:txBody>
-                    <a:bodyPr/>
-                    <a:lstStyle/>
-                    <a:p>
-                      <a:pPr indent="0" lvl="0" marL="0" rtl="0" algn="l">
-                        <a:spcBef>
-                          <a:spcPts val="0"/>
-                        </a:spcBef>
-                        <a:spcAft>
-                          <a:spcPts val="0"/>
-                        </a:spcAft>
-                        <a:buNone/>
-                      </a:pPr>
-                      <a:r>
-                        <a:rPr lang="tr">
-                          <a:latin typeface="Times New Roman"/>
-                          <a:ea typeface="Times New Roman"/>
-                          <a:cs typeface="Times New Roman"/>
-                          <a:sym typeface="Times New Roman"/>
-                        </a:rPr>
-                        <a:t>22kW</a:t>
-                      </a:r>
-                      <a:endParaRPr>
-                        <a:latin typeface="Times New Roman"/>
-                        <a:ea typeface="Times New Roman"/>
-                        <a:cs typeface="Times New Roman"/>
-                        <a:sym typeface="Times New Roman"/>
-                      </a:endParaRPr>
-                    </a:p>
-                  </a:txBody>
-                  <a:tcPr marT="91425" marB="91425" marR="91425" marL="91425"/>
-                </a:tc>
-                <a:tc>
-                  <a:txBody>
-                    <a:bodyPr/>
-                    <a:lstStyle/>
-                    <a:p>
-                      <a:pPr indent="0" lvl="0" marL="0" rtl="0" algn="l">
-                        <a:spcBef>
-                          <a:spcPts val="0"/>
-                        </a:spcBef>
-                        <a:spcAft>
-                          <a:spcPts val="0"/>
-                        </a:spcAft>
-                        <a:buNone/>
-                      </a:pPr>
-                      <a:r>
-                        <a:rPr lang="tr">
-                          <a:latin typeface="Times New Roman"/>
-                          <a:ea typeface="Times New Roman"/>
-                          <a:cs typeface="Times New Roman"/>
-                          <a:sym typeface="Times New Roman"/>
-                        </a:rPr>
-                        <a:t>1200V SiC</a:t>
-                      </a:r>
-                      <a:endParaRPr>
-                        <a:latin typeface="Times New Roman"/>
-                        <a:ea typeface="Times New Roman"/>
-                        <a:cs typeface="Times New Roman"/>
-                        <a:sym typeface="Times New Roman"/>
-                      </a:endParaRPr>
-                    </a:p>
-                  </a:txBody>
-                  <a:tcPr marT="91425" marB="91425" marR="91425" marL="91425"/>
-                </a:tc>
-                <a:tc>
-                  <a:txBody>
-                    <a:bodyPr/>
-                    <a:lstStyle/>
-                    <a:p>
-                      <a:pPr indent="0" lvl="0" marL="0" rtl="0" algn="l">
-                        <a:spcBef>
-                          <a:spcPts val="0"/>
-                        </a:spcBef>
-                        <a:spcAft>
-                          <a:spcPts val="0"/>
-                        </a:spcAft>
-                        <a:buNone/>
-                      </a:pPr>
-                      <a:r>
-                        <a:rPr lang="tr">
-                          <a:latin typeface="Times New Roman"/>
-                          <a:ea typeface="Times New Roman"/>
-                          <a:cs typeface="Times New Roman"/>
-                          <a:sym typeface="Times New Roman"/>
-                        </a:rPr>
-                        <a:t>Efficiency</a:t>
-                      </a:r>
-                      <a:endParaRPr>
-                        <a:latin typeface="Times New Roman"/>
-                        <a:ea typeface="Times New Roman"/>
-                        <a:cs typeface="Times New Roman"/>
-                        <a:sym typeface="Times New Roman"/>
-                      </a:endParaRPr>
-                    </a:p>
-                  </a:txBody>
-                  <a:tcPr marT="91425" marB="91425" marR="91425" marL="91425"/>
-                </a:tc>
-              </a:tr>
-              <a:tr h="615225">
-                <a:tc>
-                  <a:txBody>
-                    <a:bodyPr/>
-                    <a:lstStyle/>
-                    <a:p>
-                      <a:pPr indent="0" lvl="0" marL="0" rtl="0" algn="l">
-                        <a:spcBef>
-                          <a:spcPts val="0"/>
-                        </a:spcBef>
-                        <a:spcAft>
-                          <a:spcPts val="0"/>
-                        </a:spcAft>
-                        <a:buNone/>
-                      </a:pPr>
-                      <a:r>
-                        <a:rPr lang="tr">
-                          <a:solidFill>
-                            <a:schemeClr val="dk1"/>
-                          </a:solidFill>
-                          <a:latin typeface="Times New Roman"/>
-                          <a:ea typeface="Times New Roman"/>
-                          <a:cs typeface="Times New Roman"/>
-                          <a:sym typeface="Times New Roman"/>
-                        </a:rPr>
-                        <a:t>[5]</a:t>
-                      </a:r>
-                      <a:endParaRPr>
-                        <a:latin typeface="Times New Roman"/>
-                        <a:ea typeface="Times New Roman"/>
-                        <a:cs typeface="Times New Roman"/>
-                        <a:sym typeface="Times New Roman"/>
-                      </a:endParaRPr>
-                    </a:p>
-                  </a:txBody>
-                  <a:tcPr marT="91425" marB="91425" marR="91425" marL="91425"/>
-                </a:tc>
-                <a:tc>
-                  <a:txBody>
-                    <a:bodyPr/>
-                    <a:lstStyle/>
-                    <a:p>
-                      <a:pPr indent="0" lvl="0" marL="0" rtl="0" algn="l">
-                        <a:spcBef>
-                          <a:spcPts val="0"/>
-                        </a:spcBef>
-                        <a:spcAft>
-                          <a:spcPts val="0"/>
-                        </a:spcAft>
-                        <a:buNone/>
-                      </a:pPr>
-                      <a:r>
-                        <a:rPr lang="tr">
-                          <a:latin typeface="Times New Roman"/>
-                          <a:ea typeface="Times New Roman"/>
-                          <a:cs typeface="Times New Roman"/>
-                          <a:sym typeface="Times New Roman"/>
-                        </a:rPr>
-                        <a:t>IBC(coupled inductor)</a:t>
-                      </a:r>
-                      <a:endParaRPr>
-                        <a:latin typeface="Times New Roman"/>
-                        <a:ea typeface="Times New Roman"/>
-                        <a:cs typeface="Times New Roman"/>
-                        <a:sym typeface="Times New Roman"/>
-                      </a:endParaRPr>
-                    </a:p>
-                  </a:txBody>
-                  <a:tcPr marT="91425" marB="91425" marR="91425" marL="91425"/>
-                </a:tc>
-                <a:tc>
-                  <a:txBody>
-                    <a:bodyPr/>
-                    <a:lstStyle/>
-                    <a:p>
-                      <a:pPr indent="0" lvl="0" marL="0" rtl="0" algn="l">
-                        <a:spcBef>
-                          <a:spcPts val="0"/>
-                        </a:spcBef>
-                        <a:spcAft>
-                          <a:spcPts val="0"/>
-                        </a:spcAft>
-                        <a:buNone/>
-                      </a:pPr>
-                      <a:r>
-                        <a:rPr lang="tr" sz="1350">
-                          <a:solidFill>
-                            <a:srgbClr val="2E2E2E"/>
-                          </a:solidFill>
-                          <a:latin typeface="Times New Roman"/>
-                          <a:ea typeface="Times New Roman"/>
-                          <a:cs typeface="Times New Roman"/>
-                          <a:sym typeface="Times New Roman"/>
-                        </a:rPr>
-                        <a:t>1kW</a:t>
-                      </a:r>
-                      <a:endParaRPr>
-                        <a:latin typeface="Times New Roman"/>
-                        <a:ea typeface="Times New Roman"/>
-                        <a:cs typeface="Times New Roman"/>
-                        <a:sym typeface="Times New Roman"/>
-                      </a:endParaRPr>
-                    </a:p>
-                  </a:txBody>
-                  <a:tcPr marT="91425" marB="91425" marR="91425" marL="91425"/>
-                </a:tc>
-                <a:tc>
-                  <a:txBody>
-                    <a:bodyPr/>
-                    <a:lstStyle/>
-                    <a:p>
-                      <a:pPr indent="0" lvl="0" marL="0" rtl="0" algn="l">
-                        <a:spcBef>
-                          <a:spcPts val="0"/>
-                        </a:spcBef>
-                        <a:spcAft>
-                          <a:spcPts val="0"/>
-                        </a:spcAft>
-                        <a:buNone/>
-                      </a:pPr>
-                      <a:r>
-                        <a:rPr lang="tr">
-                          <a:latin typeface="Times New Roman"/>
-                          <a:ea typeface="Times New Roman"/>
-                          <a:cs typeface="Times New Roman"/>
-                          <a:sym typeface="Times New Roman"/>
-                        </a:rPr>
-                        <a:t>Si</a:t>
-                      </a:r>
-                      <a:endParaRPr>
-                        <a:latin typeface="Times New Roman"/>
-                        <a:ea typeface="Times New Roman"/>
-                        <a:cs typeface="Times New Roman"/>
-                        <a:sym typeface="Times New Roman"/>
-                      </a:endParaRPr>
-                    </a:p>
-                  </a:txBody>
-                  <a:tcPr marT="91425" marB="91425" marR="91425" marL="91425"/>
-                </a:tc>
-                <a:tc>
-                  <a:txBody>
-                    <a:bodyPr/>
-                    <a:lstStyle/>
-                    <a:p>
-                      <a:pPr indent="0" lvl="0" marL="0" rtl="0" algn="l">
-                        <a:spcBef>
-                          <a:spcPts val="0"/>
-                        </a:spcBef>
-                        <a:spcAft>
-                          <a:spcPts val="0"/>
-                        </a:spcAft>
-                        <a:buNone/>
-                      </a:pPr>
-                      <a:r>
-                        <a:rPr lang="tr">
-                          <a:latin typeface="Times New Roman"/>
-                          <a:ea typeface="Times New Roman"/>
-                          <a:cs typeface="Times New Roman"/>
-                          <a:sym typeface="Times New Roman"/>
-                        </a:rPr>
-                        <a:t>Magnetic losses and inductor size</a:t>
-                      </a:r>
-                      <a:endParaRPr>
-                        <a:latin typeface="Times New Roman"/>
-                        <a:ea typeface="Times New Roman"/>
-                        <a:cs typeface="Times New Roman"/>
-                        <a:sym typeface="Times New Roman"/>
-                      </a:endParaRPr>
-                    </a:p>
-                  </a:txBody>
-                  <a:tcPr marT="91425" marB="91425" marR="91425" marL="91425"/>
-                </a:tc>
-              </a:tr>
-              <a:tr h="615225">
-                <a:tc>
-                  <a:txBody>
-                    <a:bodyPr/>
-                    <a:lstStyle/>
-                    <a:p>
-                      <a:pPr indent="0" lvl="0" marL="0" rtl="0" algn="l">
-                        <a:spcBef>
-                          <a:spcPts val="0"/>
-                        </a:spcBef>
-                        <a:spcAft>
-                          <a:spcPts val="0"/>
-                        </a:spcAft>
-                        <a:buNone/>
-                      </a:pPr>
-                      <a:r>
-                        <a:rPr lang="tr">
-                          <a:solidFill>
-                            <a:schemeClr val="dk1"/>
-                          </a:solidFill>
-                          <a:latin typeface="Times New Roman"/>
-                          <a:ea typeface="Times New Roman"/>
-                          <a:cs typeface="Times New Roman"/>
-                          <a:sym typeface="Times New Roman"/>
-                        </a:rPr>
-                        <a:t>[6]</a:t>
-                      </a:r>
-                      <a:endParaRPr>
-                        <a:latin typeface="Times New Roman"/>
-                        <a:ea typeface="Times New Roman"/>
-                        <a:cs typeface="Times New Roman"/>
-                        <a:sym typeface="Times New Roman"/>
-                      </a:endParaRPr>
-                    </a:p>
-                  </a:txBody>
-                  <a:tcPr marT="91425" marB="91425" marR="91425" marL="91425"/>
-                </a:tc>
-                <a:tc>
-                  <a:txBody>
-                    <a:bodyPr/>
-                    <a:lstStyle/>
-                    <a:p>
-                      <a:pPr indent="0" lvl="0" marL="0" rtl="0" algn="l">
-                        <a:spcBef>
-                          <a:spcPts val="0"/>
-                        </a:spcBef>
-                        <a:spcAft>
-                          <a:spcPts val="0"/>
-                        </a:spcAft>
-                        <a:buNone/>
-                      </a:pPr>
-                      <a:r>
-                        <a:rPr lang="tr">
-                          <a:latin typeface="Times New Roman"/>
-                          <a:ea typeface="Times New Roman"/>
-                          <a:cs typeface="Times New Roman"/>
-                          <a:sym typeface="Times New Roman"/>
-                        </a:rPr>
-                        <a:t>IBC</a:t>
-                      </a:r>
-                      <a:endParaRPr>
-                        <a:latin typeface="Times New Roman"/>
-                        <a:ea typeface="Times New Roman"/>
-                        <a:cs typeface="Times New Roman"/>
-                        <a:sym typeface="Times New Roman"/>
-                      </a:endParaRPr>
-                    </a:p>
-                  </a:txBody>
-                  <a:tcPr marT="91425" marB="91425" marR="91425" marL="91425"/>
-                </a:tc>
-                <a:tc>
-                  <a:txBody>
-                    <a:bodyPr/>
-                    <a:lstStyle/>
-                    <a:p>
-                      <a:pPr indent="0" lvl="0" marL="0" rtl="0" algn="l">
-                        <a:spcBef>
-                          <a:spcPts val="0"/>
-                        </a:spcBef>
-                        <a:spcAft>
-                          <a:spcPts val="0"/>
-                        </a:spcAft>
-                        <a:buNone/>
-                      </a:pPr>
-                      <a:r>
-                        <a:rPr lang="tr">
-                          <a:latin typeface="Times New Roman"/>
-                          <a:ea typeface="Times New Roman"/>
-                          <a:cs typeface="Times New Roman"/>
-                          <a:sym typeface="Times New Roman"/>
-                        </a:rPr>
-                        <a:t>-</a:t>
-                      </a:r>
-                      <a:endParaRPr>
-                        <a:latin typeface="Times New Roman"/>
-                        <a:ea typeface="Times New Roman"/>
-                        <a:cs typeface="Times New Roman"/>
-                        <a:sym typeface="Times New Roman"/>
-                      </a:endParaRPr>
-                    </a:p>
-                  </a:txBody>
-                  <a:tcPr marT="91425" marB="91425" marR="91425" marL="91425"/>
-                </a:tc>
-                <a:tc>
-                  <a:txBody>
-                    <a:bodyPr/>
-                    <a:lstStyle/>
-                    <a:p>
-                      <a:pPr indent="0" lvl="0" marL="0" rtl="0" algn="l">
-                        <a:spcBef>
-                          <a:spcPts val="0"/>
-                        </a:spcBef>
-                        <a:spcAft>
-                          <a:spcPts val="0"/>
-                        </a:spcAft>
-                        <a:buNone/>
-                      </a:pPr>
-                      <a:r>
-                        <a:rPr lang="tr">
-                          <a:latin typeface="Times New Roman"/>
-                          <a:ea typeface="Times New Roman"/>
-                          <a:cs typeface="Times New Roman"/>
-                          <a:sym typeface="Times New Roman"/>
-                        </a:rPr>
-                        <a:t>-</a:t>
-                      </a:r>
-                      <a:endParaRPr>
-                        <a:latin typeface="Times New Roman"/>
-                        <a:ea typeface="Times New Roman"/>
-                        <a:cs typeface="Times New Roman"/>
-                        <a:sym typeface="Times New Roman"/>
-                      </a:endParaRPr>
-                    </a:p>
-                  </a:txBody>
-                  <a:tcPr marT="91425" marB="91425" marR="91425" marL="91425"/>
-                </a:tc>
-                <a:tc>
-                  <a:txBody>
-                    <a:bodyPr/>
-                    <a:lstStyle/>
-                    <a:p>
-                      <a:pPr indent="0" lvl="0" marL="0" rtl="0" algn="l">
-                        <a:spcBef>
-                          <a:spcPts val="0"/>
-                        </a:spcBef>
-                        <a:spcAft>
-                          <a:spcPts val="0"/>
-                        </a:spcAft>
-                        <a:buNone/>
-                      </a:pPr>
-                      <a:r>
-                        <a:rPr lang="tr">
-                          <a:solidFill>
-                            <a:schemeClr val="dk1"/>
-                          </a:solidFill>
-                          <a:latin typeface="Times New Roman"/>
-                          <a:ea typeface="Times New Roman"/>
-                          <a:cs typeface="Times New Roman"/>
-                          <a:sym typeface="Times New Roman"/>
-                        </a:rPr>
-                        <a:t>(#module cost and reliability)</a:t>
-                      </a:r>
-                      <a:endParaRPr>
-                        <a:latin typeface="Times New Roman"/>
-                        <a:ea typeface="Times New Roman"/>
-                        <a:cs typeface="Times New Roman"/>
-                        <a:sym typeface="Times New Roman"/>
-                      </a:endParaRPr>
-                    </a:p>
-                  </a:txBody>
-                  <a:tcPr marT="91425" marB="91425" marR="91425" marL="91425"/>
-                </a:tc>
-              </a:tr>
-              <a:tr h="615225">
-                <a:tc>
-                  <a:txBody>
-                    <a:bodyPr/>
-                    <a:lstStyle/>
-                    <a:p>
-                      <a:pPr indent="0" lvl="0" marL="0" rtl="0" algn="l">
-                        <a:spcBef>
-                          <a:spcPts val="0"/>
-                        </a:spcBef>
-                        <a:spcAft>
-                          <a:spcPts val="0"/>
-                        </a:spcAft>
-                        <a:buNone/>
-                      </a:pPr>
-                      <a:r>
-                        <a:rPr lang="tr">
-                          <a:latin typeface="Times New Roman"/>
-                          <a:ea typeface="Times New Roman"/>
-                          <a:cs typeface="Times New Roman"/>
-                          <a:sym typeface="Times New Roman"/>
-                        </a:rPr>
-                        <a:t>[7]</a:t>
-                      </a:r>
-                      <a:endParaRPr>
-                        <a:latin typeface="Times New Roman"/>
-                        <a:ea typeface="Times New Roman"/>
-                        <a:cs typeface="Times New Roman"/>
-                        <a:sym typeface="Times New Roman"/>
-                      </a:endParaRPr>
-                    </a:p>
-                  </a:txBody>
-                  <a:tcPr marT="91425" marB="91425" marR="91425" marL="91425"/>
-                </a:tc>
-                <a:tc>
-                  <a:txBody>
-                    <a:bodyPr/>
-                    <a:lstStyle/>
-                    <a:p>
-                      <a:pPr indent="0" lvl="0" marL="0" rtl="0" algn="l">
-                        <a:lnSpc>
-                          <a:spcPct val="125000"/>
-                        </a:lnSpc>
-                        <a:spcBef>
-                          <a:spcPts val="0"/>
-                        </a:spcBef>
-                        <a:spcAft>
-                          <a:spcPts val="1900"/>
-                        </a:spcAft>
-                        <a:buNone/>
-                      </a:pPr>
-                      <a:r>
-                        <a:rPr lang="tr">
-                          <a:solidFill>
-                            <a:schemeClr val="dk1"/>
-                          </a:solidFill>
-                          <a:highlight>
-                            <a:srgbClr val="FFFFFF"/>
-                          </a:highlight>
-                          <a:latin typeface="Times New Roman"/>
-                          <a:ea typeface="Times New Roman"/>
-                          <a:cs typeface="Times New Roman"/>
-                          <a:sym typeface="Times New Roman"/>
-                        </a:rPr>
-                        <a:t>CRD-60DD12N</a:t>
-                      </a:r>
-                      <a:endParaRPr sz="1100">
-                        <a:solidFill>
-                          <a:schemeClr val="dk1"/>
-                        </a:solidFill>
-                        <a:latin typeface="Times New Roman"/>
-                        <a:ea typeface="Times New Roman"/>
-                        <a:cs typeface="Times New Roman"/>
-                        <a:sym typeface="Times New Roman"/>
-                      </a:endParaRPr>
-                    </a:p>
-                  </a:txBody>
-                  <a:tcPr marT="91425" marB="91425" marR="91425" marL="91425"/>
-                </a:tc>
-                <a:tc>
-                  <a:txBody>
-                    <a:bodyPr/>
-                    <a:lstStyle/>
-                    <a:p>
-                      <a:pPr indent="0" lvl="0" marL="0" rtl="0" algn="l">
-                        <a:spcBef>
-                          <a:spcPts val="0"/>
-                        </a:spcBef>
-                        <a:spcAft>
-                          <a:spcPts val="0"/>
-                        </a:spcAft>
-                        <a:buNone/>
-                      </a:pPr>
-                      <a:r>
-                        <a:rPr lang="tr">
-                          <a:latin typeface="Times New Roman"/>
-                          <a:ea typeface="Times New Roman"/>
-                          <a:cs typeface="Times New Roman"/>
-                          <a:sym typeface="Times New Roman"/>
-                        </a:rPr>
-                        <a:t>60kW</a:t>
-                      </a:r>
-                      <a:endParaRPr>
-                        <a:latin typeface="Times New Roman"/>
-                        <a:ea typeface="Times New Roman"/>
-                        <a:cs typeface="Times New Roman"/>
-                        <a:sym typeface="Times New Roman"/>
-                      </a:endParaRPr>
-                    </a:p>
-                  </a:txBody>
-                  <a:tcPr marT="91425" marB="91425" marR="91425" marL="91425"/>
-                </a:tc>
-                <a:tc>
-                  <a:txBody>
-                    <a:bodyPr/>
-                    <a:lstStyle/>
-                    <a:p>
-                      <a:pPr indent="0" lvl="0" marL="0" rtl="0" algn="l">
-                        <a:spcBef>
-                          <a:spcPts val="0"/>
-                        </a:spcBef>
-                        <a:spcAft>
-                          <a:spcPts val="0"/>
-                        </a:spcAft>
-                        <a:buNone/>
-                      </a:pPr>
-                      <a:r>
-                        <a:rPr lang="tr">
-                          <a:latin typeface="Times New Roman"/>
-                          <a:ea typeface="Times New Roman"/>
-                          <a:cs typeface="Times New Roman"/>
-                          <a:sym typeface="Times New Roman"/>
-                        </a:rPr>
-                        <a:t>SiC-1200V</a:t>
-                      </a:r>
-                      <a:endParaRPr>
-                        <a:latin typeface="Times New Roman"/>
-                        <a:ea typeface="Times New Roman"/>
-                        <a:cs typeface="Times New Roman"/>
-                        <a:sym typeface="Times New Roman"/>
-                      </a:endParaRPr>
-                    </a:p>
-                  </a:txBody>
-                  <a:tcPr marT="91425" marB="91425" marR="91425" marL="91425"/>
-                </a:tc>
-                <a:tc>
-                  <a:txBody>
-                    <a:bodyPr/>
-                    <a:lstStyle/>
-                    <a:p>
-                      <a:pPr indent="0" lvl="0" marL="0" rtl="0" algn="l">
-                        <a:spcBef>
-                          <a:spcPts val="0"/>
-                        </a:spcBef>
-                        <a:spcAft>
-                          <a:spcPts val="0"/>
-                        </a:spcAft>
-                        <a:buNone/>
-                      </a:pPr>
-                      <a:r>
-                        <a:rPr lang="tr">
-                          <a:latin typeface="Times New Roman"/>
-                          <a:ea typeface="Times New Roman"/>
-                          <a:cs typeface="Times New Roman"/>
-                          <a:sym typeface="Times New Roman"/>
-                        </a:rPr>
-                        <a:t>4x15kW IBC,850VDC</a:t>
-                      </a:r>
-                      <a:endParaRPr>
-                        <a:latin typeface="Times New Roman"/>
-                        <a:ea typeface="Times New Roman"/>
-                        <a:cs typeface="Times New Roman"/>
-                        <a:sym typeface="Times New Roman"/>
-                      </a:endParaRPr>
-                    </a:p>
-                  </a:txBody>
-                  <a:tcPr marT="91425" marB="91425" marR="91425" marL="91425"/>
-                </a:tc>
-              </a:tr>
-            </a:tbl>
-          </a:graphicData>
-        </a:graphic>
-      </p:graphicFrame>
-    </p:spTree>
-  </p:cSld>
-  <p:clrMapOvr>
-    <a:masterClrMapping/>
-  </p:clrMapOvr>
-</p:sld>
-</file>
-
-<file path=ppt/slides/slide9.xml><?xml version="1.0" encoding="utf-8"?>
-<p:sld xmlns:a="http://schemas.openxmlformats.org/drawingml/2006/main" xmlns:r="http://schemas.openxmlformats.org/officeDocument/2006/relationships" xmlns:mc="http://schemas.openxmlformats.org/markup-compatibility/2006" xmlns:mv="urn:schemas-microsoft-com:mac:vml" xmlns:p="http://schemas.openxmlformats.org/presentationml/2006/main" xmlns:c="http://schemas.openxmlformats.org/drawingml/2006/chart" xmlns:dgm="http://schemas.openxmlformats.org/drawingml/2006/diagram" xmlns:o="urn:schemas-microsoft-com:office:office" xmlns:v="urn:schemas-microsoft-com:vml" xmlns:pvml="urn:schemas-microsoft-com:office:powerpoint" xmlns:com="http://schemas.openxmlformats.org/drawingml/2006/compatibility" xmlns:p14="http://schemas.microsoft.com/office/powerpoint/2010/main" xmlns:p15="http://schemas.microsoft.com/office/powerpoint/2012/main" xmlns:ahyp="http://schemas.microsoft.com/office/drawing/2018/hyperlinkcolor">
-  <p:cSld>
-    <p:spTree>
-      <p:nvGrpSpPr>
-        <p:cNvPr id="110" name="Shape 110"/>
-        <p:cNvGrpSpPr/>
-        <p:nvPr/>
-      </p:nvGrpSpPr>
-      <p:grpSpPr>
-        <a:xfrm>
-          <a:off x="0" y="0"/>
-          <a:ext cx="0" cy="0"/>
-          <a:chOff x="0" y="0"/>
-          <a:chExt cx="0" cy="0"/>
-        </a:xfrm>
-      </p:grpSpPr>
-      <p:graphicFrame>
-        <p:nvGraphicFramePr>
-          <p:cNvPr id="111" name="Google Shape;111;p21"/>
-          <p:cNvGraphicFramePr/>
-          <p:nvPr/>
-        </p:nvGraphicFramePr>
-        <p:xfrm>
-          <a:off x="717075" y="101767"/>
-          <a:ext cx="3000000" cy="3000000"/>
-        </p:xfrm>
-        <a:graphic>
-          <a:graphicData uri="http://schemas.openxmlformats.org/drawingml/2006/table">
-            <a:tbl>
-              <a:tblPr>
-                <a:noFill/>
-                <a:tableStyleId>{7720DC6F-0DF6-4A9A-9CBE-F7A59AB97579}</a:tableStyleId>
-              </a:tblPr>
-              <a:tblGrid>
-                <a:gridCol w="1583750"/>
-                <a:gridCol w="1876800"/>
-                <a:gridCol w="1290700"/>
-                <a:gridCol w="1583750"/>
-                <a:gridCol w="1749900"/>
-              </a:tblGrid>
-              <a:tr h="615225">
-                <a:tc>
-                  <a:txBody>
-                    <a:bodyPr/>
-                    <a:lstStyle/>
-                    <a:p>
-                      <a:pPr indent="0" lvl="0" marL="0" rtl="0" algn="l">
-                        <a:spcBef>
-                          <a:spcPts val="0"/>
-                        </a:spcBef>
-                        <a:spcAft>
-                          <a:spcPts val="0"/>
-                        </a:spcAft>
-                        <a:buNone/>
-                      </a:pPr>
-                      <a:r>
-                        <a:rPr lang="tr">
-                          <a:latin typeface="Times New Roman"/>
-                          <a:ea typeface="Times New Roman"/>
-                          <a:cs typeface="Times New Roman"/>
-                          <a:sym typeface="Times New Roman"/>
-                        </a:rPr>
-                        <a:t>Articles</a:t>
-                      </a:r>
-                      <a:endParaRPr>
-                        <a:latin typeface="Times New Roman"/>
-                        <a:ea typeface="Times New Roman"/>
-                        <a:cs typeface="Times New Roman"/>
-                        <a:sym typeface="Times New Roman"/>
-                      </a:endParaRPr>
-                    </a:p>
-                  </a:txBody>
-                  <a:tcPr marT="91425" marB="91425" marR="91425" marL="91425"/>
-                </a:tc>
-                <a:tc>
-                  <a:txBody>
-                    <a:bodyPr/>
-                    <a:lstStyle/>
-                    <a:p>
-                      <a:pPr indent="0" lvl="0" marL="0" rtl="0" algn="l">
-                        <a:spcBef>
-                          <a:spcPts val="0"/>
-                        </a:spcBef>
-                        <a:spcAft>
-                          <a:spcPts val="0"/>
-                        </a:spcAft>
-                        <a:buNone/>
-                      </a:pPr>
-                      <a:r>
-                        <a:rPr lang="tr">
-                          <a:solidFill>
-                            <a:schemeClr val="dk1"/>
-                          </a:solidFill>
-                          <a:latin typeface="Times New Roman"/>
-                          <a:ea typeface="Times New Roman"/>
-                          <a:cs typeface="Times New Roman"/>
-                          <a:sym typeface="Times New Roman"/>
-                        </a:rPr>
-                        <a:t>Topologies</a:t>
-                      </a:r>
-                      <a:endParaRPr>
-                        <a:latin typeface="Times New Roman"/>
-                        <a:ea typeface="Times New Roman"/>
-                        <a:cs typeface="Times New Roman"/>
-                        <a:sym typeface="Times New Roman"/>
-                      </a:endParaRPr>
-                    </a:p>
-                  </a:txBody>
-                  <a:tcPr marT="91425" marB="91425" marR="91425" marL="91425"/>
-                </a:tc>
-                <a:tc>
-                  <a:txBody>
-                    <a:bodyPr/>
-                    <a:lstStyle/>
-                    <a:p>
-                      <a:pPr indent="0" lvl="0" marL="0" rtl="0" algn="l">
-                        <a:spcBef>
-                          <a:spcPts val="0"/>
-                        </a:spcBef>
-                        <a:spcAft>
-                          <a:spcPts val="0"/>
-                        </a:spcAft>
-                        <a:buNone/>
-                      </a:pPr>
-                      <a:r>
-                        <a:rPr lang="tr">
-                          <a:latin typeface="Times New Roman"/>
-                          <a:ea typeface="Times New Roman"/>
-                          <a:cs typeface="Times New Roman"/>
-                          <a:sym typeface="Times New Roman"/>
-                        </a:rPr>
-                        <a:t>Power ratings</a:t>
-                      </a:r>
-                      <a:endParaRPr>
-                        <a:latin typeface="Times New Roman"/>
-                        <a:ea typeface="Times New Roman"/>
-                        <a:cs typeface="Times New Roman"/>
-                        <a:sym typeface="Times New Roman"/>
-                      </a:endParaRPr>
-                    </a:p>
-                  </a:txBody>
-                  <a:tcPr marT="91425" marB="91425" marR="91425" marL="91425"/>
-                </a:tc>
-                <a:tc>
-                  <a:txBody>
-                    <a:bodyPr/>
-                    <a:lstStyle/>
-                    <a:p>
-                      <a:pPr indent="0" lvl="0" marL="0" rtl="0" algn="l">
-                        <a:spcBef>
-                          <a:spcPts val="0"/>
-                        </a:spcBef>
-                        <a:spcAft>
-                          <a:spcPts val="0"/>
-                        </a:spcAft>
-                        <a:buNone/>
-                      </a:pPr>
-                      <a:r>
-                        <a:rPr lang="tr">
-                          <a:latin typeface="Times New Roman"/>
-                          <a:ea typeface="Times New Roman"/>
-                          <a:cs typeface="Times New Roman"/>
-                          <a:sym typeface="Times New Roman"/>
-                        </a:rPr>
-                        <a:t>Material</a:t>
-                      </a:r>
-                      <a:endParaRPr>
-                        <a:latin typeface="Times New Roman"/>
-                        <a:ea typeface="Times New Roman"/>
-                        <a:cs typeface="Times New Roman"/>
-                        <a:sym typeface="Times New Roman"/>
-                      </a:endParaRPr>
-                    </a:p>
-                  </a:txBody>
-                  <a:tcPr marT="91425" marB="91425" marR="91425" marL="91425"/>
-                </a:tc>
-                <a:tc>
-                  <a:txBody>
-                    <a:bodyPr/>
-                    <a:lstStyle/>
-                    <a:p>
-                      <a:pPr indent="0" lvl="0" marL="0" rtl="0" algn="l">
-                        <a:spcBef>
-                          <a:spcPts val="0"/>
-                        </a:spcBef>
-                        <a:spcAft>
-                          <a:spcPts val="0"/>
-                        </a:spcAft>
-                        <a:buNone/>
-                      </a:pPr>
-                      <a:r>
-                        <a:rPr lang="tr">
-                          <a:latin typeface="Times New Roman"/>
-                          <a:ea typeface="Times New Roman"/>
-                          <a:cs typeface="Times New Roman"/>
-                          <a:sym typeface="Times New Roman"/>
-                        </a:rPr>
-                        <a:t>Features</a:t>
-                      </a:r>
-                      <a:endParaRPr>
-                        <a:latin typeface="Times New Roman"/>
-                        <a:ea typeface="Times New Roman"/>
-                        <a:cs typeface="Times New Roman"/>
-                        <a:sym typeface="Times New Roman"/>
-                      </a:endParaRPr>
-                    </a:p>
-                  </a:txBody>
-                  <a:tcPr marT="91425" marB="91425" marR="91425" marL="91425"/>
-                </a:tc>
-              </a:tr>
-              <a:tr h="615225">
-                <a:tc>
-                  <a:txBody>
-                    <a:bodyPr/>
-                    <a:lstStyle/>
-                    <a:p>
-                      <a:pPr indent="0" lvl="0" marL="0" rtl="0" algn="l">
+                      <a:pPr marL="0" lvl="0" indent="0" algn="l" rtl="0">
                         <a:spcBef>
                           <a:spcPts val="0"/>
                         </a:spcBef>
@@ -10074,14 +10556,14 @@
                       <a:endParaRPr/>
                     </a:p>
                   </a:txBody>
-                  <a:tcPr marT="91425" marB="91425" marR="91425" marL="91425"/>
+                  <a:tcPr marL="91425" marR="91425" marT="91425" marB="91425"/>
                 </a:tc>
                 <a:tc>
                   <a:txBody>
                     <a:bodyPr/>
                     <a:lstStyle/>
                     <a:p>
-                      <a:pPr indent="0" lvl="0" marL="0" rtl="0" algn="l">
+                      <a:pPr marL="0" lvl="0" indent="0" algn="l" rtl="0">
                         <a:spcBef>
                           <a:spcPts val="0"/>
                         </a:spcBef>
@@ -10091,20 +10573,20 @@
                         <a:buNone/>
                       </a:pPr>
                       <a:r>
-                        <a:rPr lang="tr"/>
+                        <a:rPr lang="tr" dirty="0"/>
                         <a:t>IMMC Boost Converter</a:t>
                       </a:r>
-                      <a:endParaRPr/>
+                      <a:endParaRPr dirty="0"/>
                     </a:p>
                   </a:txBody>
-                  <a:tcPr marT="91425" marB="91425" marR="91425" marL="91425"/>
+                  <a:tcPr marL="91425" marR="91425" marT="91425" marB="91425"/>
                 </a:tc>
                 <a:tc>
                   <a:txBody>
                     <a:bodyPr/>
                     <a:lstStyle/>
                     <a:p>
-                      <a:pPr indent="0" lvl="0" marL="0" rtl="0" algn="l">
+                      <a:pPr marL="0" lvl="0" indent="0" algn="l" rtl="0">
                         <a:spcBef>
                           <a:spcPts val="0"/>
                         </a:spcBef>
@@ -10120,14 +10602,14 @@
                       <a:endParaRPr/>
                     </a:p>
                   </a:txBody>
-                  <a:tcPr marT="91425" marB="91425" marR="91425" marL="91425"/>
+                  <a:tcPr marL="91425" marR="91425" marT="91425" marB="91425"/>
                 </a:tc>
                 <a:tc>
                   <a:txBody>
                     <a:bodyPr/>
                     <a:lstStyle/>
                     <a:p>
-                      <a:pPr indent="0" lvl="0" marL="0" rtl="0" algn="l">
+                      <a:pPr marL="0" lvl="0" indent="0" algn="l" rtl="0">
                         <a:spcBef>
                           <a:spcPts val="0"/>
                         </a:spcBef>
@@ -10137,20 +10619,20 @@
                         <a:buNone/>
                       </a:pPr>
                       <a:r>
-                        <a:rPr lang="tr"/>
+                        <a:rPr lang="tr" dirty="0"/>
                         <a:t>SiC 6.5kV</a:t>
                       </a:r>
-                      <a:endParaRPr/>
+                      <a:endParaRPr dirty="0"/>
                     </a:p>
                   </a:txBody>
-                  <a:tcPr marT="91425" marB="91425" marR="91425" marL="91425"/>
+                  <a:tcPr marL="91425" marR="91425" marT="91425" marB="91425"/>
                 </a:tc>
                 <a:tc>
                   <a:txBody>
                     <a:bodyPr/>
                     <a:lstStyle/>
                     <a:p>
-                      <a:pPr indent="0" lvl="0" marL="0" rtl="0" algn="l">
+                      <a:pPr marL="0" lvl="0" indent="0" algn="l" rtl="0">
                         <a:spcBef>
                           <a:spcPts val="0"/>
                         </a:spcBef>
@@ -10160,14 +10642,19 @@
                         <a:buNone/>
                       </a:pPr>
                       <a:r>
-                        <a:rPr lang="tr"/>
+                        <a:rPr lang="tr" dirty="0"/>
                         <a:t>modular, power sharing issues</a:t>
                       </a:r>
-                      <a:endParaRPr/>
+                      <a:endParaRPr dirty="0"/>
                     </a:p>
                   </a:txBody>
-                  <a:tcPr marT="91425" marB="91425" marR="91425" marL="91425"/>
+                  <a:tcPr marL="91425" marR="91425" marT="91425" marB="91425"/>
                 </a:tc>
+                <a:extLst>
+                  <a:ext uri="{0D108BD9-81ED-4DB2-BD59-A6C34878D82A}">
+                    <a16:rowId xmlns:a16="http://schemas.microsoft.com/office/drawing/2014/main" val="10001"/>
+                  </a:ext>
+                </a:extLst>
               </a:tr>
               <a:tr h="615225">
                 <a:tc>
@@ -10175,7 +10662,7 @@
                     <a:bodyPr/>
                     <a:lstStyle/>
                     <a:p>
-                      <a:pPr indent="0" lvl="0" marL="0" rtl="0" algn="l">
+                      <a:pPr marL="0" lvl="0" indent="0" algn="l" rtl="0">
                         <a:spcBef>
                           <a:spcPts val="0"/>
                         </a:spcBef>
@@ -10191,14 +10678,14 @@
                       <a:endParaRPr/>
                     </a:p>
                   </a:txBody>
-                  <a:tcPr marT="91425" marB="91425" marR="91425" marL="91425"/>
+                  <a:tcPr marL="91425" marR="91425" marT="91425" marB="91425"/>
                 </a:tc>
                 <a:tc>
                   <a:txBody>
                     <a:bodyPr/>
                     <a:lstStyle/>
                     <a:p>
-                      <a:pPr indent="0" lvl="0" marL="0" rtl="0" algn="l">
+                      <a:pPr marL="0" lvl="0" indent="0" algn="l" rtl="0">
                         <a:spcBef>
                           <a:spcPts val="0"/>
                         </a:spcBef>
@@ -10208,20 +10695,20 @@
                         <a:buNone/>
                       </a:pPr>
                       <a:r>
-                        <a:rPr lang="tr"/>
+                        <a:rPr lang="tr" dirty="0"/>
                         <a:t>IBS (soft switching)</a:t>
                       </a:r>
-                      <a:endParaRPr/>
+                      <a:endParaRPr dirty="0"/>
                     </a:p>
                   </a:txBody>
-                  <a:tcPr marT="91425" marB="91425" marR="91425" marL="91425"/>
+                  <a:tcPr marL="91425" marR="91425" marT="91425" marB="91425"/>
                 </a:tc>
                 <a:tc>
                   <a:txBody>
                     <a:bodyPr/>
                     <a:lstStyle/>
                     <a:p>
-                      <a:pPr indent="0" lvl="0" marL="0" rtl="0" algn="l">
+                      <a:pPr marL="0" lvl="0" indent="0" algn="l" rtl="0">
                         <a:spcBef>
                           <a:spcPts val="0"/>
                         </a:spcBef>
@@ -10237,14 +10724,14 @@
                       <a:endParaRPr/>
                     </a:p>
                   </a:txBody>
-                  <a:tcPr marT="91425" marB="91425" marR="91425" marL="91425"/>
+                  <a:tcPr marL="91425" marR="91425" marT="91425" marB="91425"/>
                 </a:tc>
                 <a:tc>
                   <a:txBody>
                     <a:bodyPr/>
                     <a:lstStyle/>
                     <a:p>
-                      <a:pPr indent="0" lvl="0" marL="0" rtl="0" algn="l">
+                      <a:pPr marL="0" lvl="0" indent="0" algn="l" rtl="0">
                         <a:spcBef>
                           <a:spcPts val="0"/>
                         </a:spcBef>
@@ -10260,14 +10747,14 @@
                       <a:endParaRPr/>
                     </a:p>
                   </a:txBody>
-                  <a:tcPr marT="91425" marB="91425" marR="91425" marL="91425"/>
+                  <a:tcPr marL="91425" marR="91425" marT="91425" marB="91425"/>
                 </a:tc>
                 <a:tc>
                   <a:txBody>
                     <a:bodyPr/>
                     <a:lstStyle/>
                     <a:p>
-                      <a:pPr indent="0" lvl="0" marL="0" rtl="0" algn="l">
+                      <a:pPr marL="0" lvl="0" indent="0" algn="l" rtl="0">
                         <a:spcBef>
                           <a:spcPts val="0"/>
                         </a:spcBef>
@@ -10277,14 +10764,19 @@
                         <a:buNone/>
                       </a:pPr>
                       <a:r>
-                        <a:rPr lang="tr"/>
+                        <a:rPr lang="tr" dirty="0"/>
                         <a:t>single switch, additional resonator</a:t>
                       </a:r>
-                      <a:endParaRPr/>
+                      <a:endParaRPr dirty="0"/>
                     </a:p>
                   </a:txBody>
-                  <a:tcPr marT="91425" marB="91425" marR="91425" marL="91425"/>
+                  <a:tcPr marL="91425" marR="91425" marT="91425" marB="91425"/>
                 </a:tc>
+                <a:extLst>
+                  <a:ext uri="{0D108BD9-81ED-4DB2-BD59-A6C34878D82A}">
+                    <a16:rowId xmlns:a16="http://schemas.microsoft.com/office/drawing/2014/main" val="10002"/>
+                  </a:ext>
+                </a:extLst>
               </a:tr>
               <a:tr h="615225">
                 <a:tc>
@@ -10292,7 +10784,7 @@
                     <a:bodyPr/>
                     <a:lstStyle/>
                     <a:p>
-                      <a:pPr indent="0" lvl="0" marL="0" rtl="0" algn="l">
+                      <a:pPr marL="0" lvl="0" indent="0" algn="l" rtl="0">
                         <a:spcBef>
                           <a:spcPts val="0"/>
                         </a:spcBef>
@@ -10301,20 +10793,17 @@
                         </a:spcAft>
                         <a:buNone/>
                       </a:pPr>
-                      <a:r>
-                        <a:t/>
-                      </a:r>
                       <a:endParaRPr/>
                     </a:p>
                   </a:txBody>
-                  <a:tcPr marT="91425" marB="91425" marR="91425" marL="91425"/>
+                  <a:tcPr marL="91425" marR="91425" marT="91425" marB="91425"/>
                 </a:tc>
                 <a:tc>
                   <a:txBody>
                     <a:bodyPr/>
                     <a:lstStyle/>
                     <a:p>
-                      <a:pPr indent="0" lvl="0" marL="0" rtl="0" algn="l">
+                      <a:pPr marL="0" lvl="0" indent="0" algn="l" rtl="0">
                         <a:spcBef>
                           <a:spcPts val="0"/>
                         </a:spcBef>
@@ -10323,20 +10812,17 @@
                         </a:spcAft>
                         <a:buNone/>
                       </a:pPr>
-                      <a:r>
-                        <a:t/>
-                      </a:r>
                       <a:endParaRPr/>
                     </a:p>
                   </a:txBody>
-                  <a:tcPr marT="91425" marB="91425" marR="91425" marL="91425"/>
+                  <a:tcPr marL="91425" marR="91425" marT="91425" marB="91425"/>
                 </a:tc>
                 <a:tc>
                   <a:txBody>
                     <a:bodyPr/>
                     <a:lstStyle/>
                     <a:p>
-                      <a:pPr indent="0" lvl="0" marL="0" rtl="0" algn="l">
+                      <a:pPr marL="0" lvl="0" indent="0" algn="l" rtl="0">
                         <a:spcBef>
                           <a:spcPts val="0"/>
                         </a:spcBef>
@@ -10345,20 +10831,17 @@
                         </a:spcAft>
                         <a:buNone/>
                       </a:pPr>
-                      <a:r>
-                        <a:t/>
-                      </a:r>
                       <a:endParaRPr/>
                     </a:p>
                   </a:txBody>
-                  <a:tcPr marT="91425" marB="91425" marR="91425" marL="91425"/>
+                  <a:tcPr marL="91425" marR="91425" marT="91425" marB="91425"/>
                 </a:tc>
                 <a:tc>
                   <a:txBody>
                     <a:bodyPr/>
                     <a:lstStyle/>
                     <a:p>
-                      <a:pPr indent="0" lvl="0" marL="0" rtl="0" algn="l">
+                      <a:pPr marL="0" lvl="0" indent="0" algn="l" rtl="0">
                         <a:spcBef>
                           <a:spcPts val="0"/>
                         </a:spcBef>
@@ -10367,20 +10850,17 @@
                         </a:spcAft>
                         <a:buNone/>
                       </a:pPr>
-                      <a:r>
-                        <a:t/>
-                      </a:r>
                       <a:endParaRPr/>
                     </a:p>
                   </a:txBody>
-                  <a:tcPr marT="91425" marB="91425" marR="91425" marL="91425"/>
+                  <a:tcPr marL="91425" marR="91425" marT="91425" marB="91425"/>
                 </a:tc>
                 <a:tc>
                   <a:txBody>
                     <a:bodyPr/>
                     <a:lstStyle/>
                     <a:p>
-                      <a:pPr indent="0" lvl="0" marL="0" rtl="0" algn="l">
+                      <a:pPr marL="0" lvl="0" indent="0" algn="l" rtl="0">
                         <a:spcBef>
                           <a:spcPts val="0"/>
                         </a:spcBef>
@@ -10389,14 +10869,16 @@
                         </a:spcAft>
                         <a:buNone/>
                       </a:pPr>
-                      <a:r>
-                        <a:t/>
-                      </a:r>
                       <a:endParaRPr/>
                     </a:p>
                   </a:txBody>
-                  <a:tcPr marT="91425" marB="91425" marR="91425" marL="91425"/>
+                  <a:tcPr marL="91425" marR="91425" marT="91425" marB="91425"/>
                 </a:tc>
+                <a:extLst>
+                  <a:ext uri="{0D108BD9-81ED-4DB2-BD59-A6C34878D82A}">
+                    <a16:rowId xmlns:a16="http://schemas.microsoft.com/office/drawing/2014/main" val="10003"/>
+                  </a:ext>
+                </a:extLst>
               </a:tr>
               <a:tr h="399900">
                 <a:tc>
@@ -10404,7 +10886,7 @@
                     <a:bodyPr/>
                     <a:lstStyle/>
                     <a:p>
-                      <a:pPr indent="0" lvl="0" marL="0" rtl="0" algn="l">
+                      <a:pPr marL="0" lvl="0" indent="0" algn="l" rtl="0">
                         <a:spcBef>
                           <a:spcPts val="0"/>
                         </a:spcBef>
@@ -10413,20 +10895,17 @@
                         </a:spcAft>
                         <a:buNone/>
                       </a:pPr>
-                      <a:r>
-                        <a:t/>
-                      </a:r>
                       <a:endParaRPr/>
                     </a:p>
                   </a:txBody>
-                  <a:tcPr marT="91425" marB="91425" marR="91425" marL="91425"/>
+                  <a:tcPr marL="91425" marR="91425" marT="91425" marB="91425"/>
                 </a:tc>
                 <a:tc>
                   <a:txBody>
                     <a:bodyPr/>
                     <a:lstStyle/>
                     <a:p>
-                      <a:pPr indent="0" lvl="0" marL="0" rtl="0" algn="l">
+                      <a:pPr marL="0" lvl="0" indent="0" algn="l" rtl="0">
                         <a:spcBef>
                           <a:spcPts val="0"/>
                         </a:spcBef>
@@ -10435,20 +10914,17 @@
                         </a:spcAft>
                         <a:buNone/>
                       </a:pPr>
-                      <a:r>
-                        <a:t/>
-                      </a:r>
                       <a:endParaRPr/>
                     </a:p>
                   </a:txBody>
-                  <a:tcPr marT="91425" marB="91425" marR="91425" marL="91425"/>
+                  <a:tcPr marL="91425" marR="91425" marT="91425" marB="91425"/>
                 </a:tc>
                 <a:tc>
                   <a:txBody>
                     <a:bodyPr/>
                     <a:lstStyle/>
                     <a:p>
-                      <a:pPr indent="0" lvl="0" marL="0" rtl="0" algn="l">
+                      <a:pPr marL="0" lvl="0" indent="0" algn="l" rtl="0">
                         <a:spcBef>
                           <a:spcPts val="0"/>
                         </a:spcBef>
@@ -10457,20 +10933,17 @@
                         </a:spcAft>
                         <a:buNone/>
                       </a:pPr>
-                      <a:r>
-                        <a:t/>
-                      </a:r>
                       <a:endParaRPr/>
                     </a:p>
                   </a:txBody>
-                  <a:tcPr marT="91425" marB="91425" marR="91425" marL="91425"/>
+                  <a:tcPr marL="91425" marR="91425" marT="91425" marB="91425"/>
                 </a:tc>
                 <a:tc>
                   <a:txBody>
                     <a:bodyPr/>
                     <a:lstStyle/>
                     <a:p>
-                      <a:pPr indent="0" lvl="0" marL="0" rtl="0" algn="l">
+                      <a:pPr marL="0" lvl="0" indent="0" algn="l" rtl="0">
                         <a:spcBef>
                           <a:spcPts val="0"/>
                         </a:spcBef>
@@ -10479,20 +10952,17 @@
                         </a:spcAft>
                         <a:buNone/>
                       </a:pPr>
-                      <a:r>
-                        <a:t/>
-                      </a:r>
                       <a:endParaRPr/>
                     </a:p>
                   </a:txBody>
-                  <a:tcPr marT="91425" marB="91425" marR="91425" marL="91425"/>
+                  <a:tcPr marL="91425" marR="91425" marT="91425" marB="91425"/>
                 </a:tc>
                 <a:tc>
                   <a:txBody>
                     <a:bodyPr/>
                     <a:lstStyle/>
                     <a:p>
-                      <a:pPr indent="0" lvl="0" marL="0" rtl="0" algn="l">
+                      <a:pPr marL="0" lvl="0" indent="0" algn="l" rtl="0">
                         <a:spcBef>
                           <a:spcPts val="0"/>
                         </a:spcBef>
@@ -10501,14 +10971,16 @@
                         </a:spcAft>
                         <a:buNone/>
                       </a:pPr>
-                      <a:r>
-                        <a:t/>
-                      </a:r>
                       <a:endParaRPr/>
                     </a:p>
                   </a:txBody>
-                  <a:tcPr marT="91425" marB="91425" marR="91425" marL="91425"/>
+                  <a:tcPr marL="91425" marR="91425" marT="91425" marB="91425"/>
                 </a:tc>
+                <a:extLst>
+                  <a:ext uri="{0D108BD9-81ED-4DB2-BD59-A6C34878D82A}">
+                    <a16:rowId xmlns:a16="http://schemas.microsoft.com/office/drawing/2014/main" val="10004"/>
+                  </a:ext>
+                </a:extLst>
               </a:tr>
               <a:tr h="615225">
                 <a:tc>
@@ -10516,7 +10988,7 @@
                     <a:bodyPr/>
                     <a:lstStyle/>
                     <a:p>
-                      <a:pPr indent="0" lvl="0" marL="0" rtl="0" algn="l">
+                      <a:pPr marL="0" lvl="0" indent="0" algn="l" rtl="0">
                         <a:spcBef>
                           <a:spcPts val="0"/>
                         </a:spcBef>
@@ -10525,20 +10997,17 @@
                         </a:spcAft>
                         <a:buNone/>
                       </a:pPr>
-                      <a:r>
-                        <a:t/>
-                      </a:r>
                       <a:endParaRPr/>
                     </a:p>
                   </a:txBody>
-                  <a:tcPr marT="91425" marB="91425" marR="91425" marL="91425"/>
+                  <a:tcPr marL="91425" marR="91425" marT="91425" marB="91425"/>
                 </a:tc>
                 <a:tc>
                   <a:txBody>
                     <a:bodyPr/>
                     <a:lstStyle/>
                     <a:p>
-                      <a:pPr indent="0" lvl="0" marL="0" rtl="0" algn="l">
+                      <a:pPr marL="0" lvl="0" indent="0" algn="l" rtl="0">
                         <a:spcBef>
                           <a:spcPts val="0"/>
                         </a:spcBef>
@@ -10547,20 +11016,17 @@
                         </a:spcAft>
                         <a:buNone/>
                       </a:pPr>
-                      <a:r>
-                        <a:t/>
-                      </a:r>
                       <a:endParaRPr/>
                     </a:p>
                   </a:txBody>
-                  <a:tcPr marT="91425" marB="91425" marR="91425" marL="91425"/>
+                  <a:tcPr marL="91425" marR="91425" marT="91425" marB="91425"/>
                 </a:tc>
                 <a:tc>
                   <a:txBody>
                     <a:bodyPr/>
                     <a:lstStyle/>
                     <a:p>
-                      <a:pPr indent="0" lvl="0" marL="0" rtl="0" algn="l">
+                      <a:pPr marL="0" lvl="0" indent="0" algn="l" rtl="0">
                         <a:spcBef>
                           <a:spcPts val="0"/>
                         </a:spcBef>
@@ -10569,20 +11035,17 @@
                         </a:spcAft>
                         <a:buNone/>
                       </a:pPr>
-                      <a:r>
-                        <a:t/>
-                      </a:r>
                       <a:endParaRPr/>
                     </a:p>
                   </a:txBody>
-                  <a:tcPr marT="91425" marB="91425" marR="91425" marL="91425"/>
+                  <a:tcPr marL="91425" marR="91425" marT="91425" marB="91425"/>
                 </a:tc>
                 <a:tc>
                   <a:txBody>
                     <a:bodyPr/>
                     <a:lstStyle/>
                     <a:p>
-                      <a:pPr indent="0" lvl="0" marL="0" rtl="0" algn="l">
+                      <a:pPr marL="0" lvl="0" indent="0" algn="l" rtl="0">
                         <a:spcBef>
                           <a:spcPts val="0"/>
                         </a:spcBef>
@@ -10591,20 +11054,17 @@
                         </a:spcAft>
                         <a:buNone/>
                       </a:pPr>
-                      <a:r>
-                        <a:t/>
-                      </a:r>
                       <a:endParaRPr/>
                     </a:p>
                   </a:txBody>
-                  <a:tcPr marT="91425" marB="91425" marR="91425" marL="91425"/>
+                  <a:tcPr marL="91425" marR="91425" marT="91425" marB="91425"/>
                 </a:tc>
                 <a:tc>
                   <a:txBody>
                     <a:bodyPr/>
                     <a:lstStyle/>
                     <a:p>
-                      <a:pPr indent="0" lvl="0" marL="0" rtl="0" algn="l">
+                      <a:pPr marL="0" lvl="0" indent="0" algn="l" rtl="0">
                         <a:spcBef>
                           <a:spcPts val="0"/>
                         </a:spcBef>
@@ -10613,14 +11073,16 @@
                         </a:spcAft>
                         <a:buNone/>
                       </a:pPr>
-                      <a:r>
-                        <a:t/>
-                      </a:r>
                       <a:endParaRPr/>
                     </a:p>
                   </a:txBody>
-                  <a:tcPr marT="91425" marB="91425" marR="91425" marL="91425"/>
+                  <a:tcPr marL="91425" marR="91425" marT="91425" marB="91425"/>
                 </a:tc>
+                <a:extLst>
+                  <a:ext uri="{0D108BD9-81ED-4DB2-BD59-A6C34878D82A}">
+                    <a16:rowId xmlns:a16="http://schemas.microsoft.com/office/drawing/2014/main" val="10005"/>
+                  </a:ext>
+                </a:extLst>
               </a:tr>
               <a:tr h="615225">
                 <a:tc>
@@ -10628,7 +11090,7 @@
                     <a:bodyPr/>
                     <a:lstStyle/>
                     <a:p>
-                      <a:pPr indent="0" lvl="0" marL="0" rtl="0" algn="l">
+                      <a:pPr marL="0" lvl="0" indent="0" algn="l" rtl="0">
                         <a:spcBef>
                           <a:spcPts val="0"/>
                         </a:spcBef>
@@ -10637,20 +11099,17 @@
                         </a:spcAft>
                         <a:buNone/>
                       </a:pPr>
-                      <a:r>
-                        <a:t/>
-                      </a:r>
                       <a:endParaRPr/>
                     </a:p>
                   </a:txBody>
-                  <a:tcPr marT="91425" marB="91425" marR="91425" marL="91425"/>
+                  <a:tcPr marL="91425" marR="91425" marT="91425" marB="91425"/>
                 </a:tc>
                 <a:tc>
                   <a:txBody>
                     <a:bodyPr/>
                     <a:lstStyle/>
                     <a:p>
-                      <a:pPr indent="0" lvl="0" marL="0" rtl="0" algn="l">
+                      <a:pPr marL="0" lvl="0" indent="0" algn="l" rtl="0">
                         <a:spcBef>
                           <a:spcPts val="0"/>
                         </a:spcBef>
@@ -10659,20 +11118,17 @@
                         </a:spcAft>
                         <a:buNone/>
                       </a:pPr>
-                      <a:r>
-                        <a:t/>
-                      </a:r>
                       <a:endParaRPr/>
                     </a:p>
                   </a:txBody>
-                  <a:tcPr marT="91425" marB="91425" marR="91425" marL="91425"/>
+                  <a:tcPr marL="91425" marR="91425" marT="91425" marB="91425"/>
                 </a:tc>
                 <a:tc>
                   <a:txBody>
                     <a:bodyPr/>
                     <a:lstStyle/>
                     <a:p>
-                      <a:pPr indent="0" lvl="0" marL="0" rtl="0" algn="l">
+                      <a:pPr marL="0" lvl="0" indent="0" algn="l" rtl="0">
                         <a:spcBef>
                           <a:spcPts val="0"/>
                         </a:spcBef>
@@ -10681,20 +11137,17 @@
                         </a:spcAft>
                         <a:buNone/>
                       </a:pPr>
-                      <a:r>
-                        <a:t/>
-                      </a:r>
                       <a:endParaRPr/>
                     </a:p>
                   </a:txBody>
-                  <a:tcPr marT="91425" marB="91425" marR="91425" marL="91425"/>
+                  <a:tcPr marL="91425" marR="91425" marT="91425" marB="91425"/>
                 </a:tc>
                 <a:tc>
                   <a:txBody>
                     <a:bodyPr/>
                     <a:lstStyle/>
                     <a:p>
-                      <a:pPr indent="0" lvl="0" marL="0" rtl="0" algn="l">
+                      <a:pPr marL="0" lvl="0" indent="0" algn="l" rtl="0">
                         <a:spcBef>
                           <a:spcPts val="0"/>
                         </a:spcBef>
@@ -10703,20 +11156,17 @@
                         </a:spcAft>
                         <a:buNone/>
                       </a:pPr>
-                      <a:r>
-                        <a:t/>
-                      </a:r>
                       <a:endParaRPr/>
                     </a:p>
                   </a:txBody>
-                  <a:tcPr marT="91425" marB="91425" marR="91425" marL="91425"/>
+                  <a:tcPr marL="91425" marR="91425" marT="91425" marB="91425"/>
                 </a:tc>
                 <a:tc>
                   <a:txBody>
                     <a:bodyPr/>
                     <a:lstStyle/>
                     <a:p>
-                      <a:pPr indent="0" lvl="0" marL="0" rtl="0" algn="l">
+                      <a:pPr marL="0" lvl="0" indent="0" algn="l" rtl="0">
                         <a:spcBef>
                           <a:spcPts val="0"/>
                         </a:spcBef>
@@ -10725,14 +11175,16 @@
                         </a:spcAft>
                         <a:buNone/>
                       </a:pPr>
-                      <a:r>
-                        <a:t/>
-                      </a:r>
                       <a:endParaRPr/>
                     </a:p>
                   </a:txBody>
-                  <a:tcPr marT="91425" marB="91425" marR="91425" marL="91425"/>
+                  <a:tcPr marL="91425" marR="91425" marT="91425" marB="91425"/>
                 </a:tc>
+                <a:extLst>
+                  <a:ext uri="{0D108BD9-81ED-4DB2-BD59-A6C34878D82A}">
+                    <a16:rowId xmlns:a16="http://schemas.microsoft.com/office/drawing/2014/main" val="10006"/>
+                  </a:ext>
+                </a:extLst>
               </a:tr>
               <a:tr h="615225">
                 <a:tc>
@@ -10740,7 +11192,7 @@
                     <a:bodyPr/>
                     <a:lstStyle/>
                     <a:p>
-                      <a:pPr indent="0" lvl="0" marL="0" rtl="0" algn="l">
+                      <a:pPr marL="0" lvl="0" indent="0" algn="l" rtl="0">
                         <a:spcBef>
                           <a:spcPts val="0"/>
                         </a:spcBef>
@@ -10749,20 +11201,17 @@
                         </a:spcAft>
                         <a:buNone/>
                       </a:pPr>
-                      <a:r>
-                        <a:t/>
-                      </a:r>
                       <a:endParaRPr/>
                     </a:p>
                   </a:txBody>
-                  <a:tcPr marT="91425" marB="91425" marR="91425" marL="91425"/>
+                  <a:tcPr marL="91425" marR="91425" marT="91425" marB="91425"/>
                 </a:tc>
                 <a:tc>
                   <a:txBody>
                     <a:bodyPr/>
                     <a:lstStyle/>
                     <a:p>
-                      <a:pPr indent="0" lvl="0" marL="0" rtl="0" algn="l">
+                      <a:pPr marL="0" lvl="0" indent="0" algn="l" rtl="0">
                         <a:spcBef>
                           <a:spcPts val="0"/>
                         </a:spcBef>
@@ -10771,20 +11220,17 @@
                         </a:spcAft>
                         <a:buNone/>
                       </a:pPr>
-                      <a:r>
-                        <a:t/>
-                      </a:r>
                       <a:endParaRPr/>
                     </a:p>
                   </a:txBody>
-                  <a:tcPr marT="91425" marB="91425" marR="91425" marL="91425"/>
+                  <a:tcPr marL="91425" marR="91425" marT="91425" marB="91425"/>
                 </a:tc>
                 <a:tc>
                   <a:txBody>
                     <a:bodyPr/>
                     <a:lstStyle/>
                     <a:p>
-                      <a:pPr indent="0" lvl="0" marL="0" rtl="0" algn="l">
+                      <a:pPr marL="0" lvl="0" indent="0" algn="l" rtl="0">
                         <a:spcBef>
                           <a:spcPts val="0"/>
                         </a:spcBef>
@@ -10793,20 +11239,17 @@
                         </a:spcAft>
                         <a:buNone/>
                       </a:pPr>
-                      <a:r>
-                        <a:t/>
-                      </a:r>
                       <a:endParaRPr/>
                     </a:p>
                   </a:txBody>
-                  <a:tcPr marT="91425" marB="91425" marR="91425" marL="91425"/>
+                  <a:tcPr marL="91425" marR="91425" marT="91425" marB="91425"/>
                 </a:tc>
                 <a:tc>
                   <a:txBody>
                     <a:bodyPr/>
                     <a:lstStyle/>
                     <a:p>
-                      <a:pPr indent="0" lvl="0" marL="0" rtl="0" algn="l">
+                      <a:pPr marL="0" lvl="0" indent="0" algn="l" rtl="0">
                         <a:spcBef>
                           <a:spcPts val="0"/>
                         </a:spcBef>
@@ -10815,20 +11258,17 @@
                         </a:spcAft>
                         <a:buNone/>
                       </a:pPr>
-                      <a:r>
-                        <a:t/>
-                      </a:r>
                       <a:endParaRPr/>
                     </a:p>
                   </a:txBody>
-                  <a:tcPr marT="91425" marB="91425" marR="91425" marL="91425"/>
+                  <a:tcPr marL="91425" marR="91425" marT="91425" marB="91425"/>
                 </a:tc>
                 <a:tc>
                   <a:txBody>
                     <a:bodyPr/>
                     <a:lstStyle/>
                     <a:p>
-                      <a:pPr indent="0" lvl="0" marL="0" rtl="0" algn="l">
+                      <a:pPr marL="0" lvl="0" indent="0" algn="l" rtl="0">
                         <a:spcBef>
                           <a:spcPts val="0"/>
                         </a:spcBef>
@@ -10837,14 +11277,16 @@
                         </a:spcAft>
                         <a:buNone/>
                       </a:pPr>
-                      <a:r>
-                        <a:t/>
-                      </a:r>
-                      <a:endParaRPr/>
+                      <a:endParaRPr dirty="0"/>
                     </a:p>
                   </a:txBody>
-                  <a:tcPr marT="91425" marB="91425" marR="91425" marL="91425"/>
+                  <a:tcPr marL="91425" marR="91425" marT="91425" marB="91425"/>
                 </a:tc>
+                <a:extLst>
+                  <a:ext uri="{0D108BD9-81ED-4DB2-BD59-A6C34878D82A}">
+                    <a16:rowId xmlns:a16="http://schemas.microsoft.com/office/drawing/2014/main" val="10007"/>
+                  </a:ext>
+                </a:extLst>
               </a:tr>
             </a:tbl>
           </a:graphicData>
@@ -10859,7 +11301,288 @@
 </file>
 
 <file path=ppt/theme/theme1.xml><?xml version="1.0" encoding="utf-8"?>
-<a:theme xmlns:a="http://schemas.openxmlformats.org/drawingml/2006/main" xmlns:r="http://schemas.openxmlformats.org/officeDocument/2006/relationships">
+<a:theme xmlns:a="http://schemas.openxmlformats.org/drawingml/2006/main" name="Simple Light">
+  <a:themeElements>
+    <a:clrScheme name="Simple Light">
+      <a:dk1>
+        <a:srgbClr val="000000"/>
+      </a:dk1>
+      <a:lt1>
+        <a:srgbClr val="FFFFFF"/>
+      </a:lt1>
+      <a:dk2>
+        <a:srgbClr val="595959"/>
+      </a:dk2>
+      <a:lt2>
+        <a:srgbClr val="EEEEEE"/>
+      </a:lt2>
+      <a:accent1>
+        <a:srgbClr val="4285F4"/>
+      </a:accent1>
+      <a:accent2>
+        <a:srgbClr val="212121"/>
+      </a:accent2>
+      <a:accent3>
+        <a:srgbClr val="78909C"/>
+      </a:accent3>
+      <a:accent4>
+        <a:srgbClr val="FFAB40"/>
+      </a:accent4>
+      <a:accent5>
+        <a:srgbClr val="0097A7"/>
+      </a:accent5>
+      <a:accent6>
+        <a:srgbClr val="EEFF41"/>
+      </a:accent6>
+      <a:hlink>
+        <a:srgbClr val="0097A7"/>
+      </a:hlink>
+      <a:folHlink>
+        <a:srgbClr val="0097A7"/>
+      </a:folHlink>
+    </a:clrScheme>
+    <a:fontScheme name="Office">
+      <a:majorFont>
+        <a:latin typeface="Arial"/>
+        <a:ea typeface=""/>
+        <a:cs typeface=""/>
+        <a:font script="Jpan" typeface="ＭＳ Ｐゴシック"/>
+        <a:font script="Hang" typeface="맑은 고딕"/>
+        <a:font script="Hans" typeface="宋体"/>
+        <a:font script="Hant" typeface="新細明體"/>
+        <a:font script="Arab" typeface="Times New Roman"/>
+        <a:font script="Hebr" typeface="Times New Roman"/>
+        <a:font script="Thai" typeface="Angsana New"/>
+        <a:font script="Ethi" typeface="Nyala"/>
+        <a:font script="Beng" typeface="Vrinda"/>
+        <a:font script="Gujr" typeface="Shruti"/>
+        <a:font script="Khmr" typeface="MoolBoran"/>
+        <a:font script="Knda" typeface="Tunga"/>
+        <a:font script="Guru" typeface="Raavi"/>
+        <a:font script="Cans" typeface="Euphemia"/>
+        <a:font script="Cher" typeface="Plantagenet Cherokee"/>
+        <a:font script="Yiii" typeface="Microsoft Yi Baiti"/>
+        <a:font script="Tibt" typeface="Microsoft Himalaya"/>
+        <a:font script="Thaa" typeface="MV Boli"/>
+        <a:font script="Deva" typeface="Mangal"/>
+        <a:font script="Telu" typeface="Gautami"/>
+        <a:font script="Taml" typeface="Latha"/>
+        <a:font script="Syrc" typeface="Estrangelo Edessa"/>
+        <a:font script="Orya" typeface="Kalinga"/>
+        <a:font script="Mlym" typeface="Kartika"/>
+        <a:font script="Laoo" typeface="DokChampa"/>
+        <a:font script="Sinh" typeface="Iskoola Pota"/>
+        <a:font script="Mong" typeface="Mongolian Baiti"/>
+        <a:font script="Viet" typeface="Times New Roman"/>
+        <a:font script="Uigh" typeface="Microsoft Uighur"/>
+        <a:font script="Geor" typeface="Sylfaen"/>
+      </a:majorFont>
+      <a:minorFont>
+        <a:latin typeface="Arial"/>
+        <a:ea typeface=""/>
+        <a:cs typeface=""/>
+        <a:font script="Jpan" typeface="ＭＳ Ｐゴシック"/>
+        <a:font script="Hang" typeface="맑은 고딕"/>
+        <a:font script="Hans" typeface="宋体"/>
+        <a:font script="Hant" typeface="新細明體"/>
+        <a:font script="Arab" typeface="Arial"/>
+        <a:font script="Hebr" typeface="Arial"/>
+        <a:font script="Thai" typeface="Cordia New"/>
+        <a:font script="Ethi" typeface="Nyala"/>
+        <a:font script="Beng" typeface="Vrinda"/>
+        <a:font script="Gujr" typeface="Shruti"/>
+        <a:font script="Khmr" typeface="DaunPenh"/>
+        <a:font script="Knda" typeface="Tunga"/>
+        <a:font script="Guru" typeface="Raavi"/>
+        <a:font script="Cans" typeface="Euphemia"/>
+        <a:font script="Cher" typeface="Plantagenet Cherokee"/>
+        <a:font script="Yiii" typeface="Microsoft Yi Baiti"/>
+        <a:font script="Tibt" typeface="Microsoft Himalaya"/>
+        <a:font script="Thaa" typeface="MV Boli"/>
+        <a:font script="Deva" typeface="Mangal"/>
+        <a:font script="Telu" typeface="Gautami"/>
+        <a:font script="Taml" typeface="Latha"/>
+        <a:font script="Syrc" typeface="Estrangelo Edessa"/>
+        <a:font script="Orya" typeface="Kalinga"/>
+        <a:font script="Mlym" typeface="Kartika"/>
+        <a:font script="Laoo" typeface="DokChampa"/>
+        <a:font script="Sinh" typeface="Iskoola Pota"/>
+        <a:font script="Mong" typeface="Mongolian Baiti"/>
+        <a:font script="Viet" typeface="Arial"/>
+        <a:font script="Uigh" typeface="Microsoft Uighur"/>
+        <a:font script="Geor" typeface="Sylfaen"/>
+      </a:minorFont>
+    </a:fontScheme>
+    <a:fmtScheme name="Office">
+      <a:fillStyleLst>
+        <a:solidFill>
+          <a:schemeClr val="phClr"/>
+        </a:solidFill>
+        <a:gradFill rotWithShape="1">
+          <a:gsLst>
+            <a:gs pos="0">
+              <a:schemeClr val="phClr">
+                <a:tint val="50000"/>
+                <a:satMod val="300000"/>
+              </a:schemeClr>
+            </a:gs>
+            <a:gs pos="35000">
+              <a:schemeClr val="phClr">
+                <a:tint val="37000"/>
+                <a:satMod val="300000"/>
+              </a:schemeClr>
+            </a:gs>
+            <a:gs pos="100000">
+              <a:schemeClr val="phClr">
+                <a:tint val="15000"/>
+                <a:satMod val="350000"/>
+              </a:schemeClr>
+            </a:gs>
+          </a:gsLst>
+          <a:lin ang="16200000" scaled="1"/>
+        </a:gradFill>
+        <a:gradFill rotWithShape="1">
+          <a:gsLst>
+            <a:gs pos="0">
+              <a:schemeClr val="phClr">
+                <a:tint val="100000"/>
+                <a:shade val="100000"/>
+                <a:satMod val="130000"/>
+              </a:schemeClr>
+            </a:gs>
+            <a:gs pos="100000">
+              <a:schemeClr val="phClr">
+                <a:tint val="50000"/>
+                <a:shade val="100000"/>
+                <a:satMod val="350000"/>
+              </a:schemeClr>
+            </a:gs>
+          </a:gsLst>
+          <a:lin ang="16200000" scaled="0"/>
+        </a:gradFill>
+      </a:fillStyleLst>
+      <a:lnStyleLst>
+        <a:ln w="9525" cap="flat" cmpd="sng" algn="ctr">
+          <a:solidFill>
+            <a:schemeClr val="phClr">
+              <a:shade val="95000"/>
+              <a:satMod val="105000"/>
+            </a:schemeClr>
+          </a:solidFill>
+          <a:prstDash val="solid"/>
+        </a:ln>
+        <a:ln w="25400" cap="flat" cmpd="sng" algn="ctr">
+          <a:solidFill>
+            <a:schemeClr val="phClr"/>
+          </a:solidFill>
+          <a:prstDash val="solid"/>
+        </a:ln>
+        <a:ln w="38100" cap="flat" cmpd="sng" algn="ctr">
+          <a:solidFill>
+            <a:schemeClr val="phClr"/>
+          </a:solidFill>
+          <a:prstDash val="solid"/>
+        </a:ln>
+      </a:lnStyleLst>
+      <a:effectStyleLst>
+        <a:effectStyle>
+          <a:effectLst>
+            <a:outerShdw blurRad="40000" dist="20000" dir="5400000" rotWithShape="0">
+              <a:srgbClr val="000000">
+                <a:alpha val="38000"/>
+              </a:srgbClr>
+            </a:outerShdw>
+          </a:effectLst>
+        </a:effectStyle>
+        <a:effectStyle>
+          <a:effectLst>
+            <a:outerShdw blurRad="40000" dist="23000" dir="5400000" rotWithShape="0">
+              <a:srgbClr val="000000">
+                <a:alpha val="35000"/>
+              </a:srgbClr>
+            </a:outerShdw>
+          </a:effectLst>
+        </a:effectStyle>
+        <a:effectStyle>
+          <a:effectLst>
+            <a:outerShdw blurRad="40000" dist="23000" dir="5400000" rotWithShape="0">
+              <a:srgbClr val="000000">
+                <a:alpha val="35000"/>
+              </a:srgbClr>
+            </a:outerShdw>
+          </a:effectLst>
+          <a:scene3d>
+            <a:camera prst="orthographicFront">
+              <a:rot lat="0" lon="0" rev="0"/>
+            </a:camera>
+            <a:lightRig rig="threePt" dir="t">
+              <a:rot lat="0" lon="0" rev="1200000"/>
+            </a:lightRig>
+          </a:scene3d>
+          <a:sp3d>
+            <a:bevelT w="63500" h="25400"/>
+          </a:sp3d>
+        </a:effectStyle>
+      </a:effectStyleLst>
+      <a:bgFillStyleLst>
+        <a:solidFill>
+          <a:schemeClr val="phClr"/>
+        </a:solidFill>
+        <a:gradFill rotWithShape="1">
+          <a:gsLst>
+            <a:gs pos="0">
+              <a:schemeClr val="phClr">
+                <a:tint val="40000"/>
+                <a:satMod val="350000"/>
+              </a:schemeClr>
+            </a:gs>
+            <a:gs pos="40000">
+              <a:schemeClr val="phClr">
+                <a:tint val="45000"/>
+                <a:shade val="99000"/>
+                <a:satMod val="350000"/>
+              </a:schemeClr>
+            </a:gs>
+            <a:gs pos="100000">
+              <a:schemeClr val="phClr">
+                <a:shade val="20000"/>
+                <a:satMod val="255000"/>
+              </a:schemeClr>
+            </a:gs>
+          </a:gsLst>
+          <a:path path="circle">
+            <a:fillToRect l="50000" t="-80000" r="50000" b="180000"/>
+          </a:path>
+        </a:gradFill>
+        <a:gradFill rotWithShape="1">
+          <a:gsLst>
+            <a:gs pos="0">
+              <a:schemeClr val="phClr">
+                <a:tint val="80000"/>
+                <a:satMod val="300000"/>
+              </a:schemeClr>
+            </a:gs>
+            <a:gs pos="100000">
+              <a:schemeClr val="phClr">
+                <a:shade val="30000"/>
+                <a:satMod val="200000"/>
+              </a:schemeClr>
+            </a:gs>
+          </a:gsLst>
+          <a:path path="circle">
+            <a:fillToRect l="50000" t="50000" r="50000" b="50000"/>
+          </a:path>
+        </a:gradFill>
+      </a:bgFillStyleLst>
+    </a:fmtScheme>
+  </a:themeElements>
+  <a:objectDefaults/>
+  <a:extraClrSchemeLst/>
+</a:theme>
+</file>
+
+<file path=ppt/theme/theme2.xml><?xml version="1.0" encoding="utf-8"?>
+<a:theme xmlns:a="http://schemas.openxmlformats.org/drawingml/2006/main">
   <a:themeElements>
     <a:clrScheme name="Default">
       <a:dk1>
@@ -11134,284 +11857,7 @@
       </a:bgFillStyleLst>
     </a:fmtScheme>
   </a:themeElements>
-</a:theme>
-</file>
-
-<file path=ppt/theme/theme2.xml><?xml version="1.0" encoding="utf-8"?>
-<a:theme xmlns:a="http://schemas.openxmlformats.org/drawingml/2006/main" xmlns:r="http://schemas.openxmlformats.org/officeDocument/2006/relationships" name="Simple Light">
-  <a:themeElements>
-    <a:clrScheme name="Simple Light">
-      <a:dk1>
-        <a:srgbClr val="000000"/>
-      </a:dk1>
-      <a:lt1>
-        <a:srgbClr val="FFFFFF"/>
-      </a:lt1>
-      <a:dk2>
-        <a:srgbClr val="595959"/>
-      </a:dk2>
-      <a:lt2>
-        <a:srgbClr val="EEEEEE"/>
-      </a:lt2>
-      <a:accent1>
-        <a:srgbClr val="4285F4"/>
-      </a:accent1>
-      <a:accent2>
-        <a:srgbClr val="212121"/>
-      </a:accent2>
-      <a:accent3>
-        <a:srgbClr val="78909C"/>
-      </a:accent3>
-      <a:accent4>
-        <a:srgbClr val="FFAB40"/>
-      </a:accent4>
-      <a:accent5>
-        <a:srgbClr val="0097A7"/>
-      </a:accent5>
-      <a:accent6>
-        <a:srgbClr val="EEFF41"/>
-      </a:accent6>
-      <a:hlink>
-        <a:srgbClr val="0097A7"/>
-      </a:hlink>
-      <a:folHlink>
-        <a:srgbClr val="0097A7"/>
-      </a:folHlink>
-    </a:clrScheme>
-    <a:fontScheme name="Office">
-      <a:majorFont>
-        <a:latin typeface="Arial"/>
-        <a:ea typeface=""/>
-        <a:cs typeface=""/>
-        <a:font script="Jpan" typeface="ＭＳ Ｐゴシック"/>
-        <a:font script="Hang" typeface="맑은 고딕"/>
-        <a:font script="Hans" typeface="宋体"/>
-        <a:font script="Hant" typeface="新細明體"/>
-        <a:font script="Arab" typeface="Times New Roman"/>
-        <a:font script="Hebr" typeface="Times New Roman"/>
-        <a:font script="Thai" typeface="Angsana New"/>
-        <a:font script="Ethi" typeface="Nyala"/>
-        <a:font script="Beng" typeface="Vrinda"/>
-        <a:font script="Gujr" typeface="Shruti"/>
-        <a:font script="Khmr" typeface="MoolBoran"/>
-        <a:font script="Knda" typeface="Tunga"/>
-        <a:font script="Guru" typeface="Raavi"/>
-        <a:font script="Cans" typeface="Euphemia"/>
-        <a:font script="Cher" typeface="Plantagenet Cherokee"/>
-        <a:font script="Yiii" typeface="Microsoft Yi Baiti"/>
-        <a:font script="Tibt" typeface="Microsoft Himalaya"/>
-        <a:font script="Thaa" typeface="MV Boli"/>
-        <a:font script="Deva" typeface="Mangal"/>
-        <a:font script="Telu" typeface="Gautami"/>
-        <a:font script="Taml" typeface="Latha"/>
-        <a:font script="Syrc" typeface="Estrangelo Edessa"/>
-        <a:font script="Orya" typeface="Kalinga"/>
-        <a:font script="Mlym" typeface="Kartika"/>
-        <a:font script="Laoo" typeface="DokChampa"/>
-        <a:font script="Sinh" typeface="Iskoola Pota"/>
-        <a:font script="Mong" typeface="Mongolian Baiti"/>
-        <a:font script="Viet" typeface="Times New Roman"/>
-        <a:font script="Uigh" typeface="Microsoft Uighur"/>
-        <a:font script="Geor" typeface="Sylfaen"/>
-      </a:majorFont>
-      <a:minorFont>
-        <a:latin typeface="Arial"/>
-        <a:ea typeface=""/>
-        <a:cs typeface=""/>
-        <a:font script="Jpan" typeface="ＭＳ Ｐゴシック"/>
-        <a:font script="Hang" typeface="맑은 고딕"/>
-        <a:font script="Hans" typeface="宋体"/>
-        <a:font script="Hant" typeface="新細明體"/>
-        <a:font script="Arab" typeface="Arial"/>
-        <a:font script="Hebr" typeface="Arial"/>
-        <a:font script="Thai" typeface="Cordia New"/>
-        <a:font script="Ethi" typeface="Nyala"/>
-        <a:font script="Beng" typeface="Vrinda"/>
-        <a:font script="Gujr" typeface="Shruti"/>
-        <a:font script="Khmr" typeface="DaunPenh"/>
-        <a:font script="Knda" typeface="Tunga"/>
-        <a:font script="Guru" typeface="Raavi"/>
-        <a:font script="Cans" typeface="Euphemia"/>
-        <a:font script="Cher" typeface="Plantagenet Cherokee"/>
-        <a:font script="Yiii" typeface="Microsoft Yi Baiti"/>
-        <a:font script="Tibt" typeface="Microsoft Himalaya"/>
-        <a:font script="Thaa" typeface="MV Boli"/>
-        <a:font script="Deva" typeface="Mangal"/>
-        <a:font script="Telu" typeface="Gautami"/>
-        <a:font script="Taml" typeface="Latha"/>
-        <a:font script="Syrc" typeface="Estrangelo Edessa"/>
-        <a:font script="Orya" typeface="Kalinga"/>
-        <a:font script="Mlym" typeface="Kartika"/>
-        <a:font script="Laoo" typeface="DokChampa"/>
-        <a:font script="Sinh" typeface="Iskoola Pota"/>
-        <a:font script="Mong" typeface="Mongolian Baiti"/>
-        <a:font script="Viet" typeface="Arial"/>
-        <a:font script="Uigh" typeface="Microsoft Uighur"/>
-        <a:font script="Geor" typeface="Sylfaen"/>
-      </a:minorFont>
-    </a:fontScheme>
-    <a:fmtScheme name="Office">
-      <a:fillStyleLst>
-        <a:solidFill>
-          <a:schemeClr val="phClr"/>
-        </a:solidFill>
-        <a:gradFill rotWithShape="1">
-          <a:gsLst>
-            <a:gs pos="0">
-              <a:schemeClr val="phClr">
-                <a:tint val="50000"/>
-                <a:satMod val="300000"/>
-              </a:schemeClr>
-            </a:gs>
-            <a:gs pos="35000">
-              <a:schemeClr val="phClr">
-                <a:tint val="37000"/>
-                <a:satMod val="300000"/>
-              </a:schemeClr>
-            </a:gs>
-            <a:gs pos="100000">
-              <a:schemeClr val="phClr">
-                <a:tint val="15000"/>
-                <a:satMod val="350000"/>
-              </a:schemeClr>
-            </a:gs>
-          </a:gsLst>
-          <a:lin ang="16200000" scaled="1"/>
-        </a:gradFill>
-        <a:gradFill rotWithShape="1">
-          <a:gsLst>
-            <a:gs pos="0">
-              <a:schemeClr val="phClr">
-                <a:tint val="100000"/>
-                <a:shade val="100000"/>
-                <a:satMod val="130000"/>
-              </a:schemeClr>
-            </a:gs>
-            <a:gs pos="100000">
-              <a:schemeClr val="phClr">
-                <a:tint val="50000"/>
-                <a:shade val="100000"/>
-                <a:satMod val="350000"/>
-              </a:schemeClr>
-            </a:gs>
-          </a:gsLst>
-          <a:lin ang="16200000" scaled="0"/>
-        </a:gradFill>
-      </a:fillStyleLst>
-      <a:lnStyleLst>
-        <a:ln w="9525" cap="flat" cmpd="sng" algn="ctr">
-          <a:solidFill>
-            <a:schemeClr val="phClr">
-              <a:shade val="95000"/>
-              <a:satMod val="105000"/>
-            </a:schemeClr>
-          </a:solidFill>
-          <a:prstDash val="solid"/>
-        </a:ln>
-        <a:ln w="25400" cap="flat" cmpd="sng" algn="ctr">
-          <a:solidFill>
-            <a:schemeClr val="phClr"/>
-          </a:solidFill>
-          <a:prstDash val="solid"/>
-        </a:ln>
-        <a:ln w="38100" cap="flat" cmpd="sng" algn="ctr">
-          <a:solidFill>
-            <a:schemeClr val="phClr"/>
-          </a:solidFill>
-          <a:prstDash val="solid"/>
-        </a:ln>
-      </a:lnStyleLst>
-      <a:effectStyleLst>
-        <a:effectStyle>
-          <a:effectLst>
-            <a:outerShdw blurRad="40000" dist="20000" dir="5400000" rotWithShape="0">
-              <a:srgbClr val="000000">
-                <a:alpha val="38000"/>
-              </a:srgbClr>
-            </a:outerShdw>
-          </a:effectLst>
-        </a:effectStyle>
-        <a:effectStyle>
-          <a:effectLst>
-            <a:outerShdw blurRad="40000" dist="23000" dir="5400000" rotWithShape="0">
-              <a:srgbClr val="000000">
-                <a:alpha val="35000"/>
-              </a:srgbClr>
-            </a:outerShdw>
-          </a:effectLst>
-        </a:effectStyle>
-        <a:effectStyle>
-          <a:effectLst>
-            <a:outerShdw blurRad="40000" dist="23000" dir="5400000" rotWithShape="0">
-              <a:srgbClr val="000000">
-                <a:alpha val="35000"/>
-              </a:srgbClr>
-            </a:outerShdw>
-          </a:effectLst>
-          <a:scene3d>
-            <a:camera prst="orthographicFront">
-              <a:rot lat="0" lon="0" rev="0"/>
-            </a:camera>
-            <a:lightRig rig="threePt" dir="t">
-              <a:rot lat="0" lon="0" rev="1200000"/>
-            </a:lightRig>
-          </a:scene3d>
-          <a:sp3d>
-            <a:bevelT w="63500" h="25400"/>
-          </a:sp3d>
-        </a:effectStyle>
-      </a:effectStyleLst>
-      <a:bgFillStyleLst>
-        <a:solidFill>
-          <a:schemeClr val="phClr"/>
-        </a:solidFill>
-        <a:gradFill rotWithShape="1">
-          <a:gsLst>
-            <a:gs pos="0">
-              <a:schemeClr val="phClr">
-                <a:tint val="40000"/>
-                <a:satMod val="350000"/>
-              </a:schemeClr>
-            </a:gs>
-            <a:gs pos="40000">
-              <a:schemeClr val="phClr">
-                <a:tint val="45000"/>
-                <a:shade val="99000"/>
-                <a:satMod val="350000"/>
-              </a:schemeClr>
-            </a:gs>
-            <a:gs pos="100000">
-              <a:schemeClr val="phClr">
-                <a:shade val="20000"/>
-                <a:satMod val="255000"/>
-              </a:schemeClr>
-            </a:gs>
-          </a:gsLst>
-          <a:path path="circle">
-            <a:fillToRect l="50000" t="-80000" r="50000" b="180000"/>
-          </a:path>
-        </a:gradFill>
-        <a:gradFill rotWithShape="1">
-          <a:gsLst>
-            <a:gs pos="0">
-              <a:schemeClr val="phClr">
-                <a:tint val="80000"/>
-                <a:satMod val="300000"/>
-              </a:schemeClr>
-            </a:gs>
-            <a:gs pos="100000">
-              <a:schemeClr val="phClr">
-                <a:shade val="30000"/>
-                <a:satMod val="200000"/>
-              </a:schemeClr>
-            </a:gs>
-          </a:gsLst>
-          <a:path path="circle">
-            <a:fillToRect l="50000" t="50000" r="50000" b="50000"/>
-          </a:path>
-        </a:gradFill>
-      </a:bgFillStyleLst>
-    </a:fmtScheme>
-  </a:themeElements>
+  <a:objectDefaults/>
+  <a:extraClrSchemeLst/>
 </a:theme>
 </file>